--- a/design-patterns/introduction.pptx
+++ b/design-patterns/introduction.pptx
@@ -4,11 +4,15 @@
   <p:sldMasterIdLst>
     <p:sldMasterId id="2147483648" r:id="rId1"/>
   </p:sldMasterIdLst>
+  <p:notesMasterIdLst>
+    <p:notesMasterId r:id="rId7"/>
+  </p:notesMasterIdLst>
   <p:sldIdLst>
     <p:sldId id="256" r:id="rId2"/>
     <p:sldId id="258" r:id="rId3"/>
-    <p:sldId id="259" r:id="rId4"/>
-    <p:sldId id="260" r:id="rId5"/>
+    <p:sldId id="261" r:id="rId4"/>
+    <p:sldId id="259" r:id="rId5"/>
+    <p:sldId id="260" r:id="rId6"/>
   </p:sldIdLst>
   <p:sldSz cx="12192000" cy="6858000"/>
   <p:notesSz cx="6858000" cy="9144000"/>
@@ -107,7 +111,446 @@
       </a:defRPr>
     </a:lvl9pPr>
   </p:defaultTextStyle>
+  <p:extLst>
+    <p:ext uri="{EFAFB233-063F-42B5-8137-9DF3F51BA10A}">
+      <p15:sldGuideLst xmlns:p15="http://schemas.microsoft.com/office/powerpoint/2012/main"/>
+    </p:ext>
+  </p:extLst>
 </p:presentation>
+</file>
+
+<file path=ppt/notesMasters/notesMaster1.xml><?xml version="1.0" encoding="utf-8"?>
+<p:notesMaster xmlns:a="http://schemas.openxmlformats.org/drawingml/2006/main" xmlns:r="http://schemas.openxmlformats.org/officeDocument/2006/relationships" xmlns:p="http://schemas.openxmlformats.org/presentationml/2006/main">
+  <p:cSld>
+    <p:bg>
+      <p:bgRef idx="1001">
+        <a:schemeClr val="bg1"/>
+      </p:bgRef>
+    </p:bg>
+    <p:spTree>
+      <p:nvGrpSpPr>
+        <p:cNvPr id="1" name=""/>
+        <p:cNvGrpSpPr/>
+        <p:nvPr/>
+      </p:nvGrpSpPr>
+      <p:grpSpPr>
+        <a:xfrm>
+          <a:off x="0" y="0"/>
+          <a:ext cx="0" cy="0"/>
+          <a:chOff x="0" y="0"/>
+          <a:chExt cx="0" cy="0"/>
+        </a:xfrm>
+      </p:grpSpPr>
+      <p:sp>
+        <p:nvSpPr>
+          <p:cNvPr id="2" name="Espace réservé de l'en-tête 1"/>
+          <p:cNvSpPr>
+            <a:spLocks noGrp="1"/>
+          </p:cNvSpPr>
+          <p:nvPr>
+            <p:ph type="hdr" sz="quarter"/>
+          </p:nvPr>
+        </p:nvSpPr>
+        <p:spPr>
+          <a:xfrm>
+            <a:off x="0" y="0"/>
+            <a:ext cx="2971800" cy="458788"/>
+          </a:xfrm>
+          <a:prstGeom prst="rect">
+            <a:avLst/>
+          </a:prstGeom>
+        </p:spPr>
+        <p:txBody>
+          <a:bodyPr vert="horz" lIns="91440" tIns="45720" rIns="91440" bIns="45720" rtlCol="0"/>
+          <a:lstStyle>
+            <a:lvl1pPr algn="l">
+              <a:defRPr sz="1200"/>
+            </a:lvl1pPr>
+          </a:lstStyle>
+          <a:p>
+            <a:endParaRPr lang="fr-MA"/>
+          </a:p>
+        </p:txBody>
+      </p:sp>
+      <p:sp>
+        <p:nvSpPr>
+          <p:cNvPr id="3" name="Espace réservé de la date 2"/>
+          <p:cNvSpPr>
+            <a:spLocks noGrp="1"/>
+          </p:cNvSpPr>
+          <p:nvPr>
+            <p:ph type="dt" idx="1"/>
+          </p:nvPr>
+        </p:nvSpPr>
+        <p:spPr>
+          <a:xfrm>
+            <a:off x="3884613" y="0"/>
+            <a:ext cx="2971800" cy="458788"/>
+          </a:xfrm>
+          <a:prstGeom prst="rect">
+            <a:avLst/>
+          </a:prstGeom>
+        </p:spPr>
+        <p:txBody>
+          <a:bodyPr vert="horz" lIns="91440" tIns="45720" rIns="91440" bIns="45720" rtlCol="0"/>
+          <a:lstStyle>
+            <a:lvl1pPr algn="r">
+              <a:defRPr sz="1200"/>
+            </a:lvl1pPr>
+          </a:lstStyle>
+          <a:p>
+            <a:fld id="{B4E9B469-C201-41D1-89E1-75F7585F4850}" type="datetimeFigureOut">
+              <a:rPr lang="fr-MA" smtClean="0"/>
+              <a:t>07/02/2020</a:t>
+            </a:fld>
+            <a:endParaRPr lang="fr-MA"/>
+          </a:p>
+        </p:txBody>
+      </p:sp>
+      <p:sp>
+        <p:nvSpPr>
+          <p:cNvPr id="4" name="Espace réservé de l'image des diapositives 3"/>
+          <p:cNvSpPr>
+            <a:spLocks noGrp="1" noRot="1" noChangeAspect="1"/>
+          </p:cNvSpPr>
+          <p:nvPr>
+            <p:ph type="sldImg" idx="2"/>
+          </p:nvPr>
+        </p:nvSpPr>
+        <p:spPr>
+          <a:xfrm>
+            <a:off x="685800" y="1143000"/>
+            <a:ext cx="5486400" cy="3086100"/>
+          </a:xfrm>
+          <a:prstGeom prst="rect">
+            <a:avLst/>
+          </a:prstGeom>
+          <a:noFill/>
+          <a:ln w="12700">
+            <a:solidFill>
+              <a:prstClr val="black"/>
+            </a:solidFill>
+          </a:ln>
+        </p:spPr>
+        <p:txBody>
+          <a:bodyPr vert="horz" lIns="91440" tIns="45720" rIns="91440" bIns="45720" rtlCol="0" anchor="ctr"/>
+          <a:lstStyle/>
+          <a:p>
+            <a:endParaRPr lang="fr-MA"/>
+          </a:p>
+        </p:txBody>
+      </p:sp>
+      <p:sp>
+        <p:nvSpPr>
+          <p:cNvPr id="5" name="Espace réservé des notes 4"/>
+          <p:cNvSpPr>
+            <a:spLocks noGrp="1"/>
+          </p:cNvSpPr>
+          <p:nvPr>
+            <p:ph type="body" sz="quarter" idx="3"/>
+          </p:nvPr>
+        </p:nvSpPr>
+        <p:spPr>
+          <a:xfrm>
+            <a:off x="685800" y="4400550"/>
+            <a:ext cx="5486400" cy="3600450"/>
+          </a:xfrm>
+          <a:prstGeom prst="rect">
+            <a:avLst/>
+          </a:prstGeom>
+        </p:spPr>
+        <p:txBody>
+          <a:bodyPr vert="horz" lIns="91440" tIns="45720" rIns="91440" bIns="45720" rtlCol="0"/>
+          <a:lstStyle/>
+          <a:p>
+            <a:pPr lvl="0"/>
+            <a:r>
+              <a:rPr lang="fr-FR"/>
+              <a:t>Cliquez pour modifier les styles du texte du masque</a:t>
+            </a:r>
+          </a:p>
+          <a:p>
+            <a:pPr lvl="1"/>
+            <a:r>
+              <a:rPr lang="fr-FR"/>
+              <a:t>Deuxième niveau</a:t>
+            </a:r>
+          </a:p>
+          <a:p>
+            <a:pPr lvl="2"/>
+            <a:r>
+              <a:rPr lang="fr-FR"/>
+              <a:t>Troisième niveau</a:t>
+            </a:r>
+          </a:p>
+          <a:p>
+            <a:pPr lvl="3"/>
+            <a:r>
+              <a:rPr lang="fr-FR"/>
+              <a:t>Quatrième niveau</a:t>
+            </a:r>
+          </a:p>
+          <a:p>
+            <a:pPr lvl="4"/>
+            <a:r>
+              <a:rPr lang="fr-FR"/>
+              <a:t>Cinquième niveau</a:t>
+            </a:r>
+            <a:endParaRPr lang="fr-MA"/>
+          </a:p>
+        </p:txBody>
+      </p:sp>
+      <p:sp>
+        <p:nvSpPr>
+          <p:cNvPr id="6" name="Espace réservé du pied de page 5"/>
+          <p:cNvSpPr>
+            <a:spLocks noGrp="1"/>
+          </p:cNvSpPr>
+          <p:nvPr>
+            <p:ph type="ftr" sz="quarter" idx="4"/>
+          </p:nvPr>
+        </p:nvSpPr>
+        <p:spPr>
+          <a:xfrm>
+            <a:off x="0" y="8685213"/>
+            <a:ext cx="2971800" cy="458787"/>
+          </a:xfrm>
+          <a:prstGeom prst="rect">
+            <a:avLst/>
+          </a:prstGeom>
+        </p:spPr>
+        <p:txBody>
+          <a:bodyPr vert="horz" lIns="91440" tIns="45720" rIns="91440" bIns="45720" rtlCol="0" anchor="b"/>
+          <a:lstStyle>
+            <a:lvl1pPr algn="l">
+              <a:defRPr sz="1200"/>
+            </a:lvl1pPr>
+          </a:lstStyle>
+          <a:p>
+            <a:endParaRPr lang="fr-MA"/>
+          </a:p>
+        </p:txBody>
+      </p:sp>
+      <p:sp>
+        <p:nvSpPr>
+          <p:cNvPr id="7" name="Espace réservé du numéro de diapositive 6"/>
+          <p:cNvSpPr>
+            <a:spLocks noGrp="1"/>
+          </p:cNvSpPr>
+          <p:nvPr>
+            <p:ph type="sldNum" sz="quarter" idx="5"/>
+          </p:nvPr>
+        </p:nvSpPr>
+        <p:spPr>
+          <a:xfrm>
+            <a:off x="3884613" y="8685213"/>
+            <a:ext cx="2971800" cy="458787"/>
+          </a:xfrm>
+          <a:prstGeom prst="rect">
+            <a:avLst/>
+          </a:prstGeom>
+        </p:spPr>
+        <p:txBody>
+          <a:bodyPr vert="horz" lIns="91440" tIns="45720" rIns="91440" bIns="45720" rtlCol="0" anchor="b"/>
+          <a:lstStyle>
+            <a:lvl1pPr algn="r">
+              <a:defRPr sz="1200"/>
+            </a:lvl1pPr>
+          </a:lstStyle>
+          <a:p>
+            <a:fld id="{47316054-4D3A-407B-9E4D-5120F7A823BB}" type="slidenum">
+              <a:rPr lang="fr-MA" smtClean="0"/>
+              <a:t>‹N°›</a:t>
+            </a:fld>
+            <a:endParaRPr lang="fr-MA"/>
+          </a:p>
+        </p:txBody>
+      </p:sp>
+    </p:spTree>
+    <p:extLst>
+      <p:ext uri="{BB962C8B-B14F-4D97-AF65-F5344CB8AC3E}">
+        <p14:creationId xmlns:p14="http://schemas.microsoft.com/office/powerpoint/2010/main" val="1588877237"/>
+      </p:ext>
+    </p:extLst>
+  </p:cSld>
+  <p:clrMap bg1="lt1" tx1="dk1" bg2="lt2" tx2="dk2" accent1="accent1" accent2="accent2" accent3="accent3" accent4="accent4" accent5="accent5" accent6="accent6" hlink="hlink" folHlink="folHlink"/>
+  <p:notesStyle>
+    <a:lvl1pPr marL="0" algn="l" defTabSz="914400" rtl="0" eaLnBrk="1" latinLnBrk="0" hangingPunct="1">
+      <a:defRPr sz="1200" kern="1200">
+        <a:solidFill>
+          <a:schemeClr val="tx1"/>
+        </a:solidFill>
+        <a:latin typeface="+mn-lt"/>
+        <a:ea typeface="+mn-ea"/>
+        <a:cs typeface="+mn-cs"/>
+      </a:defRPr>
+    </a:lvl1pPr>
+    <a:lvl2pPr marL="457200" algn="l" defTabSz="914400" rtl="0" eaLnBrk="1" latinLnBrk="0" hangingPunct="1">
+      <a:defRPr sz="1200" kern="1200">
+        <a:solidFill>
+          <a:schemeClr val="tx1"/>
+        </a:solidFill>
+        <a:latin typeface="+mn-lt"/>
+        <a:ea typeface="+mn-ea"/>
+        <a:cs typeface="+mn-cs"/>
+      </a:defRPr>
+    </a:lvl2pPr>
+    <a:lvl3pPr marL="914400" algn="l" defTabSz="914400" rtl="0" eaLnBrk="1" latinLnBrk="0" hangingPunct="1">
+      <a:defRPr sz="1200" kern="1200">
+        <a:solidFill>
+          <a:schemeClr val="tx1"/>
+        </a:solidFill>
+        <a:latin typeface="+mn-lt"/>
+        <a:ea typeface="+mn-ea"/>
+        <a:cs typeface="+mn-cs"/>
+      </a:defRPr>
+    </a:lvl3pPr>
+    <a:lvl4pPr marL="1371600" algn="l" defTabSz="914400" rtl="0" eaLnBrk="1" latinLnBrk="0" hangingPunct="1">
+      <a:defRPr sz="1200" kern="1200">
+        <a:solidFill>
+          <a:schemeClr val="tx1"/>
+        </a:solidFill>
+        <a:latin typeface="+mn-lt"/>
+        <a:ea typeface="+mn-ea"/>
+        <a:cs typeface="+mn-cs"/>
+      </a:defRPr>
+    </a:lvl4pPr>
+    <a:lvl5pPr marL="1828800" algn="l" defTabSz="914400" rtl="0" eaLnBrk="1" latinLnBrk="0" hangingPunct="1">
+      <a:defRPr sz="1200" kern="1200">
+        <a:solidFill>
+          <a:schemeClr val="tx1"/>
+        </a:solidFill>
+        <a:latin typeface="+mn-lt"/>
+        <a:ea typeface="+mn-ea"/>
+        <a:cs typeface="+mn-cs"/>
+      </a:defRPr>
+    </a:lvl5pPr>
+    <a:lvl6pPr marL="2286000" algn="l" defTabSz="914400" rtl="0" eaLnBrk="1" latinLnBrk="0" hangingPunct="1">
+      <a:defRPr sz="1200" kern="1200">
+        <a:solidFill>
+          <a:schemeClr val="tx1"/>
+        </a:solidFill>
+        <a:latin typeface="+mn-lt"/>
+        <a:ea typeface="+mn-ea"/>
+        <a:cs typeface="+mn-cs"/>
+      </a:defRPr>
+    </a:lvl6pPr>
+    <a:lvl7pPr marL="2743200" algn="l" defTabSz="914400" rtl="0" eaLnBrk="1" latinLnBrk="0" hangingPunct="1">
+      <a:defRPr sz="1200" kern="1200">
+        <a:solidFill>
+          <a:schemeClr val="tx1"/>
+        </a:solidFill>
+        <a:latin typeface="+mn-lt"/>
+        <a:ea typeface="+mn-ea"/>
+        <a:cs typeface="+mn-cs"/>
+      </a:defRPr>
+    </a:lvl7pPr>
+    <a:lvl8pPr marL="3200400" algn="l" defTabSz="914400" rtl="0" eaLnBrk="1" latinLnBrk="0" hangingPunct="1">
+      <a:defRPr sz="1200" kern="1200">
+        <a:solidFill>
+          <a:schemeClr val="tx1"/>
+        </a:solidFill>
+        <a:latin typeface="+mn-lt"/>
+        <a:ea typeface="+mn-ea"/>
+        <a:cs typeface="+mn-cs"/>
+      </a:defRPr>
+    </a:lvl8pPr>
+    <a:lvl9pPr marL="3657600" algn="l" defTabSz="914400" rtl="0" eaLnBrk="1" latinLnBrk="0" hangingPunct="1">
+      <a:defRPr sz="1200" kern="1200">
+        <a:solidFill>
+          <a:schemeClr val="tx1"/>
+        </a:solidFill>
+        <a:latin typeface="+mn-lt"/>
+        <a:ea typeface="+mn-ea"/>
+        <a:cs typeface="+mn-cs"/>
+      </a:defRPr>
+    </a:lvl9pPr>
+  </p:notesStyle>
+</p:notesMaster>
+</file>
+
+<file path=ppt/notesSlides/notesSlide1.xml><?xml version="1.0" encoding="utf-8"?>
+<p:notes xmlns:a="http://schemas.openxmlformats.org/drawingml/2006/main" xmlns:r="http://schemas.openxmlformats.org/officeDocument/2006/relationships" xmlns:p="http://schemas.openxmlformats.org/presentationml/2006/main">
+  <p:cSld>
+    <p:spTree>
+      <p:nvGrpSpPr>
+        <p:cNvPr id="1" name=""/>
+        <p:cNvGrpSpPr/>
+        <p:nvPr/>
+      </p:nvGrpSpPr>
+      <p:grpSpPr>
+        <a:xfrm>
+          <a:off x="0" y="0"/>
+          <a:ext cx="0" cy="0"/>
+          <a:chOff x="0" y="0"/>
+          <a:chExt cx="0" cy="0"/>
+        </a:xfrm>
+      </p:grpSpPr>
+      <p:sp>
+        <p:nvSpPr>
+          <p:cNvPr id="2" name="Espace réservé de l'image des diapositives 1"/>
+          <p:cNvSpPr>
+            <a:spLocks noGrp="1" noRot="1" noChangeAspect="1"/>
+          </p:cNvSpPr>
+          <p:nvPr>
+            <p:ph type="sldImg"/>
+          </p:nvPr>
+        </p:nvSpPr>
+        <p:spPr/>
+      </p:sp>
+      <p:sp>
+        <p:nvSpPr>
+          <p:cNvPr id="3" name="Espace réservé des notes 2"/>
+          <p:cNvSpPr>
+            <a:spLocks noGrp="1"/>
+          </p:cNvSpPr>
+          <p:nvPr>
+            <p:ph type="body" idx="1"/>
+          </p:nvPr>
+        </p:nvSpPr>
+        <p:spPr/>
+        <p:txBody>
+          <a:bodyPr/>
+          <a:lstStyle/>
+          <a:p>
+            <a:endParaRPr lang="fr-MA"/>
+          </a:p>
+        </p:txBody>
+      </p:sp>
+      <p:sp>
+        <p:nvSpPr>
+          <p:cNvPr id="4" name="Espace réservé du numéro de diapositive 3"/>
+          <p:cNvSpPr>
+            <a:spLocks noGrp="1"/>
+          </p:cNvSpPr>
+          <p:nvPr>
+            <p:ph type="sldNum" sz="quarter" idx="5"/>
+          </p:nvPr>
+        </p:nvSpPr>
+        <p:spPr/>
+        <p:txBody>
+          <a:bodyPr/>
+          <a:lstStyle/>
+          <a:p>
+            <a:fld id="{47316054-4D3A-407B-9E4D-5120F7A823BB}" type="slidenum">
+              <a:rPr lang="fr-MA" smtClean="0"/>
+              <a:t>3</a:t>
+            </a:fld>
+            <a:endParaRPr lang="fr-MA"/>
+          </a:p>
+        </p:txBody>
+      </p:sp>
+    </p:spTree>
+    <p:extLst>
+      <p:ext uri="{BB962C8B-B14F-4D97-AF65-F5344CB8AC3E}">
+        <p14:creationId xmlns:p14="http://schemas.microsoft.com/office/powerpoint/2010/main" val="2457232937"/>
+      </p:ext>
+    </p:extLst>
+  </p:cSld>
+  <p:clrMapOvr>
+    <a:masterClrMapping/>
+  </p:clrMapOvr>
+</p:notes>
 </file>
 
 <file path=ppt/slideLayouts/slideLayout1.xml><?xml version="1.0" encoding="utf-8"?>
@@ -259,7 +702,7 @@
           <a:p>
             <a:fld id="{13D7856B-CEA5-4F82-B4FC-CC87429E69D5}" type="datetimeFigureOut">
               <a:rPr lang="fr-MA" smtClean="0"/>
-              <a:t>05/02/2020</a:t>
+              <a:t>07/02/2020</a:t>
             </a:fld>
             <a:endParaRPr lang="fr-MA"/>
           </a:p>
@@ -459,7 +902,7 @@
           <a:p>
             <a:fld id="{13D7856B-CEA5-4F82-B4FC-CC87429E69D5}" type="datetimeFigureOut">
               <a:rPr lang="fr-MA" smtClean="0"/>
-              <a:t>05/02/2020</a:t>
+              <a:t>07/02/2020</a:t>
             </a:fld>
             <a:endParaRPr lang="fr-MA"/>
           </a:p>
@@ -669,7 +1112,7 @@
           <a:p>
             <a:fld id="{13D7856B-CEA5-4F82-B4FC-CC87429E69D5}" type="datetimeFigureOut">
               <a:rPr lang="fr-MA" smtClean="0"/>
-              <a:t>05/02/2020</a:t>
+              <a:t>07/02/2020</a:t>
             </a:fld>
             <a:endParaRPr lang="fr-MA"/>
           </a:p>
@@ -869,7 +1312,7 @@
           <a:p>
             <a:fld id="{13D7856B-CEA5-4F82-B4FC-CC87429E69D5}" type="datetimeFigureOut">
               <a:rPr lang="fr-MA" smtClean="0"/>
-              <a:t>05/02/2020</a:t>
+              <a:t>07/02/2020</a:t>
             </a:fld>
             <a:endParaRPr lang="fr-MA"/>
           </a:p>
@@ -1145,7 +1588,7 @@
           <a:p>
             <a:fld id="{13D7856B-CEA5-4F82-B4FC-CC87429E69D5}" type="datetimeFigureOut">
               <a:rPr lang="fr-MA" smtClean="0"/>
-              <a:t>05/02/2020</a:t>
+              <a:t>07/02/2020</a:t>
             </a:fld>
             <a:endParaRPr lang="fr-MA"/>
           </a:p>
@@ -1413,7 +1856,7 @@
           <a:p>
             <a:fld id="{13D7856B-CEA5-4F82-B4FC-CC87429E69D5}" type="datetimeFigureOut">
               <a:rPr lang="fr-MA" smtClean="0"/>
-              <a:t>05/02/2020</a:t>
+              <a:t>07/02/2020</a:t>
             </a:fld>
             <a:endParaRPr lang="fr-MA"/>
           </a:p>
@@ -1828,7 +2271,7 @@
           <a:p>
             <a:fld id="{13D7856B-CEA5-4F82-B4FC-CC87429E69D5}" type="datetimeFigureOut">
               <a:rPr lang="fr-MA" smtClean="0"/>
-              <a:t>05/02/2020</a:t>
+              <a:t>07/02/2020</a:t>
             </a:fld>
             <a:endParaRPr lang="fr-MA"/>
           </a:p>
@@ -1970,7 +2413,7 @@
           <a:p>
             <a:fld id="{13D7856B-CEA5-4F82-B4FC-CC87429E69D5}" type="datetimeFigureOut">
               <a:rPr lang="fr-MA" smtClean="0"/>
-              <a:t>05/02/2020</a:t>
+              <a:t>07/02/2020</a:t>
             </a:fld>
             <a:endParaRPr lang="fr-MA"/>
           </a:p>
@@ -2083,7 +2526,7 @@
           <a:p>
             <a:fld id="{13D7856B-CEA5-4F82-B4FC-CC87429E69D5}" type="datetimeFigureOut">
               <a:rPr lang="fr-MA" smtClean="0"/>
-              <a:t>05/02/2020</a:t>
+              <a:t>07/02/2020</a:t>
             </a:fld>
             <a:endParaRPr lang="fr-MA"/>
           </a:p>
@@ -2396,7 +2839,7 @@
           <a:p>
             <a:fld id="{13D7856B-CEA5-4F82-B4FC-CC87429E69D5}" type="datetimeFigureOut">
               <a:rPr lang="fr-MA" smtClean="0"/>
-              <a:t>05/02/2020</a:t>
+              <a:t>07/02/2020</a:t>
             </a:fld>
             <a:endParaRPr lang="fr-MA"/>
           </a:p>
@@ -2685,7 +3128,7 @@
           <a:p>
             <a:fld id="{13D7856B-CEA5-4F82-B4FC-CC87429E69D5}" type="datetimeFigureOut">
               <a:rPr lang="fr-MA" smtClean="0"/>
-              <a:t>05/02/2020</a:t>
+              <a:t>07/02/2020</a:t>
             </a:fld>
             <a:endParaRPr lang="fr-MA"/>
           </a:p>
@@ -2928,7 +3371,7 @@
           <a:p>
             <a:fld id="{13D7856B-CEA5-4F82-B4FC-CC87429E69D5}" type="datetimeFigureOut">
               <a:rPr lang="fr-MA" smtClean="0"/>
-              <a:t>05/02/2020</a:t>
+              <a:t>07/02/2020</a:t>
             </a:fld>
             <a:endParaRPr lang="fr-MA"/>
           </a:p>
@@ -3481,6 +3924,14 @@
 <file path=ppt/slides/slide3.xml><?xml version="1.0" encoding="utf-8"?>
 <p:sld xmlns:a="http://schemas.openxmlformats.org/drawingml/2006/main" xmlns:r="http://schemas.openxmlformats.org/officeDocument/2006/relationships" xmlns:p="http://schemas.openxmlformats.org/presentationml/2006/main">
   <p:cSld>
+    <p:bg>
+      <p:bgPr>
+        <a:solidFill>
+          <a:schemeClr val="bg1"/>
+        </a:solidFill>
+        <a:effectLst/>
+      </p:bgPr>
+    </p:bg>
     <p:spTree>
       <p:nvGrpSpPr>
         <p:cNvPr id="1" name=""/>
@@ -3511,6 +3962,114 @@
             <p:ph type="title"/>
           </p:nvPr>
         </p:nvSpPr>
+        <p:spPr>
+          <a:xfrm>
+            <a:off x="838200" y="365125"/>
+            <a:ext cx="10515600" cy="1325563"/>
+          </a:xfrm>
+        </p:spPr>
+        <p:txBody>
+          <a:bodyPr vert="horz" lIns="91440" tIns="45720" rIns="91440" bIns="45720" rtlCol="0" anchor="ctr">
+            <a:normAutofit/>
+          </a:bodyPr>
+          <a:lstStyle/>
+          <a:p>
+            <a:r>
+              <a:rPr lang="en-US" kern="1200">
+                <a:solidFill>
+                  <a:schemeClr val="tx1"/>
+                </a:solidFill>
+                <a:latin typeface="+mj-lt"/>
+                <a:ea typeface="+mj-ea"/>
+                <a:cs typeface="+mj-cs"/>
+              </a:rPr>
+              <a:t>Abstract Factory - Problem</a:t>
+            </a:r>
+          </a:p>
+        </p:txBody>
+      </p:sp>
+      <p:pic>
+        <p:nvPicPr>
+          <p:cNvPr id="7" name="Image 6" descr="Une image contenant texte, carte&#10;&#10;Description générée automatiquement">
+            <a:extLst>
+              <a:ext uri="{FF2B5EF4-FFF2-40B4-BE49-F238E27FC236}">
+                <a16:creationId xmlns:a16="http://schemas.microsoft.com/office/drawing/2014/main" id="{3BAEC3D0-7FC5-4235-AA9F-575C1960DE50}"/>
+              </a:ext>
+            </a:extLst>
+          </p:cNvPr>
+          <p:cNvPicPr>
+            <a:picLocks noChangeAspect="1"/>
+          </p:cNvPicPr>
+          <p:nvPr/>
+        </p:nvPicPr>
+        <p:blipFill>
+          <a:blip r:embed="rId3">
+            <a:extLst>
+              <a:ext uri="{28A0092B-C50C-407E-A947-70E740481C1C}">
+                <a14:useLocalDpi xmlns:a14="http://schemas.microsoft.com/office/drawing/2010/main" val="0"/>
+              </a:ext>
+            </a:extLst>
+          </a:blip>
+          <a:stretch>
+            <a:fillRect/>
+          </a:stretch>
+        </p:blipFill>
+        <p:spPr>
+          <a:xfrm>
+            <a:off x="828675" y="1988366"/>
+            <a:ext cx="10525125" cy="4025858"/>
+          </a:xfrm>
+          <a:prstGeom prst="rect">
+            <a:avLst/>
+          </a:prstGeom>
+        </p:spPr>
+      </p:pic>
+    </p:spTree>
+    <p:extLst>
+      <p:ext uri="{BB962C8B-B14F-4D97-AF65-F5344CB8AC3E}">
+        <p14:creationId xmlns:p14="http://schemas.microsoft.com/office/powerpoint/2010/main" val="4127135779"/>
+      </p:ext>
+    </p:extLst>
+  </p:cSld>
+  <p:clrMapOvr>
+    <a:masterClrMapping/>
+  </p:clrMapOvr>
+</p:sld>
+</file>
+
+<file path=ppt/slides/slide4.xml><?xml version="1.0" encoding="utf-8"?>
+<p:sld xmlns:a="http://schemas.openxmlformats.org/drawingml/2006/main" xmlns:r="http://schemas.openxmlformats.org/officeDocument/2006/relationships" xmlns:p="http://schemas.openxmlformats.org/presentationml/2006/main">
+  <p:cSld>
+    <p:spTree>
+      <p:nvGrpSpPr>
+        <p:cNvPr id="1" name=""/>
+        <p:cNvGrpSpPr/>
+        <p:nvPr/>
+      </p:nvGrpSpPr>
+      <p:grpSpPr>
+        <a:xfrm>
+          <a:off x="0" y="0"/>
+          <a:ext cx="0" cy="0"/>
+          <a:chOff x="0" y="0"/>
+          <a:chExt cx="0" cy="0"/>
+        </a:xfrm>
+      </p:grpSpPr>
+      <p:sp>
+        <p:nvSpPr>
+          <p:cNvPr id="2" name="Titre 1">
+            <a:extLst>
+              <a:ext uri="{FF2B5EF4-FFF2-40B4-BE49-F238E27FC236}">
+                <a16:creationId xmlns:a16="http://schemas.microsoft.com/office/drawing/2014/main" id="{83CE64C5-D92F-4B7C-95F8-99AF7FC762F1}"/>
+              </a:ext>
+            </a:extLst>
+          </p:cNvPr>
+          <p:cNvSpPr>
+            <a:spLocks noGrp="1"/>
+          </p:cNvSpPr>
+          <p:nvPr>
+            <p:ph type="title"/>
+          </p:nvPr>
+        </p:nvSpPr>
         <p:spPr/>
         <p:txBody>
           <a:bodyPr/>
@@ -3576,7 +4135,7 @@
 </p:sld>
 </file>
 
-<file path=ppt/slides/slide4.xml><?xml version="1.0" encoding="utf-8"?>
+<file path=ppt/slides/slide5.xml><?xml version="1.0" encoding="utf-8"?>
 <p:sld xmlns:a="http://schemas.openxmlformats.org/drawingml/2006/main" xmlns:r="http://schemas.openxmlformats.org/officeDocument/2006/relationships" xmlns:p="http://schemas.openxmlformats.org/presentationml/2006/main">
   <p:cSld>
     <p:spTree>
@@ -3967,4 +4526,299 @@
     </a:ext>
   </a:extLst>
 </a:theme>
+</file>
+
+<file path=ppt/theme/theme2.xml><?xml version="1.0" encoding="utf-8"?>
+<a:theme xmlns:a="http://schemas.openxmlformats.org/drawingml/2006/main" name="Thème Office">
+  <a:themeElements>
+    <a:clrScheme name="Office">
+      <a:dk1>
+        <a:sysClr val="windowText" lastClr="000000"/>
+      </a:dk1>
+      <a:lt1>
+        <a:sysClr val="window" lastClr="FFFFFF"/>
+      </a:lt1>
+      <a:dk2>
+        <a:srgbClr val="44546A"/>
+      </a:dk2>
+      <a:lt2>
+        <a:srgbClr val="E7E6E6"/>
+      </a:lt2>
+      <a:accent1>
+        <a:srgbClr val="4472C4"/>
+      </a:accent1>
+      <a:accent2>
+        <a:srgbClr val="ED7D31"/>
+      </a:accent2>
+      <a:accent3>
+        <a:srgbClr val="A5A5A5"/>
+      </a:accent3>
+      <a:accent4>
+        <a:srgbClr val="FFC000"/>
+      </a:accent4>
+      <a:accent5>
+        <a:srgbClr val="5B9BD5"/>
+      </a:accent5>
+      <a:accent6>
+        <a:srgbClr val="70AD47"/>
+      </a:accent6>
+      <a:hlink>
+        <a:srgbClr val="0563C1"/>
+      </a:hlink>
+      <a:folHlink>
+        <a:srgbClr val="954F72"/>
+      </a:folHlink>
+    </a:clrScheme>
+    <a:fontScheme name="Office">
+      <a:majorFont>
+        <a:latin typeface="Calibri Light" panose="020F0302020204030204"/>
+        <a:ea typeface=""/>
+        <a:cs typeface=""/>
+        <a:font script="Jpan" typeface="游ゴシック Light"/>
+        <a:font script="Hang" typeface="맑은 고딕"/>
+        <a:font script="Hans" typeface="等线 Light"/>
+        <a:font script="Hant" typeface="新細明體"/>
+        <a:font script="Arab" typeface="Times New Roman"/>
+        <a:font script="Hebr" typeface="Times New Roman"/>
+        <a:font script="Thai" typeface="Angsana New"/>
+        <a:font script="Ethi" typeface="Nyala"/>
+        <a:font script="Beng" typeface="Vrinda"/>
+        <a:font script="Gujr" typeface="Shruti"/>
+        <a:font script="Khmr" typeface="MoolBoran"/>
+        <a:font script="Knda" typeface="Tunga"/>
+        <a:font script="Guru" typeface="Raavi"/>
+        <a:font script="Cans" typeface="Euphemia"/>
+        <a:font script="Cher" typeface="Plantagenet Cherokee"/>
+        <a:font script="Yiii" typeface="Microsoft Yi Baiti"/>
+        <a:font script="Tibt" typeface="Microsoft Himalaya"/>
+        <a:font script="Thaa" typeface="MV Boli"/>
+        <a:font script="Deva" typeface="Mangal"/>
+        <a:font script="Telu" typeface="Gautami"/>
+        <a:font script="Taml" typeface="Latha"/>
+        <a:font script="Syrc" typeface="Estrangelo Edessa"/>
+        <a:font script="Orya" typeface="Kalinga"/>
+        <a:font script="Mlym" typeface="Kartika"/>
+        <a:font script="Laoo" typeface="DokChampa"/>
+        <a:font script="Sinh" typeface="Iskoola Pota"/>
+        <a:font script="Mong" typeface="Mongolian Baiti"/>
+        <a:font script="Viet" typeface="Times New Roman"/>
+        <a:font script="Uigh" typeface="Microsoft Uighur"/>
+        <a:font script="Geor" typeface="Sylfaen"/>
+        <a:font script="Armn" typeface="Arial"/>
+        <a:font script="Bugi" typeface="Leelawadee UI"/>
+        <a:font script="Bopo" typeface="Microsoft JhengHei"/>
+        <a:font script="Java" typeface="Javanese Text"/>
+        <a:font script="Lisu" typeface="Segoe UI"/>
+        <a:font script="Mymr" typeface="Myanmar Text"/>
+        <a:font script="Nkoo" typeface="Ebrima"/>
+        <a:font script="Olck" typeface="Nirmala UI"/>
+        <a:font script="Osma" typeface="Ebrima"/>
+        <a:font script="Phag" typeface="Phagspa"/>
+        <a:font script="Syrn" typeface="Estrangelo Edessa"/>
+        <a:font script="Syrj" typeface="Estrangelo Edessa"/>
+        <a:font script="Syre" typeface="Estrangelo Edessa"/>
+        <a:font script="Sora" typeface="Nirmala UI"/>
+        <a:font script="Tale" typeface="Microsoft Tai Le"/>
+        <a:font script="Talu" typeface="Microsoft New Tai Lue"/>
+        <a:font script="Tfng" typeface="Ebrima"/>
+      </a:majorFont>
+      <a:minorFont>
+        <a:latin typeface="Calibri" panose="020F0502020204030204"/>
+        <a:ea typeface=""/>
+        <a:cs typeface=""/>
+        <a:font script="Jpan" typeface="游ゴシック"/>
+        <a:font script="Hang" typeface="맑은 고딕"/>
+        <a:font script="Hans" typeface="等线"/>
+        <a:font script="Hant" typeface="新細明體"/>
+        <a:font script="Arab" typeface="Arial"/>
+        <a:font script="Hebr" typeface="Arial"/>
+        <a:font script="Thai" typeface="Cordia New"/>
+        <a:font script="Ethi" typeface="Nyala"/>
+        <a:font script="Beng" typeface="Vrinda"/>
+        <a:font script="Gujr" typeface="Shruti"/>
+        <a:font script="Khmr" typeface="DaunPenh"/>
+        <a:font script="Knda" typeface="Tunga"/>
+        <a:font script="Guru" typeface="Raavi"/>
+        <a:font script="Cans" typeface="Euphemia"/>
+        <a:font script="Cher" typeface="Plantagenet Cherokee"/>
+        <a:font script="Yiii" typeface="Microsoft Yi Baiti"/>
+        <a:font script="Tibt" typeface="Microsoft Himalaya"/>
+        <a:font script="Thaa" typeface="MV Boli"/>
+        <a:font script="Deva" typeface="Mangal"/>
+        <a:font script="Telu" typeface="Gautami"/>
+        <a:font script="Taml" typeface="Latha"/>
+        <a:font script="Syrc" typeface="Estrangelo Edessa"/>
+        <a:font script="Orya" typeface="Kalinga"/>
+        <a:font script="Mlym" typeface="Kartika"/>
+        <a:font script="Laoo" typeface="DokChampa"/>
+        <a:font script="Sinh" typeface="Iskoola Pota"/>
+        <a:font script="Mong" typeface="Mongolian Baiti"/>
+        <a:font script="Viet" typeface="Arial"/>
+        <a:font script="Uigh" typeface="Microsoft Uighur"/>
+        <a:font script="Geor" typeface="Sylfaen"/>
+        <a:font script="Armn" typeface="Arial"/>
+        <a:font script="Bugi" typeface="Leelawadee UI"/>
+        <a:font script="Bopo" typeface="Microsoft JhengHei"/>
+        <a:font script="Java" typeface="Javanese Text"/>
+        <a:font script="Lisu" typeface="Segoe UI"/>
+        <a:font script="Mymr" typeface="Myanmar Text"/>
+        <a:font script="Nkoo" typeface="Ebrima"/>
+        <a:font script="Olck" typeface="Nirmala UI"/>
+        <a:font script="Osma" typeface="Ebrima"/>
+        <a:font script="Phag" typeface="Phagspa"/>
+        <a:font script="Syrn" typeface="Estrangelo Edessa"/>
+        <a:font script="Syrj" typeface="Estrangelo Edessa"/>
+        <a:font script="Syre" typeface="Estrangelo Edessa"/>
+        <a:font script="Sora" typeface="Nirmala UI"/>
+        <a:font script="Tale" typeface="Microsoft Tai Le"/>
+        <a:font script="Talu" typeface="Microsoft New Tai Lue"/>
+        <a:font script="Tfng" typeface="Ebrima"/>
+      </a:minorFont>
+    </a:fontScheme>
+    <a:fmtScheme name="Office">
+      <a:fillStyleLst>
+        <a:solidFill>
+          <a:schemeClr val="phClr"/>
+        </a:solidFill>
+        <a:gradFill rotWithShape="1">
+          <a:gsLst>
+            <a:gs pos="0">
+              <a:schemeClr val="phClr">
+                <a:lumMod val="110000"/>
+                <a:satMod val="105000"/>
+                <a:tint val="67000"/>
+              </a:schemeClr>
+            </a:gs>
+            <a:gs pos="50000">
+              <a:schemeClr val="phClr">
+                <a:lumMod val="105000"/>
+                <a:satMod val="103000"/>
+                <a:tint val="73000"/>
+              </a:schemeClr>
+            </a:gs>
+            <a:gs pos="100000">
+              <a:schemeClr val="phClr">
+                <a:lumMod val="105000"/>
+                <a:satMod val="109000"/>
+                <a:tint val="81000"/>
+              </a:schemeClr>
+            </a:gs>
+          </a:gsLst>
+          <a:lin ang="5400000" scaled="0"/>
+        </a:gradFill>
+        <a:gradFill rotWithShape="1">
+          <a:gsLst>
+            <a:gs pos="0">
+              <a:schemeClr val="phClr">
+                <a:satMod val="103000"/>
+                <a:lumMod val="102000"/>
+                <a:tint val="94000"/>
+              </a:schemeClr>
+            </a:gs>
+            <a:gs pos="50000">
+              <a:schemeClr val="phClr">
+                <a:satMod val="110000"/>
+                <a:lumMod val="100000"/>
+                <a:shade val="100000"/>
+              </a:schemeClr>
+            </a:gs>
+            <a:gs pos="100000">
+              <a:schemeClr val="phClr">
+                <a:lumMod val="99000"/>
+                <a:satMod val="120000"/>
+                <a:shade val="78000"/>
+              </a:schemeClr>
+            </a:gs>
+          </a:gsLst>
+          <a:lin ang="5400000" scaled="0"/>
+        </a:gradFill>
+      </a:fillStyleLst>
+      <a:lnStyleLst>
+        <a:ln w="6350" cap="flat" cmpd="sng" algn="ctr">
+          <a:solidFill>
+            <a:schemeClr val="phClr"/>
+          </a:solidFill>
+          <a:prstDash val="solid"/>
+          <a:miter lim="800000"/>
+        </a:ln>
+        <a:ln w="12700" cap="flat" cmpd="sng" algn="ctr">
+          <a:solidFill>
+            <a:schemeClr val="phClr"/>
+          </a:solidFill>
+          <a:prstDash val="solid"/>
+          <a:miter lim="800000"/>
+        </a:ln>
+        <a:ln w="19050" cap="flat" cmpd="sng" algn="ctr">
+          <a:solidFill>
+            <a:schemeClr val="phClr"/>
+          </a:solidFill>
+          <a:prstDash val="solid"/>
+          <a:miter lim="800000"/>
+        </a:ln>
+      </a:lnStyleLst>
+      <a:effectStyleLst>
+        <a:effectStyle>
+          <a:effectLst/>
+        </a:effectStyle>
+        <a:effectStyle>
+          <a:effectLst/>
+        </a:effectStyle>
+        <a:effectStyle>
+          <a:effectLst>
+            <a:outerShdw blurRad="57150" dist="19050" dir="5400000" algn="ctr" rotWithShape="0">
+              <a:srgbClr val="000000">
+                <a:alpha val="63000"/>
+              </a:srgbClr>
+            </a:outerShdw>
+          </a:effectLst>
+        </a:effectStyle>
+      </a:effectStyleLst>
+      <a:bgFillStyleLst>
+        <a:solidFill>
+          <a:schemeClr val="phClr"/>
+        </a:solidFill>
+        <a:solidFill>
+          <a:schemeClr val="phClr">
+            <a:tint val="95000"/>
+            <a:satMod val="170000"/>
+          </a:schemeClr>
+        </a:solidFill>
+        <a:gradFill rotWithShape="1">
+          <a:gsLst>
+            <a:gs pos="0">
+              <a:schemeClr val="phClr">
+                <a:tint val="93000"/>
+                <a:satMod val="150000"/>
+                <a:shade val="98000"/>
+                <a:lumMod val="102000"/>
+              </a:schemeClr>
+            </a:gs>
+            <a:gs pos="50000">
+              <a:schemeClr val="phClr">
+                <a:tint val="98000"/>
+                <a:satMod val="130000"/>
+                <a:shade val="90000"/>
+                <a:lumMod val="103000"/>
+              </a:schemeClr>
+            </a:gs>
+            <a:gs pos="100000">
+              <a:schemeClr val="phClr">
+                <a:shade val="63000"/>
+                <a:satMod val="120000"/>
+              </a:schemeClr>
+            </a:gs>
+          </a:gsLst>
+          <a:lin ang="5400000" scaled="0"/>
+        </a:gradFill>
+      </a:bgFillStyleLst>
+    </a:fmtScheme>
+  </a:themeElements>
+  <a:objectDefaults/>
+  <a:extraClrSchemeLst/>
+  <a:extLst>
+    <a:ext uri="{05A4C25C-085E-4340-85A3-A5531E510DB2}">
+      <thm15:themeFamily xmlns:thm15="http://schemas.microsoft.com/office/thememl/2012/main" name="Office Theme" id="{62F939B6-93AF-4DB8-9C6B-D6C7DFDC589F}" vid="{4A3C46E8-61CC-4603-A589-7422A47A8E4A}"/>
+    </a:ext>
+  </a:extLst>
+</a:theme>
 </file>
--- a/design-patterns/introduction.pptx
+++ b/design-patterns/introduction.pptx
@@ -1,34 +1,453 @@
 
 <file path=ppt/presentation.xml><?xml version="1.0" encoding="utf-8"?>
-<p:presentation xmlns:a="http://schemas.openxmlformats.org/drawingml/2006/main" xmlns:p="http://schemas.openxmlformats.org/presentationml/2006/main" xmlns:r="http://schemas.openxmlformats.org/officeDocument/2006/relationships" xmlns:p14="http://schemas.microsoft.com/office/powerpoint/2010/main" xmlns:p15="http://schemas.microsoft.com/office/powerpoint/2012/main" xmlns:mc="http://schemas.openxmlformats.org/markup-compatibility/2006">
+<p:presentation xmlns:a="http://schemas.openxmlformats.org/drawingml/2006/main" xmlns:r="http://schemas.openxmlformats.org/officeDocument/2006/relationships" xmlns:p="http://schemas.openxmlformats.org/presentationml/2006/main">
   <p:sldMasterIdLst>
-    <p:sldMasterId id="2147483648" r:id="rId2"/>
-    <p:sldMasterId id="2147483661" r:id="rId3"/>
+    <p:sldMasterId id="2147483648" r:id="rId1"/>
+    <p:sldMasterId id="2147483661" r:id="rId2"/>
   </p:sldMasterIdLst>
   <p:notesMasterIdLst>
-    <p:notesMasterId r:id="rId4"/>
+    <p:notesMasterId r:id="rId19"/>
   </p:notesMasterIdLst>
   <p:sldIdLst>
-    <p:sldId id="256" r:id="rId5"/>
-    <p:sldId id="257" r:id="rId6"/>
-    <p:sldId id="258" r:id="rId7"/>
-    <p:sldId id="259" r:id="rId8"/>
-    <p:sldId id="260" r:id="rId9"/>
-    <p:sldId id="261" r:id="rId10"/>
-    <p:sldId id="262" r:id="rId11"/>
-    <p:sldId id="263" r:id="rId12"/>
-    <p:sldId id="264" r:id="rId13"/>
-    <p:sldId id="265" r:id="rId14"/>
-    <p:sldId id="266" r:id="rId15"/>
-    <p:sldId id="267" r:id="rId16"/>
+    <p:sldId id="256" r:id="rId3"/>
+    <p:sldId id="257" r:id="rId4"/>
+    <p:sldId id="258" r:id="rId5"/>
+    <p:sldId id="259" r:id="rId6"/>
+    <p:sldId id="260" r:id="rId7"/>
+    <p:sldId id="261" r:id="rId8"/>
+    <p:sldId id="262" r:id="rId9"/>
+    <p:sldId id="263" r:id="rId10"/>
+    <p:sldId id="265" r:id="rId11"/>
+    <p:sldId id="268" r:id="rId12"/>
+    <p:sldId id="266" r:id="rId13"/>
+    <p:sldId id="269" r:id="rId14"/>
+    <p:sldId id="270" r:id="rId15"/>
+    <p:sldId id="271" r:id="rId16"/>
+    <p:sldId id="272" r:id="rId17"/>
+    <p:sldId id="267" r:id="rId18"/>
   </p:sldIdLst>
   <p:sldSz cx="12192000" cy="6858000"/>
   <p:notesSz cx="6858000" cy="9144000"/>
+  <p:defaultTextStyle>
+    <a:defPPr>
+      <a:defRPr lang="fr-FR"/>
+    </a:defPPr>
+    <a:lvl1pPr marL="0" algn="l" defTabSz="914400" rtl="0" eaLnBrk="1" latinLnBrk="0" hangingPunct="1">
+      <a:defRPr sz="1800" kern="1200">
+        <a:solidFill>
+          <a:schemeClr val="tx1"/>
+        </a:solidFill>
+        <a:latin typeface="+mn-lt"/>
+        <a:ea typeface="+mn-ea"/>
+        <a:cs typeface="+mn-cs"/>
+      </a:defRPr>
+    </a:lvl1pPr>
+    <a:lvl2pPr marL="457200" algn="l" defTabSz="914400" rtl="0" eaLnBrk="1" latinLnBrk="0" hangingPunct="1">
+      <a:defRPr sz="1800" kern="1200">
+        <a:solidFill>
+          <a:schemeClr val="tx1"/>
+        </a:solidFill>
+        <a:latin typeface="+mn-lt"/>
+        <a:ea typeface="+mn-ea"/>
+        <a:cs typeface="+mn-cs"/>
+      </a:defRPr>
+    </a:lvl2pPr>
+    <a:lvl3pPr marL="914400" algn="l" defTabSz="914400" rtl="0" eaLnBrk="1" latinLnBrk="0" hangingPunct="1">
+      <a:defRPr sz="1800" kern="1200">
+        <a:solidFill>
+          <a:schemeClr val="tx1"/>
+        </a:solidFill>
+        <a:latin typeface="+mn-lt"/>
+        <a:ea typeface="+mn-ea"/>
+        <a:cs typeface="+mn-cs"/>
+      </a:defRPr>
+    </a:lvl3pPr>
+    <a:lvl4pPr marL="1371600" algn="l" defTabSz="914400" rtl="0" eaLnBrk="1" latinLnBrk="0" hangingPunct="1">
+      <a:defRPr sz="1800" kern="1200">
+        <a:solidFill>
+          <a:schemeClr val="tx1"/>
+        </a:solidFill>
+        <a:latin typeface="+mn-lt"/>
+        <a:ea typeface="+mn-ea"/>
+        <a:cs typeface="+mn-cs"/>
+      </a:defRPr>
+    </a:lvl4pPr>
+    <a:lvl5pPr marL="1828800" algn="l" defTabSz="914400" rtl="0" eaLnBrk="1" latinLnBrk="0" hangingPunct="1">
+      <a:defRPr sz="1800" kern="1200">
+        <a:solidFill>
+          <a:schemeClr val="tx1"/>
+        </a:solidFill>
+        <a:latin typeface="+mn-lt"/>
+        <a:ea typeface="+mn-ea"/>
+        <a:cs typeface="+mn-cs"/>
+      </a:defRPr>
+    </a:lvl5pPr>
+    <a:lvl6pPr marL="2286000" algn="l" defTabSz="914400" rtl="0" eaLnBrk="1" latinLnBrk="0" hangingPunct="1">
+      <a:defRPr sz="1800" kern="1200">
+        <a:solidFill>
+          <a:schemeClr val="tx1"/>
+        </a:solidFill>
+        <a:latin typeface="+mn-lt"/>
+        <a:ea typeface="+mn-ea"/>
+        <a:cs typeface="+mn-cs"/>
+      </a:defRPr>
+    </a:lvl6pPr>
+    <a:lvl7pPr marL="2743200" algn="l" defTabSz="914400" rtl="0" eaLnBrk="1" latinLnBrk="0" hangingPunct="1">
+      <a:defRPr sz="1800" kern="1200">
+        <a:solidFill>
+          <a:schemeClr val="tx1"/>
+        </a:solidFill>
+        <a:latin typeface="+mn-lt"/>
+        <a:ea typeface="+mn-ea"/>
+        <a:cs typeface="+mn-cs"/>
+      </a:defRPr>
+    </a:lvl7pPr>
+    <a:lvl8pPr marL="3200400" algn="l" defTabSz="914400" rtl="0" eaLnBrk="1" latinLnBrk="0" hangingPunct="1">
+      <a:defRPr sz="1800" kern="1200">
+        <a:solidFill>
+          <a:schemeClr val="tx1"/>
+        </a:solidFill>
+        <a:latin typeface="+mn-lt"/>
+        <a:ea typeface="+mn-ea"/>
+        <a:cs typeface="+mn-cs"/>
+      </a:defRPr>
+    </a:lvl8pPr>
+    <a:lvl9pPr marL="3657600" algn="l" defTabSz="914400" rtl="0" eaLnBrk="1" latinLnBrk="0" hangingPunct="1">
+      <a:defRPr sz="1800" kern="1200">
+        <a:solidFill>
+          <a:schemeClr val="tx1"/>
+        </a:solidFill>
+        <a:latin typeface="+mn-lt"/>
+        <a:ea typeface="+mn-ea"/>
+        <a:cs typeface="+mn-cs"/>
+      </a:defRPr>
+    </a:lvl9pPr>
+  </p:defaultTextStyle>
 </p:presentation>
 </file>
 
 <file path=ppt/notesMasters/notesMaster1.xml><?xml version="1.0" encoding="utf-8"?>
-<p:notesMaster xmlns:a="http://schemas.openxmlformats.org/drawingml/2006/main" xmlns:p="http://schemas.openxmlformats.org/presentationml/2006/main" xmlns:r="http://schemas.openxmlformats.org/officeDocument/2006/relationships" xmlns:p14="http://schemas.microsoft.com/office/powerpoint/2010/main" xmlns:p15="http://schemas.microsoft.com/office/powerpoint/2012/main" xmlns:mc="http://schemas.openxmlformats.org/markup-compatibility/2006">
+<p:notesMaster xmlns:a="http://schemas.openxmlformats.org/drawingml/2006/main" xmlns:r="http://schemas.openxmlformats.org/officeDocument/2006/relationships" xmlns:p="http://schemas.openxmlformats.org/presentationml/2006/main">
+  <p:cSld>
+    <p:bg>
+      <p:bgRef idx="1001">
+        <a:schemeClr val="bg1"/>
+      </p:bgRef>
+    </p:bg>
+    <p:spTree>
+      <p:nvGrpSpPr>
+        <p:cNvPr id="1" name=""/>
+        <p:cNvGrpSpPr/>
+        <p:nvPr/>
+      </p:nvGrpSpPr>
+      <p:grpSpPr>
+        <a:xfrm>
+          <a:off x="0" y="0"/>
+          <a:ext cx="0" cy="0"/>
+          <a:chOff x="0" y="0"/>
+          <a:chExt cx="0" cy="0"/>
+        </a:xfrm>
+      </p:grpSpPr>
+      <p:sp>
+        <p:nvSpPr>
+          <p:cNvPr id="82" name="PlaceHolder 1"/>
+          <p:cNvSpPr>
+            <a:spLocks noGrp="1" noRot="1" noChangeAspect="1"/>
+          </p:cNvSpPr>
+          <p:nvPr>
+            <p:ph type="sldImg"/>
+          </p:nvPr>
+        </p:nvSpPr>
+        <p:spPr>
+          <a:xfrm>
+            <a:off x="533520" y="764280"/>
+            <a:ext cx="6704640" cy="3771360"/>
+          </a:xfrm>
+          <a:prstGeom prst="rect">
+            <a:avLst/>
+          </a:prstGeom>
+        </p:spPr>
+        <p:txBody>
+          <a:bodyPr lIns="0" tIns="0" rIns="0" bIns="0" anchor="ctr"/>
+          <a:lstStyle/>
+          <a:p>
+            <a:r>
+              <a:rPr lang="fr-FR" sz="1800" b="0" strike="noStrike" spc="-1">
+                <a:solidFill>
+                  <a:srgbClr val="000000"/>
+                </a:solidFill>
+                <a:latin typeface="Calibri"/>
+              </a:rPr>
+              <a:t>Click to move the slide</a:t>
+            </a:r>
+          </a:p>
+        </p:txBody>
+      </p:sp>
+      <p:sp>
+        <p:nvSpPr>
+          <p:cNvPr id="83" name="PlaceHolder 2"/>
+          <p:cNvSpPr>
+            <a:spLocks noGrp="1"/>
+          </p:cNvSpPr>
+          <p:nvPr>
+            <p:ph type="body"/>
+          </p:nvPr>
+        </p:nvSpPr>
+        <p:spPr>
+          <a:xfrm>
+            <a:off x="777240" y="4777560"/>
+            <a:ext cx="6217560" cy="4525920"/>
+          </a:xfrm>
+          <a:prstGeom prst="rect">
+            <a:avLst/>
+          </a:prstGeom>
+        </p:spPr>
+        <p:txBody>
+          <a:bodyPr lIns="0" tIns="0" rIns="0" bIns="0"/>
+          <a:lstStyle/>
+          <a:p>
+            <a:r>
+              <a:rPr lang="en-US" sz="2000" b="0" strike="noStrike" spc="-1">
+                <a:latin typeface="Arial"/>
+              </a:rPr>
+              <a:t>Click to edit the notes format</a:t>
+            </a:r>
+          </a:p>
+        </p:txBody>
+      </p:sp>
+      <p:sp>
+        <p:nvSpPr>
+          <p:cNvPr id="84" name="PlaceHolder 3"/>
+          <p:cNvSpPr>
+            <a:spLocks noGrp="1"/>
+          </p:cNvSpPr>
+          <p:nvPr>
+            <p:ph type="hdr"/>
+          </p:nvPr>
+        </p:nvSpPr>
+        <p:spPr>
+          <a:xfrm>
+            <a:off x="0" y="0"/>
+            <a:ext cx="3372840" cy="502560"/>
+          </a:xfrm>
+          <a:prstGeom prst="rect">
+            <a:avLst/>
+          </a:prstGeom>
+        </p:spPr>
+        <p:txBody>
+          <a:bodyPr lIns="0" tIns="0" rIns="0" bIns="0"/>
+          <a:lstStyle/>
+          <a:p>
+            <a:r>
+              <a:rPr lang="en-US" sz="1400" b="0" strike="noStrike" spc="-1">
+                <a:latin typeface="Times New Roman"/>
+              </a:rPr>
+              <a:t>&lt;header&gt;</a:t>
+            </a:r>
+          </a:p>
+        </p:txBody>
+      </p:sp>
+      <p:sp>
+        <p:nvSpPr>
+          <p:cNvPr id="85" name="PlaceHolder 4"/>
+          <p:cNvSpPr>
+            <a:spLocks noGrp="1"/>
+          </p:cNvSpPr>
+          <p:nvPr>
+            <p:ph type="dt"/>
+          </p:nvPr>
+        </p:nvSpPr>
+        <p:spPr>
+          <a:xfrm>
+            <a:off x="4399200" y="0"/>
+            <a:ext cx="3372840" cy="502560"/>
+          </a:xfrm>
+          <a:prstGeom prst="rect">
+            <a:avLst/>
+          </a:prstGeom>
+        </p:spPr>
+        <p:txBody>
+          <a:bodyPr lIns="0" tIns="0" rIns="0" bIns="0"/>
+          <a:lstStyle/>
+          <a:p>
+            <a:pPr algn="r"/>
+            <a:r>
+              <a:rPr lang="en-US" sz="1400" b="0" strike="noStrike" spc="-1">
+                <a:latin typeface="Times New Roman"/>
+              </a:rPr>
+              <a:t>&lt;date/time&gt;</a:t>
+            </a:r>
+          </a:p>
+        </p:txBody>
+      </p:sp>
+      <p:sp>
+        <p:nvSpPr>
+          <p:cNvPr id="86" name="PlaceHolder 5"/>
+          <p:cNvSpPr>
+            <a:spLocks noGrp="1"/>
+          </p:cNvSpPr>
+          <p:nvPr>
+            <p:ph type="ftr"/>
+          </p:nvPr>
+        </p:nvSpPr>
+        <p:spPr>
+          <a:xfrm>
+            <a:off x="0" y="9555480"/>
+            <a:ext cx="3372840" cy="502560"/>
+          </a:xfrm>
+          <a:prstGeom prst="rect">
+            <a:avLst/>
+          </a:prstGeom>
+        </p:spPr>
+        <p:txBody>
+          <a:bodyPr lIns="0" tIns="0" rIns="0" bIns="0" anchor="b"/>
+          <a:lstStyle/>
+          <a:p>
+            <a:r>
+              <a:rPr lang="en-US" sz="1400" b="0" strike="noStrike" spc="-1">
+                <a:latin typeface="Times New Roman"/>
+              </a:rPr>
+              <a:t>&lt;footer&gt;</a:t>
+            </a:r>
+          </a:p>
+        </p:txBody>
+      </p:sp>
+      <p:sp>
+        <p:nvSpPr>
+          <p:cNvPr id="87" name="PlaceHolder 6"/>
+          <p:cNvSpPr>
+            <a:spLocks noGrp="1"/>
+          </p:cNvSpPr>
+          <p:nvPr>
+            <p:ph type="sldNum"/>
+          </p:nvPr>
+        </p:nvSpPr>
+        <p:spPr>
+          <a:xfrm>
+            <a:off x="4399200" y="9555480"/>
+            <a:ext cx="3372840" cy="502560"/>
+          </a:xfrm>
+          <a:prstGeom prst="rect">
+            <a:avLst/>
+          </a:prstGeom>
+        </p:spPr>
+        <p:txBody>
+          <a:bodyPr lIns="0" tIns="0" rIns="0" bIns="0" anchor="b"/>
+          <a:lstStyle/>
+          <a:p>
+            <a:pPr algn="r"/>
+            <a:fld id="{16BFAC07-4958-4889-A37D-DA4DC1AC535A}" type="slidenum">
+              <a:rPr lang="en-US" sz="1400" b="0" strike="noStrike" spc="-1">
+                <a:latin typeface="Times New Roman"/>
+              </a:rPr>
+              <a:t>‹N°›</a:t>
+            </a:fld>
+            <a:endParaRPr lang="en-US" sz="1400" b="0" strike="noStrike" spc="-1">
+              <a:latin typeface="Times New Roman"/>
+            </a:endParaRPr>
+          </a:p>
+        </p:txBody>
+      </p:sp>
+    </p:spTree>
+  </p:cSld>
+  <p:clrMap bg1="lt1" tx1="dk1" bg2="lt2" tx2="dk2" accent1="accent1" accent2="accent2" accent3="accent3" accent4="accent4" accent5="accent5" accent6="accent6" hlink="hlink" folHlink="folHlink"/>
+  <p:notesStyle>
+    <a:lvl1pPr marL="0" algn="l" defTabSz="914400" rtl="0" eaLnBrk="1" latinLnBrk="0" hangingPunct="1">
+      <a:defRPr sz="1200" kern="1200">
+        <a:solidFill>
+          <a:schemeClr val="tx1"/>
+        </a:solidFill>
+        <a:latin typeface="+mn-lt"/>
+        <a:ea typeface="+mn-ea"/>
+        <a:cs typeface="+mn-cs"/>
+      </a:defRPr>
+    </a:lvl1pPr>
+    <a:lvl2pPr marL="457200" algn="l" defTabSz="914400" rtl="0" eaLnBrk="1" latinLnBrk="0" hangingPunct="1">
+      <a:defRPr sz="1200" kern="1200">
+        <a:solidFill>
+          <a:schemeClr val="tx1"/>
+        </a:solidFill>
+        <a:latin typeface="+mn-lt"/>
+        <a:ea typeface="+mn-ea"/>
+        <a:cs typeface="+mn-cs"/>
+      </a:defRPr>
+    </a:lvl2pPr>
+    <a:lvl3pPr marL="914400" algn="l" defTabSz="914400" rtl="0" eaLnBrk="1" latinLnBrk="0" hangingPunct="1">
+      <a:defRPr sz="1200" kern="1200">
+        <a:solidFill>
+          <a:schemeClr val="tx1"/>
+        </a:solidFill>
+        <a:latin typeface="+mn-lt"/>
+        <a:ea typeface="+mn-ea"/>
+        <a:cs typeface="+mn-cs"/>
+      </a:defRPr>
+    </a:lvl3pPr>
+    <a:lvl4pPr marL="1371600" algn="l" defTabSz="914400" rtl="0" eaLnBrk="1" latinLnBrk="0" hangingPunct="1">
+      <a:defRPr sz="1200" kern="1200">
+        <a:solidFill>
+          <a:schemeClr val="tx1"/>
+        </a:solidFill>
+        <a:latin typeface="+mn-lt"/>
+        <a:ea typeface="+mn-ea"/>
+        <a:cs typeface="+mn-cs"/>
+      </a:defRPr>
+    </a:lvl4pPr>
+    <a:lvl5pPr marL="1828800" algn="l" defTabSz="914400" rtl="0" eaLnBrk="1" latinLnBrk="0" hangingPunct="1">
+      <a:defRPr sz="1200" kern="1200">
+        <a:solidFill>
+          <a:schemeClr val="tx1"/>
+        </a:solidFill>
+        <a:latin typeface="+mn-lt"/>
+        <a:ea typeface="+mn-ea"/>
+        <a:cs typeface="+mn-cs"/>
+      </a:defRPr>
+    </a:lvl5pPr>
+    <a:lvl6pPr marL="2286000" algn="l" defTabSz="914400" rtl="0" eaLnBrk="1" latinLnBrk="0" hangingPunct="1">
+      <a:defRPr sz="1200" kern="1200">
+        <a:solidFill>
+          <a:schemeClr val="tx1"/>
+        </a:solidFill>
+        <a:latin typeface="+mn-lt"/>
+        <a:ea typeface="+mn-ea"/>
+        <a:cs typeface="+mn-cs"/>
+      </a:defRPr>
+    </a:lvl6pPr>
+    <a:lvl7pPr marL="2743200" algn="l" defTabSz="914400" rtl="0" eaLnBrk="1" latinLnBrk="0" hangingPunct="1">
+      <a:defRPr sz="1200" kern="1200">
+        <a:solidFill>
+          <a:schemeClr val="tx1"/>
+        </a:solidFill>
+        <a:latin typeface="+mn-lt"/>
+        <a:ea typeface="+mn-ea"/>
+        <a:cs typeface="+mn-cs"/>
+      </a:defRPr>
+    </a:lvl7pPr>
+    <a:lvl8pPr marL="3200400" algn="l" defTabSz="914400" rtl="0" eaLnBrk="1" latinLnBrk="0" hangingPunct="1">
+      <a:defRPr sz="1200" kern="1200">
+        <a:solidFill>
+          <a:schemeClr val="tx1"/>
+        </a:solidFill>
+        <a:latin typeface="+mn-lt"/>
+        <a:ea typeface="+mn-ea"/>
+        <a:cs typeface="+mn-cs"/>
+      </a:defRPr>
+    </a:lvl8pPr>
+    <a:lvl9pPr marL="3657600" algn="l" defTabSz="914400" rtl="0" eaLnBrk="1" latinLnBrk="0" hangingPunct="1">
+      <a:defRPr sz="1200" kern="1200">
+        <a:solidFill>
+          <a:schemeClr val="tx1"/>
+        </a:solidFill>
+        <a:latin typeface="+mn-lt"/>
+        <a:ea typeface="+mn-ea"/>
+        <a:cs typeface="+mn-cs"/>
+      </a:defRPr>
+    </a:lvl9pPr>
+  </p:notesStyle>
+</p:notesMaster>
+</file>
+
+<file path=ppt/notesSlides/notesSlide1.xml><?xml version="1.0" encoding="utf-8"?>
+<p:notes xmlns:a="http://schemas.openxmlformats.org/drawingml/2006/main" xmlns:r="http://schemas.openxmlformats.org/officeDocument/2006/relationships" xmlns:p="http://schemas.openxmlformats.org/presentationml/2006/main">
   <p:cSld>
     <p:spTree>
       <p:nvGrpSpPr>
@@ -46,9 +465,9 @@
       </p:grpSpPr>
       <p:sp>
         <p:nvSpPr>
-          <p:cNvPr id="82" name="PlaceHolder 1"/>
-          <p:cNvSpPr>
-            <a:spLocks noGrp="1"/>
+          <p:cNvPr id="108" name="PlaceHolder 1"/>
+          <p:cNvSpPr>
+            <a:spLocks noGrp="1" noRot="1" noChangeAspect="1"/>
           </p:cNvSpPr>
           <p:nvPr>
             <p:ph type="sldImg"/>
@@ -56,37 +475,17 @@
         </p:nvSpPr>
         <p:spPr>
           <a:xfrm>
-            <a:off x="533520" y="764280"/>
-            <a:ext cx="6704640" cy="3771360"/>
-          </a:xfrm>
-          <a:prstGeom prst="rect">
-            <a:avLst/>
-          </a:prstGeom>
-        </p:spPr>
-        <p:txBody>
-          <a:bodyPr lIns="0" rIns="0" tIns="0" bIns="0" anchor="ctr"/>
-          <a:p>
-            <a:r>
-              <a:rPr b="0" lang="fr-FR" sz="1800" spc="-1" strike="noStrike">
-                <a:solidFill>
-                  <a:srgbClr val="000000"/>
-                </a:solidFill>
-                <a:latin typeface="Calibri"/>
-              </a:rPr>
-              <a:t>Click to move the slide</a:t>
-            </a:r>
-            <a:endParaRPr b="0" lang="fr-FR" sz="1800" spc="-1" strike="noStrike">
-              <a:solidFill>
-                <a:srgbClr val="000000"/>
-              </a:solidFill>
-              <a:latin typeface="Calibri"/>
-            </a:endParaRPr>
-          </a:p>
-        </p:txBody>
-      </p:sp>
-      <p:sp>
-        <p:nvSpPr>
-          <p:cNvPr id="83" name="PlaceHolder 2"/>
+            <a:off x="685800" y="1143000"/>
+            <a:ext cx="5486400" cy="3086100"/>
+          </a:xfrm>
+          <a:prstGeom prst="rect">
+            <a:avLst/>
+          </a:prstGeom>
+        </p:spPr>
+      </p:sp>
+      <p:sp>
+        <p:nvSpPr>
+          <p:cNvPr id="109" name="PlaceHolder 2"/>
           <p:cNvSpPr>
             <a:spLocks noGrp="1"/>
           </p:cNvSpPr>
@@ -96,23 +495,18 @@
         </p:nvSpPr>
         <p:spPr>
           <a:xfrm>
-            <a:off x="777240" y="4777560"/>
-            <a:ext cx="6217560" cy="4525920"/>
-          </a:xfrm>
-          <a:prstGeom prst="rect">
-            <a:avLst/>
-          </a:prstGeom>
-        </p:spPr>
-        <p:txBody>
-          <a:bodyPr lIns="0" rIns="0" tIns="0" bIns="0"/>
-          <a:p>
-            <a:r>
-              <a:rPr b="0" lang="en-US" sz="2000" spc="-1" strike="noStrike">
-                <a:latin typeface="Arial"/>
-              </a:rPr>
-              <a:t>Click to edit the notes format</a:t>
-            </a:r>
-            <a:endParaRPr b="0" lang="en-US" sz="2000" spc="-1" strike="noStrike">
+            <a:off x="685800" y="4400640"/>
+            <a:ext cx="5486040" cy="3600000"/>
+          </a:xfrm>
+          <a:prstGeom prst="rect">
+            <a:avLst/>
+          </a:prstGeom>
+        </p:spPr>
+        <p:txBody>
+          <a:bodyPr/>
+          <a:lstStyle/>
+          <a:p>
+            <a:endParaRPr lang="en-US" sz="2000" b="0" strike="noStrike" spc="-1">
               <a:latin typeface="Arial"/>
             </a:endParaRPr>
           </a:p>
@@ -120,137 +514,39 @@
       </p:sp>
       <p:sp>
         <p:nvSpPr>
-          <p:cNvPr id="84" name="PlaceHolder 3"/>
-          <p:cNvSpPr>
-            <a:spLocks noGrp="1"/>
-          </p:cNvSpPr>
-          <p:nvPr>
-            <p:ph type="hdr"/>
-          </p:nvPr>
-        </p:nvSpPr>
-        <p:spPr>
-          <a:xfrm>
-            <a:off x="0" y="0"/>
-            <a:ext cx="3372840" cy="502560"/>
-          </a:xfrm>
-          <a:prstGeom prst="rect">
-            <a:avLst/>
-          </a:prstGeom>
-        </p:spPr>
-        <p:txBody>
-          <a:bodyPr lIns="0" rIns="0" tIns="0" bIns="0"/>
-          <a:p>
-            <a:r>
-              <a:rPr b="0" lang="en-US" sz="1400" spc="-1" strike="noStrike">
+          <p:cNvPr id="110" name="TextShape 3"/>
+          <p:cNvSpPr txBox="1"/>
+          <p:nvPr/>
+        </p:nvSpPr>
+        <p:spPr>
+          <a:xfrm>
+            <a:off x="3884760" y="8685360"/>
+            <a:ext cx="2971440" cy="458280"/>
+          </a:xfrm>
+          <a:prstGeom prst="rect">
+            <a:avLst/>
+          </a:prstGeom>
+          <a:noFill/>
+          <a:ln>
+            <a:noFill/>
+          </a:ln>
+        </p:spPr>
+        <p:txBody>
+          <a:bodyPr anchor="b"/>
+          <a:lstStyle/>
+          <a:p>
+            <a:pPr algn="r">
+              <a:lnSpc>
+                <a:spcPct val="100000"/>
+              </a:lnSpc>
+            </a:pPr>
+            <a:fld id="{E733490E-B780-4C22-9BD5-42D2D42984F4}" type="slidenum">
+              <a:rPr lang="en-US" sz="1200" b="0" strike="noStrike" spc="-1">
                 <a:latin typeface="Times New Roman"/>
               </a:rPr>
-              <a:t>&lt;header&gt;</a:t>
-            </a:r>
-            <a:endParaRPr b="0" lang="en-US" sz="1400" spc="-1" strike="noStrike">
-              <a:latin typeface="Times New Roman"/>
-            </a:endParaRPr>
-          </a:p>
-        </p:txBody>
-      </p:sp>
-      <p:sp>
-        <p:nvSpPr>
-          <p:cNvPr id="85" name="PlaceHolder 4"/>
-          <p:cNvSpPr>
-            <a:spLocks noGrp="1"/>
-          </p:cNvSpPr>
-          <p:nvPr>
-            <p:ph type="dt"/>
-          </p:nvPr>
-        </p:nvSpPr>
-        <p:spPr>
-          <a:xfrm>
-            <a:off x="4399200" y="0"/>
-            <a:ext cx="3372840" cy="502560"/>
-          </a:xfrm>
-          <a:prstGeom prst="rect">
-            <a:avLst/>
-          </a:prstGeom>
-        </p:spPr>
-        <p:txBody>
-          <a:bodyPr lIns="0" rIns="0" tIns="0" bIns="0"/>
-          <a:p>
-            <a:pPr algn="r"/>
-            <a:r>
-              <a:rPr b="0" lang="en-US" sz="1400" spc="-1" strike="noStrike">
-                <a:latin typeface="Times New Roman"/>
-              </a:rPr>
-              <a:t>&lt;date/time&gt;</a:t>
-            </a:r>
-            <a:endParaRPr b="0" lang="en-US" sz="1400" spc="-1" strike="noStrike">
-              <a:latin typeface="Times New Roman"/>
-            </a:endParaRPr>
-          </a:p>
-        </p:txBody>
-      </p:sp>
-      <p:sp>
-        <p:nvSpPr>
-          <p:cNvPr id="86" name="PlaceHolder 5"/>
-          <p:cNvSpPr>
-            <a:spLocks noGrp="1"/>
-          </p:cNvSpPr>
-          <p:nvPr>
-            <p:ph type="ftr"/>
-          </p:nvPr>
-        </p:nvSpPr>
-        <p:spPr>
-          <a:xfrm>
-            <a:off x="0" y="9555480"/>
-            <a:ext cx="3372840" cy="502560"/>
-          </a:xfrm>
-          <a:prstGeom prst="rect">
-            <a:avLst/>
-          </a:prstGeom>
-        </p:spPr>
-        <p:txBody>
-          <a:bodyPr lIns="0" rIns="0" tIns="0" bIns="0" anchor="b"/>
-          <a:p>
-            <a:r>
-              <a:rPr b="0" lang="en-US" sz="1400" spc="-1" strike="noStrike">
-                <a:latin typeface="Times New Roman"/>
-              </a:rPr>
-              <a:t>&lt;footer&gt;</a:t>
-            </a:r>
-            <a:endParaRPr b="0" lang="en-US" sz="1400" spc="-1" strike="noStrike">
-              <a:latin typeface="Times New Roman"/>
-            </a:endParaRPr>
-          </a:p>
-        </p:txBody>
-      </p:sp>
-      <p:sp>
-        <p:nvSpPr>
-          <p:cNvPr id="87" name="PlaceHolder 6"/>
-          <p:cNvSpPr>
-            <a:spLocks noGrp="1"/>
-          </p:cNvSpPr>
-          <p:nvPr>
-            <p:ph type="sldNum"/>
-          </p:nvPr>
-        </p:nvSpPr>
-        <p:spPr>
-          <a:xfrm>
-            <a:off x="4399200" y="9555480"/>
-            <a:ext cx="3372840" cy="502560"/>
-          </a:xfrm>
-          <a:prstGeom prst="rect">
-            <a:avLst/>
-          </a:prstGeom>
-        </p:spPr>
-        <p:txBody>
-          <a:bodyPr lIns="0" rIns="0" tIns="0" bIns="0" anchor="b"/>
-          <a:p>
-            <a:pPr algn="r"/>
-            <a:fld id="{16BFAC07-4958-4889-A37D-DA4DC1AC535A}" type="slidenum">
-              <a:rPr b="0" lang="en-US" sz="1400" spc="-1" strike="noStrike">
-                <a:latin typeface="Times New Roman"/>
-              </a:rPr>
-              <a:t>&lt;number&gt;</a:t>
+              <a:t>3</a:t>
             </a:fld>
-            <a:endParaRPr b="0" lang="en-US" sz="1400" spc="-1" strike="noStrike">
+            <a:endParaRPr lang="en-US" sz="1200" b="0" strike="noStrike" spc="-1">
               <a:latin typeface="Times New Roman"/>
             </a:endParaRPr>
           </a:p>
@@ -258,12 +554,14 @@
       </p:sp>
     </p:spTree>
   </p:cSld>
-  <p:clrMap bg1="lt1" bg2="lt2" tx1="dk1" tx2="dk2" accent1="accent1" accent2="accent2" accent3="accent3" accent4="accent4" accent5="accent5" accent6="accent6" hlink="hlink" folHlink="folHlink"/>
-</p:notesMaster>
+  <p:clrMapOvr>
+    <a:masterClrMapping/>
+  </p:clrMapOvr>
+</p:notes>
 </file>
 
 <file path=ppt/notesSlides/notesSlide10.xml><?xml version="1.0" encoding="utf-8"?>
-<p:notes xmlns:a="http://schemas.openxmlformats.org/drawingml/2006/main" xmlns:p="http://schemas.openxmlformats.org/presentationml/2006/main" xmlns:r="http://schemas.openxmlformats.org/officeDocument/2006/relationships" xmlns:p14="http://schemas.microsoft.com/office/powerpoint/2010/main" xmlns:p15="http://schemas.microsoft.com/office/powerpoint/2012/main" xmlns:mc="http://schemas.openxmlformats.org/markup-compatibility/2006">
+<p:notes xmlns:a="http://schemas.openxmlformats.org/drawingml/2006/main" xmlns:r="http://schemas.openxmlformats.org/officeDocument/2006/relationships" xmlns:p="http://schemas.openxmlformats.org/presentationml/2006/main">
   <p:cSld>
     <p:spTree>
       <p:nvGrpSpPr>
@@ -283,7 +581,7 @@
         <p:nvSpPr>
           <p:cNvPr id="129" name="PlaceHolder 1"/>
           <p:cNvSpPr>
-            <a:spLocks noGrp="1"/>
+            <a:spLocks noGrp="1" noRot="1" noChangeAspect="1"/>
           </p:cNvSpPr>
           <p:nvPr>
             <p:ph type="sldImg"/>
@@ -292,7 +590,7 @@
         <p:spPr>
           <a:xfrm>
             <a:off x="685800" y="1143000"/>
-            <a:ext cx="5486040" cy="3085920"/>
+            <a:ext cx="5486400" cy="3086100"/>
           </a:xfrm>
           <a:prstGeom prst="rect">
             <a:avLst/>
@@ -320,8 +618,9 @@
         </p:spPr>
         <p:txBody>
           <a:bodyPr/>
-          <a:p>
-            <a:endParaRPr b="0" lang="en-US" sz="2000" spc="-1" strike="noStrike">
+          <a:lstStyle/>
+          <a:p>
+            <a:endParaRPr lang="en-US" sz="2000" b="0" strike="noStrike" spc="-1">
               <a:latin typeface="Arial"/>
             </a:endParaRPr>
           </a:p>
@@ -348,6 +647,7 @@
         </p:spPr>
         <p:txBody>
           <a:bodyPr anchor="b"/>
+          <a:lstStyle/>
           <a:p>
             <a:pPr algn="r">
               <a:lnSpc>
@@ -355,24 +655,32 @@
               </a:lnSpc>
             </a:pPr>
             <a:fld id="{7DDB808A-A608-4B63-AFAE-3AA5F5CEA850}" type="slidenum">
-              <a:rPr b="0" lang="en-US" sz="1200" spc="-1" strike="noStrike">
+              <a:rPr lang="en-US" sz="1200" b="0" strike="noStrike" spc="-1">
                 <a:latin typeface="Times New Roman"/>
               </a:rPr>
-              <a:t>&lt;number&gt;</a:t>
+              <a:t>15</a:t>
             </a:fld>
-            <a:endParaRPr b="0" lang="en-US" sz="1200" spc="-1" strike="noStrike">
+            <a:endParaRPr lang="en-US" sz="1200" b="0" strike="noStrike" spc="-1">
               <a:latin typeface="Times New Roman"/>
             </a:endParaRPr>
           </a:p>
         </p:txBody>
       </p:sp>
     </p:spTree>
+    <p:extLst>
+      <p:ext uri="{BB962C8B-B14F-4D97-AF65-F5344CB8AC3E}">
+        <p14:creationId xmlns:p14="http://schemas.microsoft.com/office/powerpoint/2010/main" val="1548856271"/>
+      </p:ext>
+    </p:extLst>
   </p:cSld>
+  <p:clrMapOvr>
+    <a:masterClrMapping/>
+  </p:clrMapOvr>
 </p:notes>
 </file>
 
-<file path=ppt/notesSlides/notesSlide3.xml><?xml version="1.0" encoding="utf-8"?>
-<p:notes xmlns:a="http://schemas.openxmlformats.org/drawingml/2006/main" xmlns:p="http://schemas.openxmlformats.org/presentationml/2006/main" xmlns:r="http://schemas.openxmlformats.org/officeDocument/2006/relationships" xmlns:p14="http://schemas.microsoft.com/office/powerpoint/2010/main" xmlns:p15="http://schemas.microsoft.com/office/powerpoint/2012/main" xmlns:mc="http://schemas.openxmlformats.org/markup-compatibility/2006">
+<file path=ppt/notesSlides/notesSlide2.xml><?xml version="1.0" encoding="utf-8"?>
+<p:notes xmlns:a="http://schemas.openxmlformats.org/drawingml/2006/main" xmlns:r="http://schemas.openxmlformats.org/officeDocument/2006/relationships" xmlns:p="http://schemas.openxmlformats.org/presentationml/2006/main">
   <p:cSld>
     <p:spTree>
       <p:nvGrpSpPr>
@@ -390,9 +698,9 @@
       </p:grpSpPr>
       <p:sp>
         <p:nvSpPr>
-          <p:cNvPr id="108" name="PlaceHolder 1"/>
-          <p:cNvSpPr>
-            <a:spLocks noGrp="1"/>
+          <p:cNvPr id="111" name="PlaceHolder 1"/>
+          <p:cNvSpPr>
+            <a:spLocks noGrp="1" noRot="1" noChangeAspect="1"/>
           </p:cNvSpPr>
           <p:nvPr>
             <p:ph type="sldImg"/>
@@ -410,7 +718,7 @@
       </p:sp>
       <p:sp>
         <p:nvSpPr>
-          <p:cNvPr id="109" name="PlaceHolder 2"/>
+          <p:cNvPr id="112" name="PlaceHolder 2"/>
           <p:cNvSpPr>
             <a:spLocks noGrp="1"/>
           </p:cNvSpPr>
@@ -429,8 +737,9 @@
         </p:spPr>
         <p:txBody>
           <a:bodyPr/>
-          <a:p>
-            <a:endParaRPr b="0" lang="en-US" sz="2000" spc="-1" strike="noStrike">
+          <a:lstStyle/>
+          <a:p>
+            <a:endParaRPr lang="en-US" sz="2000" b="0" strike="noStrike" spc="-1">
               <a:latin typeface="Arial"/>
             </a:endParaRPr>
           </a:p>
@@ -438,7 +747,7 @@
       </p:sp>
       <p:sp>
         <p:nvSpPr>
-          <p:cNvPr id="110" name="TextShape 3"/>
+          <p:cNvPr id="113" name="TextShape 3"/>
           <p:cNvSpPr txBox="1"/>
           <p:nvPr/>
         </p:nvSpPr>
@@ -457,19 +766,20 @@
         </p:spPr>
         <p:txBody>
           <a:bodyPr anchor="b"/>
+          <a:lstStyle/>
           <a:p>
             <a:pPr algn="r">
               <a:lnSpc>
                 <a:spcPct val="100000"/>
               </a:lnSpc>
             </a:pPr>
-            <a:fld id="{E733490E-B780-4C22-9BD5-42D2D42984F4}" type="slidenum">
-              <a:rPr b="0" lang="en-US" sz="1200" spc="-1" strike="noStrike">
+            <a:fld id="{1C862C00-216B-4235-B1BA-11970800C59D}" type="slidenum">
+              <a:rPr lang="en-US" sz="1200" b="0" strike="noStrike" spc="-1">
                 <a:latin typeface="Times New Roman"/>
               </a:rPr>
-              <a:t>&lt;number&gt;</a:t>
+              <a:t>4</a:t>
             </a:fld>
-            <a:endParaRPr b="0" lang="en-US" sz="1200" spc="-1" strike="noStrike">
+            <a:endParaRPr lang="en-US" sz="1200" b="0" strike="noStrike" spc="-1">
               <a:latin typeface="Times New Roman"/>
             </a:endParaRPr>
           </a:p>
@@ -477,11 +787,14 @@
       </p:sp>
     </p:spTree>
   </p:cSld>
+  <p:clrMapOvr>
+    <a:masterClrMapping/>
+  </p:clrMapOvr>
 </p:notes>
 </file>
 
-<file path=ppt/notesSlides/notesSlide4.xml><?xml version="1.0" encoding="utf-8"?>
-<p:notes xmlns:a="http://schemas.openxmlformats.org/drawingml/2006/main" xmlns:p="http://schemas.openxmlformats.org/presentationml/2006/main" xmlns:r="http://schemas.openxmlformats.org/officeDocument/2006/relationships" xmlns:p14="http://schemas.microsoft.com/office/powerpoint/2010/main" xmlns:p15="http://schemas.microsoft.com/office/powerpoint/2012/main" xmlns:mc="http://schemas.openxmlformats.org/markup-compatibility/2006">
+<file path=ppt/notesSlides/notesSlide3.xml><?xml version="1.0" encoding="utf-8"?>
+<p:notes xmlns:a="http://schemas.openxmlformats.org/drawingml/2006/main" xmlns:r="http://schemas.openxmlformats.org/officeDocument/2006/relationships" xmlns:p="http://schemas.openxmlformats.org/presentationml/2006/main">
   <p:cSld>
     <p:spTree>
       <p:nvGrpSpPr>
@@ -499,9 +812,9 @@
       </p:grpSpPr>
       <p:sp>
         <p:nvSpPr>
-          <p:cNvPr id="111" name="PlaceHolder 1"/>
-          <p:cNvSpPr>
-            <a:spLocks noGrp="1"/>
+          <p:cNvPr id="114" name="PlaceHolder 1"/>
+          <p:cNvSpPr>
+            <a:spLocks noGrp="1" noRot="1" noChangeAspect="1"/>
           </p:cNvSpPr>
           <p:nvPr>
             <p:ph type="sldImg"/>
@@ -519,7 +832,7 @@
       </p:sp>
       <p:sp>
         <p:nvSpPr>
-          <p:cNvPr id="112" name="PlaceHolder 2"/>
+          <p:cNvPr id="115" name="PlaceHolder 2"/>
           <p:cNvSpPr>
             <a:spLocks noGrp="1"/>
           </p:cNvSpPr>
@@ -538,8 +851,9 @@
         </p:spPr>
         <p:txBody>
           <a:bodyPr/>
-          <a:p>
-            <a:endParaRPr b="0" lang="en-US" sz="2000" spc="-1" strike="noStrike">
+          <a:lstStyle/>
+          <a:p>
+            <a:endParaRPr lang="en-US" sz="2000" b="0" strike="noStrike" spc="-1">
               <a:latin typeface="Arial"/>
             </a:endParaRPr>
           </a:p>
@@ -547,7 +861,7 @@
       </p:sp>
       <p:sp>
         <p:nvSpPr>
-          <p:cNvPr id="113" name="TextShape 3"/>
+          <p:cNvPr id="116" name="TextShape 3"/>
           <p:cNvSpPr txBox="1"/>
           <p:nvPr/>
         </p:nvSpPr>
@@ -566,19 +880,20 @@
         </p:spPr>
         <p:txBody>
           <a:bodyPr anchor="b"/>
+          <a:lstStyle/>
           <a:p>
             <a:pPr algn="r">
               <a:lnSpc>
                 <a:spcPct val="100000"/>
               </a:lnSpc>
             </a:pPr>
-            <a:fld id="{1C862C00-216B-4235-B1BA-11970800C59D}" type="slidenum">
-              <a:rPr b="0" lang="en-US" sz="1200" spc="-1" strike="noStrike">
+            <a:fld id="{B087BFC9-78E5-43B0-8E21-156F24CC8AAF}" type="slidenum">
+              <a:rPr lang="en-US" sz="1200" b="0" strike="noStrike" spc="-1">
                 <a:latin typeface="Times New Roman"/>
               </a:rPr>
-              <a:t>&lt;number&gt;</a:t>
+              <a:t>5</a:t>
             </a:fld>
-            <a:endParaRPr b="0" lang="en-US" sz="1200" spc="-1" strike="noStrike">
+            <a:endParaRPr lang="en-US" sz="1200" b="0" strike="noStrike" spc="-1">
               <a:latin typeface="Times New Roman"/>
             </a:endParaRPr>
           </a:p>
@@ -586,11 +901,14 @@
       </p:sp>
     </p:spTree>
   </p:cSld>
+  <p:clrMapOvr>
+    <a:masterClrMapping/>
+  </p:clrMapOvr>
 </p:notes>
 </file>
 
-<file path=ppt/notesSlides/notesSlide5.xml><?xml version="1.0" encoding="utf-8"?>
-<p:notes xmlns:a="http://schemas.openxmlformats.org/drawingml/2006/main" xmlns:p="http://schemas.openxmlformats.org/presentationml/2006/main" xmlns:r="http://schemas.openxmlformats.org/officeDocument/2006/relationships" xmlns:p14="http://schemas.microsoft.com/office/powerpoint/2010/main" xmlns:p15="http://schemas.microsoft.com/office/powerpoint/2012/main" xmlns:mc="http://schemas.openxmlformats.org/markup-compatibility/2006">
+<file path=ppt/notesSlides/notesSlide4.xml><?xml version="1.0" encoding="utf-8"?>
+<p:notes xmlns:a="http://schemas.openxmlformats.org/drawingml/2006/main" xmlns:r="http://schemas.openxmlformats.org/officeDocument/2006/relationships" xmlns:p="http://schemas.openxmlformats.org/presentationml/2006/main">
   <p:cSld>
     <p:spTree>
       <p:nvGrpSpPr>
@@ -608,9 +926,9 @@
       </p:grpSpPr>
       <p:sp>
         <p:nvSpPr>
-          <p:cNvPr id="114" name="PlaceHolder 1"/>
-          <p:cNvSpPr>
-            <a:spLocks noGrp="1"/>
+          <p:cNvPr id="117" name="PlaceHolder 1"/>
+          <p:cNvSpPr>
+            <a:spLocks noGrp="1" noRot="1" noChangeAspect="1"/>
           </p:cNvSpPr>
           <p:nvPr>
             <p:ph type="sldImg"/>
@@ -628,7 +946,7 @@
       </p:sp>
       <p:sp>
         <p:nvSpPr>
-          <p:cNvPr id="115" name="PlaceHolder 2"/>
+          <p:cNvPr id="118" name="PlaceHolder 2"/>
           <p:cNvSpPr>
             <a:spLocks noGrp="1"/>
           </p:cNvSpPr>
@@ -647,8 +965,9 @@
         </p:spPr>
         <p:txBody>
           <a:bodyPr/>
-          <a:p>
-            <a:endParaRPr b="0" lang="en-US" sz="2000" spc="-1" strike="noStrike">
+          <a:lstStyle/>
+          <a:p>
+            <a:endParaRPr lang="en-US" sz="2000" b="0" strike="noStrike" spc="-1">
               <a:latin typeface="Arial"/>
             </a:endParaRPr>
           </a:p>
@@ -656,7 +975,7 @@
       </p:sp>
       <p:sp>
         <p:nvSpPr>
-          <p:cNvPr id="116" name="TextShape 3"/>
+          <p:cNvPr id="119" name="TextShape 3"/>
           <p:cNvSpPr txBox="1"/>
           <p:nvPr/>
         </p:nvSpPr>
@@ -675,19 +994,20 @@
         </p:spPr>
         <p:txBody>
           <a:bodyPr anchor="b"/>
+          <a:lstStyle/>
           <a:p>
             <a:pPr algn="r">
               <a:lnSpc>
                 <a:spcPct val="100000"/>
               </a:lnSpc>
             </a:pPr>
-            <a:fld id="{B087BFC9-78E5-43B0-8E21-156F24CC8AAF}" type="slidenum">
-              <a:rPr b="0" lang="en-US" sz="1200" spc="-1" strike="noStrike">
+            <a:fld id="{80341430-B80F-4DC4-AB9D-0126349C9B89}" type="slidenum">
+              <a:rPr lang="en-US" sz="1200" b="0" strike="noStrike" spc="-1">
                 <a:latin typeface="Times New Roman"/>
               </a:rPr>
-              <a:t>&lt;number&gt;</a:t>
+              <a:t>6</a:t>
             </a:fld>
-            <a:endParaRPr b="0" lang="en-US" sz="1200" spc="-1" strike="noStrike">
+            <a:endParaRPr lang="en-US" sz="1200" b="0" strike="noStrike" spc="-1">
               <a:latin typeface="Times New Roman"/>
             </a:endParaRPr>
           </a:p>
@@ -695,11 +1015,14 @@
       </p:sp>
     </p:spTree>
   </p:cSld>
+  <p:clrMapOvr>
+    <a:masterClrMapping/>
+  </p:clrMapOvr>
 </p:notes>
 </file>
 
-<file path=ppt/notesSlides/notesSlide6.xml><?xml version="1.0" encoding="utf-8"?>
-<p:notes xmlns:a="http://schemas.openxmlformats.org/drawingml/2006/main" xmlns:p="http://schemas.openxmlformats.org/presentationml/2006/main" xmlns:r="http://schemas.openxmlformats.org/officeDocument/2006/relationships" xmlns:p14="http://schemas.microsoft.com/office/powerpoint/2010/main" xmlns:p15="http://schemas.microsoft.com/office/powerpoint/2012/main" xmlns:mc="http://schemas.openxmlformats.org/markup-compatibility/2006">
+<file path=ppt/notesSlides/notesSlide5.xml><?xml version="1.0" encoding="utf-8"?>
+<p:notes xmlns:a="http://schemas.openxmlformats.org/drawingml/2006/main" xmlns:r="http://schemas.openxmlformats.org/officeDocument/2006/relationships" xmlns:p="http://schemas.openxmlformats.org/presentationml/2006/main">
   <p:cSld>
     <p:spTree>
       <p:nvGrpSpPr>
@@ -717,9 +1040,9 @@
       </p:grpSpPr>
       <p:sp>
         <p:nvSpPr>
-          <p:cNvPr id="117" name="PlaceHolder 1"/>
-          <p:cNvSpPr>
-            <a:spLocks noGrp="1"/>
+          <p:cNvPr id="120" name="PlaceHolder 1"/>
+          <p:cNvSpPr>
+            <a:spLocks noGrp="1" noRot="1" noChangeAspect="1"/>
           </p:cNvSpPr>
           <p:nvPr>
             <p:ph type="sldImg"/>
@@ -728,16 +1051,16 @@
         <p:spPr>
           <a:xfrm>
             <a:off x="685800" y="1143000"/>
-            <a:ext cx="5486040" cy="3085920"/>
-          </a:xfrm>
-          <a:prstGeom prst="rect">
-            <a:avLst/>
-          </a:prstGeom>
-        </p:spPr>
-      </p:sp>
-      <p:sp>
-        <p:nvSpPr>
-          <p:cNvPr id="118" name="PlaceHolder 2"/>
+            <a:ext cx="5486400" cy="3086100"/>
+          </a:xfrm>
+          <a:prstGeom prst="rect">
+            <a:avLst/>
+          </a:prstGeom>
+        </p:spPr>
+      </p:sp>
+      <p:sp>
+        <p:nvSpPr>
+          <p:cNvPr id="121" name="PlaceHolder 2"/>
           <p:cNvSpPr>
             <a:spLocks noGrp="1"/>
           </p:cNvSpPr>
@@ -756,8 +1079,9 @@
         </p:spPr>
         <p:txBody>
           <a:bodyPr/>
-          <a:p>
-            <a:endParaRPr b="0" lang="en-US" sz="2000" spc="-1" strike="noStrike">
+          <a:lstStyle/>
+          <a:p>
+            <a:endParaRPr lang="en-US" sz="2000" b="0" strike="noStrike" spc="-1">
               <a:latin typeface="Arial"/>
             </a:endParaRPr>
           </a:p>
@@ -765,7 +1089,7 @@
       </p:sp>
       <p:sp>
         <p:nvSpPr>
-          <p:cNvPr id="119" name="TextShape 3"/>
+          <p:cNvPr id="122" name="TextShape 3"/>
           <p:cNvSpPr txBox="1"/>
           <p:nvPr/>
         </p:nvSpPr>
@@ -784,19 +1108,20 @@
         </p:spPr>
         <p:txBody>
           <a:bodyPr anchor="b"/>
+          <a:lstStyle/>
           <a:p>
             <a:pPr algn="r">
               <a:lnSpc>
                 <a:spcPct val="100000"/>
               </a:lnSpc>
             </a:pPr>
-            <a:fld id="{80341430-B80F-4DC4-AB9D-0126349C9B89}" type="slidenum">
-              <a:rPr b="0" lang="en-US" sz="1200" spc="-1" strike="noStrike">
+            <a:fld id="{1CD1EEF6-B56D-46EB-AED6-BF9218EE47BE}" type="slidenum">
+              <a:rPr lang="en-US" sz="1200" b="0" strike="noStrike" spc="-1">
                 <a:latin typeface="Times New Roman"/>
               </a:rPr>
-              <a:t>&lt;number&gt;</a:t>
+              <a:t>7</a:t>
             </a:fld>
-            <a:endParaRPr b="0" lang="en-US" sz="1200" spc="-1" strike="noStrike">
+            <a:endParaRPr lang="en-US" sz="1200" b="0" strike="noStrike" spc="-1">
               <a:latin typeface="Times New Roman"/>
             </a:endParaRPr>
           </a:p>
@@ -804,11 +1129,14 @@
       </p:sp>
     </p:spTree>
   </p:cSld>
+  <p:clrMapOvr>
+    <a:masterClrMapping/>
+  </p:clrMapOvr>
 </p:notes>
 </file>
 
-<file path=ppt/notesSlides/notesSlide7.xml><?xml version="1.0" encoding="utf-8"?>
-<p:notes xmlns:a="http://schemas.openxmlformats.org/drawingml/2006/main" xmlns:p="http://schemas.openxmlformats.org/presentationml/2006/main" xmlns:r="http://schemas.openxmlformats.org/officeDocument/2006/relationships" xmlns:p14="http://schemas.microsoft.com/office/powerpoint/2010/main" xmlns:p15="http://schemas.microsoft.com/office/powerpoint/2012/main" xmlns:mc="http://schemas.openxmlformats.org/markup-compatibility/2006">
+<file path=ppt/notesSlides/notesSlide6.xml><?xml version="1.0" encoding="utf-8"?>
+<p:notes xmlns:a="http://schemas.openxmlformats.org/drawingml/2006/main" xmlns:r="http://schemas.openxmlformats.org/officeDocument/2006/relationships" xmlns:p="http://schemas.openxmlformats.org/presentationml/2006/main">
   <p:cSld>
     <p:spTree>
       <p:nvGrpSpPr>
@@ -826,9 +1154,9 @@
       </p:grpSpPr>
       <p:sp>
         <p:nvSpPr>
-          <p:cNvPr id="120" name="PlaceHolder 1"/>
-          <p:cNvSpPr>
-            <a:spLocks noGrp="1"/>
+          <p:cNvPr id="123" name="PlaceHolder 1"/>
+          <p:cNvSpPr>
+            <a:spLocks noGrp="1" noRot="1" noChangeAspect="1"/>
           </p:cNvSpPr>
           <p:nvPr>
             <p:ph type="sldImg"/>
@@ -837,16 +1165,16 @@
         <p:spPr>
           <a:xfrm>
             <a:off x="685800" y="1143000"/>
-            <a:ext cx="5486040" cy="3085920"/>
-          </a:xfrm>
-          <a:prstGeom prst="rect">
-            <a:avLst/>
-          </a:prstGeom>
-        </p:spPr>
-      </p:sp>
-      <p:sp>
-        <p:nvSpPr>
-          <p:cNvPr id="121" name="PlaceHolder 2"/>
+            <a:ext cx="5486400" cy="3086100"/>
+          </a:xfrm>
+          <a:prstGeom prst="rect">
+            <a:avLst/>
+          </a:prstGeom>
+        </p:spPr>
+      </p:sp>
+      <p:sp>
+        <p:nvSpPr>
+          <p:cNvPr id="124" name="PlaceHolder 2"/>
           <p:cNvSpPr>
             <a:spLocks noGrp="1"/>
           </p:cNvSpPr>
@@ -865,8 +1193,9 @@
         </p:spPr>
         <p:txBody>
           <a:bodyPr/>
-          <a:p>
-            <a:endParaRPr b="0" lang="en-US" sz="2000" spc="-1" strike="noStrike">
+          <a:lstStyle/>
+          <a:p>
+            <a:endParaRPr lang="en-US" sz="2000" b="0" strike="noStrike" spc="-1">
               <a:latin typeface="Arial"/>
             </a:endParaRPr>
           </a:p>
@@ -874,7 +1203,7 @@
       </p:sp>
       <p:sp>
         <p:nvSpPr>
-          <p:cNvPr id="122" name="TextShape 3"/>
+          <p:cNvPr id="125" name="TextShape 3"/>
           <p:cNvSpPr txBox="1"/>
           <p:nvPr/>
         </p:nvSpPr>
@@ -893,19 +1222,20 @@
         </p:spPr>
         <p:txBody>
           <a:bodyPr anchor="b"/>
+          <a:lstStyle/>
           <a:p>
             <a:pPr algn="r">
               <a:lnSpc>
                 <a:spcPct val="100000"/>
               </a:lnSpc>
             </a:pPr>
-            <a:fld id="{1CD1EEF6-B56D-46EB-AED6-BF9218EE47BE}" type="slidenum">
-              <a:rPr b="0" lang="en-US" sz="1200" spc="-1" strike="noStrike">
+            <a:fld id="{B8A20371-91A1-4D83-B38F-DF3009CD8339}" type="slidenum">
+              <a:rPr lang="en-US" sz="1200" b="0" strike="noStrike" spc="-1">
                 <a:latin typeface="Times New Roman"/>
               </a:rPr>
-              <a:t>&lt;number&gt;</a:t>
+              <a:t>8</a:t>
             </a:fld>
-            <a:endParaRPr b="0" lang="en-US" sz="1200" spc="-1" strike="noStrike">
+            <a:endParaRPr lang="en-US" sz="1200" b="0" strike="noStrike" spc="-1">
               <a:latin typeface="Times New Roman"/>
             </a:endParaRPr>
           </a:p>
@@ -913,11 +1243,14 @@
       </p:sp>
     </p:spTree>
   </p:cSld>
+  <p:clrMapOvr>
+    <a:masterClrMapping/>
+  </p:clrMapOvr>
 </p:notes>
 </file>
 
-<file path=ppt/notesSlides/notesSlide8.xml><?xml version="1.0" encoding="utf-8"?>
-<p:notes xmlns:a="http://schemas.openxmlformats.org/drawingml/2006/main" xmlns:p="http://schemas.openxmlformats.org/presentationml/2006/main" xmlns:r="http://schemas.openxmlformats.org/officeDocument/2006/relationships" xmlns:p14="http://schemas.microsoft.com/office/powerpoint/2010/main" xmlns:p15="http://schemas.microsoft.com/office/powerpoint/2012/main" xmlns:mc="http://schemas.openxmlformats.org/markup-compatibility/2006">
+<file path=ppt/notesSlides/notesSlide7.xml><?xml version="1.0" encoding="utf-8"?>
+<p:notes xmlns:a="http://schemas.openxmlformats.org/drawingml/2006/main" xmlns:r="http://schemas.openxmlformats.org/officeDocument/2006/relationships" xmlns:p="http://schemas.openxmlformats.org/presentationml/2006/main">
   <p:cSld>
     <p:spTree>
       <p:nvGrpSpPr>
@@ -935,9 +1268,9 @@
       </p:grpSpPr>
       <p:sp>
         <p:nvSpPr>
-          <p:cNvPr id="123" name="PlaceHolder 1"/>
-          <p:cNvSpPr>
-            <a:spLocks noGrp="1"/>
+          <p:cNvPr id="129" name="PlaceHolder 1"/>
+          <p:cNvSpPr>
+            <a:spLocks noGrp="1" noRot="1" noChangeAspect="1"/>
           </p:cNvSpPr>
           <p:nvPr>
             <p:ph type="sldImg"/>
@@ -946,16 +1279,16 @@
         <p:spPr>
           <a:xfrm>
             <a:off x="685800" y="1143000"/>
-            <a:ext cx="5486040" cy="3085920"/>
-          </a:xfrm>
-          <a:prstGeom prst="rect">
-            <a:avLst/>
-          </a:prstGeom>
-        </p:spPr>
-      </p:sp>
-      <p:sp>
-        <p:nvSpPr>
-          <p:cNvPr id="124" name="PlaceHolder 2"/>
+            <a:ext cx="5486400" cy="3086100"/>
+          </a:xfrm>
+          <a:prstGeom prst="rect">
+            <a:avLst/>
+          </a:prstGeom>
+        </p:spPr>
+      </p:sp>
+      <p:sp>
+        <p:nvSpPr>
+          <p:cNvPr id="130" name="PlaceHolder 2"/>
           <p:cNvSpPr>
             <a:spLocks noGrp="1"/>
           </p:cNvSpPr>
@@ -974,8 +1307,9 @@
         </p:spPr>
         <p:txBody>
           <a:bodyPr/>
-          <a:p>
-            <a:endParaRPr b="0" lang="en-US" sz="2000" spc="-1" strike="noStrike">
+          <a:lstStyle/>
+          <a:p>
+            <a:endParaRPr lang="en-US" sz="2000" b="0" strike="noStrike" spc="-1">
               <a:latin typeface="Arial"/>
             </a:endParaRPr>
           </a:p>
@@ -983,7 +1317,7 @@
       </p:sp>
       <p:sp>
         <p:nvSpPr>
-          <p:cNvPr id="125" name="TextShape 3"/>
+          <p:cNvPr id="131" name="TextShape 3"/>
           <p:cNvSpPr txBox="1"/>
           <p:nvPr/>
         </p:nvSpPr>
@@ -1002,19 +1336,20 @@
         </p:spPr>
         <p:txBody>
           <a:bodyPr anchor="b"/>
+          <a:lstStyle/>
           <a:p>
             <a:pPr algn="r">
               <a:lnSpc>
                 <a:spcPct val="100000"/>
               </a:lnSpc>
             </a:pPr>
-            <a:fld id="{B8A20371-91A1-4D83-B38F-DF3009CD8339}" type="slidenum">
-              <a:rPr b="0" lang="en-US" sz="1200" spc="-1" strike="noStrike">
+            <a:fld id="{7DDB808A-A608-4B63-AFAE-3AA5F5CEA850}" type="slidenum">
+              <a:rPr lang="en-US" sz="1200" b="0" strike="noStrike" spc="-1">
                 <a:latin typeface="Times New Roman"/>
               </a:rPr>
-              <a:t>&lt;number&gt;</a:t>
+              <a:t>9</a:t>
             </a:fld>
-            <a:endParaRPr b="0" lang="en-US" sz="1200" spc="-1" strike="noStrike">
+            <a:endParaRPr lang="en-US" sz="1200" b="0" strike="noStrike" spc="-1">
               <a:latin typeface="Times New Roman"/>
             </a:endParaRPr>
           </a:p>
@@ -1022,11 +1357,14 @@
       </p:sp>
     </p:spTree>
   </p:cSld>
+  <p:clrMapOvr>
+    <a:masterClrMapping/>
+  </p:clrMapOvr>
 </p:notes>
 </file>
 
-<file path=ppt/notesSlides/notesSlide9.xml><?xml version="1.0" encoding="utf-8"?>
-<p:notes xmlns:a="http://schemas.openxmlformats.org/drawingml/2006/main" xmlns:p="http://schemas.openxmlformats.org/presentationml/2006/main" xmlns:r="http://schemas.openxmlformats.org/officeDocument/2006/relationships" xmlns:p14="http://schemas.microsoft.com/office/powerpoint/2010/main" xmlns:p15="http://schemas.microsoft.com/office/powerpoint/2012/main" xmlns:mc="http://schemas.openxmlformats.org/markup-compatibility/2006">
+<file path=ppt/notesSlides/notesSlide8.xml><?xml version="1.0" encoding="utf-8"?>
+<p:notes xmlns:a="http://schemas.openxmlformats.org/drawingml/2006/main" xmlns:r="http://schemas.openxmlformats.org/officeDocument/2006/relationships" xmlns:p="http://schemas.openxmlformats.org/presentationml/2006/main">
   <p:cSld>
     <p:spTree>
       <p:nvGrpSpPr>
@@ -1044,9 +1382,9 @@
       </p:grpSpPr>
       <p:sp>
         <p:nvSpPr>
-          <p:cNvPr id="126" name="PlaceHolder 1"/>
-          <p:cNvSpPr>
-            <a:spLocks noGrp="1"/>
+          <p:cNvPr id="129" name="PlaceHolder 1"/>
+          <p:cNvSpPr>
+            <a:spLocks noGrp="1" noRot="1" noChangeAspect="1"/>
           </p:cNvSpPr>
           <p:nvPr>
             <p:ph type="sldImg"/>
@@ -1055,16 +1393,16 @@
         <p:spPr>
           <a:xfrm>
             <a:off x="685800" y="1143000"/>
-            <a:ext cx="5486040" cy="3085920"/>
-          </a:xfrm>
-          <a:prstGeom prst="rect">
-            <a:avLst/>
-          </a:prstGeom>
-        </p:spPr>
-      </p:sp>
-      <p:sp>
-        <p:nvSpPr>
-          <p:cNvPr id="127" name="PlaceHolder 2"/>
+            <a:ext cx="5486400" cy="3086100"/>
+          </a:xfrm>
+          <a:prstGeom prst="rect">
+            <a:avLst/>
+          </a:prstGeom>
+        </p:spPr>
+      </p:sp>
+      <p:sp>
+        <p:nvSpPr>
+          <p:cNvPr id="130" name="PlaceHolder 2"/>
           <p:cNvSpPr>
             <a:spLocks noGrp="1"/>
           </p:cNvSpPr>
@@ -1083,8 +1421,9 @@
         </p:spPr>
         <p:txBody>
           <a:bodyPr/>
-          <a:p>
-            <a:endParaRPr b="0" lang="en-US" sz="2000" spc="-1" strike="noStrike">
+          <a:lstStyle/>
+          <a:p>
+            <a:endParaRPr lang="en-US" sz="2000" b="0" strike="noStrike" spc="-1">
               <a:latin typeface="Arial"/>
             </a:endParaRPr>
           </a:p>
@@ -1092,7 +1431,7 @@
       </p:sp>
       <p:sp>
         <p:nvSpPr>
-          <p:cNvPr id="128" name="TextShape 3"/>
+          <p:cNvPr id="131" name="TextShape 3"/>
           <p:cNvSpPr txBox="1"/>
           <p:nvPr/>
         </p:nvSpPr>
@@ -1111,31 +1450,159 @@
         </p:spPr>
         <p:txBody>
           <a:bodyPr anchor="b"/>
+          <a:lstStyle/>
           <a:p>
             <a:pPr algn="r">
               <a:lnSpc>
                 <a:spcPct val="100000"/>
               </a:lnSpc>
             </a:pPr>
-            <a:fld id="{1F4C0833-A6CD-49D4-8C18-56F046343DFB}" type="slidenum">
-              <a:rPr b="0" lang="en-US" sz="1200" spc="-1" strike="noStrike">
+            <a:fld id="{7DDB808A-A608-4B63-AFAE-3AA5F5CEA850}" type="slidenum">
+              <a:rPr lang="en-US" sz="1200" b="0" strike="noStrike" spc="-1">
                 <a:latin typeface="Times New Roman"/>
               </a:rPr>
-              <a:t>&lt;number&gt;</a:t>
+              <a:t>10</a:t>
             </a:fld>
-            <a:endParaRPr b="0" lang="en-US" sz="1200" spc="-1" strike="noStrike">
+            <a:endParaRPr lang="en-US" sz="1200" b="0" strike="noStrike" spc="-1">
               <a:latin typeface="Times New Roman"/>
             </a:endParaRPr>
           </a:p>
         </p:txBody>
       </p:sp>
     </p:spTree>
+    <p:extLst>
+      <p:ext uri="{BB962C8B-B14F-4D97-AF65-F5344CB8AC3E}">
+        <p14:creationId xmlns:p14="http://schemas.microsoft.com/office/powerpoint/2010/main" val="3634142425"/>
+      </p:ext>
+    </p:extLst>
   </p:cSld>
+  <p:clrMapOvr>
+    <a:masterClrMapping/>
+  </p:clrMapOvr>
+</p:notes>
+</file>
+
+<file path=ppt/notesSlides/notesSlide9.xml><?xml version="1.0" encoding="utf-8"?>
+<p:notes xmlns:a="http://schemas.openxmlformats.org/drawingml/2006/main" xmlns:r="http://schemas.openxmlformats.org/officeDocument/2006/relationships" xmlns:p="http://schemas.openxmlformats.org/presentationml/2006/main">
+  <p:cSld>
+    <p:spTree>
+      <p:nvGrpSpPr>
+        <p:cNvPr id="1" name=""/>
+        <p:cNvGrpSpPr/>
+        <p:nvPr/>
+      </p:nvGrpSpPr>
+      <p:grpSpPr>
+        <a:xfrm>
+          <a:off x="0" y="0"/>
+          <a:ext cx="0" cy="0"/>
+          <a:chOff x="0" y="0"/>
+          <a:chExt cx="0" cy="0"/>
+        </a:xfrm>
+      </p:grpSpPr>
+      <p:sp>
+        <p:nvSpPr>
+          <p:cNvPr id="129" name="PlaceHolder 1"/>
+          <p:cNvSpPr>
+            <a:spLocks noGrp="1" noRot="1" noChangeAspect="1"/>
+          </p:cNvSpPr>
+          <p:nvPr>
+            <p:ph type="sldImg"/>
+          </p:nvPr>
+        </p:nvSpPr>
+        <p:spPr>
+          <a:xfrm>
+            <a:off x="685800" y="1143000"/>
+            <a:ext cx="5486400" cy="3086100"/>
+          </a:xfrm>
+          <a:prstGeom prst="rect">
+            <a:avLst/>
+          </a:prstGeom>
+        </p:spPr>
+      </p:sp>
+      <p:sp>
+        <p:nvSpPr>
+          <p:cNvPr id="130" name="PlaceHolder 2"/>
+          <p:cNvSpPr>
+            <a:spLocks noGrp="1"/>
+          </p:cNvSpPr>
+          <p:nvPr>
+            <p:ph type="body"/>
+          </p:nvPr>
+        </p:nvSpPr>
+        <p:spPr>
+          <a:xfrm>
+            <a:off x="685800" y="4400640"/>
+            <a:ext cx="5486040" cy="3600000"/>
+          </a:xfrm>
+          <a:prstGeom prst="rect">
+            <a:avLst/>
+          </a:prstGeom>
+        </p:spPr>
+        <p:txBody>
+          <a:bodyPr/>
+          <a:lstStyle/>
+          <a:p>
+            <a:endParaRPr lang="en-US" sz="2000" b="0" strike="noStrike" spc="-1">
+              <a:latin typeface="Arial"/>
+            </a:endParaRPr>
+          </a:p>
+        </p:txBody>
+      </p:sp>
+      <p:sp>
+        <p:nvSpPr>
+          <p:cNvPr id="131" name="TextShape 3"/>
+          <p:cNvSpPr txBox="1"/>
+          <p:nvPr/>
+        </p:nvSpPr>
+        <p:spPr>
+          <a:xfrm>
+            <a:off x="3884760" y="8685360"/>
+            <a:ext cx="2971440" cy="458280"/>
+          </a:xfrm>
+          <a:prstGeom prst="rect">
+            <a:avLst/>
+          </a:prstGeom>
+          <a:noFill/>
+          <a:ln>
+            <a:noFill/>
+          </a:ln>
+        </p:spPr>
+        <p:txBody>
+          <a:bodyPr anchor="b"/>
+          <a:lstStyle/>
+          <a:p>
+            <a:pPr algn="r">
+              <a:lnSpc>
+                <a:spcPct val="100000"/>
+              </a:lnSpc>
+            </a:pPr>
+            <a:fld id="{7DDB808A-A608-4B63-AFAE-3AA5F5CEA850}" type="slidenum">
+              <a:rPr lang="en-US" sz="1200" b="0" strike="noStrike" spc="-1">
+                <a:latin typeface="Times New Roman"/>
+              </a:rPr>
+              <a:t>14</a:t>
+            </a:fld>
+            <a:endParaRPr lang="en-US" sz="1200" b="0" strike="noStrike" spc="-1">
+              <a:latin typeface="Times New Roman"/>
+            </a:endParaRPr>
+          </a:p>
+        </p:txBody>
+      </p:sp>
+    </p:spTree>
+    <p:extLst>
+      <p:ext uri="{BB962C8B-B14F-4D97-AF65-F5344CB8AC3E}">
+        <p14:creationId xmlns:p14="http://schemas.microsoft.com/office/powerpoint/2010/main" val="1230678737"/>
+      </p:ext>
+    </p:extLst>
+  </p:cSld>
+  <p:clrMapOvr>
+    <a:masterClrMapping/>
+  </p:clrMapOvr>
 </p:notes>
 </file>
 
 <file path=ppt/slideLayouts/slideLayout1.xml><?xml version="1.0" encoding="utf-8"?>
-<p:sldLayout xmlns:a="http://schemas.openxmlformats.org/drawingml/2006/main" xmlns:p="http://schemas.openxmlformats.org/presentationml/2006/main" xmlns:r="http://schemas.openxmlformats.org/officeDocument/2006/relationships" xmlns:p14="http://schemas.microsoft.com/office/powerpoint/2010/main" xmlns:p15="http://schemas.microsoft.com/office/powerpoint/2012/main" xmlns:mc="http://schemas.openxmlformats.org/markup-compatibility/2006" type="blank" preserve="1">
+<p:sldLayout xmlns:a="http://schemas.openxmlformats.org/drawingml/2006/main" xmlns:r="http://schemas.openxmlformats.org/officeDocument/2006/relationships" xmlns:p="http://schemas.openxmlformats.org/presentationml/2006/main" type="blank" preserve="1">
   <p:cSld name="Blank Slide">
     <p:spTree>
       <p:nvGrpSpPr>
@@ -1153,11 +1620,14 @@
       </p:grpSpPr>
     </p:spTree>
   </p:cSld>
+  <p:clrMapOvr>
+    <a:masterClrMapping/>
+  </p:clrMapOvr>
 </p:sldLayout>
 </file>
 
 <file path=ppt/slideLayouts/slideLayout10.xml><?xml version="1.0" encoding="utf-8"?>
-<p:sldLayout xmlns:a="http://schemas.openxmlformats.org/drawingml/2006/main" xmlns:p="http://schemas.openxmlformats.org/presentationml/2006/main" xmlns:r="http://schemas.openxmlformats.org/officeDocument/2006/relationships" xmlns:p14="http://schemas.microsoft.com/office/powerpoint/2010/main" xmlns:p15="http://schemas.microsoft.com/office/powerpoint/2012/main" xmlns:mc="http://schemas.openxmlformats.org/markup-compatibility/2006" type="objOverTx" preserve="1">
+<p:sldLayout xmlns:a="http://schemas.openxmlformats.org/drawingml/2006/main" xmlns:r="http://schemas.openxmlformats.org/officeDocument/2006/relationships" xmlns:p="http://schemas.openxmlformats.org/presentationml/2006/main" type="objOverTx" preserve="1">
   <p:cSld name="Title, Content over Content">
     <p:spTree>
       <p:nvGrpSpPr>
@@ -1193,9 +1663,10 @@
           </a:prstGeom>
         </p:spPr>
         <p:txBody>
-          <a:bodyPr lIns="0" rIns="0" tIns="0" bIns="0" anchor="ctr"/>
-          <a:p>
-            <a:endParaRPr b="0" lang="fr-FR" sz="1800" spc="-1" strike="noStrike">
+          <a:bodyPr lIns="0" tIns="0" rIns="0" bIns="0" anchor="ctr"/>
+          <a:lstStyle/>
+          <a:p>
+            <a:endParaRPr lang="fr-FR" sz="1800" b="0" strike="noStrike" spc="-1">
               <a:solidFill>
                 <a:srgbClr val="000000"/>
               </a:solidFill>
@@ -1224,11 +1695,12 @@
           </a:prstGeom>
         </p:spPr>
         <p:txBody>
-          <a:bodyPr lIns="0" rIns="0" tIns="0" bIns="0">
+          <a:bodyPr lIns="0" tIns="0" rIns="0" bIns="0">
             <a:normAutofit/>
           </a:bodyPr>
-          <a:p>
-            <a:endParaRPr b="0" lang="fr-FR" sz="2800" spc="-1" strike="noStrike">
+          <a:lstStyle/>
+          <a:p>
+            <a:endParaRPr lang="fr-FR" sz="2800" b="0" strike="noStrike" spc="-1">
               <a:solidFill>
                 <a:srgbClr val="000000"/>
               </a:solidFill>
@@ -1257,11 +1729,12 @@
           </a:prstGeom>
         </p:spPr>
         <p:txBody>
-          <a:bodyPr lIns="0" rIns="0" tIns="0" bIns="0">
+          <a:bodyPr lIns="0" tIns="0" rIns="0" bIns="0">
             <a:normAutofit/>
           </a:bodyPr>
-          <a:p>
-            <a:endParaRPr b="0" lang="fr-FR" sz="2800" spc="-1" strike="noStrike">
+          <a:lstStyle/>
+          <a:p>
+            <a:endParaRPr lang="fr-FR" sz="2800" b="0" strike="noStrike" spc="-1">
               <a:solidFill>
                 <a:srgbClr val="000000"/>
               </a:solidFill>
@@ -1272,11 +1745,14 @@
       </p:sp>
     </p:spTree>
   </p:cSld>
+  <p:clrMapOvr>
+    <a:masterClrMapping/>
+  </p:clrMapOvr>
 </p:sldLayout>
 </file>
 
 <file path=ppt/slideLayouts/slideLayout11.xml><?xml version="1.0" encoding="utf-8"?>
-<p:sldLayout xmlns:a="http://schemas.openxmlformats.org/drawingml/2006/main" xmlns:p="http://schemas.openxmlformats.org/presentationml/2006/main" xmlns:r="http://schemas.openxmlformats.org/officeDocument/2006/relationships" xmlns:p14="http://schemas.microsoft.com/office/powerpoint/2010/main" xmlns:p15="http://schemas.microsoft.com/office/powerpoint/2012/main" xmlns:mc="http://schemas.openxmlformats.org/markup-compatibility/2006" type="fourObj" preserve="1">
+<p:sldLayout xmlns:a="http://schemas.openxmlformats.org/drawingml/2006/main" xmlns:r="http://schemas.openxmlformats.org/officeDocument/2006/relationships" xmlns:p="http://schemas.openxmlformats.org/presentationml/2006/main" type="fourObj" preserve="1">
   <p:cSld name="Title, 4 Content">
     <p:spTree>
       <p:nvGrpSpPr>
@@ -1312,9 +1788,10 @@
           </a:prstGeom>
         </p:spPr>
         <p:txBody>
-          <a:bodyPr lIns="0" rIns="0" tIns="0" bIns="0" anchor="ctr"/>
-          <a:p>
-            <a:endParaRPr b="0" lang="fr-FR" sz="1800" spc="-1" strike="noStrike">
+          <a:bodyPr lIns="0" tIns="0" rIns="0" bIns="0" anchor="ctr"/>
+          <a:lstStyle/>
+          <a:p>
+            <a:endParaRPr lang="fr-FR" sz="1800" b="0" strike="noStrike" spc="-1">
               <a:solidFill>
                 <a:srgbClr val="000000"/>
               </a:solidFill>
@@ -1343,11 +1820,12 @@
           </a:prstGeom>
         </p:spPr>
         <p:txBody>
-          <a:bodyPr lIns="0" rIns="0" tIns="0" bIns="0">
+          <a:bodyPr lIns="0" tIns="0" rIns="0" bIns="0">
             <a:normAutofit/>
           </a:bodyPr>
-          <a:p>
-            <a:endParaRPr b="0" lang="fr-FR" sz="2800" spc="-1" strike="noStrike">
+          <a:lstStyle/>
+          <a:p>
+            <a:endParaRPr lang="fr-FR" sz="2800" b="0" strike="noStrike" spc="-1">
               <a:solidFill>
                 <a:srgbClr val="000000"/>
               </a:solidFill>
@@ -1376,11 +1854,12 @@
           </a:prstGeom>
         </p:spPr>
         <p:txBody>
-          <a:bodyPr lIns="0" rIns="0" tIns="0" bIns="0">
+          <a:bodyPr lIns="0" tIns="0" rIns="0" bIns="0">
             <a:normAutofit/>
           </a:bodyPr>
-          <a:p>
-            <a:endParaRPr b="0" lang="fr-FR" sz="2800" spc="-1" strike="noStrike">
+          <a:lstStyle/>
+          <a:p>
+            <a:endParaRPr lang="fr-FR" sz="2800" b="0" strike="noStrike" spc="-1">
               <a:solidFill>
                 <a:srgbClr val="000000"/>
               </a:solidFill>
@@ -1409,11 +1888,12 @@
           </a:prstGeom>
         </p:spPr>
         <p:txBody>
-          <a:bodyPr lIns="0" rIns="0" tIns="0" bIns="0">
+          <a:bodyPr lIns="0" tIns="0" rIns="0" bIns="0">
             <a:normAutofit/>
           </a:bodyPr>
-          <a:p>
-            <a:endParaRPr b="0" lang="fr-FR" sz="2800" spc="-1" strike="noStrike">
+          <a:lstStyle/>
+          <a:p>
+            <a:endParaRPr lang="fr-FR" sz="2800" b="0" strike="noStrike" spc="-1">
               <a:solidFill>
                 <a:srgbClr val="000000"/>
               </a:solidFill>
@@ -1442,11 +1922,12 @@
           </a:prstGeom>
         </p:spPr>
         <p:txBody>
-          <a:bodyPr lIns="0" rIns="0" tIns="0" bIns="0">
+          <a:bodyPr lIns="0" tIns="0" rIns="0" bIns="0">
             <a:normAutofit/>
           </a:bodyPr>
-          <a:p>
-            <a:endParaRPr b="0" lang="fr-FR" sz="2800" spc="-1" strike="noStrike">
+          <a:lstStyle/>
+          <a:p>
+            <a:endParaRPr lang="fr-FR" sz="2800" b="0" strike="noStrike" spc="-1">
               <a:solidFill>
                 <a:srgbClr val="000000"/>
               </a:solidFill>
@@ -1457,11 +1938,14 @@
       </p:sp>
     </p:spTree>
   </p:cSld>
+  <p:clrMapOvr>
+    <a:masterClrMapping/>
+  </p:clrMapOvr>
 </p:sldLayout>
 </file>
 
 <file path=ppt/slideLayouts/slideLayout12.xml><?xml version="1.0" encoding="utf-8"?>
-<p:sldLayout xmlns:a="http://schemas.openxmlformats.org/drawingml/2006/main" xmlns:p="http://schemas.openxmlformats.org/presentationml/2006/main" xmlns:r="http://schemas.openxmlformats.org/officeDocument/2006/relationships" xmlns:p14="http://schemas.microsoft.com/office/powerpoint/2010/main" xmlns:p15="http://schemas.microsoft.com/office/powerpoint/2012/main" xmlns:mc="http://schemas.openxmlformats.org/markup-compatibility/2006" type="blank" preserve="1">
+<p:sldLayout xmlns:a="http://schemas.openxmlformats.org/drawingml/2006/main" xmlns:r="http://schemas.openxmlformats.org/officeDocument/2006/relationships" xmlns:p="http://schemas.openxmlformats.org/presentationml/2006/main" type="blank" preserve="1">
   <p:cSld name="Title, 6 Content">
     <p:spTree>
       <p:nvGrpSpPr>
@@ -1497,9 +1981,10 @@
           </a:prstGeom>
         </p:spPr>
         <p:txBody>
-          <a:bodyPr lIns="0" rIns="0" tIns="0" bIns="0" anchor="ctr"/>
-          <a:p>
-            <a:endParaRPr b="0" lang="fr-FR" sz="1800" spc="-1" strike="noStrike">
+          <a:bodyPr lIns="0" tIns="0" rIns="0" bIns="0" anchor="ctr"/>
+          <a:lstStyle/>
+          <a:p>
+            <a:endParaRPr lang="fr-FR" sz="1800" b="0" strike="noStrike" spc="-1">
               <a:solidFill>
                 <a:srgbClr val="000000"/>
               </a:solidFill>
@@ -1528,11 +2013,12 @@
           </a:prstGeom>
         </p:spPr>
         <p:txBody>
-          <a:bodyPr lIns="0" rIns="0" tIns="0" bIns="0">
+          <a:bodyPr lIns="0" tIns="0" rIns="0" bIns="0">
             <a:normAutofit/>
           </a:bodyPr>
-          <a:p>
-            <a:endParaRPr b="0" lang="fr-FR" sz="2800" spc="-1" strike="noStrike">
+          <a:lstStyle/>
+          <a:p>
+            <a:endParaRPr lang="fr-FR" sz="2800" b="0" strike="noStrike" spc="-1">
               <a:solidFill>
                 <a:srgbClr val="000000"/>
               </a:solidFill>
@@ -1561,11 +2047,12 @@
           </a:prstGeom>
         </p:spPr>
         <p:txBody>
-          <a:bodyPr lIns="0" rIns="0" tIns="0" bIns="0">
+          <a:bodyPr lIns="0" tIns="0" rIns="0" bIns="0">
             <a:normAutofit/>
           </a:bodyPr>
-          <a:p>
-            <a:endParaRPr b="0" lang="fr-FR" sz="2800" spc="-1" strike="noStrike">
+          <a:lstStyle/>
+          <a:p>
+            <a:endParaRPr lang="fr-FR" sz="2800" b="0" strike="noStrike" spc="-1">
               <a:solidFill>
                 <a:srgbClr val="000000"/>
               </a:solidFill>
@@ -1594,11 +2081,12 @@
           </a:prstGeom>
         </p:spPr>
         <p:txBody>
-          <a:bodyPr lIns="0" rIns="0" tIns="0" bIns="0">
+          <a:bodyPr lIns="0" tIns="0" rIns="0" bIns="0">
             <a:normAutofit/>
           </a:bodyPr>
-          <a:p>
-            <a:endParaRPr b="0" lang="fr-FR" sz="2800" spc="-1" strike="noStrike">
+          <a:lstStyle/>
+          <a:p>
+            <a:endParaRPr lang="fr-FR" sz="2800" b="0" strike="noStrike" spc="-1">
               <a:solidFill>
                 <a:srgbClr val="000000"/>
               </a:solidFill>
@@ -1627,11 +2115,12 @@
           </a:prstGeom>
         </p:spPr>
         <p:txBody>
-          <a:bodyPr lIns="0" rIns="0" tIns="0" bIns="0">
+          <a:bodyPr lIns="0" tIns="0" rIns="0" bIns="0">
             <a:normAutofit/>
           </a:bodyPr>
-          <a:p>
-            <a:endParaRPr b="0" lang="fr-FR" sz="2800" spc="-1" strike="noStrike">
+          <a:lstStyle/>
+          <a:p>
+            <a:endParaRPr lang="fr-FR" sz="2800" b="0" strike="noStrike" spc="-1">
               <a:solidFill>
                 <a:srgbClr val="000000"/>
               </a:solidFill>
@@ -1660,11 +2149,12 @@
           </a:prstGeom>
         </p:spPr>
         <p:txBody>
-          <a:bodyPr lIns="0" rIns="0" tIns="0" bIns="0">
+          <a:bodyPr lIns="0" tIns="0" rIns="0" bIns="0">
             <a:normAutofit/>
           </a:bodyPr>
-          <a:p>
-            <a:endParaRPr b="0" lang="fr-FR" sz="2800" spc="-1" strike="noStrike">
+          <a:lstStyle/>
+          <a:p>
+            <a:endParaRPr lang="fr-FR" sz="2800" b="0" strike="noStrike" spc="-1">
               <a:solidFill>
                 <a:srgbClr val="000000"/>
               </a:solidFill>
@@ -1693,11 +2183,12 @@
           </a:prstGeom>
         </p:spPr>
         <p:txBody>
-          <a:bodyPr lIns="0" rIns="0" tIns="0" bIns="0">
+          <a:bodyPr lIns="0" tIns="0" rIns="0" bIns="0">
             <a:normAutofit/>
           </a:bodyPr>
-          <a:p>
-            <a:endParaRPr b="0" lang="fr-FR" sz="2800" spc="-1" strike="noStrike">
+          <a:lstStyle/>
+          <a:p>
+            <a:endParaRPr lang="fr-FR" sz="2800" b="0" strike="noStrike" spc="-1">
               <a:solidFill>
                 <a:srgbClr val="000000"/>
               </a:solidFill>
@@ -1708,11 +2199,14 @@
       </p:sp>
     </p:spTree>
   </p:cSld>
+  <p:clrMapOvr>
+    <a:masterClrMapping/>
+  </p:clrMapOvr>
 </p:sldLayout>
 </file>
 
 <file path=ppt/slideLayouts/slideLayout13.xml><?xml version="1.0" encoding="utf-8"?>
-<p:sldLayout xmlns:a="http://schemas.openxmlformats.org/drawingml/2006/main" xmlns:p="http://schemas.openxmlformats.org/presentationml/2006/main" xmlns:r="http://schemas.openxmlformats.org/officeDocument/2006/relationships" xmlns:p14="http://schemas.microsoft.com/office/powerpoint/2010/main" xmlns:p15="http://schemas.microsoft.com/office/powerpoint/2012/main" xmlns:mc="http://schemas.openxmlformats.org/markup-compatibility/2006" type="blank" preserve="1">
+<p:sldLayout xmlns:a="http://schemas.openxmlformats.org/drawingml/2006/main" xmlns:r="http://schemas.openxmlformats.org/officeDocument/2006/relationships" xmlns:p="http://schemas.openxmlformats.org/presentationml/2006/main" type="blank" preserve="1">
   <p:cSld name="Blank Slide">
     <p:spTree>
       <p:nvGrpSpPr>
@@ -1730,11 +2224,14 @@
       </p:grpSpPr>
     </p:spTree>
   </p:cSld>
+  <p:clrMapOvr>
+    <a:masterClrMapping/>
+  </p:clrMapOvr>
 </p:sldLayout>
 </file>
 
 <file path=ppt/slideLayouts/slideLayout14.xml><?xml version="1.0" encoding="utf-8"?>
-<p:sldLayout xmlns:a="http://schemas.openxmlformats.org/drawingml/2006/main" xmlns:p="http://schemas.openxmlformats.org/presentationml/2006/main" xmlns:r="http://schemas.openxmlformats.org/officeDocument/2006/relationships" xmlns:p14="http://schemas.microsoft.com/office/powerpoint/2010/main" xmlns:p15="http://schemas.microsoft.com/office/powerpoint/2012/main" xmlns:mc="http://schemas.openxmlformats.org/markup-compatibility/2006" type="tx" preserve="1">
+<p:sldLayout xmlns:a="http://schemas.openxmlformats.org/drawingml/2006/main" xmlns:r="http://schemas.openxmlformats.org/officeDocument/2006/relationships" xmlns:p="http://schemas.openxmlformats.org/presentationml/2006/main" type="tx" preserve="1">
   <p:cSld name="Title Slide">
     <p:spTree>
       <p:nvGrpSpPr>
@@ -1770,9 +2267,10 @@
           </a:prstGeom>
         </p:spPr>
         <p:txBody>
-          <a:bodyPr lIns="0" rIns="0" tIns="0" bIns="0" anchor="ctr"/>
-          <a:p>
-            <a:endParaRPr b="0" lang="fr-FR" sz="1800" spc="-1" strike="noStrike">
+          <a:bodyPr lIns="0" tIns="0" rIns="0" bIns="0" anchor="ctr"/>
+          <a:lstStyle/>
+          <a:p>
+            <a:endParaRPr lang="fr-FR" sz="1800" b="0" strike="noStrike" spc="-1">
               <a:solidFill>
                 <a:srgbClr val="000000"/>
               </a:solidFill>
@@ -1801,10 +2299,11 @@
           </a:prstGeom>
         </p:spPr>
         <p:txBody>
-          <a:bodyPr lIns="0" rIns="0" tIns="0" bIns="0" anchor="ctr"/>
+          <a:bodyPr lIns="0" tIns="0" rIns="0" bIns="0" anchor="ctr"/>
+          <a:lstStyle/>
           <a:p>
             <a:pPr algn="ctr"/>
-            <a:endParaRPr b="0" lang="en-US" sz="3200" spc="-1" strike="noStrike">
+            <a:endParaRPr lang="en-US" sz="3200" b="0" strike="noStrike" spc="-1">
               <a:latin typeface="Arial"/>
             </a:endParaRPr>
           </a:p>
@@ -1812,11 +2311,14 @@
       </p:sp>
     </p:spTree>
   </p:cSld>
+  <p:clrMapOvr>
+    <a:masterClrMapping/>
+  </p:clrMapOvr>
 </p:sldLayout>
 </file>
 
 <file path=ppt/slideLayouts/slideLayout15.xml><?xml version="1.0" encoding="utf-8"?>
-<p:sldLayout xmlns:a="http://schemas.openxmlformats.org/drawingml/2006/main" xmlns:p="http://schemas.openxmlformats.org/presentationml/2006/main" xmlns:r="http://schemas.openxmlformats.org/officeDocument/2006/relationships" xmlns:p14="http://schemas.microsoft.com/office/powerpoint/2010/main" xmlns:p15="http://schemas.microsoft.com/office/powerpoint/2012/main" xmlns:mc="http://schemas.openxmlformats.org/markup-compatibility/2006" type="obj" preserve="1">
+<p:sldLayout xmlns:a="http://schemas.openxmlformats.org/drawingml/2006/main" xmlns:r="http://schemas.openxmlformats.org/officeDocument/2006/relationships" xmlns:p="http://schemas.openxmlformats.org/presentationml/2006/main" type="obj" preserve="1">
   <p:cSld name="Title, Content">
     <p:spTree>
       <p:nvGrpSpPr>
@@ -1852,9 +2354,10 @@
           </a:prstGeom>
         </p:spPr>
         <p:txBody>
-          <a:bodyPr lIns="0" rIns="0" tIns="0" bIns="0" anchor="ctr"/>
-          <a:p>
-            <a:endParaRPr b="0" lang="fr-FR" sz="1800" spc="-1" strike="noStrike">
+          <a:bodyPr lIns="0" tIns="0" rIns="0" bIns="0" anchor="ctr"/>
+          <a:lstStyle/>
+          <a:p>
+            <a:endParaRPr lang="fr-FR" sz="1800" b="0" strike="noStrike" spc="-1">
               <a:solidFill>
                 <a:srgbClr val="000000"/>
               </a:solidFill>
@@ -1883,11 +2386,12 @@
           </a:prstGeom>
         </p:spPr>
         <p:txBody>
-          <a:bodyPr lIns="0" rIns="0" tIns="0" bIns="0">
+          <a:bodyPr lIns="0" tIns="0" rIns="0" bIns="0">
             <a:normAutofit/>
           </a:bodyPr>
-          <a:p>
-            <a:endParaRPr b="0" lang="fr-FR" sz="2800" spc="-1" strike="noStrike">
+          <a:lstStyle/>
+          <a:p>
+            <a:endParaRPr lang="fr-FR" sz="2800" b="0" strike="noStrike" spc="-1">
               <a:solidFill>
                 <a:srgbClr val="000000"/>
               </a:solidFill>
@@ -1898,11 +2402,14 @@
       </p:sp>
     </p:spTree>
   </p:cSld>
+  <p:clrMapOvr>
+    <a:masterClrMapping/>
+  </p:clrMapOvr>
 </p:sldLayout>
 </file>
 
 <file path=ppt/slideLayouts/slideLayout16.xml><?xml version="1.0" encoding="utf-8"?>
-<p:sldLayout xmlns:a="http://schemas.openxmlformats.org/drawingml/2006/main" xmlns:p="http://schemas.openxmlformats.org/presentationml/2006/main" xmlns:r="http://schemas.openxmlformats.org/officeDocument/2006/relationships" xmlns:p14="http://schemas.microsoft.com/office/powerpoint/2010/main" xmlns:p15="http://schemas.microsoft.com/office/powerpoint/2012/main" xmlns:mc="http://schemas.openxmlformats.org/markup-compatibility/2006" type="twoObj" preserve="1">
+<p:sldLayout xmlns:a="http://schemas.openxmlformats.org/drawingml/2006/main" xmlns:r="http://schemas.openxmlformats.org/officeDocument/2006/relationships" xmlns:p="http://schemas.openxmlformats.org/presentationml/2006/main" type="twoObj" preserve="1">
   <p:cSld name="Title, 2 Content">
     <p:spTree>
       <p:nvGrpSpPr>
@@ -1938,9 +2445,10 @@
           </a:prstGeom>
         </p:spPr>
         <p:txBody>
-          <a:bodyPr lIns="0" rIns="0" tIns="0" bIns="0" anchor="ctr"/>
-          <a:p>
-            <a:endParaRPr b="0" lang="fr-FR" sz="1800" spc="-1" strike="noStrike">
+          <a:bodyPr lIns="0" tIns="0" rIns="0" bIns="0" anchor="ctr"/>
+          <a:lstStyle/>
+          <a:p>
+            <a:endParaRPr lang="fr-FR" sz="1800" b="0" strike="noStrike" spc="-1">
               <a:solidFill>
                 <a:srgbClr val="000000"/>
               </a:solidFill>
@@ -1969,11 +2477,12 @@
           </a:prstGeom>
         </p:spPr>
         <p:txBody>
-          <a:bodyPr lIns="0" rIns="0" tIns="0" bIns="0">
+          <a:bodyPr lIns="0" tIns="0" rIns="0" bIns="0">
             <a:normAutofit/>
           </a:bodyPr>
-          <a:p>
-            <a:endParaRPr b="0" lang="fr-FR" sz="2800" spc="-1" strike="noStrike">
+          <a:lstStyle/>
+          <a:p>
+            <a:endParaRPr lang="fr-FR" sz="2800" b="0" strike="noStrike" spc="-1">
               <a:solidFill>
                 <a:srgbClr val="000000"/>
               </a:solidFill>
@@ -2002,11 +2511,12 @@
           </a:prstGeom>
         </p:spPr>
         <p:txBody>
-          <a:bodyPr lIns="0" rIns="0" tIns="0" bIns="0">
+          <a:bodyPr lIns="0" tIns="0" rIns="0" bIns="0">
             <a:normAutofit/>
           </a:bodyPr>
-          <a:p>
-            <a:endParaRPr b="0" lang="fr-FR" sz="2800" spc="-1" strike="noStrike">
+          <a:lstStyle/>
+          <a:p>
+            <a:endParaRPr lang="fr-FR" sz="2800" b="0" strike="noStrike" spc="-1">
               <a:solidFill>
                 <a:srgbClr val="000000"/>
               </a:solidFill>
@@ -2017,11 +2527,14 @@
       </p:sp>
     </p:spTree>
   </p:cSld>
+  <p:clrMapOvr>
+    <a:masterClrMapping/>
+  </p:clrMapOvr>
 </p:sldLayout>
 </file>
 
 <file path=ppt/slideLayouts/slideLayout17.xml><?xml version="1.0" encoding="utf-8"?>
-<p:sldLayout xmlns:a="http://schemas.openxmlformats.org/drawingml/2006/main" xmlns:p="http://schemas.openxmlformats.org/presentationml/2006/main" xmlns:r="http://schemas.openxmlformats.org/officeDocument/2006/relationships" xmlns:p14="http://schemas.microsoft.com/office/powerpoint/2010/main" xmlns:p15="http://schemas.microsoft.com/office/powerpoint/2012/main" xmlns:mc="http://schemas.openxmlformats.org/markup-compatibility/2006" type="titleOnly" preserve="1">
+<p:sldLayout xmlns:a="http://schemas.openxmlformats.org/drawingml/2006/main" xmlns:r="http://schemas.openxmlformats.org/officeDocument/2006/relationships" xmlns:p="http://schemas.openxmlformats.org/presentationml/2006/main" type="titleOnly" preserve="1">
   <p:cSld name="Title Only">
     <p:spTree>
       <p:nvGrpSpPr>
@@ -2057,9 +2570,10 @@
           </a:prstGeom>
         </p:spPr>
         <p:txBody>
-          <a:bodyPr lIns="0" rIns="0" tIns="0" bIns="0" anchor="ctr"/>
-          <a:p>
-            <a:endParaRPr b="0" lang="fr-FR" sz="1800" spc="-1" strike="noStrike">
+          <a:bodyPr lIns="0" tIns="0" rIns="0" bIns="0" anchor="ctr"/>
+          <a:lstStyle/>
+          <a:p>
+            <a:endParaRPr lang="fr-FR" sz="1800" b="0" strike="noStrike" spc="-1">
               <a:solidFill>
                 <a:srgbClr val="000000"/>
               </a:solidFill>
@@ -2070,11 +2584,14 @@
       </p:sp>
     </p:spTree>
   </p:cSld>
+  <p:clrMapOvr>
+    <a:masterClrMapping/>
+  </p:clrMapOvr>
 </p:sldLayout>
 </file>
 
 <file path=ppt/slideLayouts/slideLayout18.xml><?xml version="1.0" encoding="utf-8"?>
-<p:sldLayout xmlns:a="http://schemas.openxmlformats.org/drawingml/2006/main" xmlns:p="http://schemas.openxmlformats.org/presentationml/2006/main" xmlns:r="http://schemas.openxmlformats.org/officeDocument/2006/relationships" xmlns:p14="http://schemas.microsoft.com/office/powerpoint/2010/main" xmlns:p15="http://schemas.microsoft.com/office/powerpoint/2012/main" xmlns:mc="http://schemas.openxmlformats.org/markup-compatibility/2006" type="objOnly" preserve="1">
+<p:sldLayout xmlns:a="http://schemas.openxmlformats.org/drawingml/2006/main" xmlns:r="http://schemas.openxmlformats.org/officeDocument/2006/relationships" xmlns:p="http://schemas.openxmlformats.org/presentationml/2006/main" type="objOnly" preserve="1">
   <p:cSld name="Centered Text">
     <p:spTree>
       <p:nvGrpSpPr>
@@ -2110,10 +2627,11 @@
           </a:prstGeom>
         </p:spPr>
         <p:txBody>
-          <a:bodyPr lIns="0" rIns="0" tIns="0" bIns="0" anchor="ctr"/>
+          <a:bodyPr lIns="0" tIns="0" rIns="0" bIns="0" anchor="ctr"/>
+          <a:lstStyle/>
           <a:p>
             <a:pPr algn="ctr"/>
-            <a:endParaRPr b="0" lang="en-US" sz="3200" spc="-1" strike="noStrike">
+            <a:endParaRPr lang="en-US" sz="3200" b="0" strike="noStrike" spc="-1">
               <a:latin typeface="Arial"/>
             </a:endParaRPr>
           </a:p>
@@ -2121,11 +2639,14 @@
       </p:sp>
     </p:spTree>
   </p:cSld>
+  <p:clrMapOvr>
+    <a:masterClrMapping/>
+  </p:clrMapOvr>
 </p:sldLayout>
 </file>
 
 <file path=ppt/slideLayouts/slideLayout19.xml><?xml version="1.0" encoding="utf-8"?>
-<p:sldLayout xmlns:a="http://schemas.openxmlformats.org/drawingml/2006/main" xmlns:p="http://schemas.openxmlformats.org/presentationml/2006/main" xmlns:r="http://schemas.openxmlformats.org/officeDocument/2006/relationships" xmlns:p14="http://schemas.microsoft.com/office/powerpoint/2010/main" xmlns:p15="http://schemas.microsoft.com/office/powerpoint/2012/main" xmlns:mc="http://schemas.openxmlformats.org/markup-compatibility/2006" type="twoObjAndObj" preserve="1">
+<p:sldLayout xmlns:a="http://schemas.openxmlformats.org/drawingml/2006/main" xmlns:r="http://schemas.openxmlformats.org/officeDocument/2006/relationships" xmlns:p="http://schemas.openxmlformats.org/presentationml/2006/main" type="twoObjAndObj" preserve="1">
   <p:cSld name="Title, 2 Content and Content">
     <p:spTree>
       <p:nvGrpSpPr>
@@ -2161,9 +2682,10 @@
           </a:prstGeom>
         </p:spPr>
         <p:txBody>
-          <a:bodyPr lIns="0" rIns="0" tIns="0" bIns="0" anchor="ctr"/>
-          <a:p>
-            <a:endParaRPr b="0" lang="fr-FR" sz="1800" spc="-1" strike="noStrike">
+          <a:bodyPr lIns="0" tIns="0" rIns="0" bIns="0" anchor="ctr"/>
+          <a:lstStyle/>
+          <a:p>
+            <a:endParaRPr lang="fr-FR" sz="1800" b="0" strike="noStrike" spc="-1">
               <a:solidFill>
                 <a:srgbClr val="000000"/>
               </a:solidFill>
@@ -2192,11 +2714,12 @@
           </a:prstGeom>
         </p:spPr>
         <p:txBody>
-          <a:bodyPr lIns="0" rIns="0" tIns="0" bIns="0">
+          <a:bodyPr lIns="0" tIns="0" rIns="0" bIns="0">
             <a:normAutofit/>
           </a:bodyPr>
-          <a:p>
-            <a:endParaRPr b="0" lang="fr-FR" sz="2800" spc="-1" strike="noStrike">
+          <a:lstStyle/>
+          <a:p>
+            <a:endParaRPr lang="fr-FR" sz="2800" b="0" strike="noStrike" spc="-1">
               <a:solidFill>
                 <a:srgbClr val="000000"/>
               </a:solidFill>
@@ -2225,11 +2748,12 @@
           </a:prstGeom>
         </p:spPr>
         <p:txBody>
-          <a:bodyPr lIns="0" rIns="0" tIns="0" bIns="0">
+          <a:bodyPr lIns="0" tIns="0" rIns="0" bIns="0">
             <a:normAutofit/>
           </a:bodyPr>
-          <a:p>
-            <a:endParaRPr b="0" lang="fr-FR" sz="2800" spc="-1" strike="noStrike">
+          <a:lstStyle/>
+          <a:p>
+            <a:endParaRPr lang="fr-FR" sz="2800" b="0" strike="noStrike" spc="-1">
               <a:solidFill>
                 <a:srgbClr val="000000"/>
               </a:solidFill>
@@ -2258,11 +2782,12 @@
           </a:prstGeom>
         </p:spPr>
         <p:txBody>
-          <a:bodyPr lIns="0" rIns="0" tIns="0" bIns="0">
+          <a:bodyPr lIns="0" tIns="0" rIns="0" bIns="0">
             <a:normAutofit/>
           </a:bodyPr>
-          <a:p>
-            <a:endParaRPr b="0" lang="fr-FR" sz="2800" spc="-1" strike="noStrike">
+          <a:lstStyle/>
+          <a:p>
+            <a:endParaRPr lang="fr-FR" sz="2800" b="0" strike="noStrike" spc="-1">
               <a:solidFill>
                 <a:srgbClr val="000000"/>
               </a:solidFill>
@@ -2273,11 +2798,14 @@
       </p:sp>
     </p:spTree>
   </p:cSld>
+  <p:clrMapOvr>
+    <a:masterClrMapping/>
+  </p:clrMapOvr>
 </p:sldLayout>
 </file>
 
 <file path=ppt/slideLayouts/slideLayout2.xml><?xml version="1.0" encoding="utf-8"?>
-<p:sldLayout xmlns:a="http://schemas.openxmlformats.org/drawingml/2006/main" xmlns:p="http://schemas.openxmlformats.org/presentationml/2006/main" xmlns:r="http://schemas.openxmlformats.org/officeDocument/2006/relationships" xmlns:p14="http://schemas.microsoft.com/office/powerpoint/2010/main" xmlns:p15="http://schemas.microsoft.com/office/powerpoint/2012/main" xmlns:mc="http://schemas.openxmlformats.org/markup-compatibility/2006" type="tx" preserve="1">
+<p:sldLayout xmlns:a="http://schemas.openxmlformats.org/drawingml/2006/main" xmlns:r="http://schemas.openxmlformats.org/officeDocument/2006/relationships" xmlns:p="http://schemas.openxmlformats.org/presentationml/2006/main" type="tx" preserve="1">
   <p:cSld name="Title Slide">
     <p:spTree>
       <p:nvGrpSpPr>
@@ -2313,9 +2841,10 @@
           </a:prstGeom>
         </p:spPr>
         <p:txBody>
-          <a:bodyPr lIns="0" rIns="0" tIns="0" bIns="0" anchor="ctr"/>
-          <a:p>
-            <a:endParaRPr b="0" lang="fr-FR" sz="1800" spc="-1" strike="noStrike">
+          <a:bodyPr lIns="0" tIns="0" rIns="0" bIns="0" anchor="ctr"/>
+          <a:lstStyle/>
+          <a:p>
+            <a:endParaRPr lang="fr-FR" sz="1800" b="0" strike="noStrike" spc="-1">
               <a:solidFill>
                 <a:srgbClr val="000000"/>
               </a:solidFill>
@@ -2344,10 +2873,11 @@
           </a:prstGeom>
         </p:spPr>
         <p:txBody>
-          <a:bodyPr lIns="0" rIns="0" tIns="0" bIns="0" anchor="ctr"/>
+          <a:bodyPr lIns="0" tIns="0" rIns="0" bIns="0" anchor="ctr"/>
+          <a:lstStyle/>
           <a:p>
             <a:pPr algn="ctr"/>
-            <a:endParaRPr b="0" lang="en-US" sz="3200" spc="-1" strike="noStrike">
+            <a:endParaRPr lang="en-US" sz="3200" b="0" strike="noStrike" spc="-1">
               <a:latin typeface="Arial"/>
             </a:endParaRPr>
           </a:p>
@@ -2355,11 +2885,14 @@
       </p:sp>
     </p:spTree>
   </p:cSld>
+  <p:clrMapOvr>
+    <a:masterClrMapping/>
+  </p:clrMapOvr>
 </p:sldLayout>
 </file>
 
 <file path=ppt/slideLayouts/slideLayout20.xml><?xml version="1.0" encoding="utf-8"?>
-<p:sldLayout xmlns:a="http://schemas.openxmlformats.org/drawingml/2006/main" xmlns:p="http://schemas.openxmlformats.org/presentationml/2006/main" xmlns:r="http://schemas.openxmlformats.org/officeDocument/2006/relationships" xmlns:p14="http://schemas.microsoft.com/office/powerpoint/2010/main" xmlns:p15="http://schemas.microsoft.com/office/powerpoint/2012/main" xmlns:mc="http://schemas.openxmlformats.org/markup-compatibility/2006" type="objAndTwoObj" preserve="1">
+<p:sldLayout xmlns:a="http://schemas.openxmlformats.org/drawingml/2006/main" xmlns:r="http://schemas.openxmlformats.org/officeDocument/2006/relationships" xmlns:p="http://schemas.openxmlformats.org/presentationml/2006/main" type="objAndTwoObj" preserve="1">
   <p:cSld name="Title Content and 2 Content">
     <p:spTree>
       <p:nvGrpSpPr>
@@ -2395,9 +2928,10 @@
           </a:prstGeom>
         </p:spPr>
         <p:txBody>
-          <a:bodyPr lIns="0" rIns="0" tIns="0" bIns="0" anchor="ctr"/>
-          <a:p>
-            <a:endParaRPr b="0" lang="fr-FR" sz="1800" spc="-1" strike="noStrike">
+          <a:bodyPr lIns="0" tIns="0" rIns="0" bIns="0" anchor="ctr"/>
+          <a:lstStyle/>
+          <a:p>
+            <a:endParaRPr lang="fr-FR" sz="1800" b="0" strike="noStrike" spc="-1">
               <a:solidFill>
                 <a:srgbClr val="000000"/>
               </a:solidFill>
@@ -2426,11 +2960,12 @@
           </a:prstGeom>
         </p:spPr>
         <p:txBody>
-          <a:bodyPr lIns="0" rIns="0" tIns="0" bIns="0">
+          <a:bodyPr lIns="0" tIns="0" rIns="0" bIns="0">
             <a:normAutofit/>
           </a:bodyPr>
-          <a:p>
-            <a:endParaRPr b="0" lang="fr-FR" sz="2800" spc="-1" strike="noStrike">
+          <a:lstStyle/>
+          <a:p>
+            <a:endParaRPr lang="fr-FR" sz="2800" b="0" strike="noStrike" spc="-1">
               <a:solidFill>
                 <a:srgbClr val="000000"/>
               </a:solidFill>
@@ -2459,11 +2994,12 @@
           </a:prstGeom>
         </p:spPr>
         <p:txBody>
-          <a:bodyPr lIns="0" rIns="0" tIns="0" bIns="0">
+          <a:bodyPr lIns="0" tIns="0" rIns="0" bIns="0">
             <a:normAutofit/>
           </a:bodyPr>
-          <a:p>
-            <a:endParaRPr b="0" lang="fr-FR" sz="2800" spc="-1" strike="noStrike">
+          <a:lstStyle/>
+          <a:p>
+            <a:endParaRPr lang="fr-FR" sz="2800" b="0" strike="noStrike" spc="-1">
               <a:solidFill>
                 <a:srgbClr val="000000"/>
               </a:solidFill>
@@ -2492,11 +3028,12 @@
           </a:prstGeom>
         </p:spPr>
         <p:txBody>
-          <a:bodyPr lIns="0" rIns="0" tIns="0" bIns="0">
+          <a:bodyPr lIns="0" tIns="0" rIns="0" bIns="0">
             <a:normAutofit/>
           </a:bodyPr>
-          <a:p>
-            <a:endParaRPr b="0" lang="fr-FR" sz="2800" spc="-1" strike="noStrike">
+          <a:lstStyle/>
+          <a:p>
+            <a:endParaRPr lang="fr-FR" sz="2800" b="0" strike="noStrike" spc="-1">
               <a:solidFill>
                 <a:srgbClr val="000000"/>
               </a:solidFill>
@@ -2507,11 +3044,14 @@
       </p:sp>
     </p:spTree>
   </p:cSld>
+  <p:clrMapOvr>
+    <a:masterClrMapping/>
+  </p:clrMapOvr>
 </p:sldLayout>
 </file>
 
 <file path=ppt/slideLayouts/slideLayout21.xml><?xml version="1.0" encoding="utf-8"?>
-<p:sldLayout xmlns:a="http://schemas.openxmlformats.org/drawingml/2006/main" xmlns:p="http://schemas.openxmlformats.org/presentationml/2006/main" xmlns:r="http://schemas.openxmlformats.org/officeDocument/2006/relationships" xmlns:p14="http://schemas.microsoft.com/office/powerpoint/2010/main" xmlns:p15="http://schemas.microsoft.com/office/powerpoint/2012/main" xmlns:mc="http://schemas.openxmlformats.org/markup-compatibility/2006" type="twoObjOverTx" preserve="1">
+<p:sldLayout xmlns:a="http://schemas.openxmlformats.org/drawingml/2006/main" xmlns:r="http://schemas.openxmlformats.org/officeDocument/2006/relationships" xmlns:p="http://schemas.openxmlformats.org/presentationml/2006/main" type="twoObjOverTx" preserve="1">
   <p:cSld name="Title, 2 Content over Content">
     <p:spTree>
       <p:nvGrpSpPr>
@@ -2547,9 +3087,10 @@
           </a:prstGeom>
         </p:spPr>
         <p:txBody>
-          <a:bodyPr lIns="0" rIns="0" tIns="0" bIns="0" anchor="ctr"/>
-          <a:p>
-            <a:endParaRPr b="0" lang="fr-FR" sz="1800" spc="-1" strike="noStrike">
+          <a:bodyPr lIns="0" tIns="0" rIns="0" bIns="0" anchor="ctr"/>
+          <a:lstStyle/>
+          <a:p>
+            <a:endParaRPr lang="fr-FR" sz="1800" b="0" strike="noStrike" spc="-1">
               <a:solidFill>
                 <a:srgbClr val="000000"/>
               </a:solidFill>
@@ -2578,11 +3119,12 @@
           </a:prstGeom>
         </p:spPr>
         <p:txBody>
-          <a:bodyPr lIns="0" rIns="0" tIns="0" bIns="0">
+          <a:bodyPr lIns="0" tIns="0" rIns="0" bIns="0">
             <a:normAutofit/>
           </a:bodyPr>
-          <a:p>
-            <a:endParaRPr b="0" lang="fr-FR" sz="2800" spc="-1" strike="noStrike">
+          <a:lstStyle/>
+          <a:p>
+            <a:endParaRPr lang="fr-FR" sz="2800" b="0" strike="noStrike" spc="-1">
               <a:solidFill>
                 <a:srgbClr val="000000"/>
               </a:solidFill>
@@ -2611,11 +3153,12 @@
           </a:prstGeom>
         </p:spPr>
         <p:txBody>
-          <a:bodyPr lIns="0" rIns="0" tIns="0" bIns="0">
+          <a:bodyPr lIns="0" tIns="0" rIns="0" bIns="0">
             <a:normAutofit/>
           </a:bodyPr>
-          <a:p>
-            <a:endParaRPr b="0" lang="fr-FR" sz="2800" spc="-1" strike="noStrike">
+          <a:lstStyle/>
+          <a:p>
+            <a:endParaRPr lang="fr-FR" sz="2800" b="0" strike="noStrike" spc="-1">
               <a:solidFill>
                 <a:srgbClr val="000000"/>
               </a:solidFill>
@@ -2644,11 +3187,12 @@
           </a:prstGeom>
         </p:spPr>
         <p:txBody>
-          <a:bodyPr lIns="0" rIns="0" tIns="0" bIns="0">
+          <a:bodyPr lIns="0" tIns="0" rIns="0" bIns="0">
             <a:normAutofit/>
           </a:bodyPr>
-          <a:p>
-            <a:endParaRPr b="0" lang="fr-FR" sz="2800" spc="-1" strike="noStrike">
+          <a:lstStyle/>
+          <a:p>
+            <a:endParaRPr lang="fr-FR" sz="2800" b="0" strike="noStrike" spc="-1">
               <a:solidFill>
                 <a:srgbClr val="000000"/>
               </a:solidFill>
@@ -2659,11 +3203,14 @@
       </p:sp>
     </p:spTree>
   </p:cSld>
+  <p:clrMapOvr>
+    <a:masterClrMapping/>
+  </p:clrMapOvr>
 </p:sldLayout>
 </file>
 
 <file path=ppt/slideLayouts/slideLayout22.xml><?xml version="1.0" encoding="utf-8"?>
-<p:sldLayout xmlns:a="http://schemas.openxmlformats.org/drawingml/2006/main" xmlns:p="http://schemas.openxmlformats.org/presentationml/2006/main" xmlns:r="http://schemas.openxmlformats.org/officeDocument/2006/relationships" xmlns:p14="http://schemas.microsoft.com/office/powerpoint/2010/main" xmlns:p15="http://schemas.microsoft.com/office/powerpoint/2012/main" xmlns:mc="http://schemas.openxmlformats.org/markup-compatibility/2006" type="objOverTx" preserve="1">
+<p:sldLayout xmlns:a="http://schemas.openxmlformats.org/drawingml/2006/main" xmlns:r="http://schemas.openxmlformats.org/officeDocument/2006/relationships" xmlns:p="http://schemas.openxmlformats.org/presentationml/2006/main" type="objOverTx" preserve="1">
   <p:cSld name="Title, Content over Content">
     <p:spTree>
       <p:nvGrpSpPr>
@@ -2699,9 +3246,10 @@
           </a:prstGeom>
         </p:spPr>
         <p:txBody>
-          <a:bodyPr lIns="0" rIns="0" tIns="0" bIns="0" anchor="ctr"/>
-          <a:p>
-            <a:endParaRPr b="0" lang="fr-FR" sz="1800" spc="-1" strike="noStrike">
+          <a:bodyPr lIns="0" tIns="0" rIns="0" bIns="0" anchor="ctr"/>
+          <a:lstStyle/>
+          <a:p>
+            <a:endParaRPr lang="fr-FR" sz="1800" b="0" strike="noStrike" spc="-1">
               <a:solidFill>
                 <a:srgbClr val="000000"/>
               </a:solidFill>
@@ -2730,11 +3278,12 @@
           </a:prstGeom>
         </p:spPr>
         <p:txBody>
-          <a:bodyPr lIns="0" rIns="0" tIns="0" bIns="0">
+          <a:bodyPr lIns="0" tIns="0" rIns="0" bIns="0">
             <a:normAutofit/>
           </a:bodyPr>
-          <a:p>
-            <a:endParaRPr b="0" lang="fr-FR" sz="2800" spc="-1" strike="noStrike">
+          <a:lstStyle/>
+          <a:p>
+            <a:endParaRPr lang="fr-FR" sz="2800" b="0" strike="noStrike" spc="-1">
               <a:solidFill>
                 <a:srgbClr val="000000"/>
               </a:solidFill>
@@ -2763,11 +3312,12 @@
           </a:prstGeom>
         </p:spPr>
         <p:txBody>
-          <a:bodyPr lIns="0" rIns="0" tIns="0" bIns="0">
+          <a:bodyPr lIns="0" tIns="0" rIns="0" bIns="0">
             <a:normAutofit/>
           </a:bodyPr>
-          <a:p>
-            <a:endParaRPr b="0" lang="fr-FR" sz="2800" spc="-1" strike="noStrike">
+          <a:lstStyle/>
+          <a:p>
+            <a:endParaRPr lang="fr-FR" sz="2800" b="0" strike="noStrike" spc="-1">
               <a:solidFill>
                 <a:srgbClr val="000000"/>
               </a:solidFill>
@@ -2778,11 +3328,14 @@
       </p:sp>
     </p:spTree>
   </p:cSld>
+  <p:clrMapOvr>
+    <a:masterClrMapping/>
+  </p:clrMapOvr>
 </p:sldLayout>
 </file>
 
 <file path=ppt/slideLayouts/slideLayout23.xml><?xml version="1.0" encoding="utf-8"?>
-<p:sldLayout xmlns:a="http://schemas.openxmlformats.org/drawingml/2006/main" xmlns:p="http://schemas.openxmlformats.org/presentationml/2006/main" xmlns:r="http://schemas.openxmlformats.org/officeDocument/2006/relationships" xmlns:p14="http://schemas.microsoft.com/office/powerpoint/2010/main" xmlns:p15="http://schemas.microsoft.com/office/powerpoint/2012/main" xmlns:mc="http://schemas.openxmlformats.org/markup-compatibility/2006" type="fourObj" preserve="1">
+<p:sldLayout xmlns:a="http://schemas.openxmlformats.org/drawingml/2006/main" xmlns:r="http://schemas.openxmlformats.org/officeDocument/2006/relationships" xmlns:p="http://schemas.openxmlformats.org/presentationml/2006/main" type="fourObj" preserve="1">
   <p:cSld name="Title, 4 Content">
     <p:spTree>
       <p:nvGrpSpPr>
@@ -2818,9 +3371,10 @@
           </a:prstGeom>
         </p:spPr>
         <p:txBody>
-          <a:bodyPr lIns="0" rIns="0" tIns="0" bIns="0" anchor="ctr"/>
-          <a:p>
-            <a:endParaRPr b="0" lang="fr-FR" sz="1800" spc="-1" strike="noStrike">
+          <a:bodyPr lIns="0" tIns="0" rIns="0" bIns="0" anchor="ctr"/>
+          <a:lstStyle/>
+          <a:p>
+            <a:endParaRPr lang="fr-FR" sz="1800" b="0" strike="noStrike" spc="-1">
               <a:solidFill>
                 <a:srgbClr val="000000"/>
               </a:solidFill>
@@ -2849,11 +3403,12 @@
           </a:prstGeom>
         </p:spPr>
         <p:txBody>
-          <a:bodyPr lIns="0" rIns="0" tIns="0" bIns="0">
+          <a:bodyPr lIns="0" tIns="0" rIns="0" bIns="0">
             <a:normAutofit/>
           </a:bodyPr>
-          <a:p>
-            <a:endParaRPr b="0" lang="fr-FR" sz="2800" spc="-1" strike="noStrike">
+          <a:lstStyle/>
+          <a:p>
+            <a:endParaRPr lang="fr-FR" sz="2800" b="0" strike="noStrike" spc="-1">
               <a:solidFill>
                 <a:srgbClr val="000000"/>
               </a:solidFill>
@@ -2882,11 +3437,12 @@
           </a:prstGeom>
         </p:spPr>
         <p:txBody>
-          <a:bodyPr lIns="0" rIns="0" tIns="0" bIns="0">
+          <a:bodyPr lIns="0" tIns="0" rIns="0" bIns="0">
             <a:normAutofit/>
           </a:bodyPr>
-          <a:p>
-            <a:endParaRPr b="0" lang="fr-FR" sz="2800" spc="-1" strike="noStrike">
+          <a:lstStyle/>
+          <a:p>
+            <a:endParaRPr lang="fr-FR" sz="2800" b="0" strike="noStrike" spc="-1">
               <a:solidFill>
                 <a:srgbClr val="000000"/>
               </a:solidFill>
@@ -2915,11 +3471,12 @@
           </a:prstGeom>
         </p:spPr>
         <p:txBody>
-          <a:bodyPr lIns="0" rIns="0" tIns="0" bIns="0">
+          <a:bodyPr lIns="0" tIns="0" rIns="0" bIns="0">
             <a:normAutofit/>
           </a:bodyPr>
-          <a:p>
-            <a:endParaRPr b="0" lang="fr-FR" sz="2800" spc="-1" strike="noStrike">
+          <a:lstStyle/>
+          <a:p>
+            <a:endParaRPr lang="fr-FR" sz="2800" b="0" strike="noStrike" spc="-1">
               <a:solidFill>
                 <a:srgbClr val="000000"/>
               </a:solidFill>
@@ -2948,11 +3505,12 @@
           </a:prstGeom>
         </p:spPr>
         <p:txBody>
-          <a:bodyPr lIns="0" rIns="0" tIns="0" bIns="0">
+          <a:bodyPr lIns="0" tIns="0" rIns="0" bIns="0">
             <a:normAutofit/>
           </a:bodyPr>
-          <a:p>
-            <a:endParaRPr b="0" lang="fr-FR" sz="2800" spc="-1" strike="noStrike">
+          <a:lstStyle/>
+          <a:p>
+            <a:endParaRPr lang="fr-FR" sz="2800" b="0" strike="noStrike" spc="-1">
               <a:solidFill>
                 <a:srgbClr val="000000"/>
               </a:solidFill>
@@ -2963,11 +3521,14 @@
       </p:sp>
     </p:spTree>
   </p:cSld>
+  <p:clrMapOvr>
+    <a:masterClrMapping/>
+  </p:clrMapOvr>
 </p:sldLayout>
 </file>
 
 <file path=ppt/slideLayouts/slideLayout24.xml><?xml version="1.0" encoding="utf-8"?>
-<p:sldLayout xmlns:a="http://schemas.openxmlformats.org/drawingml/2006/main" xmlns:p="http://schemas.openxmlformats.org/presentationml/2006/main" xmlns:r="http://schemas.openxmlformats.org/officeDocument/2006/relationships" xmlns:p14="http://schemas.microsoft.com/office/powerpoint/2010/main" xmlns:p15="http://schemas.microsoft.com/office/powerpoint/2012/main" xmlns:mc="http://schemas.openxmlformats.org/markup-compatibility/2006" type="blank" preserve="1">
+<p:sldLayout xmlns:a="http://schemas.openxmlformats.org/drawingml/2006/main" xmlns:r="http://schemas.openxmlformats.org/officeDocument/2006/relationships" xmlns:p="http://schemas.openxmlformats.org/presentationml/2006/main" type="blank" preserve="1">
   <p:cSld name="Title, 6 Content">
     <p:spTree>
       <p:nvGrpSpPr>
@@ -3003,9 +3564,10 @@
           </a:prstGeom>
         </p:spPr>
         <p:txBody>
-          <a:bodyPr lIns="0" rIns="0" tIns="0" bIns="0" anchor="ctr"/>
-          <a:p>
-            <a:endParaRPr b="0" lang="fr-FR" sz="1800" spc="-1" strike="noStrike">
+          <a:bodyPr lIns="0" tIns="0" rIns="0" bIns="0" anchor="ctr"/>
+          <a:lstStyle/>
+          <a:p>
+            <a:endParaRPr lang="fr-FR" sz="1800" b="0" strike="noStrike" spc="-1">
               <a:solidFill>
                 <a:srgbClr val="000000"/>
               </a:solidFill>
@@ -3034,11 +3596,12 @@
           </a:prstGeom>
         </p:spPr>
         <p:txBody>
-          <a:bodyPr lIns="0" rIns="0" tIns="0" bIns="0">
+          <a:bodyPr lIns="0" tIns="0" rIns="0" bIns="0">
             <a:normAutofit/>
           </a:bodyPr>
-          <a:p>
-            <a:endParaRPr b="0" lang="fr-FR" sz="2800" spc="-1" strike="noStrike">
+          <a:lstStyle/>
+          <a:p>
+            <a:endParaRPr lang="fr-FR" sz="2800" b="0" strike="noStrike" spc="-1">
               <a:solidFill>
                 <a:srgbClr val="000000"/>
               </a:solidFill>
@@ -3067,11 +3630,12 @@
           </a:prstGeom>
         </p:spPr>
         <p:txBody>
-          <a:bodyPr lIns="0" rIns="0" tIns="0" bIns="0">
+          <a:bodyPr lIns="0" tIns="0" rIns="0" bIns="0">
             <a:normAutofit/>
           </a:bodyPr>
-          <a:p>
-            <a:endParaRPr b="0" lang="fr-FR" sz="2800" spc="-1" strike="noStrike">
+          <a:lstStyle/>
+          <a:p>
+            <a:endParaRPr lang="fr-FR" sz="2800" b="0" strike="noStrike" spc="-1">
               <a:solidFill>
                 <a:srgbClr val="000000"/>
               </a:solidFill>
@@ -3100,11 +3664,12 @@
           </a:prstGeom>
         </p:spPr>
         <p:txBody>
-          <a:bodyPr lIns="0" rIns="0" tIns="0" bIns="0">
+          <a:bodyPr lIns="0" tIns="0" rIns="0" bIns="0">
             <a:normAutofit/>
           </a:bodyPr>
-          <a:p>
-            <a:endParaRPr b="0" lang="fr-FR" sz="2800" spc="-1" strike="noStrike">
+          <a:lstStyle/>
+          <a:p>
+            <a:endParaRPr lang="fr-FR" sz="2800" b="0" strike="noStrike" spc="-1">
               <a:solidFill>
                 <a:srgbClr val="000000"/>
               </a:solidFill>
@@ -3133,11 +3698,12 @@
           </a:prstGeom>
         </p:spPr>
         <p:txBody>
-          <a:bodyPr lIns="0" rIns="0" tIns="0" bIns="0">
+          <a:bodyPr lIns="0" tIns="0" rIns="0" bIns="0">
             <a:normAutofit/>
           </a:bodyPr>
-          <a:p>
-            <a:endParaRPr b="0" lang="fr-FR" sz="2800" spc="-1" strike="noStrike">
+          <a:lstStyle/>
+          <a:p>
+            <a:endParaRPr lang="fr-FR" sz="2800" b="0" strike="noStrike" spc="-1">
               <a:solidFill>
                 <a:srgbClr val="000000"/>
               </a:solidFill>
@@ -3166,11 +3732,12 @@
           </a:prstGeom>
         </p:spPr>
         <p:txBody>
-          <a:bodyPr lIns="0" rIns="0" tIns="0" bIns="0">
+          <a:bodyPr lIns="0" tIns="0" rIns="0" bIns="0">
             <a:normAutofit/>
           </a:bodyPr>
-          <a:p>
-            <a:endParaRPr b="0" lang="fr-FR" sz="2800" spc="-1" strike="noStrike">
+          <a:lstStyle/>
+          <a:p>
+            <a:endParaRPr lang="fr-FR" sz="2800" b="0" strike="noStrike" spc="-1">
               <a:solidFill>
                 <a:srgbClr val="000000"/>
               </a:solidFill>
@@ -3199,11 +3766,12 @@
           </a:prstGeom>
         </p:spPr>
         <p:txBody>
-          <a:bodyPr lIns="0" rIns="0" tIns="0" bIns="0">
+          <a:bodyPr lIns="0" tIns="0" rIns="0" bIns="0">
             <a:normAutofit/>
           </a:bodyPr>
-          <a:p>
-            <a:endParaRPr b="0" lang="fr-FR" sz="2800" spc="-1" strike="noStrike">
+          <a:lstStyle/>
+          <a:p>
+            <a:endParaRPr lang="fr-FR" sz="2800" b="0" strike="noStrike" spc="-1">
               <a:solidFill>
                 <a:srgbClr val="000000"/>
               </a:solidFill>
@@ -3214,11 +3782,14 @@
       </p:sp>
     </p:spTree>
   </p:cSld>
+  <p:clrMapOvr>
+    <a:masterClrMapping/>
+  </p:clrMapOvr>
 </p:sldLayout>
 </file>
 
 <file path=ppt/slideLayouts/slideLayout3.xml><?xml version="1.0" encoding="utf-8"?>
-<p:sldLayout xmlns:a="http://schemas.openxmlformats.org/drawingml/2006/main" xmlns:p="http://schemas.openxmlformats.org/presentationml/2006/main" xmlns:r="http://schemas.openxmlformats.org/officeDocument/2006/relationships" xmlns:p14="http://schemas.microsoft.com/office/powerpoint/2010/main" xmlns:p15="http://schemas.microsoft.com/office/powerpoint/2012/main" xmlns:mc="http://schemas.openxmlformats.org/markup-compatibility/2006" type="obj" preserve="1">
+<p:sldLayout xmlns:a="http://schemas.openxmlformats.org/drawingml/2006/main" xmlns:r="http://schemas.openxmlformats.org/officeDocument/2006/relationships" xmlns:p="http://schemas.openxmlformats.org/presentationml/2006/main" type="obj" preserve="1">
   <p:cSld name="Title, Content">
     <p:spTree>
       <p:nvGrpSpPr>
@@ -3254,9 +3825,10 @@
           </a:prstGeom>
         </p:spPr>
         <p:txBody>
-          <a:bodyPr lIns="0" rIns="0" tIns="0" bIns="0" anchor="ctr"/>
-          <a:p>
-            <a:endParaRPr b="0" lang="fr-FR" sz="1800" spc="-1" strike="noStrike">
+          <a:bodyPr lIns="0" tIns="0" rIns="0" bIns="0" anchor="ctr"/>
+          <a:lstStyle/>
+          <a:p>
+            <a:endParaRPr lang="fr-FR" sz="1800" b="0" strike="noStrike" spc="-1">
               <a:solidFill>
                 <a:srgbClr val="000000"/>
               </a:solidFill>
@@ -3285,11 +3857,12 @@
           </a:prstGeom>
         </p:spPr>
         <p:txBody>
-          <a:bodyPr lIns="0" rIns="0" tIns="0" bIns="0">
+          <a:bodyPr lIns="0" tIns="0" rIns="0" bIns="0">
             <a:normAutofit/>
           </a:bodyPr>
-          <a:p>
-            <a:endParaRPr b="0" lang="fr-FR" sz="2800" spc="-1" strike="noStrike">
+          <a:lstStyle/>
+          <a:p>
+            <a:endParaRPr lang="fr-FR" sz="2800" b="0" strike="noStrike" spc="-1">
               <a:solidFill>
                 <a:srgbClr val="000000"/>
               </a:solidFill>
@@ -3300,11 +3873,14 @@
       </p:sp>
     </p:spTree>
   </p:cSld>
+  <p:clrMapOvr>
+    <a:masterClrMapping/>
+  </p:clrMapOvr>
 </p:sldLayout>
 </file>
 
 <file path=ppt/slideLayouts/slideLayout4.xml><?xml version="1.0" encoding="utf-8"?>
-<p:sldLayout xmlns:a="http://schemas.openxmlformats.org/drawingml/2006/main" xmlns:p="http://schemas.openxmlformats.org/presentationml/2006/main" xmlns:r="http://schemas.openxmlformats.org/officeDocument/2006/relationships" xmlns:p14="http://schemas.microsoft.com/office/powerpoint/2010/main" xmlns:p15="http://schemas.microsoft.com/office/powerpoint/2012/main" xmlns:mc="http://schemas.openxmlformats.org/markup-compatibility/2006" type="twoObj" preserve="1">
+<p:sldLayout xmlns:a="http://schemas.openxmlformats.org/drawingml/2006/main" xmlns:r="http://schemas.openxmlformats.org/officeDocument/2006/relationships" xmlns:p="http://schemas.openxmlformats.org/presentationml/2006/main" type="twoObj" preserve="1">
   <p:cSld name="Title, 2 Content">
     <p:spTree>
       <p:nvGrpSpPr>
@@ -3340,9 +3916,10 @@
           </a:prstGeom>
         </p:spPr>
         <p:txBody>
-          <a:bodyPr lIns="0" rIns="0" tIns="0" bIns="0" anchor="ctr"/>
-          <a:p>
-            <a:endParaRPr b="0" lang="fr-FR" sz="1800" spc="-1" strike="noStrike">
+          <a:bodyPr lIns="0" tIns="0" rIns="0" bIns="0" anchor="ctr"/>
+          <a:lstStyle/>
+          <a:p>
+            <a:endParaRPr lang="fr-FR" sz="1800" b="0" strike="noStrike" spc="-1">
               <a:solidFill>
                 <a:srgbClr val="000000"/>
               </a:solidFill>
@@ -3371,11 +3948,12 @@
           </a:prstGeom>
         </p:spPr>
         <p:txBody>
-          <a:bodyPr lIns="0" rIns="0" tIns="0" bIns="0">
+          <a:bodyPr lIns="0" tIns="0" rIns="0" bIns="0">
             <a:normAutofit/>
           </a:bodyPr>
-          <a:p>
-            <a:endParaRPr b="0" lang="fr-FR" sz="2800" spc="-1" strike="noStrike">
+          <a:lstStyle/>
+          <a:p>
+            <a:endParaRPr lang="fr-FR" sz="2800" b="0" strike="noStrike" spc="-1">
               <a:solidFill>
                 <a:srgbClr val="000000"/>
               </a:solidFill>
@@ -3404,11 +3982,12 @@
           </a:prstGeom>
         </p:spPr>
         <p:txBody>
-          <a:bodyPr lIns="0" rIns="0" tIns="0" bIns="0">
+          <a:bodyPr lIns="0" tIns="0" rIns="0" bIns="0">
             <a:normAutofit/>
           </a:bodyPr>
-          <a:p>
-            <a:endParaRPr b="0" lang="fr-FR" sz="2800" spc="-1" strike="noStrike">
+          <a:lstStyle/>
+          <a:p>
+            <a:endParaRPr lang="fr-FR" sz="2800" b="0" strike="noStrike" spc="-1">
               <a:solidFill>
                 <a:srgbClr val="000000"/>
               </a:solidFill>
@@ -3419,11 +3998,14 @@
       </p:sp>
     </p:spTree>
   </p:cSld>
+  <p:clrMapOvr>
+    <a:masterClrMapping/>
+  </p:clrMapOvr>
 </p:sldLayout>
 </file>
 
 <file path=ppt/slideLayouts/slideLayout5.xml><?xml version="1.0" encoding="utf-8"?>
-<p:sldLayout xmlns:a="http://schemas.openxmlformats.org/drawingml/2006/main" xmlns:p="http://schemas.openxmlformats.org/presentationml/2006/main" xmlns:r="http://schemas.openxmlformats.org/officeDocument/2006/relationships" xmlns:p14="http://schemas.microsoft.com/office/powerpoint/2010/main" xmlns:p15="http://schemas.microsoft.com/office/powerpoint/2012/main" xmlns:mc="http://schemas.openxmlformats.org/markup-compatibility/2006" type="titleOnly" preserve="1">
+<p:sldLayout xmlns:a="http://schemas.openxmlformats.org/drawingml/2006/main" xmlns:r="http://schemas.openxmlformats.org/officeDocument/2006/relationships" xmlns:p="http://schemas.openxmlformats.org/presentationml/2006/main" type="titleOnly" preserve="1">
   <p:cSld name="Title Only">
     <p:spTree>
       <p:nvGrpSpPr>
@@ -3459,9 +4041,10 @@
           </a:prstGeom>
         </p:spPr>
         <p:txBody>
-          <a:bodyPr lIns="0" rIns="0" tIns="0" bIns="0" anchor="ctr"/>
-          <a:p>
-            <a:endParaRPr b="0" lang="fr-FR" sz="1800" spc="-1" strike="noStrike">
+          <a:bodyPr lIns="0" tIns="0" rIns="0" bIns="0" anchor="ctr"/>
+          <a:lstStyle/>
+          <a:p>
+            <a:endParaRPr lang="fr-FR" sz="1800" b="0" strike="noStrike" spc="-1">
               <a:solidFill>
                 <a:srgbClr val="000000"/>
               </a:solidFill>
@@ -3472,11 +4055,14 @@
       </p:sp>
     </p:spTree>
   </p:cSld>
+  <p:clrMapOvr>
+    <a:masterClrMapping/>
+  </p:clrMapOvr>
 </p:sldLayout>
 </file>
 
 <file path=ppt/slideLayouts/slideLayout6.xml><?xml version="1.0" encoding="utf-8"?>
-<p:sldLayout xmlns:a="http://schemas.openxmlformats.org/drawingml/2006/main" xmlns:p="http://schemas.openxmlformats.org/presentationml/2006/main" xmlns:r="http://schemas.openxmlformats.org/officeDocument/2006/relationships" xmlns:p14="http://schemas.microsoft.com/office/powerpoint/2010/main" xmlns:p15="http://schemas.microsoft.com/office/powerpoint/2012/main" xmlns:mc="http://schemas.openxmlformats.org/markup-compatibility/2006" type="objOnly" preserve="1">
+<p:sldLayout xmlns:a="http://schemas.openxmlformats.org/drawingml/2006/main" xmlns:r="http://schemas.openxmlformats.org/officeDocument/2006/relationships" xmlns:p="http://schemas.openxmlformats.org/presentationml/2006/main" type="objOnly" preserve="1">
   <p:cSld name="Centered Text">
     <p:spTree>
       <p:nvGrpSpPr>
@@ -3512,10 +4098,11 @@
           </a:prstGeom>
         </p:spPr>
         <p:txBody>
-          <a:bodyPr lIns="0" rIns="0" tIns="0" bIns="0" anchor="ctr"/>
+          <a:bodyPr lIns="0" tIns="0" rIns="0" bIns="0" anchor="ctr"/>
+          <a:lstStyle/>
           <a:p>
             <a:pPr algn="ctr"/>
-            <a:endParaRPr b="0" lang="en-US" sz="3200" spc="-1" strike="noStrike">
+            <a:endParaRPr lang="en-US" sz="3200" b="0" strike="noStrike" spc="-1">
               <a:latin typeface="Arial"/>
             </a:endParaRPr>
           </a:p>
@@ -3523,11 +4110,14 @@
       </p:sp>
     </p:spTree>
   </p:cSld>
+  <p:clrMapOvr>
+    <a:masterClrMapping/>
+  </p:clrMapOvr>
 </p:sldLayout>
 </file>
 
 <file path=ppt/slideLayouts/slideLayout7.xml><?xml version="1.0" encoding="utf-8"?>
-<p:sldLayout xmlns:a="http://schemas.openxmlformats.org/drawingml/2006/main" xmlns:p="http://schemas.openxmlformats.org/presentationml/2006/main" xmlns:r="http://schemas.openxmlformats.org/officeDocument/2006/relationships" xmlns:p14="http://schemas.microsoft.com/office/powerpoint/2010/main" xmlns:p15="http://schemas.microsoft.com/office/powerpoint/2012/main" xmlns:mc="http://schemas.openxmlformats.org/markup-compatibility/2006" type="twoObjAndObj" preserve="1">
+<p:sldLayout xmlns:a="http://schemas.openxmlformats.org/drawingml/2006/main" xmlns:r="http://schemas.openxmlformats.org/officeDocument/2006/relationships" xmlns:p="http://schemas.openxmlformats.org/presentationml/2006/main" type="twoObjAndObj" preserve="1">
   <p:cSld name="Title, 2 Content and Content">
     <p:spTree>
       <p:nvGrpSpPr>
@@ -3563,9 +4153,10 @@
           </a:prstGeom>
         </p:spPr>
         <p:txBody>
-          <a:bodyPr lIns="0" rIns="0" tIns="0" bIns="0" anchor="ctr"/>
-          <a:p>
-            <a:endParaRPr b="0" lang="fr-FR" sz="1800" spc="-1" strike="noStrike">
+          <a:bodyPr lIns="0" tIns="0" rIns="0" bIns="0" anchor="ctr"/>
+          <a:lstStyle/>
+          <a:p>
+            <a:endParaRPr lang="fr-FR" sz="1800" b="0" strike="noStrike" spc="-1">
               <a:solidFill>
                 <a:srgbClr val="000000"/>
               </a:solidFill>
@@ -3594,11 +4185,12 @@
           </a:prstGeom>
         </p:spPr>
         <p:txBody>
-          <a:bodyPr lIns="0" rIns="0" tIns="0" bIns="0">
+          <a:bodyPr lIns="0" tIns="0" rIns="0" bIns="0">
             <a:normAutofit/>
           </a:bodyPr>
-          <a:p>
-            <a:endParaRPr b="0" lang="fr-FR" sz="2800" spc="-1" strike="noStrike">
+          <a:lstStyle/>
+          <a:p>
+            <a:endParaRPr lang="fr-FR" sz="2800" b="0" strike="noStrike" spc="-1">
               <a:solidFill>
                 <a:srgbClr val="000000"/>
               </a:solidFill>
@@ -3627,11 +4219,12 @@
           </a:prstGeom>
         </p:spPr>
         <p:txBody>
-          <a:bodyPr lIns="0" rIns="0" tIns="0" bIns="0">
+          <a:bodyPr lIns="0" tIns="0" rIns="0" bIns="0">
             <a:normAutofit/>
           </a:bodyPr>
-          <a:p>
-            <a:endParaRPr b="0" lang="fr-FR" sz="2800" spc="-1" strike="noStrike">
+          <a:lstStyle/>
+          <a:p>
+            <a:endParaRPr lang="fr-FR" sz="2800" b="0" strike="noStrike" spc="-1">
               <a:solidFill>
                 <a:srgbClr val="000000"/>
               </a:solidFill>
@@ -3660,11 +4253,12 @@
           </a:prstGeom>
         </p:spPr>
         <p:txBody>
-          <a:bodyPr lIns="0" rIns="0" tIns="0" bIns="0">
+          <a:bodyPr lIns="0" tIns="0" rIns="0" bIns="0">
             <a:normAutofit/>
           </a:bodyPr>
-          <a:p>
-            <a:endParaRPr b="0" lang="fr-FR" sz="2800" spc="-1" strike="noStrike">
+          <a:lstStyle/>
+          <a:p>
+            <a:endParaRPr lang="fr-FR" sz="2800" b="0" strike="noStrike" spc="-1">
               <a:solidFill>
                 <a:srgbClr val="000000"/>
               </a:solidFill>
@@ -3675,11 +4269,14 @@
       </p:sp>
     </p:spTree>
   </p:cSld>
+  <p:clrMapOvr>
+    <a:masterClrMapping/>
+  </p:clrMapOvr>
 </p:sldLayout>
 </file>
 
 <file path=ppt/slideLayouts/slideLayout8.xml><?xml version="1.0" encoding="utf-8"?>
-<p:sldLayout xmlns:a="http://schemas.openxmlformats.org/drawingml/2006/main" xmlns:p="http://schemas.openxmlformats.org/presentationml/2006/main" xmlns:r="http://schemas.openxmlformats.org/officeDocument/2006/relationships" xmlns:p14="http://schemas.microsoft.com/office/powerpoint/2010/main" xmlns:p15="http://schemas.microsoft.com/office/powerpoint/2012/main" xmlns:mc="http://schemas.openxmlformats.org/markup-compatibility/2006" type="objAndTwoObj" preserve="1">
+<p:sldLayout xmlns:a="http://schemas.openxmlformats.org/drawingml/2006/main" xmlns:r="http://schemas.openxmlformats.org/officeDocument/2006/relationships" xmlns:p="http://schemas.openxmlformats.org/presentationml/2006/main" type="objAndTwoObj" preserve="1">
   <p:cSld name="Title Content and 2 Content">
     <p:spTree>
       <p:nvGrpSpPr>
@@ -3715,9 +4312,10 @@
           </a:prstGeom>
         </p:spPr>
         <p:txBody>
-          <a:bodyPr lIns="0" rIns="0" tIns="0" bIns="0" anchor="ctr"/>
-          <a:p>
-            <a:endParaRPr b="0" lang="fr-FR" sz="1800" spc="-1" strike="noStrike">
+          <a:bodyPr lIns="0" tIns="0" rIns="0" bIns="0" anchor="ctr"/>
+          <a:lstStyle/>
+          <a:p>
+            <a:endParaRPr lang="fr-FR" sz="1800" b="0" strike="noStrike" spc="-1">
               <a:solidFill>
                 <a:srgbClr val="000000"/>
               </a:solidFill>
@@ -3746,11 +4344,12 @@
           </a:prstGeom>
         </p:spPr>
         <p:txBody>
-          <a:bodyPr lIns="0" rIns="0" tIns="0" bIns="0">
+          <a:bodyPr lIns="0" tIns="0" rIns="0" bIns="0">
             <a:normAutofit/>
           </a:bodyPr>
-          <a:p>
-            <a:endParaRPr b="0" lang="fr-FR" sz="2800" spc="-1" strike="noStrike">
+          <a:lstStyle/>
+          <a:p>
+            <a:endParaRPr lang="fr-FR" sz="2800" b="0" strike="noStrike" spc="-1">
               <a:solidFill>
                 <a:srgbClr val="000000"/>
               </a:solidFill>
@@ -3779,11 +4378,12 @@
           </a:prstGeom>
         </p:spPr>
         <p:txBody>
-          <a:bodyPr lIns="0" rIns="0" tIns="0" bIns="0">
+          <a:bodyPr lIns="0" tIns="0" rIns="0" bIns="0">
             <a:normAutofit/>
           </a:bodyPr>
-          <a:p>
-            <a:endParaRPr b="0" lang="fr-FR" sz="2800" spc="-1" strike="noStrike">
+          <a:lstStyle/>
+          <a:p>
+            <a:endParaRPr lang="fr-FR" sz="2800" b="0" strike="noStrike" spc="-1">
               <a:solidFill>
                 <a:srgbClr val="000000"/>
               </a:solidFill>
@@ -3812,11 +4412,12 @@
           </a:prstGeom>
         </p:spPr>
         <p:txBody>
-          <a:bodyPr lIns="0" rIns="0" tIns="0" bIns="0">
+          <a:bodyPr lIns="0" tIns="0" rIns="0" bIns="0">
             <a:normAutofit/>
           </a:bodyPr>
-          <a:p>
-            <a:endParaRPr b="0" lang="fr-FR" sz="2800" spc="-1" strike="noStrike">
+          <a:lstStyle/>
+          <a:p>
+            <a:endParaRPr lang="fr-FR" sz="2800" b="0" strike="noStrike" spc="-1">
               <a:solidFill>
                 <a:srgbClr val="000000"/>
               </a:solidFill>
@@ -3827,11 +4428,14 @@
       </p:sp>
     </p:spTree>
   </p:cSld>
+  <p:clrMapOvr>
+    <a:masterClrMapping/>
+  </p:clrMapOvr>
 </p:sldLayout>
 </file>
 
 <file path=ppt/slideLayouts/slideLayout9.xml><?xml version="1.0" encoding="utf-8"?>
-<p:sldLayout xmlns:a="http://schemas.openxmlformats.org/drawingml/2006/main" xmlns:p="http://schemas.openxmlformats.org/presentationml/2006/main" xmlns:r="http://schemas.openxmlformats.org/officeDocument/2006/relationships" xmlns:p14="http://schemas.microsoft.com/office/powerpoint/2010/main" xmlns:p15="http://schemas.microsoft.com/office/powerpoint/2012/main" xmlns:mc="http://schemas.openxmlformats.org/markup-compatibility/2006" type="twoObjOverTx" preserve="1">
+<p:sldLayout xmlns:a="http://schemas.openxmlformats.org/drawingml/2006/main" xmlns:r="http://schemas.openxmlformats.org/officeDocument/2006/relationships" xmlns:p="http://schemas.openxmlformats.org/presentationml/2006/main" type="twoObjOverTx" preserve="1">
   <p:cSld name="Title, 2 Content over Content">
     <p:spTree>
       <p:nvGrpSpPr>
@@ -3867,9 +4471,10 @@
           </a:prstGeom>
         </p:spPr>
         <p:txBody>
-          <a:bodyPr lIns="0" rIns="0" tIns="0" bIns="0" anchor="ctr"/>
-          <a:p>
-            <a:endParaRPr b="0" lang="fr-FR" sz="1800" spc="-1" strike="noStrike">
+          <a:bodyPr lIns="0" tIns="0" rIns="0" bIns="0" anchor="ctr"/>
+          <a:lstStyle/>
+          <a:p>
+            <a:endParaRPr lang="fr-FR" sz="1800" b="0" strike="noStrike" spc="-1">
               <a:solidFill>
                 <a:srgbClr val="000000"/>
               </a:solidFill>
@@ -3898,11 +4503,12 @@
           </a:prstGeom>
         </p:spPr>
         <p:txBody>
-          <a:bodyPr lIns="0" rIns="0" tIns="0" bIns="0">
+          <a:bodyPr lIns="0" tIns="0" rIns="0" bIns="0">
             <a:normAutofit/>
           </a:bodyPr>
-          <a:p>
-            <a:endParaRPr b="0" lang="fr-FR" sz="2800" spc="-1" strike="noStrike">
+          <a:lstStyle/>
+          <a:p>
+            <a:endParaRPr lang="fr-FR" sz="2800" b="0" strike="noStrike" spc="-1">
               <a:solidFill>
                 <a:srgbClr val="000000"/>
               </a:solidFill>
@@ -3931,11 +4537,12 @@
           </a:prstGeom>
         </p:spPr>
         <p:txBody>
-          <a:bodyPr lIns="0" rIns="0" tIns="0" bIns="0">
+          <a:bodyPr lIns="0" tIns="0" rIns="0" bIns="0">
             <a:normAutofit/>
           </a:bodyPr>
-          <a:p>
-            <a:endParaRPr b="0" lang="fr-FR" sz="2800" spc="-1" strike="noStrike">
+          <a:lstStyle/>
+          <a:p>
+            <a:endParaRPr lang="fr-FR" sz="2800" b="0" strike="noStrike" spc="-1">
               <a:solidFill>
                 <a:srgbClr val="000000"/>
               </a:solidFill>
@@ -3964,11 +4571,12 @@
           </a:prstGeom>
         </p:spPr>
         <p:txBody>
-          <a:bodyPr lIns="0" rIns="0" tIns="0" bIns="0">
+          <a:bodyPr lIns="0" tIns="0" rIns="0" bIns="0">
             <a:normAutofit/>
           </a:bodyPr>
-          <a:p>
-            <a:endParaRPr b="0" lang="fr-FR" sz="2800" spc="-1" strike="noStrike">
+          <a:lstStyle/>
+          <a:p>
+            <a:endParaRPr lang="fr-FR" sz="2800" b="0" strike="noStrike" spc="-1">
               <a:solidFill>
                 <a:srgbClr val="000000"/>
               </a:solidFill>
@@ -3979,17 +4587,21 @@
       </p:sp>
     </p:spTree>
   </p:cSld>
+  <p:clrMapOvr>
+    <a:masterClrMapping/>
+  </p:clrMapOvr>
 </p:sldLayout>
 </file>
 
 <file path=ppt/slideMasters/slideMaster1.xml><?xml version="1.0" encoding="utf-8"?>
-<p:sldMaster xmlns:a="http://schemas.openxmlformats.org/drawingml/2006/main" xmlns:p="http://schemas.openxmlformats.org/presentationml/2006/main" xmlns:r="http://schemas.openxmlformats.org/officeDocument/2006/relationships" xmlns:p14="http://schemas.microsoft.com/office/powerpoint/2010/main" xmlns:p15="http://schemas.microsoft.com/office/powerpoint/2012/main" xmlns:mc="http://schemas.openxmlformats.org/markup-compatibility/2006">
+<p:sldMaster xmlns:a="http://schemas.openxmlformats.org/drawingml/2006/main" xmlns:r="http://schemas.openxmlformats.org/officeDocument/2006/relationships" xmlns:p="http://schemas.openxmlformats.org/presentationml/2006/main">
   <p:cSld>
     <p:bg>
       <p:bgPr>
         <a:solidFill>
-          <a:srgbClr val="ffffff"/>
+          <a:srgbClr val="FFFFFF"/>
         </a:solidFill>
+        <a:effectLst/>
       </p:bgPr>
     </p:bg>
     <p:spTree>
@@ -4008,7 +4620,7 @@
       </p:grpSpPr>
       <p:sp>
         <p:nvSpPr>
-          <p:cNvPr id="0" name="PlaceHolder 1"/>
+          <p:cNvPr id="5" name="PlaceHolder 1"/>
           <p:cNvSpPr>
             <a:spLocks noGrp="1"/>
           </p:cNvSpPr>
@@ -4027,6 +4639,7 @@
         </p:spPr>
         <p:txBody>
           <a:bodyPr anchor="b"/>
+          <a:lstStyle/>
           <a:p>
             <a:pPr algn="ctr">
               <a:lnSpc>
@@ -4034,7 +4647,7 @@
               </a:lnSpc>
             </a:pPr>
             <a:r>
-              <a:rPr b="0" lang="fr-FR" sz="6000" spc="-1" strike="noStrike">
+              <a:rPr lang="fr-FR" sz="6000" b="0" strike="noStrike" spc="-1">
                 <a:solidFill>
                   <a:srgbClr val="000000"/>
                 </a:solidFill>
@@ -4042,7 +4655,7 @@
               </a:rPr>
               <a:t>Modifiez le style du titre</a:t>
             </a:r>
-            <a:endParaRPr b="0" lang="fr-FR" sz="6000" spc="-1" strike="noStrike">
+            <a:endParaRPr lang="fr-FR" sz="6000" b="0" strike="noStrike" spc="-1">
               <a:solidFill>
                 <a:srgbClr val="000000"/>
               </a:solidFill>
@@ -4053,7 +4666,7 @@
       </p:sp>
       <p:sp>
         <p:nvSpPr>
-          <p:cNvPr id="1" name="PlaceHolder 2"/>
+          <p:cNvPr id="6" name="PlaceHolder 2"/>
           <p:cNvSpPr>
             <a:spLocks noGrp="1"/>
           </p:cNvSpPr>
@@ -4072,6 +4685,7 @@
         </p:spPr>
         <p:txBody>
           <a:bodyPr anchor="ctr"/>
+          <a:lstStyle/>
           <a:p>
             <a:pPr>
               <a:lnSpc>
@@ -4079,15 +4693,15 @@
               </a:lnSpc>
             </a:pPr>
             <a:fld id="{509A155C-6D99-44F8-BE19-1E7196F3CC8A}" type="datetime">
-              <a:rPr b="0" lang="en-US" sz="1200" spc="-1" strike="noStrike">
+              <a:rPr lang="en-US" sz="1200" b="0" strike="noStrike" spc="-1">
                 <a:solidFill>
-                  <a:srgbClr val="8b8b8b"/>
+                  <a:srgbClr val="8B8B8B"/>
                 </a:solidFill>
                 <a:latin typeface="Calibri"/>
               </a:rPr>
-              <a:t>2/10/20</a:t>
+              <a:t>2/11/2020</a:t>
             </a:fld>
-            <a:endParaRPr b="0" lang="en-US" sz="1200" spc="-1" strike="noStrike">
+            <a:endParaRPr lang="en-US" sz="1200" b="0" strike="noStrike" spc="-1">
               <a:latin typeface="Times New Roman"/>
             </a:endParaRPr>
           </a:p>
@@ -4114,8 +4728,9 @@
         </p:spPr>
         <p:txBody>
           <a:bodyPr anchor="ctr"/>
-          <a:p>
-            <a:endParaRPr b="0" lang="en-US" sz="2400" spc="-1" strike="noStrike">
+          <a:lstStyle/>
+          <a:p>
+            <a:endParaRPr lang="en-US" sz="2400" b="0" strike="noStrike" spc="-1">
               <a:latin typeface="Times New Roman"/>
             </a:endParaRPr>
           </a:p>
@@ -4142,6 +4757,7 @@
         </p:spPr>
         <p:txBody>
           <a:bodyPr anchor="ctr"/>
+          <a:lstStyle/>
           <a:p>
             <a:pPr algn="r">
               <a:lnSpc>
@@ -4149,15 +4765,15 @@
               </a:lnSpc>
             </a:pPr>
             <a:fld id="{14A5CC4F-29D2-4917-B474-4C036E3D07AA}" type="slidenum">
-              <a:rPr b="0" lang="en-US" sz="1200" spc="-1" strike="noStrike">
+              <a:rPr lang="en-US" sz="1200" b="0" strike="noStrike" spc="-1">
                 <a:solidFill>
-                  <a:srgbClr val="8b8b8b"/>
+                  <a:srgbClr val="8B8B8B"/>
                 </a:solidFill>
                 <a:latin typeface="Calibri"/>
               </a:rPr>
-              <a:t>&lt;number&gt;</a:t>
+              <a:t>‹N°›</a:t>
             </a:fld>
-            <a:endParaRPr b="0" lang="en-US" sz="1200" spc="-1" strike="noStrike">
+            <a:endParaRPr lang="en-US" sz="1200" b="0" strike="noStrike" spc="-1">
               <a:latin typeface="Times New Roman"/>
             </a:endParaRPr>
           </a:p>
@@ -4183,9 +4799,10 @@
           </a:prstGeom>
         </p:spPr>
         <p:txBody>
-          <a:bodyPr lIns="0" rIns="0" tIns="0" bIns="0">
+          <a:bodyPr lIns="0" tIns="0" rIns="0" bIns="0">
             <a:normAutofit/>
           </a:bodyPr>
+          <a:lstStyle/>
           <a:p>
             <a:pPr marL="432000" indent="-324000">
               <a:spcBef>
@@ -4199,7 +4816,7 @@
               <a:buChar char=""/>
             </a:pPr>
             <a:r>
-              <a:rPr b="0" lang="fr-FR" sz="2800" spc="-1" strike="noStrike">
+              <a:rPr lang="fr-FR" sz="2800" b="0" strike="noStrike" spc="-1">
                 <a:solidFill>
                   <a:srgbClr val="000000"/>
                 </a:solidFill>
@@ -4207,15 +4824,9 @@
               </a:rPr>
               <a:t>Click to edit the outline text format</a:t>
             </a:r>
-            <a:endParaRPr b="0" lang="fr-FR" sz="2800" spc="-1" strike="noStrike">
-              <a:solidFill>
-                <a:srgbClr val="000000"/>
-              </a:solidFill>
-              <a:latin typeface="Calibri"/>
-            </a:endParaRPr>
-          </a:p>
-          <a:p>
-            <a:pPr lvl="1" marL="864000" indent="-324000">
+          </a:p>
+          <a:p>
+            <a:pPr marL="864000" lvl="1" indent="-324000">
               <a:spcBef>
                 <a:spcPts val="1134"/>
               </a:spcBef>
@@ -4227,7 +4838,7 @@
               <a:buChar char=""/>
             </a:pPr>
             <a:r>
-              <a:rPr b="0" lang="fr-FR" sz="2000" spc="-1" strike="noStrike">
+              <a:rPr lang="fr-FR" sz="2000" b="0" strike="noStrike" spc="-1">
                 <a:solidFill>
                   <a:srgbClr val="000000"/>
                 </a:solidFill>
@@ -4235,15 +4846,9 @@
               </a:rPr>
               <a:t>Second Outline Level</a:t>
             </a:r>
-            <a:endParaRPr b="0" lang="fr-FR" sz="2000" spc="-1" strike="noStrike">
-              <a:solidFill>
-                <a:srgbClr val="000000"/>
-              </a:solidFill>
-              <a:latin typeface="Calibri"/>
-            </a:endParaRPr>
-          </a:p>
-          <a:p>
-            <a:pPr lvl="2" marL="1296000" indent="-288000">
+          </a:p>
+          <a:p>
+            <a:pPr marL="1296000" lvl="2" indent="-288000">
               <a:spcBef>
                 <a:spcPts val="850"/>
               </a:spcBef>
@@ -4255,7 +4860,7 @@
               <a:buChar char=""/>
             </a:pPr>
             <a:r>
-              <a:rPr b="0" lang="fr-FR" sz="1800" spc="-1" strike="noStrike">
+              <a:rPr lang="fr-FR" sz="1800" b="0" strike="noStrike" spc="-1">
                 <a:solidFill>
                   <a:srgbClr val="000000"/>
                 </a:solidFill>
@@ -4263,15 +4868,9 @@
               </a:rPr>
               <a:t>Third Outline Level</a:t>
             </a:r>
-            <a:endParaRPr b="0" lang="fr-FR" sz="1800" spc="-1" strike="noStrike">
-              <a:solidFill>
-                <a:srgbClr val="000000"/>
-              </a:solidFill>
-              <a:latin typeface="Calibri"/>
-            </a:endParaRPr>
-          </a:p>
-          <a:p>
-            <a:pPr lvl="3" marL="1728000" indent="-216000">
+          </a:p>
+          <a:p>
+            <a:pPr marL="1728000" lvl="3" indent="-216000">
               <a:spcBef>
                 <a:spcPts val="567"/>
               </a:spcBef>
@@ -4283,7 +4882,7 @@
               <a:buChar char=""/>
             </a:pPr>
             <a:r>
-              <a:rPr b="0" lang="fr-FR" sz="1800" spc="-1" strike="noStrike">
+              <a:rPr lang="fr-FR" sz="1800" b="0" strike="noStrike" spc="-1">
                 <a:solidFill>
                   <a:srgbClr val="000000"/>
                 </a:solidFill>
@@ -4291,15 +4890,9 @@
               </a:rPr>
               <a:t>Fourth Outline Level</a:t>
             </a:r>
-            <a:endParaRPr b="0" lang="fr-FR" sz="1800" spc="-1" strike="noStrike">
-              <a:solidFill>
-                <a:srgbClr val="000000"/>
-              </a:solidFill>
-              <a:latin typeface="Calibri"/>
-            </a:endParaRPr>
-          </a:p>
-          <a:p>
-            <a:pPr lvl="4" marL="2160000" indent="-216000">
+          </a:p>
+          <a:p>
+            <a:pPr marL="2160000" lvl="4" indent="-216000">
               <a:spcBef>
                 <a:spcPts val="283"/>
               </a:spcBef>
@@ -4311,7 +4904,7 @@
               <a:buChar char=""/>
             </a:pPr>
             <a:r>
-              <a:rPr b="0" lang="fr-FR" sz="2000" spc="-1" strike="noStrike">
+              <a:rPr lang="fr-FR" sz="2000" b="0" strike="noStrike" spc="-1">
                 <a:solidFill>
                   <a:srgbClr val="000000"/>
                 </a:solidFill>
@@ -4319,15 +4912,9 @@
               </a:rPr>
               <a:t>Fifth Outline Level</a:t>
             </a:r>
-            <a:endParaRPr b="0" lang="fr-FR" sz="2000" spc="-1" strike="noStrike">
-              <a:solidFill>
-                <a:srgbClr val="000000"/>
-              </a:solidFill>
-              <a:latin typeface="Calibri"/>
-            </a:endParaRPr>
-          </a:p>
-          <a:p>
-            <a:pPr lvl="5" marL="2592000" indent="-216000">
+          </a:p>
+          <a:p>
+            <a:pPr marL="2592000" lvl="5" indent="-216000">
               <a:spcBef>
                 <a:spcPts val="283"/>
               </a:spcBef>
@@ -4339,7 +4926,7 @@
               <a:buChar char=""/>
             </a:pPr>
             <a:r>
-              <a:rPr b="0" lang="fr-FR" sz="2000" spc="-1" strike="noStrike">
+              <a:rPr lang="fr-FR" sz="2000" b="0" strike="noStrike" spc="-1">
                 <a:solidFill>
                   <a:srgbClr val="000000"/>
                 </a:solidFill>
@@ -4347,15 +4934,9 @@
               </a:rPr>
               <a:t>Sixth Outline Level</a:t>
             </a:r>
-            <a:endParaRPr b="0" lang="fr-FR" sz="2000" spc="-1" strike="noStrike">
-              <a:solidFill>
-                <a:srgbClr val="000000"/>
-              </a:solidFill>
-              <a:latin typeface="Calibri"/>
-            </a:endParaRPr>
-          </a:p>
-          <a:p>
-            <a:pPr lvl="6" marL="3024000" indent="-216000">
+          </a:p>
+          <a:p>
+            <a:pPr marL="3024000" lvl="6" indent="-216000">
               <a:spcBef>
                 <a:spcPts val="283"/>
               </a:spcBef>
@@ -4367,7 +4948,7 @@
               <a:buChar char=""/>
             </a:pPr>
             <a:r>
-              <a:rPr b="0" lang="fr-FR" sz="2000" spc="-1" strike="noStrike">
+              <a:rPr lang="fr-FR" sz="2000" b="0" strike="noStrike" spc="-1">
                 <a:solidFill>
                   <a:srgbClr val="000000"/>
                 </a:solidFill>
@@ -4375,43 +4956,318 @@
               </a:rPr>
               <a:t>Seventh Outline Level</a:t>
             </a:r>
-            <a:endParaRPr b="0" lang="fr-FR" sz="2000" spc="-1" strike="noStrike">
-              <a:solidFill>
-                <a:srgbClr val="000000"/>
-              </a:solidFill>
-              <a:latin typeface="Calibri"/>
-            </a:endParaRPr>
           </a:p>
         </p:txBody>
       </p:sp>
     </p:spTree>
   </p:cSld>
-  <p:clrMap bg1="lt1" bg2="lt2" tx1="dk1" tx2="dk2" accent1="accent1" accent2="accent2" accent3="accent3" accent4="accent4" accent5="accent5" accent6="accent6" hlink="hlink" folHlink="folHlink"/>
+  <p:clrMap bg1="lt1" tx1="dk1" bg2="lt2" tx2="dk2" accent1="accent1" accent2="accent2" accent3="accent3" accent4="accent4" accent5="accent5" accent6="accent6" hlink="hlink" folHlink="folHlink"/>
   <p:sldLayoutIdLst>
-    <p:sldLayoutId id="2147483649" r:id="rId2"/>
-    <p:sldLayoutId id="2147483650" r:id="rId3"/>
-    <p:sldLayoutId id="2147483651" r:id="rId4"/>
-    <p:sldLayoutId id="2147483652" r:id="rId5"/>
-    <p:sldLayoutId id="2147483653" r:id="rId6"/>
-    <p:sldLayoutId id="2147483654" r:id="rId7"/>
-    <p:sldLayoutId id="2147483655" r:id="rId8"/>
-    <p:sldLayoutId id="2147483656" r:id="rId9"/>
-    <p:sldLayoutId id="2147483657" r:id="rId10"/>
-    <p:sldLayoutId id="2147483658" r:id="rId11"/>
-    <p:sldLayoutId id="2147483659" r:id="rId12"/>
-    <p:sldLayoutId id="2147483660" r:id="rId13"/>
+    <p:sldLayoutId id="2147483649" r:id="rId1"/>
+    <p:sldLayoutId id="2147483650" r:id="rId2"/>
+    <p:sldLayoutId id="2147483651" r:id="rId3"/>
+    <p:sldLayoutId id="2147483652" r:id="rId4"/>
+    <p:sldLayoutId id="2147483653" r:id="rId5"/>
+    <p:sldLayoutId id="2147483654" r:id="rId6"/>
+    <p:sldLayoutId id="2147483655" r:id="rId7"/>
+    <p:sldLayoutId id="2147483656" r:id="rId8"/>
+    <p:sldLayoutId id="2147483657" r:id="rId9"/>
+    <p:sldLayoutId id="2147483658" r:id="rId10"/>
+    <p:sldLayoutId id="2147483659" r:id="rId11"/>
+    <p:sldLayoutId id="2147483660" r:id="rId12"/>
   </p:sldLayoutIdLst>
+  <p:txStyles>
+    <p:titleStyle>
+      <a:lvl1pPr algn="l" defTabSz="914400" rtl="0" eaLnBrk="1" latinLnBrk="0" hangingPunct="1">
+        <a:lnSpc>
+          <a:spcPct val="90000"/>
+        </a:lnSpc>
+        <a:spcBef>
+          <a:spcPct val="0"/>
+        </a:spcBef>
+        <a:buNone/>
+        <a:defRPr sz="4400" kern="1200">
+          <a:solidFill>
+            <a:schemeClr val="tx1"/>
+          </a:solidFill>
+          <a:latin typeface="+mj-lt"/>
+          <a:ea typeface="+mj-ea"/>
+          <a:cs typeface="+mj-cs"/>
+        </a:defRPr>
+      </a:lvl1pPr>
+    </p:titleStyle>
+    <p:bodyStyle>
+      <a:lvl1pPr marL="228600" indent="-228600" algn="l" defTabSz="914400" rtl="0" eaLnBrk="1" latinLnBrk="0" hangingPunct="1">
+        <a:lnSpc>
+          <a:spcPct val="90000"/>
+        </a:lnSpc>
+        <a:spcBef>
+          <a:spcPts val="1000"/>
+        </a:spcBef>
+        <a:buFont typeface="Arial" panose="020B0604020202020204" pitchFamily="34" charset="0"/>
+        <a:buChar char="•"/>
+        <a:defRPr sz="2800" kern="1200">
+          <a:solidFill>
+            <a:schemeClr val="tx1"/>
+          </a:solidFill>
+          <a:latin typeface="+mn-lt"/>
+          <a:ea typeface="+mn-ea"/>
+          <a:cs typeface="+mn-cs"/>
+        </a:defRPr>
+      </a:lvl1pPr>
+      <a:lvl2pPr marL="685800" indent="-228600" algn="l" defTabSz="914400" rtl="0" eaLnBrk="1" latinLnBrk="0" hangingPunct="1">
+        <a:lnSpc>
+          <a:spcPct val="90000"/>
+        </a:lnSpc>
+        <a:spcBef>
+          <a:spcPts val="500"/>
+        </a:spcBef>
+        <a:buFont typeface="Arial" panose="020B0604020202020204" pitchFamily="34" charset="0"/>
+        <a:buChar char="•"/>
+        <a:defRPr sz="2400" kern="1200">
+          <a:solidFill>
+            <a:schemeClr val="tx1"/>
+          </a:solidFill>
+          <a:latin typeface="+mn-lt"/>
+          <a:ea typeface="+mn-ea"/>
+          <a:cs typeface="+mn-cs"/>
+        </a:defRPr>
+      </a:lvl2pPr>
+      <a:lvl3pPr marL="1143000" indent="-228600" algn="l" defTabSz="914400" rtl="0" eaLnBrk="1" latinLnBrk="0" hangingPunct="1">
+        <a:lnSpc>
+          <a:spcPct val="90000"/>
+        </a:lnSpc>
+        <a:spcBef>
+          <a:spcPts val="500"/>
+        </a:spcBef>
+        <a:buFont typeface="Arial" panose="020B0604020202020204" pitchFamily="34" charset="0"/>
+        <a:buChar char="•"/>
+        <a:defRPr sz="2000" kern="1200">
+          <a:solidFill>
+            <a:schemeClr val="tx1"/>
+          </a:solidFill>
+          <a:latin typeface="+mn-lt"/>
+          <a:ea typeface="+mn-ea"/>
+          <a:cs typeface="+mn-cs"/>
+        </a:defRPr>
+      </a:lvl3pPr>
+      <a:lvl4pPr marL="1600200" indent="-228600" algn="l" defTabSz="914400" rtl="0" eaLnBrk="1" latinLnBrk="0" hangingPunct="1">
+        <a:lnSpc>
+          <a:spcPct val="90000"/>
+        </a:lnSpc>
+        <a:spcBef>
+          <a:spcPts val="500"/>
+        </a:spcBef>
+        <a:buFont typeface="Arial" panose="020B0604020202020204" pitchFamily="34" charset="0"/>
+        <a:buChar char="•"/>
+        <a:defRPr sz="1800" kern="1200">
+          <a:solidFill>
+            <a:schemeClr val="tx1"/>
+          </a:solidFill>
+          <a:latin typeface="+mn-lt"/>
+          <a:ea typeface="+mn-ea"/>
+          <a:cs typeface="+mn-cs"/>
+        </a:defRPr>
+      </a:lvl4pPr>
+      <a:lvl5pPr marL="2057400" indent="-228600" algn="l" defTabSz="914400" rtl="0" eaLnBrk="1" latinLnBrk="0" hangingPunct="1">
+        <a:lnSpc>
+          <a:spcPct val="90000"/>
+        </a:lnSpc>
+        <a:spcBef>
+          <a:spcPts val="500"/>
+        </a:spcBef>
+        <a:buFont typeface="Arial" panose="020B0604020202020204" pitchFamily="34" charset="0"/>
+        <a:buChar char="•"/>
+        <a:defRPr sz="1800" kern="1200">
+          <a:solidFill>
+            <a:schemeClr val="tx1"/>
+          </a:solidFill>
+          <a:latin typeface="+mn-lt"/>
+          <a:ea typeface="+mn-ea"/>
+          <a:cs typeface="+mn-cs"/>
+        </a:defRPr>
+      </a:lvl5pPr>
+      <a:lvl6pPr marL="2514600" indent="-228600" algn="l" defTabSz="914400" rtl="0" eaLnBrk="1" latinLnBrk="0" hangingPunct="1">
+        <a:lnSpc>
+          <a:spcPct val="90000"/>
+        </a:lnSpc>
+        <a:spcBef>
+          <a:spcPts val="500"/>
+        </a:spcBef>
+        <a:buFont typeface="Arial" panose="020B0604020202020204" pitchFamily="34" charset="0"/>
+        <a:buChar char="•"/>
+        <a:defRPr sz="1800" kern="1200">
+          <a:solidFill>
+            <a:schemeClr val="tx1"/>
+          </a:solidFill>
+          <a:latin typeface="+mn-lt"/>
+          <a:ea typeface="+mn-ea"/>
+          <a:cs typeface="+mn-cs"/>
+        </a:defRPr>
+      </a:lvl6pPr>
+      <a:lvl7pPr marL="2971800" indent="-228600" algn="l" defTabSz="914400" rtl="0" eaLnBrk="1" latinLnBrk="0" hangingPunct="1">
+        <a:lnSpc>
+          <a:spcPct val="90000"/>
+        </a:lnSpc>
+        <a:spcBef>
+          <a:spcPts val="500"/>
+        </a:spcBef>
+        <a:buFont typeface="Arial" panose="020B0604020202020204" pitchFamily="34" charset="0"/>
+        <a:buChar char="•"/>
+        <a:defRPr sz="1800" kern="1200">
+          <a:solidFill>
+            <a:schemeClr val="tx1"/>
+          </a:solidFill>
+          <a:latin typeface="+mn-lt"/>
+          <a:ea typeface="+mn-ea"/>
+          <a:cs typeface="+mn-cs"/>
+        </a:defRPr>
+      </a:lvl7pPr>
+      <a:lvl8pPr marL="3429000" indent="-228600" algn="l" defTabSz="914400" rtl="0" eaLnBrk="1" latinLnBrk="0" hangingPunct="1">
+        <a:lnSpc>
+          <a:spcPct val="90000"/>
+        </a:lnSpc>
+        <a:spcBef>
+          <a:spcPts val="500"/>
+        </a:spcBef>
+        <a:buFont typeface="Arial" panose="020B0604020202020204" pitchFamily="34" charset="0"/>
+        <a:buChar char="•"/>
+        <a:defRPr sz="1800" kern="1200">
+          <a:solidFill>
+            <a:schemeClr val="tx1"/>
+          </a:solidFill>
+          <a:latin typeface="+mn-lt"/>
+          <a:ea typeface="+mn-ea"/>
+          <a:cs typeface="+mn-cs"/>
+        </a:defRPr>
+      </a:lvl8pPr>
+      <a:lvl9pPr marL="3886200" indent="-228600" algn="l" defTabSz="914400" rtl="0" eaLnBrk="1" latinLnBrk="0" hangingPunct="1">
+        <a:lnSpc>
+          <a:spcPct val="90000"/>
+        </a:lnSpc>
+        <a:spcBef>
+          <a:spcPts val="500"/>
+        </a:spcBef>
+        <a:buFont typeface="Arial" panose="020B0604020202020204" pitchFamily="34" charset="0"/>
+        <a:buChar char="•"/>
+        <a:defRPr sz="1800" kern="1200">
+          <a:solidFill>
+            <a:schemeClr val="tx1"/>
+          </a:solidFill>
+          <a:latin typeface="+mn-lt"/>
+          <a:ea typeface="+mn-ea"/>
+          <a:cs typeface="+mn-cs"/>
+        </a:defRPr>
+      </a:lvl9pPr>
+    </p:bodyStyle>
+    <p:otherStyle>
+      <a:defPPr>
+        <a:defRPr lang="fr-FR"/>
+      </a:defPPr>
+      <a:lvl1pPr marL="0" algn="l" defTabSz="914400" rtl="0" eaLnBrk="1" latinLnBrk="0" hangingPunct="1">
+        <a:defRPr sz="1800" kern="1200">
+          <a:solidFill>
+            <a:schemeClr val="tx1"/>
+          </a:solidFill>
+          <a:latin typeface="+mn-lt"/>
+          <a:ea typeface="+mn-ea"/>
+          <a:cs typeface="+mn-cs"/>
+        </a:defRPr>
+      </a:lvl1pPr>
+      <a:lvl2pPr marL="457200" algn="l" defTabSz="914400" rtl="0" eaLnBrk="1" latinLnBrk="0" hangingPunct="1">
+        <a:defRPr sz="1800" kern="1200">
+          <a:solidFill>
+            <a:schemeClr val="tx1"/>
+          </a:solidFill>
+          <a:latin typeface="+mn-lt"/>
+          <a:ea typeface="+mn-ea"/>
+          <a:cs typeface="+mn-cs"/>
+        </a:defRPr>
+      </a:lvl2pPr>
+      <a:lvl3pPr marL="914400" algn="l" defTabSz="914400" rtl="0" eaLnBrk="1" latinLnBrk="0" hangingPunct="1">
+        <a:defRPr sz="1800" kern="1200">
+          <a:solidFill>
+            <a:schemeClr val="tx1"/>
+          </a:solidFill>
+          <a:latin typeface="+mn-lt"/>
+          <a:ea typeface="+mn-ea"/>
+          <a:cs typeface="+mn-cs"/>
+        </a:defRPr>
+      </a:lvl3pPr>
+      <a:lvl4pPr marL="1371600" algn="l" defTabSz="914400" rtl="0" eaLnBrk="1" latinLnBrk="0" hangingPunct="1">
+        <a:defRPr sz="1800" kern="1200">
+          <a:solidFill>
+            <a:schemeClr val="tx1"/>
+          </a:solidFill>
+          <a:latin typeface="+mn-lt"/>
+          <a:ea typeface="+mn-ea"/>
+          <a:cs typeface="+mn-cs"/>
+        </a:defRPr>
+      </a:lvl4pPr>
+      <a:lvl5pPr marL="1828800" algn="l" defTabSz="914400" rtl="0" eaLnBrk="1" latinLnBrk="0" hangingPunct="1">
+        <a:defRPr sz="1800" kern="1200">
+          <a:solidFill>
+            <a:schemeClr val="tx1"/>
+          </a:solidFill>
+          <a:latin typeface="+mn-lt"/>
+          <a:ea typeface="+mn-ea"/>
+          <a:cs typeface="+mn-cs"/>
+        </a:defRPr>
+      </a:lvl5pPr>
+      <a:lvl6pPr marL="2286000" algn="l" defTabSz="914400" rtl="0" eaLnBrk="1" latinLnBrk="0" hangingPunct="1">
+        <a:defRPr sz="1800" kern="1200">
+          <a:solidFill>
+            <a:schemeClr val="tx1"/>
+          </a:solidFill>
+          <a:latin typeface="+mn-lt"/>
+          <a:ea typeface="+mn-ea"/>
+          <a:cs typeface="+mn-cs"/>
+        </a:defRPr>
+      </a:lvl6pPr>
+      <a:lvl7pPr marL="2743200" algn="l" defTabSz="914400" rtl="0" eaLnBrk="1" latinLnBrk="0" hangingPunct="1">
+        <a:defRPr sz="1800" kern="1200">
+          <a:solidFill>
+            <a:schemeClr val="tx1"/>
+          </a:solidFill>
+          <a:latin typeface="+mn-lt"/>
+          <a:ea typeface="+mn-ea"/>
+          <a:cs typeface="+mn-cs"/>
+        </a:defRPr>
+      </a:lvl7pPr>
+      <a:lvl8pPr marL="3200400" algn="l" defTabSz="914400" rtl="0" eaLnBrk="1" latinLnBrk="0" hangingPunct="1">
+        <a:defRPr sz="1800" kern="1200">
+          <a:solidFill>
+            <a:schemeClr val="tx1"/>
+          </a:solidFill>
+          <a:latin typeface="+mn-lt"/>
+          <a:ea typeface="+mn-ea"/>
+          <a:cs typeface="+mn-cs"/>
+        </a:defRPr>
+      </a:lvl8pPr>
+      <a:lvl9pPr marL="3657600" algn="l" defTabSz="914400" rtl="0" eaLnBrk="1" latinLnBrk="0" hangingPunct="1">
+        <a:defRPr sz="1800" kern="1200">
+          <a:solidFill>
+            <a:schemeClr val="tx1"/>
+          </a:solidFill>
+          <a:latin typeface="+mn-lt"/>
+          <a:ea typeface="+mn-ea"/>
+          <a:cs typeface="+mn-cs"/>
+        </a:defRPr>
+      </a:lvl9pPr>
+    </p:otherStyle>
+  </p:txStyles>
 </p:sldMaster>
 </file>
 
 <file path=ppt/slideMasters/slideMaster2.xml><?xml version="1.0" encoding="utf-8"?>
-<p:sldMaster xmlns:a="http://schemas.openxmlformats.org/drawingml/2006/main" xmlns:p="http://schemas.openxmlformats.org/presentationml/2006/main" xmlns:r="http://schemas.openxmlformats.org/officeDocument/2006/relationships" xmlns:p14="http://schemas.microsoft.com/office/powerpoint/2010/main" xmlns:p15="http://schemas.microsoft.com/office/powerpoint/2012/main" xmlns:mc="http://schemas.openxmlformats.org/markup-compatibility/2006">
+<p:sldMaster xmlns:a="http://schemas.openxmlformats.org/drawingml/2006/main" xmlns:r="http://schemas.openxmlformats.org/officeDocument/2006/relationships" xmlns:p="http://schemas.openxmlformats.org/presentationml/2006/main">
   <p:cSld>
     <p:bg>
       <p:bgPr>
         <a:solidFill>
-          <a:srgbClr val="ffffff"/>
+          <a:srgbClr val="FFFFFF"/>
         </a:solidFill>
+        <a:effectLst/>
       </p:bgPr>
     </p:bg>
     <p:spTree>
@@ -4449,6 +5305,7 @@
         </p:spPr>
         <p:txBody>
           <a:bodyPr anchor="ctr"/>
+          <a:lstStyle/>
           <a:p>
             <a:pPr>
               <a:lnSpc>
@@ -4456,7 +5313,7 @@
               </a:lnSpc>
             </a:pPr>
             <a:r>
-              <a:rPr b="0" lang="fr-FR" sz="4400" spc="-1" strike="noStrike">
+              <a:rPr lang="fr-FR" sz="4400" b="0" strike="noStrike" spc="-1">
                 <a:solidFill>
                   <a:srgbClr val="000000"/>
                 </a:solidFill>
@@ -4464,7 +5321,7 @@
               </a:rPr>
               <a:t>Modifiez le style du titre</a:t>
             </a:r>
-            <a:endParaRPr b="0" lang="fr-FR" sz="4400" spc="-1" strike="noStrike">
+            <a:endParaRPr lang="fr-FR" sz="4400" b="0" strike="noStrike" spc="-1">
               <a:solidFill>
                 <a:srgbClr val="000000"/>
               </a:solidFill>
@@ -4494,6 +5351,7 @@
         </p:spPr>
         <p:txBody>
           <a:bodyPr/>
+          <a:lstStyle/>
           <a:p>
             <a:pPr marL="228600" indent="-228240">
               <a:lnSpc>
@@ -4509,7 +5367,7 @@
               <a:buChar char="•"/>
             </a:pPr>
             <a:r>
-              <a:rPr b="0" lang="fr-FR" sz="2800" spc="-1" strike="noStrike">
+              <a:rPr lang="fr-FR" sz="2800" b="0" strike="noStrike" spc="-1">
                 <a:solidFill>
                   <a:srgbClr val="000000"/>
                 </a:solidFill>
@@ -4517,15 +5375,9 @@
               </a:rPr>
               <a:t>Cliquez pour modifier les styles du texte du masque</a:t>
             </a:r>
-            <a:endParaRPr b="0" lang="fr-FR" sz="2800" spc="-1" strike="noStrike">
-              <a:solidFill>
-                <a:srgbClr val="000000"/>
-              </a:solidFill>
-              <a:latin typeface="Calibri"/>
-            </a:endParaRPr>
-          </a:p>
-          <a:p>
-            <a:pPr lvl="1" marL="685800" indent="-228240">
+          </a:p>
+          <a:p>
+            <a:pPr marL="685800" lvl="1" indent="-228240">
               <a:lnSpc>
                 <a:spcPct val="90000"/>
               </a:lnSpc>
@@ -4539,7 +5391,7 @@
               <a:buChar char="•"/>
             </a:pPr>
             <a:r>
-              <a:rPr b="0" lang="fr-FR" sz="2400" spc="-1" strike="noStrike">
+              <a:rPr lang="fr-FR" sz="2400" b="0" strike="noStrike" spc="-1">
                 <a:solidFill>
                   <a:srgbClr val="000000"/>
                 </a:solidFill>
@@ -4547,15 +5399,9 @@
               </a:rPr>
               <a:t>Deuxième niveau</a:t>
             </a:r>
-            <a:endParaRPr b="0" lang="fr-FR" sz="2400" spc="-1" strike="noStrike">
-              <a:solidFill>
-                <a:srgbClr val="000000"/>
-              </a:solidFill>
-              <a:latin typeface="Calibri"/>
-            </a:endParaRPr>
-          </a:p>
-          <a:p>
-            <a:pPr lvl="2" marL="1143000" indent="-228240">
+          </a:p>
+          <a:p>
+            <a:pPr marL="1143000" lvl="2" indent="-228240">
               <a:lnSpc>
                 <a:spcPct val="90000"/>
               </a:lnSpc>
@@ -4569,7 +5415,7 @@
               <a:buChar char="•"/>
             </a:pPr>
             <a:r>
-              <a:rPr b="0" lang="fr-FR" sz="2000" spc="-1" strike="noStrike">
+              <a:rPr lang="fr-FR" sz="2000" b="0" strike="noStrike" spc="-1">
                 <a:solidFill>
                   <a:srgbClr val="000000"/>
                 </a:solidFill>
@@ -4577,15 +5423,9 @@
               </a:rPr>
               <a:t>Troisième niveau</a:t>
             </a:r>
-            <a:endParaRPr b="0" lang="fr-FR" sz="2000" spc="-1" strike="noStrike">
-              <a:solidFill>
-                <a:srgbClr val="000000"/>
-              </a:solidFill>
-              <a:latin typeface="Calibri"/>
-            </a:endParaRPr>
-          </a:p>
-          <a:p>
-            <a:pPr lvl="3" marL="1600200" indent="-228240">
+          </a:p>
+          <a:p>
+            <a:pPr marL="1600200" lvl="3" indent="-228240">
               <a:lnSpc>
                 <a:spcPct val="90000"/>
               </a:lnSpc>
@@ -4599,7 +5439,7 @@
               <a:buChar char="•"/>
             </a:pPr>
             <a:r>
-              <a:rPr b="0" lang="fr-FR" sz="1800" spc="-1" strike="noStrike">
+              <a:rPr lang="fr-FR" sz="1800" b="0" strike="noStrike" spc="-1">
                 <a:solidFill>
                   <a:srgbClr val="000000"/>
                 </a:solidFill>
@@ -4607,15 +5447,9 @@
               </a:rPr>
               <a:t>Quatrième niveau</a:t>
             </a:r>
-            <a:endParaRPr b="0" lang="fr-FR" sz="1800" spc="-1" strike="noStrike">
-              <a:solidFill>
-                <a:srgbClr val="000000"/>
-              </a:solidFill>
-              <a:latin typeface="Calibri"/>
-            </a:endParaRPr>
-          </a:p>
-          <a:p>
-            <a:pPr lvl="4" marL="2057400" indent="-228240">
+          </a:p>
+          <a:p>
+            <a:pPr marL="2057400" lvl="4" indent="-228240">
               <a:lnSpc>
                 <a:spcPct val="90000"/>
               </a:lnSpc>
@@ -4629,7 +5463,7 @@
               <a:buChar char="•"/>
             </a:pPr>
             <a:r>
-              <a:rPr b="0" lang="fr-FR" sz="1800" spc="-1" strike="noStrike">
+              <a:rPr lang="fr-FR" sz="1800" b="0" strike="noStrike" spc="-1">
                 <a:solidFill>
                   <a:srgbClr val="000000"/>
                 </a:solidFill>
@@ -4637,12 +5471,6 @@
               </a:rPr>
               <a:t>Cinquième niveau</a:t>
             </a:r>
-            <a:endParaRPr b="0" lang="fr-FR" sz="1800" spc="-1" strike="noStrike">
-              <a:solidFill>
-                <a:srgbClr val="000000"/>
-              </a:solidFill>
-              <a:latin typeface="Calibri"/>
-            </a:endParaRPr>
           </a:p>
         </p:txBody>
       </p:sp>
@@ -4667,6 +5495,7 @@
         </p:spPr>
         <p:txBody>
           <a:bodyPr anchor="ctr"/>
+          <a:lstStyle/>
           <a:p>
             <a:pPr>
               <a:lnSpc>
@@ -4674,15 +5503,15 @@
               </a:lnSpc>
             </a:pPr>
             <a:fld id="{FC1B514E-89F0-4646-9EE1-48BBA886A386}" type="datetime">
-              <a:rPr b="0" lang="en-US" sz="1200" spc="-1" strike="noStrike">
+              <a:rPr lang="en-US" sz="1200" b="0" strike="noStrike" spc="-1">
                 <a:solidFill>
-                  <a:srgbClr val="8b8b8b"/>
+                  <a:srgbClr val="8B8B8B"/>
                 </a:solidFill>
                 <a:latin typeface="Calibri"/>
               </a:rPr>
-              <a:t>2/10/20</a:t>
+              <a:t>2/11/2020</a:t>
             </a:fld>
-            <a:endParaRPr b="0" lang="en-US" sz="1200" spc="-1" strike="noStrike">
+            <a:endParaRPr lang="en-US" sz="1200" b="0" strike="noStrike" spc="-1">
               <a:latin typeface="Times New Roman"/>
             </a:endParaRPr>
           </a:p>
@@ -4709,8 +5538,9 @@
         </p:spPr>
         <p:txBody>
           <a:bodyPr anchor="ctr"/>
-          <a:p>
-            <a:endParaRPr b="0" lang="en-US" sz="2400" spc="-1" strike="noStrike">
+          <a:lstStyle/>
+          <a:p>
+            <a:endParaRPr lang="en-US" sz="2400" b="0" strike="noStrike" spc="-1">
               <a:latin typeface="Times New Roman"/>
             </a:endParaRPr>
           </a:p>
@@ -4737,6 +5567,7 @@
         </p:spPr>
         <p:txBody>
           <a:bodyPr anchor="ctr"/>
+          <a:lstStyle/>
           <a:p>
             <a:pPr algn="r">
               <a:lnSpc>
@@ -4744,15 +5575,15 @@
               </a:lnSpc>
             </a:pPr>
             <a:fld id="{1FC68FE4-B926-4D91-9BC4-4A58806FBB54}" type="slidenum">
-              <a:rPr b="0" lang="en-US" sz="1200" spc="-1" strike="noStrike">
+              <a:rPr lang="en-US" sz="1200" b="0" strike="noStrike" spc="-1">
                 <a:solidFill>
-                  <a:srgbClr val="8b8b8b"/>
+                  <a:srgbClr val="8B8B8B"/>
                 </a:solidFill>
                 <a:latin typeface="Calibri"/>
               </a:rPr>
-              <a:t>&lt;number&gt;</a:t>
+              <a:t>‹N°›</a:t>
             </a:fld>
-            <a:endParaRPr b="0" lang="en-US" sz="1200" spc="-1" strike="noStrike">
+            <a:endParaRPr lang="en-US" sz="1200" b="0" strike="noStrike" spc="-1">
               <a:latin typeface="Times New Roman"/>
             </a:endParaRPr>
           </a:p>
@@ -4760,26 +5591,306 @@
       </p:sp>
     </p:spTree>
   </p:cSld>
-  <p:clrMap bg1="lt1" bg2="lt2" tx1="dk1" tx2="dk2" accent1="accent1" accent2="accent2" accent3="accent3" accent4="accent4" accent5="accent5" accent6="accent6" hlink="hlink" folHlink="folHlink"/>
+  <p:clrMap bg1="lt1" tx1="dk1" bg2="lt2" tx2="dk2" accent1="accent1" accent2="accent2" accent3="accent3" accent4="accent4" accent5="accent5" accent6="accent6" hlink="hlink" folHlink="folHlink"/>
   <p:sldLayoutIdLst>
-    <p:sldLayoutId id="2147483662" r:id="rId2"/>
-    <p:sldLayoutId id="2147483663" r:id="rId3"/>
-    <p:sldLayoutId id="2147483664" r:id="rId4"/>
-    <p:sldLayoutId id="2147483665" r:id="rId5"/>
-    <p:sldLayoutId id="2147483666" r:id="rId6"/>
-    <p:sldLayoutId id="2147483667" r:id="rId7"/>
-    <p:sldLayoutId id="2147483668" r:id="rId8"/>
-    <p:sldLayoutId id="2147483669" r:id="rId9"/>
-    <p:sldLayoutId id="2147483670" r:id="rId10"/>
-    <p:sldLayoutId id="2147483671" r:id="rId11"/>
-    <p:sldLayoutId id="2147483672" r:id="rId12"/>
-    <p:sldLayoutId id="2147483673" r:id="rId13"/>
+    <p:sldLayoutId id="2147483662" r:id="rId1"/>
+    <p:sldLayoutId id="2147483663" r:id="rId2"/>
+    <p:sldLayoutId id="2147483664" r:id="rId3"/>
+    <p:sldLayoutId id="2147483665" r:id="rId4"/>
+    <p:sldLayoutId id="2147483666" r:id="rId5"/>
+    <p:sldLayoutId id="2147483667" r:id="rId6"/>
+    <p:sldLayoutId id="2147483668" r:id="rId7"/>
+    <p:sldLayoutId id="2147483669" r:id="rId8"/>
+    <p:sldLayoutId id="2147483670" r:id="rId9"/>
+    <p:sldLayoutId id="2147483671" r:id="rId10"/>
+    <p:sldLayoutId id="2147483672" r:id="rId11"/>
+    <p:sldLayoutId id="2147483673" r:id="rId12"/>
   </p:sldLayoutIdLst>
+  <p:txStyles>
+    <p:titleStyle>
+      <a:lvl1pPr algn="l" defTabSz="914400" rtl="0" eaLnBrk="1" latinLnBrk="0" hangingPunct="1">
+        <a:lnSpc>
+          <a:spcPct val="90000"/>
+        </a:lnSpc>
+        <a:spcBef>
+          <a:spcPct val="0"/>
+        </a:spcBef>
+        <a:buNone/>
+        <a:defRPr sz="4400" kern="1200">
+          <a:solidFill>
+            <a:schemeClr val="tx1"/>
+          </a:solidFill>
+          <a:latin typeface="+mj-lt"/>
+          <a:ea typeface="+mj-ea"/>
+          <a:cs typeface="+mj-cs"/>
+        </a:defRPr>
+      </a:lvl1pPr>
+    </p:titleStyle>
+    <p:bodyStyle>
+      <a:lvl1pPr marL="228600" indent="-228600" algn="l" defTabSz="914400" rtl="0" eaLnBrk="1" latinLnBrk="0" hangingPunct="1">
+        <a:lnSpc>
+          <a:spcPct val="90000"/>
+        </a:lnSpc>
+        <a:spcBef>
+          <a:spcPts val="1000"/>
+        </a:spcBef>
+        <a:buFont typeface="Arial" panose="020B0604020202020204" pitchFamily="34" charset="0"/>
+        <a:buChar char="•"/>
+        <a:defRPr sz="2800" kern="1200">
+          <a:solidFill>
+            <a:schemeClr val="tx1"/>
+          </a:solidFill>
+          <a:latin typeface="+mn-lt"/>
+          <a:ea typeface="+mn-ea"/>
+          <a:cs typeface="+mn-cs"/>
+        </a:defRPr>
+      </a:lvl1pPr>
+      <a:lvl2pPr marL="685800" indent="-228600" algn="l" defTabSz="914400" rtl="0" eaLnBrk="1" latinLnBrk="0" hangingPunct="1">
+        <a:lnSpc>
+          <a:spcPct val="90000"/>
+        </a:lnSpc>
+        <a:spcBef>
+          <a:spcPts val="500"/>
+        </a:spcBef>
+        <a:buFont typeface="Arial" panose="020B0604020202020204" pitchFamily="34" charset="0"/>
+        <a:buChar char="•"/>
+        <a:defRPr sz="2400" kern="1200">
+          <a:solidFill>
+            <a:schemeClr val="tx1"/>
+          </a:solidFill>
+          <a:latin typeface="+mn-lt"/>
+          <a:ea typeface="+mn-ea"/>
+          <a:cs typeface="+mn-cs"/>
+        </a:defRPr>
+      </a:lvl2pPr>
+      <a:lvl3pPr marL="1143000" indent="-228600" algn="l" defTabSz="914400" rtl="0" eaLnBrk="1" latinLnBrk="0" hangingPunct="1">
+        <a:lnSpc>
+          <a:spcPct val="90000"/>
+        </a:lnSpc>
+        <a:spcBef>
+          <a:spcPts val="500"/>
+        </a:spcBef>
+        <a:buFont typeface="Arial" panose="020B0604020202020204" pitchFamily="34" charset="0"/>
+        <a:buChar char="•"/>
+        <a:defRPr sz="2000" kern="1200">
+          <a:solidFill>
+            <a:schemeClr val="tx1"/>
+          </a:solidFill>
+          <a:latin typeface="+mn-lt"/>
+          <a:ea typeface="+mn-ea"/>
+          <a:cs typeface="+mn-cs"/>
+        </a:defRPr>
+      </a:lvl3pPr>
+      <a:lvl4pPr marL="1600200" indent="-228600" algn="l" defTabSz="914400" rtl="0" eaLnBrk="1" latinLnBrk="0" hangingPunct="1">
+        <a:lnSpc>
+          <a:spcPct val="90000"/>
+        </a:lnSpc>
+        <a:spcBef>
+          <a:spcPts val="500"/>
+        </a:spcBef>
+        <a:buFont typeface="Arial" panose="020B0604020202020204" pitchFamily="34" charset="0"/>
+        <a:buChar char="•"/>
+        <a:defRPr sz="1800" kern="1200">
+          <a:solidFill>
+            <a:schemeClr val="tx1"/>
+          </a:solidFill>
+          <a:latin typeface="+mn-lt"/>
+          <a:ea typeface="+mn-ea"/>
+          <a:cs typeface="+mn-cs"/>
+        </a:defRPr>
+      </a:lvl4pPr>
+      <a:lvl5pPr marL="2057400" indent="-228600" algn="l" defTabSz="914400" rtl="0" eaLnBrk="1" latinLnBrk="0" hangingPunct="1">
+        <a:lnSpc>
+          <a:spcPct val="90000"/>
+        </a:lnSpc>
+        <a:spcBef>
+          <a:spcPts val="500"/>
+        </a:spcBef>
+        <a:buFont typeface="Arial" panose="020B0604020202020204" pitchFamily="34" charset="0"/>
+        <a:buChar char="•"/>
+        <a:defRPr sz="1800" kern="1200">
+          <a:solidFill>
+            <a:schemeClr val="tx1"/>
+          </a:solidFill>
+          <a:latin typeface="+mn-lt"/>
+          <a:ea typeface="+mn-ea"/>
+          <a:cs typeface="+mn-cs"/>
+        </a:defRPr>
+      </a:lvl5pPr>
+      <a:lvl6pPr marL="2514600" indent="-228600" algn="l" defTabSz="914400" rtl="0" eaLnBrk="1" latinLnBrk="0" hangingPunct="1">
+        <a:lnSpc>
+          <a:spcPct val="90000"/>
+        </a:lnSpc>
+        <a:spcBef>
+          <a:spcPts val="500"/>
+        </a:spcBef>
+        <a:buFont typeface="Arial" panose="020B0604020202020204" pitchFamily="34" charset="0"/>
+        <a:buChar char="•"/>
+        <a:defRPr sz="1800" kern="1200">
+          <a:solidFill>
+            <a:schemeClr val="tx1"/>
+          </a:solidFill>
+          <a:latin typeface="+mn-lt"/>
+          <a:ea typeface="+mn-ea"/>
+          <a:cs typeface="+mn-cs"/>
+        </a:defRPr>
+      </a:lvl6pPr>
+      <a:lvl7pPr marL="2971800" indent="-228600" algn="l" defTabSz="914400" rtl="0" eaLnBrk="1" latinLnBrk="0" hangingPunct="1">
+        <a:lnSpc>
+          <a:spcPct val="90000"/>
+        </a:lnSpc>
+        <a:spcBef>
+          <a:spcPts val="500"/>
+        </a:spcBef>
+        <a:buFont typeface="Arial" panose="020B0604020202020204" pitchFamily="34" charset="0"/>
+        <a:buChar char="•"/>
+        <a:defRPr sz="1800" kern="1200">
+          <a:solidFill>
+            <a:schemeClr val="tx1"/>
+          </a:solidFill>
+          <a:latin typeface="+mn-lt"/>
+          <a:ea typeface="+mn-ea"/>
+          <a:cs typeface="+mn-cs"/>
+        </a:defRPr>
+      </a:lvl7pPr>
+      <a:lvl8pPr marL="3429000" indent="-228600" algn="l" defTabSz="914400" rtl="0" eaLnBrk="1" latinLnBrk="0" hangingPunct="1">
+        <a:lnSpc>
+          <a:spcPct val="90000"/>
+        </a:lnSpc>
+        <a:spcBef>
+          <a:spcPts val="500"/>
+        </a:spcBef>
+        <a:buFont typeface="Arial" panose="020B0604020202020204" pitchFamily="34" charset="0"/>
+        <a:buChar char="•"/>
+        <a:defRPr sz="1800" kern="1200">
+          <a:solidFill>
+            <a:schemeClr val="tx1"/>
+          </a:solidFill>
+          <a:latin typeface="+mn-lt"/>
+          <a:ea typeface="+mn-ea"/>
+          <a:cs typeface="+mn-cs"/>
+        </a:defRPr>
+      </a:lvl8pPr>
+      <a:lvl9pPr marL="3886200" indent="-228600" algn="l" defTabSz="914400" rtl="0" eaLnBrk="1" latinLnBrk="0" hangingPunct="1">
+        <a:lnSpc>
+          <a:spcPct val="90000"/>
+        </a:lnSpc>
+        <a:spcBef>
+          <a:spcPts val="500"/>
+        </a:spcBef>
+        <a:buFont typeface="Arial" panose="020B0604020202020204" pitchFamily="34" charset="0"/>
+        <a:buChar char="•"/>
+        <a:defRPr sz="1800" kern="1200">
+          <a:solidFill>
+            <a:schemeClr val="tx1"/>
+          </a:solidFill>
+          <a:latin typeface="+mn-lt"/>
+          <a:ea typeface="+mn-ea"/>
+          <a:cs typeface="+mn-cs"/>
+        </a:defRPr>
+      </a:lvl9pPr>
+    </p:bodyStyle>
+    <p:otherStyle>
+      <a:defPPr>
+        <a:defRPr lang="fr-FR"/>
+      </a:defPPr>
+      <a:lvl1pPr marL="0" algn="l" defTabSz="914400" rtl="0" eaLnBrk="1" latinLnBrk="0" hangingPunct="1">
+        <a:defRPr sz="1800" kern="1200">
+          <a:solidFill>
+            <a:schemeClr val="tx1"/>
+          </a:solidFill>
+          <a:latin typeface="+mn-lt"/>
+          <a:ea typeface="+mn-ea"/>
+          <a:cs typeface="+mn-cs"/>
+        </a:defRPr>
+      </a:lvl1pPr>
+      <a:lvl2pPr marL="457200" algn="l" defTabSz="914400" rtl="0" eaLnBrk="1" latinLnBrk="0" hangingPunct="1">
+        <a:defRPr sz="1800" kern="1200">
+          <a:solidFill>
+            <a:schemeClr val="tx1"/>
+          </a:solidFill>
+          <a:latin typeface="+mn-lt"/>
+          <a:ea typeface="+mn-ea"/>
+          <a:cs typeface="+mn-cs"/>
+        </a:defRPr>
+      </a:lvl2pPr>
+      <a:lvl3pPr marL="914400" algn="l" defTabSz="914400" rtl="0" eaLnBrk="1" latinLnBrk="0" hangingPunct="1">
+        <a:defRPr sz="1800" kern="1200">
+          <a:solidFill>
+            <a:schemeClr val="tx1"/>
+          </a:solidFill>
+          <a:latin typeface="+mn-lt"/>
+          <a:ea typeface="+mn-ea"/>
+          <a:cs typeface="+mn-cs"/>
+        </a:defRPr>
+      </a:lvl3pPr>
+      <a:lvl4pPr marL="1371600" algn="l" defTabSz="914400" rtl="0" eaLnBrk="1" latinLnBrk="0" hangingPunct="1">
+        <a:defRPr sz="1800" kern="1200">
+          <a:solidFill>
+            <a:schemeClr val="tx1"/>
+          </a:solidFill>
+          <a:latin typeface="+mn-lt"/>
+          <a:ea typeface="+mn-ea"/>
+          <a:cs typeface="+mn-cs"/>
+        </a:defRPr>
+      </a:lvl4pPr>
+      <a:lvl5pPr marL="1828800" algn="l" defTabSz="914400" rtl="0" eaLnBrk="1" latinLnBrk="0" hangingPunct="1">
+        <a:defRPr sz="1800" kern="1200">
+          <a:solidFill>
+            <a:schemeClr val="tx1"/>
+          </a:solidFill>
+          <a:latin typeface="+mn-lt"/>
+          <a:ea typeface="+mn-ea"/>
+          <a:cs typeface="+mn-cs"/>
+        </a:defRPr>
+      </a:lvl5pPr>
+      <a:lvl6pPr marL="2286000" algn="l" defTabSz="914400" rtl="0" eaLnBrk="1" latinLnBrk="0" hangingPunct="1">
+        <a:defRPr sz="1800" kern="1200">
+          <a:solidFill>
+            <a:schemeClr val="tx1"/>
+          </a:solidFill>
+          <a:latin typeface="+mn-lt"/>
+          <a:ea typeface="+mn-ea"/>
+          <a:cs typeface="+mn-cs"/>
+        </a:defRPr>
+      </a:lvl6pPr>
+      <a:lvl7pPr marL="2743200" algn="l" defTabSz="914400" rtl="0" eaLnBrk="1" latinLnBrk="0" hangingPunct="1">
+        <a:defRPr sz="1800" kern="1200">
+          <a:solidFill>
+            <a:schemeClr val="tx1"/>
+          </a:solidFill>
+          <a:latin typeface="+mn-lt"/>
+          <a:ea typeface="+mn-ea"/>
+          <a:cs typeface="+mn-cs"/>
+        </a:defRPr>
+      </a:lvl7pPr>
+      <a:lvl8pPr marL="3200400" algn="l" defTabSz="914400" rtl="0" eaLnBrk="1" latinLnBrk="0" hangingPunct="1">
+        <a:defRPr sz="1800" kern="1200">
+          <a:solidFill>
+            <a:schemeClr val="tx1"/>
+          </a:solidFill>
+          <a:latin typeface="+mn-lt"/>
+          <a:ea typeface="+mn-ea"/>
+          <a:cs typeface="+mn-cs"/>
+        </a:defRPr>
+      </a:lvl8pPr>
+      <a:lvl9pPr marL="3657600" algn="l" defTabSz="914400" rtl="0" eaLnBrk="1" latinLnBrk="0" hangingPunct="1">
+        <a:defRPr sz="1800" kern="1200">
+          <a:solidFill>
+            <a:schemeClr val="tx1"/>
+          </a:solidFill>
+          <a:latin typeface="+mn-lt"/>
+          <a:ea typeface="+mn-ea"/>
+          <a:cs typeface="+mn-cs"/>
+        </a:defRPr>
+      </a:lvl9pPr>
+    </p:otherStyle>
+  </p:txStyles>
 </p:sldMaster>
 </file>
 
 <file path=ppt/slides/slide1.xml><?xml version="1.0" encoding="utf-8"?>
-<p:sld xmlns:a="http://schemas.openxmlformats.org/drawingml/2006/main" xmlns:p="http://schemas.openxmlformats.org/presentationml/2006/main" xmlns:r="http://schemas.openxmlformats.org/officeDocument/2006/relationships" xmlns:p14="http://schemas.microsoft.com/office/powerpoint/2010/main" xmlns:p15="http://schemas.microsoft.com/office/powerpoint/2012/main" xmlns:mc="http://schemas.openxmlformats.org/markup-compatibility/2006">
+<p:sld xmlns:a="http://schemas.openxmlformats.org/drawingml/2006/main" xmlns:r="http://schemas.openxmlformats.org/officeDocument/2006/relationships" xmlns:p="http://schemas.openxmlformats.org/presentationml/2006/main">
   <p:cSld>
     <p:spTree>
       <p:nvGrpSpPr>
@@ -4816,6 +5927,7 @@
         </p:spPr>
         <p:txBody>
           <a:bodyPr anchor="b"/>
+          <a:lstStyle/>
           <a:p>
             <a:pPr algn="ctr">
               <a:lnSpc>
@@ -4823,7 +5935,7 @@
               </a:lnSpc>
             </a:pPr>
             <a:r>
-              <a:rPr b="0" lang="fr-FR" sz="6000" spc="-1" strike="noStrike">
+              <a:rPr lang="fr-FR" sz="6000" b="0" strike="noStrike" spc="-1">
                 <a:solidFill>
                   <a:srgbClr val="000000"/>
                 </a:solidFill>
@@ -4831,7 +5943,7 @@
               </a:rPr>
               <a:t>Object-Oriented Design Patterns</a:t>
             </a:r>
-            <a:endParaRPr b="0" lang="fr-FR" sz="6000" spc="-1" strike="noStrike">
+            <a:endParaRPr lang="fr-FR" sz="6000" b="0" strike="noStrike" spc="-1">
               <a:solidFill>
                 <a:srgbClr val="000000"/>
               </a:solidFill>
@@ -4842,6 +5954,9 @@
       </p:sp>
     </p:spTree>
   </p:cSld>
+  <p:clrMapOvr>
+    <a:masterClrMapping/>
+  </p:clrMapOvr>
   <p:timing>
     <p:tnLst>
       <p:par>
@@ -4850,14 +5965,14 @@
             <p:seq>
               <p:cTn id="2" dur="indefinite" nodeType="mainSeq"/>
               <p:prevCondLst>
-                <p:cond delay="0" evt="onPrev">
+                <p:cond evt="onPrev" delay="0">
                   <p:tgtEl>
                     <p:sldTgt/>
                   </p:tgtEl>
                 </p:cond>
               </p:prevCondLst>
               <p:nextCondLst>
-                <p:cond delay="0" evt="onNext">
+                <p:cond evt="onNext" delay="0">
                   <p:tgtEl>
                     <p:sldTgt/>
                   </p:tgtEl>
@@ -4873,13 +5988,14 @@
 </file>
 
 <file path=ppt/slides/slide10.xml><?xml version="1.0" encoding="utf-8"?>
-<p:sld xmlns:a="http://schemas.openxmlformats.org/drawingml/2006/main" xmlns:p="http://schemas.openxmlformats.org/presentationml/2006/main" xmlns:r="http://schemas.openxmlformats.org/officeDocument/2006/relationships" xmlns:p14="http://schemas.microsoft.com/office/powerpoint/2010/main" xmlns:p15="http://schemas.microsoft.com/office/powerpoint/2012/main" xmlns:mc="http://schemas.openxmlformats.org/markup-compatibility/2006">
+<p:sld xmlns:a="http://schemas.openxmlformats.org/drawingml/2006/main" xmlns:r="http://schemas.openxmlformats.org/officeDocument/2006/relationships" xmlns:p="http://schemas.openxmlformats.org/presentationml/2006/main">
   <p:cSld>
     <p:bg>
       <p:bgPr>
         <a:solidFill>
-          <a:srgbClr val="ffffff"/>
+          <a:srgbClr val="FFFFFF"/>
         </a:solidFill>
+        <a:effectLst/>
       </p:bgPr>
     </p:bg>
     <p:spTree>
@@ -4919,6 +6035,7 @@
           <a:bodyPr anchor="ctr">
             <a:normAutofit/>
           </a:bodyPr>
+          <a:lstStyle/>
           <a:p>
             <a:pPr>
               <a:lnSpc>
@@ -4926,15 +6043,15 @@
               </a:lnSpc>
             </a:pPr>
             <a:r>
-              <a:rPr b="0" lang="fr-FR" sz="4400" spc="-1" strike="noStrike">
+              <a:rPr lang="en-US" sz="4400" b="0" strike="noStrike" spc="-1" dirty="0">
                 <a:solidFill>
                   <a:srgbClr val="000000"/>
                 </a:solidFill>
                 <a:latin typeface="Calibri Light"/>
               </a:rPr>
-              <a:t>Factory Method - Takeaway</a:t>
+              <a:t>Creational Patterns - Contrast</a:t>
             </a:r>
-            <a:endParaRPr b="0" lang="fr-FR" sz="4400" spc="-1" strike="noStrike">
+            <a:endParaRPr lang="en-US" sz="4400" b="0" strike="noStrike" spc="-1" dirty="0">
               <a:solidFill>
                 <a:srgbClr val="000000"/>
               </a:solidFill>
@@ -4943,77 +6060,264 @@
           </a:p>
         </p:txBody>
       </p:sp>
-      <p:sp>
-        <p:nvSpPr>
-          <p:cNvPr id="103" name="TextShape 2"/>
-          <p:cNvSpPr txBox="1"/>
-          <p:nvPr/>
-        </p:nvSpPr>
-        <p:spPr>
-          <a:xfrm>
-            <a:off x="838080" y="1825560"/>
-            <a:ext cx="10515240" cy="4350960"/>
-          </a:xfrm>
-          <a:prstGeom prst="rect">
-            <a:avLst/>
-          </a:prstGeom>
-          <a:noFill/>
-          <a:ln>
-            <a:noFill/>
-          </a:ln>
-        </p:spPr>
-        <p:txBody>
-          <a:bodyPr lIns="0" rIns="0" tIns="0" bIns="0">
-            <a:normAutofit/>
-          </a:bodyPr>
-          <a:p>
-            <a:pPr marL="432000" indent="-324000">
-              <a:spcBef>
-                <a:spcPts val="1417"/>
-              </a:spcBef>
-              <a:buClr>
-                <a:srgbClr val="000000"/>
-              </a:buClr>
-              <a:buSzPct val="45000"/>
-              <a:buFont typeface="Wingdings" charset="2"/>
-              <a:buChar char=""/>
-            </a:pPr>
-            <a:r>
-              <a:rPr b="0" lang="fr-FR" sz="6000" spc="-1" strike="noStrike">
-                <a:solidFill>
-                  <a:srgbClr val="000000"/>
-                </a:solidFill>
-                <a:latin typeface="Calibri"/>
-              </a:rPr>
-              <a:t>Define an interface for creating an Object, and let subclasses decide which type (of this object) to instantiate. </a:t>
-            </a:r>
-            <a:endParaRPr b="0" lang="fr-FR" sz="6000" spc="-1" strike="noStrike">
-              <a:solidFill>
-                <a:srgbClr val="000000"/>
-              </a:solidFill>
-              <a:latin typeface="Calibri"/>
-            </a:endParaRPr>
-          </a:p>
-        </p:txBody>
-      </p:sp>
+      <p:graphicFrame>
+        <p:nvGraphicFramePr>
+          <p:cNvPr id="2" name="Tableau 2">
+            <a:extLst>
+              <a:ext uri="{FF2B5EF4-FFF2-40B4-BE49-F238E27FC236}">
+                <a16:creationId xmlns:a16="http://schemas.microsoft.com/office/drawing/2014/main" id="{BDFC963A-23C9-4FD9-8387-D256984F8DF0}"/>
+              </a:ext>
+            </a:extLst>
+          </p:cNvPr>
+          <p:cNvGraphicFramePr>
+            <a:graphicFrameLocks noGrp="1"/>
+          </p:cNvGraphicFramePr>
+          <p:nvPr>
+            <p:extLst>
+              <p:ext uri="{D42A27DB-BD31-4B8C-83A1-F6EECF244321}">
+                <p14:modId xmlns:p14="http://schemas.microsoft.com/office/powerpoint/2010/main" val="1222953665"/>
+              </p:ext>
+            </p:extLst>
+          </p:nvPr>
+        </p:nvGraphicFramePr>
+        <p:xfrm>
+          <a:off x="548640" y="2258906"/>
+          <a:ext cx="10980420" cy="2392680"/>
+        </p:xfrm>
+        <a:graphic>
+          <a:graphicData uri="http://schemas.openxmlformats.org/drawingml/2006/table">
+            <a:tbl>
+              <a:tblPr firstRow="1" bandRow="1">
+                <a:tableStyleId>{073A0DAA-6AF3-43AB-8588-CEC1D06C72B9}</a:tableStyleId>
+              </a:tblPr>
+              <a:tblGrid>
+                <a:gridCol w="5478780">
+                  <a:extLst>
+                    <a:ext uri="{9D8B030D-6E8A-4147-A177-3AD203B41FA5}">
+                      <a16:colId xmlns:a16="http://schemas.microsoft.com/office/drawing/2014/main" val="1646025201"/>
+                    </a:ext>
+                  </a:extLst>
+                </a:gridCol>
+                <a:gridCol w="5501640">
+                  <a:extLst>
+                    <a:ext uri="{9D8B030D-6E8A-4147-A177-3AD203B41FA5}">
+                      <a16:colId xmlns:a16="http://schemas.microsoft.com/office/drawing/2014/main" val="49402456"/>
+                    </a:ext>
+                  </a:extLst>
+                </a:gridCol>
+              </a:tblGrid>
+              <a:tr h="370840">
+                <a:tc>
+                  <a:txBody>
+                    <a:bodyPr/>
+                    <a:lstStyle/>
+                    <a:p>
+                      <a:r>
+                        <a:rPr lang="en-US" sz="3600" dirty="0"/>
+                        <a:t>Abstract Factory</a:t>
+                      </a:r>
+                    </a:p>
+                  </a:txBody>
+                  <a:tcPr/>
+                </a:tc>
+                <a:tc>
+                  <a:txBody>
+                    <a:bodyPr/>
+                    <a:lstStyle/>
+                    <a:p>
+                      <a:r>
+                        <a:rPr lang="en-US" sz="3600" dirty="0"/>
+                        <a:t>Factory Method</a:t>
+                      </a:r>
+                    </a:p>
+                  </a:txBody>
+                  <a:tcPr/>
+                </a:tc>
+                <a:extLst>
+                  <a:ext uri="{0D108BD9-81ED-4DB2-BD59-A6C34878D82A}">
+                    <a16:rowId xmlns:a16="http://schemas.microsoft.com/office/drawing/2014/main" val="4123787528"/>
+                  </a:ext>
+                </a:extLst>
+              </a:tr>
+              <a:tr h="370840">
+                <a:tc>
+                  <a:txBody>
+                    <a:bodyPr/>
+                    <a:lstStyle/>
+                    <a:p>
+                      <a:r>
+                        <a:rPr lang="en-US" b="1" dirty="0"/>
+                        <a:t>Creation of family is consistent</a:t>
+                      </a:r>
+                    </a:p>
+                  </a:txBody>
+                  <a:tcPr/>
+                </a:tc>
+                <a:tc>
+                  <a:txBody>
+                    <a:bodyPr/>
+                    <a:lstStyle/>
+                    <a:p>
+                      <a:r>
+                        <a:rPr lang="en-US" b="1" dirty="0"/>
+                        <a:t>Defer object  creation to user-defined subclass</a:t>
+                      </a:r>
+                    </a:p>
+                  </a:txBody>
+                  <a:tcPr/>
+                </a:tc>
+                <a:extLst>
+                  <a:ext uri="{0D108BD9-81ED-4DB2-BD59-A6C34878D82A}">
+                    <a16:rowId xmlns:a16="http://schemas.microsoft.com/office/drawing/2014/main" val="1193509111"/>
+                  </a:ext>
+                </a:extLst>
+              </a:tr>
+              <a:tr h="370840">
+                <a:tc>
+                  <a:txBody>
+                    <a:bodyPr/>
+                    <a:lstStyle/>
+                    <a:p>
+                      <a:pPr marL="0" marR="0" lvl="0" indent="0" algn="l" defTabSz="914400" rtl="0" eaLnBrk="1" fontAlgn="auto" latinLnBrk="0" hangingPunct="1">
+                        <a:lnSpc>
+                          <a:spcPct val="100000"/>
+                        </a:lnSpc>
+                        <a:spcBef>
+                          <a:spcPts val="0"/>
+                        </a:spcBef>
+                        <a:spcAft>
+                          <a:spcPts val="0"/>
+                        </a:spcAft>
+                        <a:buClrTx/>
+                        <a:buSzTx/>
+                        <a:buFontTx/>
+                        <a:buNone/>
+                        <a:tabLst/>
+                        <a:defRPr/>
+                      </a:pPr>
+                      <a:r>
+                        <a:rPr lang="en-US" b="1" dirty="0"/>
+                        <a:t>Object families are known in advance</a:t>
+                      </a:r>
+                    </a:p>
+                  </a:txBody>
+                  <a:tcPr/>
+                </a:tc>
+                <a:tc>
+                  <a:txBody>
+                    <a:bodyPr/>
+                    <a:lstStyle/>
+                    <a:p>
+                      <a:r>
+                        <a:rPr lang="en-US" b="1" dirty="0"/>
+                        <a:t>We don’t know yet the concrete class to instantiate</a:t>
+                      </a:r>
+                    </a:p>
+                  </a:txBody>
+                  <a:tcPr/>
+                </a:tc>
+                <a:extLst>
+                  <a:ext uri="{0D108BD9-81ED-4DB2-BD59-A6C34878D82A}">
+                    <a16:rowId xmlns:a16="http://schemas.microsoft.com/office/drawing/2014/main" val="1950086261"/>
+                  </a:ext>
+                </a:extLst>
+              </a:tr>
+              <a:tr h="370840">
+                <a:tc>
+                  <a:txBody>
+                    <a:bodyPr/>
+                    <a:lstStyle/>
+                    <a:p>
+                      <a:r>
+                        <a:rPr lang="en-US" b="1" dirty="0"/>
+                        <a:t>UC: GUI Kits</a:t>
+                      </a:r>
+                    </a:p>
+                  </a:txBody>
+                  <a:tcPr/>
+                </a:tc>
+                <a:tc>
+                  <a:txBody>
+                    <a:bodyPr/>
+                    <a:lstStyle/>
+                    <a:p>
+                      <a:r>
+                        <a:rPr lang="en-US" b="1" dirty="0"/>
+                        <a:t>UC: Extendable frameworks</a:t>
+                      </a:r>
+                    </a:p>
+                  </a:txBody>
+                  <a:tcPr/>
+                </a:tc>
+                <a:extLst>
+                  <a:ext uri="{0D108BD9-81ED-4DB2-BD59-A6C34878D82A}">
+                    <a16:rowId xmlns:a16="http://schemas.microsoft.com/office/drawing/2014/main" val="3385994179"/>
+                  </a:ext>
+                </a:extLst>
+              </a:tr>
+              <a:tr h="370840">
+                <a:tc>
+                  <a:txBody>
+                    <a:bodyPr/>
+                    <a:lstStyle/>
+                    <a:p>
+                      <a:r>
+                        <a:rPr lang="en-US" b="1" dirty="0"/>
+                        <a:t>Complexity increases when adding new families</a:t>
+                      </a:r>
+                    </a:p>
+                  </a:txBody>
+                  <a:tcPr/>
+                </a:tc>
+                <a:tc>
+                  <a:txBody>
+                    <a:bodyPr/>
+                    <a:lstStyle/>
+                    <a:p>
+                      <a:r>
+                        <a:rPr lang="en-US" b="1" dirty="0"/>
+                        <a:t>Parallel Hierarchy</a:t>
+                      </a:r>
+                    </a:p>
+                  </a:txBody>
+                  <a:tcPr/>
+                </a:tc>
+                <a:extLst>
+                  <a:ext uri="{0D108BD9-81ED-4DB2-BD59-A6C34878D82A}">
+                    <a16:rowId xmlns:a16="http://schemas.microsoft.com/office/drawing/2014/main" val="1098897605"/>
+                  </a:ext>
+                </a:extLst>
+              </a:tr>
+            </a:tbl>
+          </a:graphicData>
+        </a:graphic>
+      </p:graphicFrame>
     </p:spTree>
+    <p:extLst>
+      <p:ext uri="{BB962C8B-B14F-4D97-AF65-F5344CB8AC3E}">
+        <p14:creationId xmlns:p14="http://schemas.microsoft.com/office/powerpoint/2010/main" val="1570801396"/>
+      </p:ext>
+    </p:extLst>
   </p:cSld>
+  <p:clrMapOvr>
+    <a:masterClrMapping/>
+  </p:clrMapOvr>
   <p:timing>
     <p:tnLst>
       <p:par>
-        <p:cTn id="19" dur="indefinite" restart="never" nodeType="tmRoot">
+        <p:cTn id="1" dur="indefinite" restart="never" nodeType="tmRoot">
           <p:childTnLst>
             <p:seq>
-              <p:cTn id="20" dur="indefinite" nodeType="mainSeq"/>
+              <p:cTn id="2" dur="indefinite" nodeType="mainSeq"/>
               <p:prevCondLst>
-                <p:cond delay="0" evt="onPrev">
+                <p:cond evt="onPrev" delay="0">
                   <p:tgtEl>
                     <p:sldTgt/>
                   </p:tgtEl>
                 </p:cond>
               </p:prevCondLst>
               <p:nextCondLst>
-                <p:cond delay="0" evt="onNext">
+                <p:cond evt="onNext" delay="0">
                   <p:tgtEl>
                     <p:sldTgt/>
                   </p:tgtEl>
@@ -5029,7 +6333,7 @@
 </file>
 
 <file path=ppt/slides/slide11.xml><?xml version="1.0" encoding="utf-8"?>
-<p:sld xmlns:a="http://schemas.openxmlformats.org/drawingml/2006/main" xmlns:p="http://schemas.openxmlformats.org/presentationml/2006/main" xmlns:r="http://schemas.openxmlformats.org/officeDocument/2006/relationships" xmlns:p14="http://schemas.microsoft.com/office/powerpoint/2010/main" xmlns:p15="http://schemas.microsoft.com/office/powerpoint/2012/main" xmlns:mc="http://schemas.openxmlformats.org/markup-compatibility/2006">
+<p:sld xmlns:a="http://schemas.openxmlformats.org/drawingml/2006/main" xmlns:r="http://schemas.openxmlformats.org/officeDocument/2006/relationships" xmlns:p="http://schemas.openxmlformats.org/presentationml/2006/main">
   <p:cSld>
     <p:spTree>
       <p:nvGrpSpPr>
@@ -5066,6 +6370,7 @@
         </p:spPr>
         <p:txBody>
           <a:bodyPr anchor="ctr"/>
+          <a:lstStyle/>
           <a:p>
             <a:pPr>
               <a:lnSpc>
@@ -5073,7 +6378,7 @@
               </a:lnSpc>
             </a:pPr>
             <a:r>
-              <a:rPr b="0" lang="fr-FR" sz="4400" spc="-1" strike="noStrike">
+              <a:rPr lang="en-US" sz="4400" b="0" strike="noStrike" spc="-1">
                 <a:solidFill>
                   <a:srgbClr val="000000"/>
                 </a:solidFill>
@@ -5081,7 +6386,7 @@
               </a:rPr>
               <a:t>Structural Patterns</a:t>
             </a:r>
-            <a:endParaRPr b="0" lang="fr-FR" sz="4400" spc="-1" strike="noStrike">
+            <a:endParaRPr lang="en-US" sz="4400" b="0" strike="noStrike" spc="-1">
               <a:solidFill>
                 <a:srgbClr val="000000"/>
               </a:solidFill>
@@ -5111,6 +6416,7 @@
         </p:spPr>
         <p:txBody>
           <a:bodyPr/>
+          <a:lstStyle/>
           <a:p>
             <a:pPr marL="228600" indent="-228240">
               <a:lnSpc>
@@ -5126,7 +6432,7 @@
               <a:buChar char="•"/>
             </a:pPr>
             <a:r>
-              <a:rPr b="0" lang="fr-FR" sz="2800" spc="-1" strike="noStrike">
+              <a:rPr lang="en-US" sz="2800" b="0" strike="noStrike" spc="-1">
                 <a:solidFill>
                   <a:srgbClr val="000000"/>
                 </a:solidFill>
@@ -5134,12 +6440,6 @@
               </a:rPr>
               <a:t>Composite</a:t>
             </a:r>
-            <a:endParaRPr b="0" lang="fr-FR" sz="2800" spc="-1" strike="noStrike">
-              <a:solidFill>
-                <a:srgbClr val="000000"/>
-              </a:solidFill>
-              <a:latin typeface="Calibri"/>
-            </a:endParaRPr>
           </a:p>
           <a:p>
             <a:pPr marL="228600" indent="-228240">
@@ -5156,7 +6456,7 @@
               <a:buChar char="•"/>
             </a:pPr>
             <a:r>
-              <a:rPr b="0" lang="fr-FR" sz="2800" spc="-1" strike="noStrike">
+              <a:rPr lang="en-US" sz="2800" b="0" strike="noStrike" spc="-1">
                 <a:solidFill>
                   <a:srgbClr val="000000"/>
                 </a:solidFill>
@@ -5164,12 +6464,6 @@
               </a:rPr>
               <a:t>Decorator</a:t>
             </a:r>
-            <a:endParaRPr b="0" lang="fr-FR" sz="2800" spc="-1" strike="noStrike">
-              <a:solidFill>
-                <a:srgbClr val="000000"/>
-              </a:solidFill>
-              <a:latin typeface="Calibri"/>
-            </a:endParaRPr>
           </a:p>
           <a:p>
             <a:pPr marL="228600" indent="-228240">
@@ -5186,7 +6480,7 @@
               <a:buChar char="•"/>
             </a:pPr>
             <a:r>
-              <a:rPr b="0" lang="fr-FR" sz="2800" spc="-1" strike="noStrike">
+              <a:rPr lang="en-US" sz="2800" b="0" strike="noStrike" spc="-1">
                 <a:solidFill>
                   <a:srgbClr val="000000"/>
                 </a:solidFill>
@@ -5194,33 +6488,30 @@
               </a:rPr>
               <a:t>Adapter</a:t>
             </a:r>
-            <a:endParaRPr b="0" lang="fr-FR" sz="2800" spc="-1" strike="noStrike">
-              <a:solidFill>
-                <a:srgbClr val="000000"/>
-              </a:solidFill>
-              <a:latin typeface="Calibri"/>
-            </a:endParaRPr>
           </a:p>
         </p:txBody>
       </p:sp>
     </p:spTree>
   </p:cSld>
+  <p:clrMapOvr>
+    <a:masterClrMapping/>
+  </p:clrMapOvr>
   <p:timing>
     <p:tnLst>
       <p:par>
-        <p:cTn id="21" dur="indefinite" restart="never" nodeType="tmRoot">
+        <p:cTn id="1" dur="indefinite" restart="never" nodeType="tmRoot">
           <p:childTnLst>
             <p:seq>
-              <p:cTn id="22" dur="indefinite" nodeType="mainSeq"/>
+              <p:cTn id="2" dur="indefinite" nodeType="mainSeq"/>
               <p:prevCondLst>
-                <p:cond delay="0" evt="onPrev">
+                <p:cond evt="onPrev" delay="0">
                   <p:tgtEl>
                     <p:sldTgt/>
                   </p:tgtEl>
                 </p:cond>
               </p:prevCondLst>
               <p:nextCondLst>
-                <p:cond delay="0" evt="onNext">
+                <p:cond evt="onNext" delay="0">
                   <p:tgtEl>
                     <p:sldTgt/>
                   </p:tgtEl>
@@ -5236,7 +6527,7 @@
 </file>
 
 <file path=ppt/slides/slide12.xml><?xml version="1.0" encoding="utf-8"?>
-<p:sld xmlns:a="http://schemas.openxmlformats.org/drawingml/2006/main" xmlns:p="http://schemas.openxmlformats.org/presentationml/2006/main" xmlns:r="http://schemas.openxmlformats.org/officeDocument/2006/relationships" xmlns:p14="http://schemas.microsoft.com/office/powerpoint/2010/main" xmlns:p15="http://schemas.microsoft.com/office/powerpoint/2012/main" xmlns:mc="http://schemas.openxmlformats.org/markup-compatibility/2006">
+<p:sld xmlns:a="http://schemas.openxmlformats.org/drawingml/2006/main" xmlns:r="http://schemas.openxmlformats.org/officeDocument/2006/relationships" xmlns:p="http://schemas.openxmlformats.org/presentationml/2006/main">
   <p:cSld>
     <p:spTree>
       <p:nvGrpSpPr>
@@ -5254,7 +6545,7 @@
       </p:grpSpPr>
       <p:sp>
         <p:nvSpPr>
-          <p:cNvPr id="106" name="TextShape 1"/>
+          <p:cNvPr id="104" name="TextShape 1"/>
           <p:cNvSpPr txBox="1"/>
           <p:nvPr/>
         </p:nvSpPr>
@@ -5273,6 +6564,7 @@
         </p:spPr>
         <p:txBody>
           <a:bodyPr anchor="ctr"/>
+          <a:lstStyle/>
           <a:p>
             <a:pPr>
               <a:lnSpc>
@@ -5280,7 +6572,705 @@
               </a:lnSpc>
             </a:pPr>
             <a:r>
-              <a:rPr b="0" lang="fr-FR" sz="4400" spc="-1" strike="noStrike">
+              <a:rPr lang="en-US" sz="4400" b="0" strike="noStrike" spc="-1" dirty="0">
+                <a:solidFill>
+                  <a:srgbClr val="000000"/>
+                </a:solidFill>
+                <a:latin typeface="Calibri Light"/>
+              </a:rPr>
+              <a:t>Adapter - Problem</a:t>
+            </a:r>
+            <a:endParaRPr lang="en-US" sz="4400" b="0" strike="noStrike" spc="-1" dirty="0">
+              <a:solidFill>
+                <a:srgbClr val="000000"/>
+              </a:solidFill>
+              <a:latin typeface="Calibri"/>
+            </a:endParaRPr>
+          </a:p>
+        </p:txBody>
+      </p:sp>
+    </p:spTree>
+    <p:extLst>
+      <p:ext uri="{BB962C8B-B14F-4D97-AF65-F5344CB8AC3E}">
+        <p14:creationId xmlns:p14="http://schemas.microsoft.com/office/powerpoint/2010/main" val="2279418006"/>
+      </p:ext>
+    </p:extLst>
+  </p:cSld>
+  <p:clrMapOvr>
+    <a:masterClrMapping/>
+  </p:clrMapOvr>
+  <p:timing>
+    <p:tnLst>
+      <p:par>
+        <p:cTn id="1" dur="indefinite" restart="never" nodeType="tmRoot">
+          <p:childTnLst>
+            <p:seq>
+              <p:cTn id="2" dur="indefinite" nodeType="mainSeq"/>
+              <p:prevCondLst>
+                <p:cond evt="onPrev" delay="0">
+                  <p:tgtEl>
+                    <p:sldTgt/>
+                  </p:tgtEl>
+                </p:cond>
+              </p:prevCondLst>
+              <p:nextCondLst>
+                <p:cond evt="onNext" delay="0">
+                  <p:tgtEl>
+                    <p:sldTgt/>
+                  </p:tgtEl>
+                </p:cond>
+              </p:nextCondLst>
+            </p:seq>
+          </p:childTnLst>
+        </p:cTn>
+      </p:par>
+    </p:tnLst>
+  </p:timing>
+</p:sld>
+</file>
+
+<file path=ppt/slides/slide13.xml><?xml version="1.0" encoding="utf-8"?>
+<p:sld xmlns:a="http://schemas.openxmlformats.org/drawingml/2006/main" xmlns:r="http://schemas.openxmlformats.org/officeDocument/2006/relationships" xmlns:p="http://schemas.openxmlformats.org/presentationml/2006/main">
+  <p:cSld>
+    <p:spTree>
+      <p:nvGrpSpPr>
+        <p:cNvPr id="1" name=""/>
+        <p:cNvGrpSpPr/>
+        <p:nvPr/>
+      </p:nvGrpSpPr>
+      <p:grpSpPr>
+        <a:xfrm>
+          <a:off x="0" y="0"/>
+          <a:ext cx="0" cy="0"/>
+          <a:chOff x="0" y="0"/>
+          <a:chExt cx="0" cy="0"/>
+        </a:xfrm>
+      </p:grpSpPr>
+      <p:sp>
+        <p:nvSpPr>
+          <p:cNvPr id="104" name="TextShape 1"/>
+          <p:cNvSpPr txBox="1"/>
+          <p:nvPr/>
+        </p:nvSpPr>
+        <p:spPr>
+          <a:xfrm>
+            <a:off x="838080" y="365040"/>
+            <a:ext cx="10515240" cy="1325160"/>
+          </a:xfrm>
+          <a:prstGeom prst="rect">
+            <a:avLst/>
+          </a:prstGeom>
+          <a:noFill/>
+          <a:ln>
+            <a:noFill/>
+          </a:ln>
+        </p:spPr>
+        <p:txBody>
+          <a:bodyPr anchor="ctr"/>
+          <a:lstStyle/>
+          <a:p>
+            <a:pPr>
+              <a:lnSpc>
+                <a:spcPct val="90000"/>
+              </a:lnSpc>
+            </a:pPr>
+            <a:r>
+              <a:rPr lang="en-US" sz="4400" b="0" strike="noStrike" spc="-1" dirty="0">
+                <a:solidFill>
+                  <a:srgbClr val="000000"/>
+                </a:solidFill>
+                <a:latin typeface="Calibri Light"/>
+              </a:rPr>
+              <a:t>Adapter - Solution</a:t>
+            </a:r>
+            <a:endParaRPr lang="en-US" sz="4400" b="0" strike="noStrike" spc="-1" dirty="0">
+              <a:solidFill>
+                <a:srgbClr val="000000"/>
+              </a:solidFill>
+              <a:latin typeface="Calibri"/>
+            </a:endParaRPr>
+          </a:p>
+        </p:txBody>
+      </p:sp>
+    </p:spTree>
+    <p:extLst>
+      <p:ext uri="{BB962C8B-B14F-4D97-AF65-F5344CB8AC3E}">
+        <p14:creationId xmlns:p14="http://schemas.microsoft.com/office/powerpoint/2010/main" val="3009270117"/>
+      </p:ext>
+    </p:extLst>
+  </p:cSld>
+  <p:clrMapOvr>
+    <a:masterClrMapping/>
+  </p:clrMapOvr>
+  <p:timing>
+    <p:tnLst>
+      <p:par>
+        <p:cTn id="1" dur="indefinite" restart="never" nodeType="tmRoot">
+          <p:childTnLst>
+            <p:seq>
+              <p:cTn id="2" dur="indefinite" nodeType="mainSeq"/>
+              <p:prevCondLst>
+                <p:cond evt="onPrev" delay="0">
+                  <p:tgtEl>
+                    <p:sldTgt/>
+                  </p:tgtEl>
+                </p:cond>
+              </p:prevCondLst>
+              <p:nextCondLst>
+                <p:cond evt="onNext" delay="0">
+                  <p:tgtEl>
+                    <p:sldTgt/>
+                  </p:tgtEl>
+                </p:cond>
+              </p:nextCondLst>
+            </p:seq>
+          </p:childTnLst>
+        </p:cTn>
+      </p:par>
+    </p:tnLst>
+  </p:timing>
+</p:sld>
+</file>
+
+<file path=ppt/slides/slide14.xml><?xml version="1.0" encoding="utf-8"?>
+<p:sld xmlns:a="http://schemas.openxmlformats.org/drawingml/2006/main" xmlns:r="http://schemas.openxmlformats.org/officeDocument/2006/relationships" xmlns:p="http://schemas.openxmlformats.org/presentationml/2006/main">
+  <p:cSld>
+    <p:spTree>
+      <p:nvGrpSpPr>
+        <p:cNvPr id="1" name=""/>
+        <p:cNvGrpSpPr/>
+        <p:nvPr/>
+      </p:nvGrpSpPr>
+      <p:grpSpPr>
+        <a:xfrm>
+          <a:off x="0" y="0"/>
+          <a:ext cx="0" cy="0"/>
+          <a:chOff x="0" y="0"/>
+          <a:chExt cx="0" cy="0"/>
+        </a:xfrm>
+      </p:grpSpPr>
+      <p:sp>
+        <p:nvSpPr>
+          <p:cNvPr id="102" name="TextShape 1"/>
+          <p:cNvSpPr txBox="1"/>
+          <p:nvPr/>
+        </p:nvSpPr>
+        <p:spPr>
+          <a:xfrm>
+            <a:off x="838080" y="365040"/>
+            <a:ext cx="10515240" cy="1325160"/>
+          </a:xfrm>
+          <a:prstGeom prst="rect">
+            <a:avLst/>
+          </a:prstGeom>
+          <a:noFill/>
+          <a:ln>
+            <a:noFill/>
+          </a:ln>
+        </p:spPr>
+        <p:txBody>
+          <a:bodyPr anchor="ctr">
+            <a:normAutofit/>
+          </a:bodyPr>
+          <a:lstStyle/>
+          <a:p>
+            <a:pPr>
+              <a:lnSpc>
+                <a:spcPct val="90000"/>
+              </a:lnSpc>
+            </a:pPr>
+            <a:r>
+              <a:rPr lang="en-US" sz="4400" spc="-1" dirty="0">
+                <a:solidFill>
+                  <a:srgbClr val="000000"/>
+                </a:solidFill>
+                <a:latin typeface="Calibri Light"/>
+              </a:rPr>
+              <a:t>Adapter</a:t>
+            </a:r>
+            <a:r>
+              <a:rPr lang="en-US" sz="4400" b="0" strike="noStrike" spc="-1" dirty="0">
+                <a:solidFill>
+                  <a:srgbClr val="000000"/>
+                </a:solidFill>
+                <a:latin typeface="Calibri Light"/>
+              </a:rPr>
+              <a:t> - Takeaway</a:t>
+            </a:r>
+            <a:endParaRPr lang="en-US" sz="4400" b="0" strike="noStrike" spc="-1" dirty="0">
+              <a:solidFill>
+                <a:srgbClr val="000000"/>
+              </a:solidFill>
+              <a:latin typeface="Calibri"/>
+            </a:endParaRPr>
+          </a:p>
+        </p:txBody>
+      </p:sp>
+      <p:sp>
+        <p:nvSpPr>
+          <p:cNvPr id="103" name="TextShape 2"/>
+          <p:cNvSpPr txBox="1"/>
+          <p:nvPr/>
+        </p:nvSpPr>
+        <p:spPr>
+          <a:xfrm>
+            <a:off x="838080" y="1825560"/>
+            <a:ext cx="10515240" cy="4350960"/>
+          </a:xfrm>
+          <a:prstGeom prst="rect">
+            <a:avLst/>
+          </a:prstGeom>
+          <a:noFill/>
+          <a:ln>
+            <a:noFill/>
+          </a:ln>
+        </p:spPr>
+        <p:txBody>
+          <a:bodyPr lIns="0" tIns="0" rIns="0" bIns="0">
+            <a:normAutofit/>
+          </a:bodyPr>
+          <a:lstStyle/>
+          <a:p>
+            <a:pPr marL="432000" indent="-324000">
+              <a:spcBef>
+                <a:spcPts val="1417"/>
+              </a:spcBef>
+              <a:buClr>
+                <a:srgbClr val="000000"/>
+              </a:buClr>
+              <a:buSzPct val="45000"/>
+              <a:buFont typeface="Wingdings" charset="2"/>
+              <a:buChar char=""/>
+            </a:pPr>
+            <a:r>
+              <a:rPr lang="en-US" sz="6000" b="0" strike="noStrike" spc="-1" dirty="0">
+                <a:solidFill>
+                  <a:srgbClr val="000000"/>
+                </a:solidFill>
+                <a:latin typeface="Calibri"/>
+              </a:rPr>
+              <a:t>Allow two incompatible classes to work together, by converting one’s interface to the other’s interface,</a:t>
+            </a:r>
+          </a:p>
+        </p:txBody>
+      </p:sp>
+    </p:spTree>
+    <p:extLst>
+      <p:ext uri="{BB962C8B-B14F-4D97-AF65-F5344CB8AC3E}">
+        <p14:creationId xmlns:p14="http://schemas.microsoft.com/office/powerpoint/2010/main" val="2261578038"/>
+      </p:ext>
+    </p:extLst>
+  </p:cSld>
+  <p:clrMapOvr>
+    <a:masterClrMapping/>
+  </p:clrMapOvr>
+  <p:timing>
+    <p:tnLst>
+      <p:par>
+        <p:cTn id="1" dur="indefinite" restart="never" nodeType="tmRoot">
+          <p:childTnLst>
+            <p:seq>
+              <p:cTn id="2" dur="indefinite" nodeType="mainSeq"/>
+              <p:prevCondLst>
+                <p:cond evt="onPrev" delay="0">
+                  <p:tgtEl>
+                    <p:sldTgt/>
+                  </p:tgtEl>
+                </p:cond>
+              </p:prevCondLst>
+              <p:nextCondLst>
+                <p:cond evt="onNext" delay="0">
+                  <p:tgtEl>
+                    <p:sldTgt/>
+                  </p:tgtEl>
+                </p:cond>
+              </p:nextCondLst>
+            </p:seq>
+          </p:childTnLst>
+        </p:cTn>
+      </p:par>
+    </p:tnLst>
+  </p:timing>
+</p:sld>
+</file>
+
+<file path=ppt/slides/slide15.xml><?xml version="1.0" encoding="utf-8"?>
+<p:sld xmlns:a="http://schemas.openxmlformats.org/drawingml/2006/main" xmlns:r="http://schemas.openxmlformats.org/officeDocument/2006/relationships" xmlns:p="http://schemas.openxmlformats.org/presentationml/2006/main">
+  <p:cSld>
+    <p:spTree>
+      <p:nvGrpSpPr>
+        <p:cNvPr id="1" name=""/>
+        <p:cNvGrpSpPr/>
+        <p:nvPr/>
+      </p:nvGrpSpPr>
+      <p:grpSpPr>
+        <a:xfrm>
+          <a:off x="0" y="0"/>
+          <a:ext cx="0" cy="0"/>
+          <a:chOff x="0" y="0"/>
+          <a:chExt cx="0" cy="0"/>
+        </a:xfrm>
+      </p:grpSpPr>
+      <p:sp>
+        <p:nvSpPr>
+          <p:cNvPr id="102" name="TextShape 1"/>
+          <p:cNvSpPr txBox="1"/>
+          <p:nvPr/>
+        </p:nvSpPr>
+        <p:spPr>
+          <a:xfrm>
+            <a:off x="838080" y="365040"/>
+            <a:ext cx="10515240" cy="1325160"/>
+          </a:xfrm>
+          <a:prstGeom prst="rect">
+            <a:avLst/>
+          </a:prstGeom>
+          <a:noFill/>
+          <a:ln>
+            <a:noFill/>
+          </a:ln>
+        </p:spPr>
+        <p:txBody>
+          <a:bodyPr anchor="ctr">
+            <a:normAutofit/>
+          </a:bodyPr>
+          <a:lstStyle/>
+          <a:p>
+            <a:pPr>
+              <a:lnSpc>
+                <a:spcPct val="90000"/>
+              </a:lnSpc>
+            </a:pPr>
+            <a:r>
+              <a:rPr lang="en-US" sz="4400" b="0" strike="noStrike" spc="-1" dirty="0">
+                <a:solidFill>
+                  <a:srgbClr val="000000"/>
+                </a:solidFill>
+                <a:latin typeface="Calibri Light"/>
+              </a:rPr>
+              <a:t>Structural Patterns - Contrast</a:t>
+            </a:r>
+            <a:endParaRPr lang="en-US" sz="4400" b="0" strike="noStrike" spc="-1" dirty="0">
+              <a:solidFill>
+                <a:srgbClr val="000000"/>
+              </a:solidFill>
+              <a:latin typeface="Calibri"/>
+            </a:endParaRPr>
+          </a:p>
+        </p:txBody>
+      </p:sp>
+      <p:graphicFrame>
+        <p:nvGraphicFramePr>
+          <p:cNvPr id="2" name="Tableau 2">
+            <a:extLst>
+              <a:ext uri="{FF2B5EF4-FFF2-40B4-BE49-F238E27FC236}">
+                <a16:creationId xmlns:a16="http://schemas.microsoft.com/office/drawing/2014/main" id="{BDFC963A-23C9-4FD9-8387-D256984F8DF0}"/>
+              </a:ext>
+            </a:extLst>
+          </p:cNvPr>
+          <p:cNvGraphicFramePr>
+            <a:graphicFrameLocks noGrp="1"/>
+          </p:cNvGraphicFramePr>
+          <p:nvPr>
+            <p:extLst>
+              <p:ext uri="{D42A27DB-BD31-4B8C-83A1-F6EECF244321}">
+                <p14:modId xmlns:p14="http://schemas.microsoft.com/office/powerpoint/2010/main" val="2965117582"/>
+              </p:ext>
+            </p:extLst>
+          </p:nvPr>
+        </p:nvGraphicFramePr>
+        <p:xfrm>
+          <a:off x="548640" y="2258906"/>
+          <a:ext cx="10980420" cy="2392680"/>
+        </p:xfrm>
+        <a:graphic>
+          <a:graphicData uri="http://schemas.openxmlformats.org/drawingml/2006/table">
+            <a:tbl>
+              <a:tblPr firstRow="1" bandRow="1">
+                <a:tableStyleId>{073A0DAA-6AF3-43AB-8588-CEC1D06C72B9}</a:tableStyleId>
+              </a:tblPr>
+              <a:tblGrid>
+                <a:gridCol w="5478780">
+                  <a:extLst>
+                    <a:ext uri="{9D8B030D-6E8A-4147-A177-3AD203B41FA5}">
+                      <a16:colId xmlns:a16="http://schemas.microsoft.com/office/drawing/2014/main" val="1646025201"/>
+                    </a:ext>
+                  </a:extLst>
+                </a:gridCol>
+                <a:gridCol w="5501640">
+                  <a:extLst>
+                    <a:ext uri="{9D8B030D-6E8A-4147-A177-3AD203B41FA5}">
+                      <a16:colId xmlns:a16="http://schemas.microsoft.com/office/drawing/2014/main" val="49402456"/>
+                    </a:ext>
+                  </a:extLst>
+                </a:gridCol>
+              </a:tblGrid>
+              <a:tr h="370840">
+                <a:tc>
+                  <a:txBody>
+                    <a:bodyPr/>
+                    <a:lstStyle/>
+                    <a:p>
+                      <a:r>
+                        <a:rPr lang="en-US" sz="3600" dirty="0"/>
+                        <a:t>Adapter</a:t>
+                      </a:r>
+                    </a:p>
+                  </a:txBody>
+                  <a:tcPr/>
+                </a:tc>
+                <a:tc>
+                  <a:txBody>
+                    <a:bodyPr/>
+                    <a:lstStyle/>
+                    <a:p>
+                      <a:endParaRPr lang="en-US" sz="3600" dirty="0"/>
+                    </a:p>
+                  </a:txBody>
+                  <a:tcPr/>
+                </a:tc>
+                <a:extLst>
+                  <a:ext uri="{0D108BD9-81ED-4DB2-BD59-A6C34878D82A}">
+                    <a16:rowId xmlns:a16="http://schemas.microsoft.com/office/drawing/2014/main" val="4123787528"/>
+                  </a:ext>
+                </a:extLst>
+              </a:tr>
+              <a:tr h="370840">
+                <a:tc>
+                  <a:txBody>
+                    <a:bodyPr/>
+                    <a:lstStyle/>
+                    <a:p>
+                      <a:r>
+                        <a:rPr lang="en-US" b="1" dirty="0"/>
+                        <a:t>Alias: Wrapper</a:t>
+                      </a:r>
+                    </a:p>
+                  </a:txBody>
+                  <a:tcPr/>
+                </a:tc>
+                <a:tc>
+                  <a:txBody>
+                    <a:bodyPr/>
+                    <a:lstStyle/>
+                    <a:p>
+                      <a:endParaRPr lang="en-US" b="1" dirty="0"/>
+                    </a:p>
+                  </a:txBody>
+                  <a:tcPr/>
+                </a:tc>
+                <a:extLst>
+                  <a:ext uri="{0D108BD9-81ED-4DB2-BD59-A6C34878D82A}">
+                    <a16:rowId xmlns:a16="http://schemas.microsoft.com/office/drawing/2014/main" val="1193509111"/>
+                  </a:ext>
+                </a:extLst>
+              </a:tr>
+              <a:tr h="370840">
+                <a:tc>
+                  <a:txBody>
+                    <a:bodyPr/>
+                    <a:lstStyle/>
+                    <a:p>
+                      <a:pPr marL="0" marR="0" lvl="0" indent="0" algn="l" defTabSz="914400" rtl="0" eaLnBrk="1" fontAlgn="auto" latinLnBrk="0" hangingPunct="1">
+                        <a:lnSpc>
+                          <a:spcPct val="100000"/>
+                        </a:lnSpc>
+                        <a:spcBef>
+                          <a:spcPts val="0"/>
+                        </a:spcBef>
+                        <a:spcAft>
+                          <a:spcPts val="0"/>
+                        </a:spcAft>
+                        <a:buClrTx/>
+                        <a:buSzTx/>
+                        <a:buFontTx/>
+                        <a:buNone/>
+                        <a:tabLst/>
+                        <a:defRPr/>
+                      </a:pPr>
+                      <a:r>
+                        <a:rPr lang="en-US" b="1" dirty="0"/>
+                        <a:t>Reuse a library that </a:t>
+                      </a:r>
+                      <a:r>
+                        <a:rPr lang="en-US" b="1"/>
+                        <a:t>wasn’t designed with </a:t>
+                      </a:r>
+                      <a:r>
+                        <a:rPr lang="en-US" b="1" dirty="0"/>
+                        <a:t>our context in mind</a:t>
+                      </a:r>
+                    </a:p>
+                  </a:txBody>
+                  <a:tcPr/>
+                </a:tc>
+                <a:tc>
+                  <a:txBody>
+                    <a:bodyPr/>
+                    <a:lstStyle/>
+                    <a:p>
+                      <a:r>
+                        <a:rPr lang="en-US" b="1" dirty="0"/>
+                        <a:t> </a:t>
+                      </a:r>
+                    </a:p>
+                  </a:txBody>
+                  <a:tcPr/>
+                </a:tc>
+                <a:extLst>
+                  <a:ext uri="{0D108BD9-81ED-4DB2-BD59-A6C34878D82A}">
+                    <a16:rowId xmlns:a16="http://schemas.microsoft.com/office/drawing/2014/main" val="1950086261"/>
+                  </a:ext>
+                </a:extLst>
+              </a:tr>
+              <a:tr h="370840">
+                <a:tc>
+                  <a:txBody>
+                    <a:bodyPr/>
+                    <a:lstStyle/>
+                    <a:p>
+                      <a:r>
+                        <a:rPr lang="en-US" b="1" dirty="0"/>
+                        <a:t>UC: Reuse toolkits</a:t>
+                      </a:r>
+                    </a:p>
+                  </a:txBody>
+                  <a:tcPr/>
+                </a:tc>
+                <a:tc>
+                  <a:txBody>
+                    <a:bodyPr/>
+                    <a:lstStyle/>
+                    <a:p>
+                      <a:endParaRPr lang="en-US" b="1" dirty="0"/>
+                    </a:p>
+                  </a:txBody>
+                  <a:tcPr/>
+                </a:tc>
+                <a:extLst>
+                  <a:ext uri="{0D108BD9-81ED-4DB2-BD59-A6C34878D82A}">
+                    <a16:rowId xmlns:a16="http://schemas.microsoft.com/office/drawing/2014/main" val="3385994179"/>
+                  </a:ext>
+                </a:extLst>
+              </a:tr>
+              <a:tr h="370840">
+                <a:tc>
+                  <a:txBody>
+                    <a:bodyPr/>
+                    <a:lstStyle/>
+                    <a:p>
+                      <a:endParaRPr lang="en-US" b="1" dirty="0"/>
+                    </a:p>
+                  </a:txBody>
+                  <a:tcPr/>
+                </a:tc>
+                <a:tc>
+                  <a:txBody>
+                    <a:bodyPr/>
+                    <a:lstStyle/>
+                    <a:p>
+                      <a:endParaRPr lang="en-US" b="1" dirty="0"/>
+                    </a:p>
+                  </a:txBody>
+                  <a:tcPr/>
+                </a:tc>
+                <a:extLst>
+                  <a:ext uri="{0D108BD9-81ED-4DB2-BD59-A6C34878D82A}">
+                    <a16:rowId xmlns:a16="http://schemas.microsoft.com/office/drawing/2014/main" val="1098897605"/>
+                  </a:ext>
+                </a:extLst>
+              </a:tr>
+            </a:tbl>
+          </a:graphicData>
+        </a:graphic>
+      </p:graphicFrame>
+    </p:spTree>
+    <p:extLst>
+      <p:ext uri="{BB962C8B-B14F-4D97-AF65-F5344CB8AC3E}">
+        <p14:creationId xmlns:p14="http://schemas.microsoft.com/office/powerpoint/2010/main" val="1094181257"/>
+      </p:ext>
+    </p:extLst>
+  </p:cSld>
+  <p:clrMapOvr>
+    <a:masterClrMapping/>
+  </p:clrMapOvr>
+  <p:timing>
+    <p:tnLst>
+      <p:par>
+        <p:cTn id="1" dur="indefinite" restart="never" nodeType="tmRoot">
+          <p:childTnLst>
+            <p:seq>
+              <p:cTn id="2" dur="indefinite" nodeType="mainSeq"/>
+              <p:prevCondLst>
+                <p:cond evt="onPrev" delay="0">
+                  <p:tgtEl>
+                    <p:sldTgt/>
+                  </p:tgtEl>
+                </p:cond>
+              </p:prevCondLst>
+              <p:nextCondLst>
+                <p:cond evt="onNext" delay="0">
+                  <p:tgtEl>
+                    <p:sldTgt/>
+                  </p:tgtEl>
+                </p:cond>
+              </p:nextCondLst>
+            </p:seq>
+          </p:childTnLst>
+        </p:cTn>
+      </p:par>
+    </p:tnLst>
+  </p:timing>
+</p:sld>
+</file>
+
+<file path=ppt/slides/slide16.xml><?xml version="1.0" encoding="utf-8"?>
+<p:sld xmlns:a="http://schemas.openxmlformats.org/drawingml/2006/main" xmlns:r="http://schemas.openxmlformats.org/officeDocument/2006/relationships" xmlns:p="http://schemas.openxmlformats.org/presentationml/2006/main">
+  <p:cSld>
+    <p:spTree>
+      <p:nvGrpSpPr>
+        <p:cNvPr id="1" name=""/>
+        <p:cNvGrpSpPr/>
+        <p:nvPr/>
+      </p:nvGrpSpPr>
+      <p:grpSpPr>
+        <a:xfrm>
+          <a:off x="0" y="0"/>
+          <a:ext cx="0" cy="0"/>
+          <a:chOff x="0" y="0"/>
+          <a:chExt cx="0" cy="0"/>
+        </a:xfrm>
+      </p:grpSpPr>
+      <p:sp>
+        <p:nvSpPr>
+          <p:cNvPr id="106" name="TextShape 1"/>
+          <p:cNvSpPr txBox="1"/>
+          <p:nvPr/>
+        </p:nvSpPr>
+        <p:spPr>
+          <a:xfrm>
+            <a:off x="838080" y="365040"/>
+            <a:ext cx="10515240" cy="1325160"/>
+          </a:xfrm>
+          <a:prstGeom prst="rect">
+            <a:avLst/>
+          </a:prstGeom>
+          <a:noFill/>
+          <a:ln>
+            <a:noFill/>
+          </a:ln>
+        </p:spPr>
+        <p:txBody>
+          <a:bodyPr anchor="ctr"/>
+          <a:lstStyle/>
+          <a:p>
+            <a:pPr>
+              <a:lnSpc>
+                <a:spcPct val="90000"/>
+              </a:lnSpc>
+            </a:pPr>
+            <a:r>
+              <a:rPr lang="fr-FR" sz="4400" b="0" strike="noStrike" spc="-1">
                 <a:solidFill>
                   <a:srgbClr val="000000"/>
                 </a:solidFill>
@@ -5288,7 +7278,7 @@
               </a:rPr>
               <a:t>Behavioral Patterns</a:t>
             </a:r>
-            <a:endParaRPr b="0" lang="fr-FR" sz="4400" spc="-1" strike="noStrike">
+            <a:endParaRPr lang="fr-FR" sz="4400" b="0" strike="noStrike" spc="-1">
               <a:solidFill>
                 <a:srgbClr val="000000"/>
               </a:solidFill>
@@ -5318,6 +7308,7 @@
         </p:spPr>
         <p:txBody>
           <a:bodyPr/>
+          <a:lstStyle/>
           <a:p>
             <a:pPr marL="228600" indent="-228240">
               <a:lnSpc>
@@ -5333,7 +7324,7 @@
               <a:buChar char="•"/>
             </a:pPr>
             <a:r>
-              <a:rPr b="0" lang="fr-FR" sz="2800" spc="-1" strike="noStrike">
+              <a:rPr lang="fr-FR" sz="2800" b="0" strike="noStrike" spc="-1">
                 <a:solidFill>
                   <a:srgbClr val="000000"/>
                 </a:solidFill>
@@ -5341,12 +7332,6 @@
               </a:rPr>
               <a:t>Strategy</a:t>
             </a:r>
-            <a:endParaRPr b="0" lang="fr-FR" sz="2800" spc="-1" strike="noStrike">
-              <a:solidFill>
-                <a:srgbClr val="000000"/>
-              </a:solidFill>
-              <a:latin typeface="Calibri"/>
-            </a:endParaRPr>
           </a:p>
           <a:p>
             <a:pPr marL="228600" indent="-228240">
@@ -5363,7 +7348,7 @@
               <a:buChar char="•"/>
             </a:pPr>
             <a:r>
-              <a:rPr b="0" lang="fr-FR" sz="2800" spc="-1" strike="noStrike">
+              <a:rPr lang="fr-FR" sz="2800" b="0" strike="noStrike" spc="-1">
                 <a:solidFill>
                   <a:srgbClr val="000000"/>
                 </a:solidFill>
@@ -5371,12 +7356,6 @@
               </a:rPr>
               <a:t>Observer</a:t>
             </a:r>
-            <a:endParaRPr b="0" lang="fr-FR" sz="2800" spc="-1" strike="noStrike">
-              <a:solidFill>
-                <a:srgbClr val="000000"/>
-              </a:solidFill>
-              <a:latin typeface="Calibri"/>
-            </a:endParaRPr>
           </a:p>
           <a:p>
             <a:pPr marL="228600" indent="-228240">
@@ -5393,7 +7372,7 @@
               <a:buChar char="•"/>
             </a:pPr>
             <a:r>
-              <a:rPr b="0" lang="fr-FR" sz="2800" spc="-1" strike="noStrike">
+              <a:rPr lang="fr-FR" sz="2800" b="0" strike="noStrike" spc="-1">
                 <a:solidFill>
                   <a:srgbClr val="000000"/>
                 </a:solidFill>
@@ -5401,33 +7380,30 @@
               </a:rPr>
               <a:t>Template Method</a:t>
             </a:r>
-            <a:endParaRPr b="0" lang="fr-FR" sz="2800" spc="-1" strike="noStrike">
-              <a:solidFill>
-                <a:srgbClr val="000000"/>
-              </a:solidFill>
-              <a:latin typeface="Calibri"/>
-            </a:endParaRPr>
           </a:p>
         </p:txBody>
       </p:sp>
     </p:spTree>
   </p:cSld>
+  <p:clrMapOvr>
+    <a:masterClrMapping/>
+  </p:clrMapOvr>
   <p:timing>
     <p:tnLst>
       <p:par>
-        <p:cTn id="23" dur="indefinite" restart="never" nodeType="tmRoot">
+        <p:cTn id="1" dur="indefinite" restart="never" nodeType="tmRoot">
           <p:childTnLst>
             <p:seq>
-              <p:cTn id="24" dur="indefinite" nodeType="mainSeq"/>
+              <p:cTn id="2" dur="indefinite" nodeType="mainSeq"/>
               <p:prevCondLst>
-                <p:cond delay="0" evt="onPrev">
+                <p:cond evt="onPrev" delay="0">
                   <p:tgtEl>
                     <p:sldTgt/>
                   </p:tgtEl>
                 </p:cond>
               </p:prevCondLst>
               <p:nextCondLst>
-                <p:cond delay="0" evt="onNext">
+                <p:cond evt="onNext" delay="0">
                   <p:tgtEl>
                     <p:sldTgt/>
                   </p:tgtEl>
@@ -5443,7 +7419,7 @@
 </file>
 
 <file path=ppt/slides/slide2.xml><?xml version="1.0" encoding="utf-8"?>
-<p:sld xmlns:a="http://schemas.openxmlformats.org/drawingml/2006/main" xmlns:p="http://schemas.openxmlformats.org/presentationml/2006/main" xmlns:r="http://schemas.openxmlformats.org/officeDocument/2006/relationships" xmlns:p14="http://schemas.microsoft.com/office/powerpoint/2010/main" xmlns:p15="http://schemas.microsoft.com/office/powerpoint/2012/main" xmlns:mc="http://schemas.openxmlformats.org/markup-compatibility/2006">
+<p:sld xmlns:a="http://schemas.openxmlformats.org/drawingml/2006/main" xmlns:r="http://schemas.openxmlformats.org/officeDocument/2006/relationships" xmlns:p="http://schemas.openxmlformats.org/presentationml/2006/main">
   <p:cSld>
     <p:spTree>
       <p:nvGrpSpPr>
@@ -5480,6 +7456,7 @@
         </p:spPr>
         <p:txBody>
           <a:bodyPr anchor="ctr"/>
+          <a:lstStyle/>
           <a:p>
             <a:pPr>
               <a:lnSpc>
@@ -5487,15 +7464,24 @@
               </a:lnSpc>
             </a:pPr>
             <a:r>
-              <a:rPr b="0" lang="fr-FR" sz="4400" spc="-1" strike="noStrike">
+              <a:rPr lang="fr-FR" sz="4400" b="0" strike="noStrike" spc="-1" dirty="0" err="1">
                 <a:solidFill>
                   <a:srgbClr val="000000"/>
                 </a:solidFill>
                 <a:latin typeface="Calibri Light"/>
               </a:rPr>
-              <a:t>Creational Patterns</a:t>
+              <a:t>Creational</a:t>
             </a:r>
-            <a:endParaRPr b="0" lang="fr-FR" sz="4400" spc="-1" strike="noStrike">
+            <a:r>
+              <a:rPr lang="fr-FR" sz="4400" b="0" strike="noStrike" spc="-1" dirty="0">
+                <a:solidFill>
+                  <a:srgbClr val="000000"/>
+                </a:solidFill>
+                <a:latin typeface="Calibri Light"/>
+              </a:rPr>
+              <a:t> Patterns</a:t>
+            </a:r>
+            <a:endParaRPr lang="fr-FR" sz="4400" b="0" strike="noStrike" spc="-1" dirty="0">
               <a:solidFill>
                 <a:srgbClr val="000000"/>
               </a:solidFill>
@@ -5525,6 +7511,7 @@
         </p:spPr>
         <p:txBody>
           <a:bodyPr/>
+          <a:lstStyle/>
           <a:p>
             <a:pPr marL="228600" indent="-228240">
               <a:lnSpc>
@@ -5540,7 +7527,7 @@
               <a:buChar char="•"/>
             </a:pPr>
             <a:r>
-              <a:rPr b="0" lang="fr-FR" sz="2800" spc="-1" strike="noStrike">
+              <a:rPr lang="fr-FR" sz="2800" b="0" strike="noStrike" spc="-1">
                 <a:solidFill>
                   <a:srgbClr val="000000"/>
                 </a:solidFill>
@@ -5548,12 +7535,6 @@
               </a:rPr>
               <a:t>Abstract Factory</a:t>
             </a:r>
-            <a:endParaRPr b="0" lang="fr-FR" sz="2800" spc="-1" strike="noStrike">
-              <a:solidFill>
-                <a:srgbClr val="000000"/>
-              </a:solidFill>
-              <a:latin typeface="Calibri"/>
-            </a:endParaRPr>
           </a:p>
           <a:p>
             <a:pPr marL="228600" indent="-228240">
@@ -5570,7 +7551,7 @@
               <a:buChar char="•"/>
             </a:pPr>
             <a:r>
-              <a:rPr b="0" lang="fr-FR" sz="2800" spc="-1" strike="noStrike">
+              <a:rPr lang="fr-FR" sz="2800" b="0" strike="noStrike" spc="-1">
                 <a:solidFill>
                   <a:srgbClr val="000000"/>
                 </a:solidFill>
@@ -5578,33 +7559,30 @@
               </a:rPr>
               <a:t>Factory Method</a:t>
             </a:r>
-            <a:endParaRPr b="0" lang="fr-FR" sz="2800" spc="-1" strike="noStrike">
-              <a:solidFill>
-                <a:srgbClr val="000000"/>
-              </a:solidFill>
-              <a:latin typeface="Calibri"/>
-            </a:endParaRPr>
           </a:p>
         </p:txBody>
       </p:sp>
     </p:spTree>
   </p:cSld>
+  <p:clrMapOvr>
+    <a:masterClrMapping/>
+  </p:clrMapOvr>
   <p:timing>
     <p:tnLst>
       <p:par>
-        <p:cTn id="3" dur="indefinite" restart="never" nodeType="tmRoot">
+        <p:cTn id="1" dur="indefinite" restart="never" nodeType="tmRoot">
           <p:childTnLst>
             <p:seq>
-              <p:cTn id="4" dur="indefinite" nodeType="mainSeq"/>
+              <p:cTn id="2" dur="indefinite" nodeType="mainSeq"/>
               <p:prevCondLst>
-                <p:cond delay="0" evt="onPrev">
+                <p:cond evt="onPrev" delay="0">
                   <p:tgtEl>
                     <p:sldTgt/>
                   </p:tgtEl>
                 </p:cond>
               </p:prevCondLst>
               <p:nextCondLst>
-                <p:cond delay="0" evt="onNext">
+                <p:cond evt="onNext" delay="0">
                   <p:tgtEl>
                     <p:sldTgt/>
                   </p:tgtEl>
@@ -5620,13 +7598,14 @@
 </file>
 
 <file path=ppt/slides/slide3.xml><?xml version="1.0" encoding="utf-8"?>
-<p:sld xmlns:a="http://schemas.openxmlformats.org/drawingml/2006/main" xmlns:p="http://schemas.openxmlformats.org/presentationml/2006/main" xmlns:r="http://schemas.openxmlformats.org/officeDocument/2006/relationships" xmlns:p14="http://schemas.microsoft.com/office/powerpoint/2010/main" xmlns:p15="http://schemas.microsoft.com/office/powerpoint/2012/main" xmlns:mc="http://schemas.openxmlformats.org/markup-compatibility/2006">
+<p:sld xmlns:a="http://schemas.openxmlformats.org/drawingml/2006/main" xmlns:r="http://schemas.openxmlformats.org/officeDocument/2006/relationships" xmlns:p="http://schemas.openxmlformats.org/presentationml/2006/main">
   <p:cSld>
     <p:bg>
       <p:bgPr>
         <a:solidFill>
-          <a:srgbClr val="ffffff"/>
+          <a:srgbClr val="FFFFFF"/>
         </a:solidFill>
+        <a:effectLst/>
       </p:bgPr>
     </p:bg>
     <p:spTree>
@@ -5666,6 +7645,7 @@
           <a:bodyPr anchor="ctr">
             <a:normAutofit/>
           </a:bodyPr>
+          <a:lstStyle/>
           <a:p>
             <a:pPr>
               <a:lnSpc>
@@ -5673,7 +7653,7 @@
               </a:lnSpc>
             </a:pPr>
             <a:r>
-              <a:rPr b="0" lang="fr-FR" sz="4400" spc="-1" strike="noStrike">
+              <a:rPr lang="fr-FR" sz="4400" b="0" strike="noStrike" spc="-1">
                 <a:solidFill>
                   <a:srgbClr val="000000"/>
                 </a:solidFill>
@@ -5681,7 +7661,7 @@
               </a:rPr>
               <a:t>Abstract Factory - Problem</a:t>
             </a:r>
-            <a:endParaRPr b="0" lang="fr-FR" sz="4400" spc="-1" strike="noStrike">
+            <a:endParaRPr lang="fr-FR" sz="4400" b="0" strike="noStrike" spc="-1">
               <a:solidFill>
                 <a:srgbClr val="000000"/>
               </a:solidFill>
@@ -5692,45 +7672,55 @@
       </p:sp>
       <p:pic>
         <p:nvPicPr>
-          <p:cNvPr id="92" name="Image 6" descr=""/>
-          <p:cNvPicPr/>
+          <p:cNvPr id="2" name="Image 1">
+            <a:extLst>
+              <a:ext uri="{FF2B5EF4-FFF2-40B4-BE49-F238E27FC236}">
+                <a16:creationId xmlns:a16="http://schemas.microsoft.com/office/drawing/2014/main" id="{3DF15DA1-FE50-403C-A66B-D0463809EC5D}"/>
+              </a:ext>
+            </a:extLst>
+          </p:cNvPr>
+          <p:cNvPicPr>
+            <a:picLocks noChangeAspect="1"/>
+          </p:cNvPicPr>
           <p:nvPr/>
         </p:nvPicPr>
         <p:blipFill>
-          <a:blip r:embed="rId1"/>
-          <a:stretch/>
+          <a:blip r:embed="rId3"/>
+          <a:stretch>
+            <a:fillRect/>
+          </a:stretch>
         </p:blipFill>
         <p:spPr>
           <a:xfrm>
-            <a:off x="828720" y="1988280"/>
-            <a:ext cx="10524600" cy="4025520"/>
-          </a:xfrm>
-          <a:prstGeom prst="rect">
-            <a:avLst/>
-          </a:prstGeom>
-          <a:ln>
-            <a:noFill/>
-          </a:ln>
+            <a:off x="2809875" y="1985962"/>
+            <a:ext cx="6572250" cy="2886075"/>
+          </a:xfrm>
+          <a:prstGeom prst="rect">
+            <a:avLst/>
+          </a:prstGeom>
         </p:spPr>
       </p:pic>
     </p:spTree>
   </p:cSld>
+  <p:clrMapOvr>
+    <a:masterClrMapping/>
+  </p:clrMapOvr>
   <p:timing>
     <p:tnLst>
       <p:par>
-        <p:cTn id="5" dur="indefinite" restart="never" nodeType="tmRoot">
+        <p:cTn id="1" dur="indefinite" restart="never" nodeType="tmRoot">
           <p:childTnLst>
             <p:seq>
-              <p:cTn id="6" dur="indefinite" nodeType="mainSeq"/>
+              <p:cTn id="2" dur="indefinite" nodeType="mainSeq"/>
               <p:prevCondLst>
-                <p:cond delay="0" evt="onPrev">
+                <p:cond evt="onPrev" delay="0">
                   <p:tgtEl>
                     <p:sldTgt/>
                   </p:tgtEl>
                 </p:cond>
               </p:prevCondLst>
               <p:nextCondLst>
-                <p:cond delay="0" evt="onNext">
+                <p:cond evt="onNext" delay="0">
                   <p:tgtEl>
                     <p:sldTgt/>
                   </p:tgtEl>
@@ -5746,13 +7736,14 @@
 </file>
 
 <file path=ppt/slides/slide4.xml><?xml version="1.0" encoding="utf-8"?>
-<p:sld xmlns:a="http://schemas.openxmlformats.org/drawingml/2006/main" xmlns:p="http://schemas.openxmlformats.org/presentationml/2006/main" xmlns:r="http://schemas.openxmlformats.org/officeDocument/2006/relationships" xmlns:p14="http://schemas.microsoft.com/office/powerpoint/2010/main" xmlns:p15="http://schemas.microsoft.com/office/powerpoint/2012/main" xmlns:mc="http://schemas.openxmlformats.org/markup-compatibility/2006">
+<p:sld xmlns:a="http://schemas.openxmlformats.org/drawingml/2006/main" xmlns:r="http://schemas.openxmlformats.org/officeDocument/2006/relationships" xmlns:p="http://schemas.openxmlformats.org/presentationml/2006/main">
   <p:cSld>
     <p:bg>
       <p:bgPr>
         <a:solidFill>
-          <a:srgbClr val="ffffff"/>
+          <a:srgbClr val="FFFFFF"/>
         </a:solidFill>
+        <a:effectLst/>
       </p:bgPr>
     </p:bg>
     <p:spTree>
@@ -5792,6 +7783,7 @@
           <a:bodyPr anchor="ctr">
             <a:normAutofit/>
           </a:bodyPr>
+          <a:lstStyle/>
           <a:p>
             <a:pPr>
               <a:lnSpc>
@@ -5799,7 +7791,7 @@
               </a:lnSpc>
             </a:pPr>
             <a:r>
-              <a:rPr b="0" lang="fr-FR" sz="4400" spc="-1" strike="noStrike">
+              <a:rPr lang="fr-FR" sz="4400" b="0" strike="noStrike" spc="-1">
                 <a:solidFill>
                   <a:srgbClr val="000000"/>
                 </a:solidFill>
@@ -5807,7 +7799,7 @@
               </a:rPr>
               <a:t>Abstract Factory - Solution</a:t>
             </a:r>
-            <a:endParaRPr b="0" lang="fr-FR" sz="4400" spc="-1" strike="noStrike">
+            <a:endParaRPr lang="fr-FR" sz="4400" b="0" strike="noStrike" spc="-1">
               <a:solidFill>
                 <a:srgbClr val="000000"/>
               </a:solidFill>
@@ -5818,12 +7810,12 @@
       </p:sp>
       <p:pic>
         <p:nvPicPr>
-          <p:cNvPr id="94" name="" descr=""/>
+          <p:cNvPr id="94" name="Image 93"/>
           <p:cNvPicPr/>
           <p:nvPr/>
         </p:nvPicPr>
         <p:blipFill>
-          <a:blip r:embed="rId1"/>
+          <a:blip r:embed="rId3"/>
           <a:stretch/>
         </p:blipFill>
         <p:spPr>
@@ -5841,22 +7833,25 @@
       </p:pic>
     </p:spTree>
   </p:cSld>
+  <p:clrMapOvr>
+    <a:masterClrMapping/>
+  </p:clrMapOvr>
   <p:timing>
     <p:tnLst>
       <p:par>
-        <p:cTn id="7" dur="indefinite" restart="never" nodeType="tmRoot">
+        <p:cTn id="1" dur="indefinite" restart="never" nodeType="tmRoot">
           <p:childTnLst>
             <p:seq>
-              <p:cTn id="8" dur="indefinite" nodeType="mainSeq"/>
+              <p:cTn id="2" dur="indefinite" nodeType="mainSeq"/>
               <p:prevCondLst>
-                <p:cond delay="0" evt="onPrev">
+                <p:cond evt="onPrev" delay="0">
                   <p:tgtEl>
                     <p:sldTgt/>
                   </p:tgtEl>
                 </p:cond>
               </p:prevCondLst>
               <p:nextCondLst>
-                <p:cond delay="0" evt="onNext">
+                <p:cond evt="onNext" delay="0">
                   <p:tgtEl>
                     <p:sldTgt/>
                   </p:tgtEl>
@@ -5872,13 +7867,14 @@
 </file>
 
 <file path=ppt/slides/slide5.xml><?xml version="1.0" encoding="utf-8"?>
-<p:sld xmlns:a="http://schemas.openxmlformats.org/drawingml/2006/main" xmlns:p="http://schemas.openxmlformats.org/presentationml/2006/main" xmlns:r="http://schemas.openxmlformats.org/officeDocument/2006/relationships" xmlns:p14="http://schemas.microsoft.com/office/powerpoint/2010/main" xmlns:p15="http://schemas.microsoft.com/office/powerpoint/2012/main" xmlns:mc="http://schemas.openxmlformats.org/markup-compatibility/2006">
+<p:sld xmlns:a="http://schemas.openxmlformats.org/drawingml/2006/main" xmlns:r="http://schemas.openxmlformats.org/officeDocument/2006/relationships" xmlns:p="http://schemas.openxmlformats.org/presentationml/2006/main">
   <p:cSld>
     <p:bg>
       <p:bgPr>
         <a:solidFill>
-          <a:srgbClr val="ffffff"/>
+          <a:srgbClr val="FFFFFF"/>
         </a:solidFill>
+        <a:effectLst/>
       </p:bgPr>
     </p:bg>
     <p:spTree>
@@ -5918,6 +7914,7 @@
           <a:bodyPr anchor="ctr">
             <a:normAutofit/>
           </a:bodyPr>
+          <a:lstStyle/>
           <a:p>
             <a:pPr>
               <a:lnSpc>
@@ -5925,7 +7922,7 @@
               </a:lnSpc>
             </a:pPr>
             <a:r>
-              <a:rPr b="0" lang="fr-FR" sz="4400" spc="-1" strike="noStrike">
+              <a:rPr lang="fr-FR" sz="4400" b="0" strike="noStrike" spc="-1">
                 <a:solidFill>
                   <a:srgbClr val="000000"/>
                 </a:solidFill>
@@ -5933,7 +7930,7 @@
               </a:rPr>
               <a:t>Abstract Factory - Solution</a:t>
             </a:r>
-            <a:endParaRPr b="0" lang="fr-FR" sz="4400" spc="-1" strike="noStrike">
+            <a:endParaRPr lang="fr-FR" sz="4400" b="0" strike="noStrike" spc="-1">
               <a:solidFill>
                 <a:srgbClr val="000000"/>
               </a:solidFill>
@@ -5944,12 +7941,12 @@
       </p:sp>
       <p:pic>
         <p:nvPicPr>
-          <p:cNvPr id="96" name="" descr=""/>
+          <p:cNvPr id="96" name="Image 95"/>
           <p:cNvPicPr/>
           <p:nvPr/>
         </p:nvPicPr>
         <p:blipFill>
-          <a:blip r:embed="rId1"/>
+          <a:blip r:embed="rId3"/>
           <a:stretch/>
         </p:blipFill>
         <p:spPr>
@@ -5967,22 +7964,25 @@
       </p:pic>
     </p:spTree>
   </p:cSld>
+  <p:clrMapOvr>
+    <a:masterClrMapping/>
+  </p:clrMapOvr>
   <p:timing>
     <p:tnLst>
       <p:par>
-        <p:cTn id="9" dur="indefinite" restart="never" nodeType="tmRoot">
+        <p:cTn id="1" dur="indefinite" restart="never" nodeType="tmRoot">
           <p:childTnLst>
             <p:seq>
-              <p:cTn id="10" dur="indefinite" nodeType="mainSeq"/>
+              <p:cTn id="2" dur="indefinite" nodeType="mainSeq"/>
               <p:prevCondLst>
-                <p:cond delay="0" evt="onPrev">
+                <p:cond evt="onPrev" delay="0">
                   <p:tgtEl>
                     <p:sldTgt/>
                   </p:tgtEl>
                 </p:cond>
               </p:prevCondLst>
               <p:nextCondLst>
-                <p:cond delay="0" evt="onNext">
+                <p:cond evt="onNext" delay="0">
                   <p:tgtEl>
                     <p:sldTgt/>
                   </p:tgtEl>
@@ -5998,13 +7998,14 @@
 </file>
 
 <file path=ppt/slides/slide6.xml><?xml version="1.0" encoding="utf-8"?>
-<p:sld xmlns:a="http://schemas.openxmlformats.org/drawingml/2006/main" xmlns:p="http://schemas.openxmlformats.org/presentationml/2006/main" xmlns:r="http://schemas.openxmlformats.org/officeDocument/2006/relationships" xmlns:p14="http://schemas.microsoft.com/office/powerpoint/2010/main" xmlns:p15="http://schemas.microsoft.com/office/powerpoint/2012/main" xmlns:mc="http://schemas.openxmlformats.org/markup-compatibility/2006">
+<p:sld xmlns:a="http://schemas.openxmlformats.org/drawingml/2006/main" xmlns:r="http://schemas.openxmlformats.org/officeDocument/2006/relationships" xmlns:p="http://schemas.openxmlformats.org/presentationml/2006/main">
   <p:cSld>
     <p:bg>
       <p:bgPr>
         <a:solidFill>
-          <a:srgbClr val="ffffff"/>
+          <a:srgbClr val="FFFFFF"/>
         </a:solidFill>
+        <a:effectLst/>
       </p:bgPr>
     </p:bg>
     <p:spTree>
@@ -6044,6 +8045,7 @@
           <a:bodyPr anchor="ctr">
             <a:normAutofit/>
           </a:bodyPr>
+          <a:lstStyle/>
           <a:p>
             <a:pPr>
               <a:lnSpc>
@@ -6051,7 +8053,7 @@
               </a:lnSpc>
             </a:pPr>
             <a:r>
-              <a:rPr b="0" lang="fr-FR" sz="4400" spc="-1" strike="noStrike">
+              <a:rPr lang="fr-FR" sz="4400" b="0" strike="noStrike" spc="-1">
                 <a:solidFill>
                   <a:srgbClr val="000000"/>
                 </a:solidFill>
@@ -6061,7 +8063,7 @@
               <a:t>Abstract Factory - </a:t>
             </a:r>
             <a:r>
-              <a:rPr b="0" lang="fr-FR" sz="4400" spc="-1" strike="noStrike">
+              <a:rPr lang="fr-FR" sz="4400" b="0" strike="noStrike" spc="-1">
                 <a:solidFill>
                   <a:srgbClr val="000000"/>
                 </a:solidFill>
@@ -6069,7 +8071,7 @@
               </a:rPr>
               <a:t>Takeaway</a:t>
             </a:r>
-            <a:endParaRPr b="0" lang="fr-FR" sz="4400" spc="-1" strike="noStrike">
+            <a:endParaRPr lang="fr-FR" sz="4400" b="0" strike="noStrike" spc="-1">
               <a:solidFill>
                 <a:srgbClr val="000000"/>
               </a:solidFill>
@@ -6098,9 +8100,10 @@
           </a:ln>
         </p:spPr>
         <p:txBody>
-          <a:bodyPr lIns="0" rIns="0" tIns="0" bIns="0">
+          <a:bodyPr lIns="0" tIns="0" rIns="0" bIns="0">
             <a:normAutofit/>
           </a:bodyPr>
+          <a:lstStyle/>
           <a:p>
             <a:pPr marL="432000" indent="-324000">
               <a:spcBef>
@@ -6114,7 +8117,7 @@
               <a:buChar char=""/>
             </a:pPr>
             <a:r>
-              <a:rPr b="0" lang="fr-FR" sz="6000" spc="-1" strike="noStrike">
+              <a:rPr lang="fr-FR" sz="6000" b="0" strike="noStrike" spc="-1">
                 <a:solidFill>
                   <a:srgbClr val="000000"/>
                 </a:solidFill>
@@ -6123,7 +8126,7 @@
               <a:t>Provide a way for creating </a:t>
             </a:r>
             <a:r>
-              <a:rPr b="1" lang="fr-FR" sz="6000" spc="-1" strike="noStrike">
+              <a:rPr lang="fr-FR" sz="6000" b="1" strike="noStrike" spc="-1">
                 <a:solidFill>
                   <a:srgbClr val="000000"/>
                 </a:solidFill>
@@ -6132,7 +8135,7 @@
               <a:t>families</a:t>
             </a:r>
             <a:r>
-              <a:rPr b="0" lang="fr-FR" sz="6000" spc="-1" strike="noStrike">
+              <a:rPr lang="fr-FR" sz="6000" b="0" strike="noStrike" spc="-1">
                 <a:solidFill>
                   <a:srgbClr val="000000"/>
                 </a:solidFill>
@@ -6140,33 +8143,30 @@
               </a:rPr>
               <a:t> (of related) objects without specifying their concrete classes. </a:t>
             </a:r>
-            <a:endParaRPr b="0" lang="fr-FR" sz="6000" spc="-1" strike="noStrike">
-              <a:solidFill>
-                <a:srgbClr val="000000"/>
-              </a:solidFill>
-              <a:latin typeface="Calibri"/>
-            </a:endParaRPr>
           </a:p>
         </p:txBody>
       </p:sp>
     </p:spTree>
   </p:cSld>
+  <p:clrMapOvr>
+    <a:masterClrMapping/>
+  </p:clrMapOvr>
   <p:timing>
     <p:tnLst>
       <p:par>
-        <p:cTn id="11" dur="indefinite" restart="never" nodeType="tmRoot">
+        <p:cTn id="1" dur="indefinite" restart="never" nodeType="tmRoot">
           <p:childTnLst>
             <p:seq>
-              <p:cTn id="12" dur="indefinite" nodeType="mainSeq"/>
+              <p:cTn id="2" dur="indefinite" nodeType="mainSeq"/>
               <p:prevCondLst>
-                <p:cond delay="0" evt="onPrev">
+                <p:cond evt="onPrev" delay="0">
                   <p:tgtEl>
                     <p:sldTgt/>
                   </p:tgtEl>
                 </p:cond>
               </p:prevCondLst>
               <p:nextCondLst>
-                <p:cond delay="0" evt="onNext">
+                <p:cond evt="onNext" delay="0">
                   <p:tgtEl>
                     <p:sldTgt/>
                   </p:tgtEl>
@@ -6182,13 +8182,14 @@
 </file>
 
 <file path=ppt/slides/slide7.xml><?xml version="1.0" encoding="utf-8"?>
-<p:sld xmlns:a="http://schemas.openxmlformats.org/drawingml/2006/main" xmlns:p="http://schemas.openxmlformats.org/presentationml/2006/main" xmlns:r="http://schemas.openxmlformats.org/officeDocument/2006/relationships" xmlns:p14="http://schemas.microsoft.com/office/powerpoint/2010/main" xmlns:p15="http://schemas.microsoft.com/office/powerpoint/2012/main" xmlns:mc="http://schemas.openxmlformats.org/markup-compatibility/2006">
+<p:sld xmlns:a="http://schemas.openxmlformats.org/drawingml/2006/main" xmlns:r="http://schemas.openxmlformats.org/officeDocument/2006/relationships" xmlns:p="http://schemas.openxmlformats.org/presentationml/2006/main">
   <p:cSld>
     <p:bg>
       <p:bgPr>
         <a:solidFill>
-          <a:srgbClr val="ffffff"/>
+          <a:schemeClr val="bg1"/>
         </a:solidFill>
+        <a:effectLst/>
       </p:bgPr>
     </p:bg>
     <p:spTree>
@@ -6213,63 +8214,95 @@
         </p:nvSpPr>
         <p:spPr>
           <a:xfrm>
-            <a:off x="838080" y="365040"/>
-            <a:ext cx="10515240" cy="1325160"/>
-          </a:xfrm>
-          <a:prstGeom prst="rect">
-            <a:avLst/>
-          </a:prstGeom>
-          <a:noFill/>
-          <a:ln>
-            <a:noFill/>
-          </a:ln>
-        </p:spPr>
-        <p:txBody>
-          <a:bodyPr anchor="ctr">
+            <a:off x="838199" y="291090"/>
+            <a:ext cx="10515599" cy="932688"/>
+          </a:xfrm>
+          <a:prstGeom prst="rect">
+            <a:avLst/>
+          </a:prstGeom>
+        </p:spPr>
+        <p:txBody>
+          <a:bodyPr vert="horz" lIns="91440" tIns="45720" rIns="91440" bIns="45720" rtlCol="0" anchor="b">
             <a:normAutofit/>
           </a:bodyPr>
+          <a:lstStyle/>
           <a:p>
             <a:pPr>
               <a:lnSpc>
                 <a:spcPct val="90000"/>
               </a:lnSpc>
+              <a:spcBef>
+                <a:spcPct val="0"/>
+              </a:spcBef>
+              <a:spcAft>
+                <a:spcPts val="600"/>
+              </a:spcAft>
             </a:pPr>
             <a:r>
-              <a:rPr b="0" lang="fr-FR" sz="4400" spc="-1" strike="noStrike">
+              <a:rPr lang="en-US" sz="4800" b="0" strike="noStrike" kern="1200" spc="-1" dirty="0">
                 <a:solidFill>
-                  <a:srgbClr val="000000"/>
+                  <a:schemeClr val="tx1"/>
                 </a:solidFill>
-                <a:latin typeface="Calibri Light"/>
+                <a:latin typeface="+mj-lt"/>
+                <a:ea typeface="+mj-ea"/>
+                <a:cs typeface="+mj-cs"/>
               </a:rPr>
               <a:t>Factory Method - Problem</a:t>
             </a:r>
-            <a:endParaRPr b="0" lang="fr-FR" sz="4400" spc="-1" strike="noStrike">
-              <a:solidFill>
-                <a:srgbClr val="000000"/>
-              </a:solidFill>
-              <a:latin typeface="Calibri"/>
-            </a:endParaRPr>
-          </a:p>
-        </p:txBody>
-      </p:sp>
+          </a:p>
+        </p:txBody>
+      </p:sp>
+      <p:pic>
+        <p:nvPicPr>
+          <p:cNvPr id="2" name="Image 1">
+            <a:extLst>
+              <a:ext uri="{FF2B5EF4-FFF2-40B4-BE49-F238E27FC236}">
+                <a16:creationId xmlns:a16="http://schemas.microsoft.com/office/drawing/2014/main" id="{52CE666F-5BA0-4B96-A3FD-6164D895ECEA}"/>
+              </a:ext>
+            </a:extLst>
+          </p:cNvPr>
+          <p:cNvPicPr>
+            <a:picLocks noChangeAspect="1"/>
+          </p:cNvPicPr>
+          <p:nvPr/>
+        </p:nvPicPr>
+        <p:blipFill>
+          <a:blip r:embed="rId3"/>
+          <a:stretch>
+            <a:fillRect/>
+          </a:stretch>
+        </p:blipFill>
+        <p:spPr>
+          <a:xfrm>
+            <a:off x="838200" y="2782868"/>
+            <a:ext cx="10515599" cy="2602611"/>
+          </a:xfrm>
+          <a:prstGeom prst="rect">
+            <a:avLst/>
+          </a:prstGeom>
+        </p:spPr>
+      </p:pic>
     </p:spTree>
   </p:cSld>
+  <p:clrMapOvr>
+    <a:masterClrMapping/>
+  </p:clrMapOvr>
   <p:timing>
     <p:tnLst>
       <p:par>
-        <p:cTn id="13" dur="indefinite" restart="never" nodeType="tmRoot">
+        <p:cTn id="1" dur="indefinite" restart="never" nodeType="tmRoot">
           <p:childTnLst>
             <p:seq>
-              <p:cTn id="14" dur="indefinite" nodeType="mainSeq"/>
+              <p:cTn id="2" dur="indefinite" nodeType="mainSeq"/>
               <p:prevCondLst>
-                <p:cond delay="0" evt="onPrev">
+                <p:cond evt="onPrev" delay="0">
                   <p:tgtEl>
                     <p:sldTgt/>
                   </p:tgtEl>
                 </p:cond>
               </p:prevCondLst>
               <p:nextCondLst>
-                <p:cond delay="0" evt="onNext">
+                <p:cond evt="onNext" delay="0">
                   <p:tgtEl>
                     <p:sldTgt/>
                   </p:tgtEl>
@@ -6285,13 +8318,14 @@
 </file>
 
 <file path=ppt/slides/slide8.xml><?xml version="1.0" encoding="utf-8"?>
-<p:sld xmlns:a="http://schemas.openxmlformats.org/drawingml/2006/main" xmlns:p="http://schemas.openxmlformats.org/presentationml/2006/main" xmlns:r="http://schemas.openxmlformats.org/officeDocument/2006/relationships" xmlns:p14="http://schemas.microsoft.com/office/powerpoint/2010/main" xmlns:p15="http://schemas.microsoft.com/office/powerpoint/2012/main" xmlns:mc="http://schemas.openxmlformats.org/markup-compatibility/2006">
+<p:sld xmlns:a="http://schemas.openxmlformats.org/drawingml/2006/main" xmlns:r="http://schemas.openxmlformats.org/officeDocument/2006/relationships" xmlns:p="http://schemas.openxmlformats.org/presentationml/2006/main">
   <p:cSld>
     <p:bg>
       <p:bgPr>
         <a:solidFill>
-          <a:srgbClr val="ffffff"/>
+          <a:schemeClr val="bg1"/>
         </a:solidFill>
+        <a:effectLst/>
       </p:bgPr>
     </p:bg>
     <p:spTree>
@@ -6316,63 +8350,95 @@
         </p:nvSpPr>
         <p:spPr>
           <a:xfrm>
-            <a:off x="838080" y="365040"/>
-            <a:ext cx="10515240" cy="1325160"/>
-          </a:xfrm>
-          <a:prstGeom prst="rect">
-            <a:avLst/>
-          </a:prstGeom>
-          <a:noFill/>
-          <a:ln>
-            <a:noFill/>
-          </a:ln>
-        </p:spPr>
-        <p:txBody>
-          <a:bodyPr anchor="ctr">
+            <a:off x="838199" y="291090"/>
+            <a:ext cx="10515599" cy="932688"/>
+          </a:xfrm>
+          <a:prstGeom prst="rect">
+            <a:avLst/>
+          </a:prstGeom>
+        </p:spPr>
+        <p:txBody>
+          <a:bodyPr vert="horz" lIns="91440" tIns="45720" rIns="91440" bIns="45720" rtlCol="0" anchor="b">
             <a:normAutofit/>
           </a:bodyPr>
+          <a:lstStyle/>
           <a:p>
             <a:pPr>
               <a:lnSpc>
                 <a:spcPct val="90000"/>
               </a:lnSpc>
+              <a:spcBef>
+                <a:spcPct val="0"/>
+              </a:spcBef>
+              <a:spcAft>
+                <a:spcPts val="600"/>
+              </a:spcAft>
             </a:pPr>
             <a:r>
-              <a:rPr b="0" lang="fr-FR" sz="4400" spc="-1" strike="noStrike">
+              <a:rPr lang="en-US" sz="4800" b="0" strike="noStrike" kern="1200" spc="-1" dirty="0">
                 <a:solidFill>
-                  <a:srgbClr val="000000"/>
+                  <a:schemeClr val="tx1"/>
                 </a:solidFill>
-                <a:latin typeface="Calibri Light"/>
+                <a:latin typeface="+mj-lt"/>
+                <a:ea typeface="+mj-ea"/>
+                <a:cs typeface="+mj-cs"/>
               </a:rPr>
               <a:t>Factory Method - Solution</a:t>
             </a:r>
-            <a:endParaRPr b="0" lang="fr-FR" sz="4400" spc="-1" strike="noStrike">
-              <a:solidFill>
-                <a:srgbClr val="000000"/>
-              </a:solidFill>
-              <a:latin typeface="Calibri"/>
-            </a:endParaRPr>
-          </a:p>
-        </p:txBody>
-      </p:sp>
+          </a:p>
+        </p:txBody>
+      </p:sp>
+      <p:pic>
+        <p:nvPicPr>
+          <p:cNvPr id="2" name="Image 1">
+            <a:extLst>
+              <a:ext uri="{FF2B5EF4-FFF2-40B4-BE49-F238E27FC236}">
+                <a16:creationId xmlns:a16="http://schemas.microsoft.com/office/drawing/2014/main" id="{D4E5157F-F88F-4F6C-95F3-3739EF811ACB}"/>
+              </a:ext>
+            </a:extLst>
+          </p:cNvPr>
+          <p:cNvPicPr>
+            <a:picLocks noChangeAspect="1"/>
+          </p:cNvPicPr>
+          <p:nvPr/>
+        </p:nvPicPr>
+        <p:blipFill>
+          <a:blip r:embed="rId3"/>
+          <a:stretch>
+            <a:fillRect/>
+          </a:stretch>
+        </p:blipFill>
+        <p:spPr>
+          <a:xfrm>
+            <a:off x="2449345" y="1863801"/>
+            <a:ext cx="7293308" cy="4440746"/>
+          </a:xfrm>
+          <a:prstGeom prst="rect">
+            <a:avLst/>
+          </a:prstGeom>
+        </p:spPr>
+      </p:pic>
     </p:spTree>
   </p:cSld>
+  <p:clrMapOvr>
+    <a:masterClrMapping/>
+  </p:clrMapOvr>
   <p:timing>
     <p:tnLst>
       <p:par>
-        <p:cTn id="15" dur="indefinite" restart="never" nodeType="tmRoot">
+        <p:cTn id="1" dur="indefinite" restart="never" nodeType="tmRoot">
           <p:childTnLst>
             <p:seq>
-              <p:cTn id="16" dur="indefinite" nodeType="mainSeq"/>
+              <p:cTn id="2" dur="indefinite" nodeType="mainSeq"/>
               <p:prevCondLst>
-                <p:cond delay="0" evt="onPrev">
+                <p:cond evt="onPrev" delay="0">
                   <p:tgtEl>
                     <p:sldTgt/>
                   </p:tgtEl>
                 </p:cond>
               </p:prevCondLst>
               <p:nextCondLst>
-                <p:cond delay="0" evt="onNext">
+                <p:cond evt="onNext" delay="0">
                   <p:tgtEl>
                     <p:sldTgt/>
                   </p:tgtEl>
@@ -6388,13 +8454,14 @@
 </file>
 
 <file path=ppt/slides/slide9.xml><?xml version="1.0" encoding="utf-8"?>
-<p:sld xmlns:a="http://schemas.openxmlformats.org/drawingml/2006/main" xmlns:p="http://schemas.openxmlformats.org/presentationml/2006/main" xmlns:r="http://schemas.openxmlformats.org/officeDocument/2006/relationships" xmlns:p14="http://schemas.microsoft.com/office/powerpoint/2010/main" xmlns:p15="http://schemas.microsoft.com/office/powerpoint/2012/main" xmlns:mc="http://schemas.openxmlformats.org/markup-compatibility/2006">
+<p:sld xmlns:a="http://schemas.openxmlformats.org/drawingml/2006/main" xmlns:r="http://schemas.openxmlformats.org/officeDocument/2006/relationships" xmlns:p="http://schemas.openxmlformats.org/presentationml/2006/main">
   <p:cSld>
     <p:bg>
       <p:bgPr>
         <a:solidFill>
-          <a:srgbClr val="ffffff"/>
+          <a:srgbClr val="FFFFFF"/>
         </a:solidFill>
+        <a:effectLst/>
       </p:bgPr>
     </p:bg>
     <p:spTree>
@@ -6413,7 +8480,7 @@
       </p:grpSpPr>
       <p:sp>
         <p:nvSpPr>
-          <p:cNvPr id="101" name="TextShape 1"/>
+          <p:cNvPr id="102" name="TextShape 1"/>
           <p:cNvSpPr txBox="1"/>
           <p:nvPr/>
         </p:nvSpPr>
@@ -6434,6 +8501,7 @@
           <a:bodyPr anchor="ctr">
             <a:normAutofit/>
           </a:bodyPr>
+          <a:lstStyle/>
           <a:p>
             <a:pPr>
               <a:lnSpc>
@@ -6441,15 +8509,15 @@
               </a:lnSpc>
             </a:pPr>
             <a:r>
-              <a:rPr b="0" lang="fr-FR" sz="4400" spc="-1" strike="noStrike">
+              <a:rPr lang="en-US" sz="4400" b="0" strike="noStrike" spc="-1">
                 <a:solidFill>
                   <a:srgbClr val="000000"/>
                 </a:solidFill>
                 <a:latin typeface="Calibri Light"/>
               </a:rPr>
-              <a:t>Factory Method - Solution</a:t>
+              <a:t>Factory Method - Takeaway</a:t>
             </a:r>
-            <a:endParaRPr b="0" lang="fr-FR" sz="4400" spc="-1" strike="noStrike">
+            <a:endParaRPr lang="en-US" sz="4400" b="0" strike="noStrike" spc="-1">
               <a:solidFill>
                 <a:srgbClr val="000000"/>
               </a:solidFill>
@@ -6458,24 +8526,75 @@
           </a:p>
         </p:txBody>
       </p:sp>
+      <p:sp>
+        <p:nvSpPr>
+          <p:cNvPr id="103" name="TextShape 2"/>
+          <p:cNvSpPr txBox="1"/>
+          <p:nvPr/>
+        </p:nvSpPr>
+        <p:spPr>
+          <a:xfrm>
+            <a:off x="838080" y="1825560"/>
+            <a:ext cx="10515240" cy="4350960"/>
+          </a:xfrm>
+          <a:prstGeom prst="rect">
+            <a:avLst/>
+          </a:prstGeom>
+          <a:noFill/>
+          <a:ln>
+            <a:noFill/>
+          </a:ln>
+        </p:spPr>
+        <p:txBody>
+          <a:bodyPr lIns="0" tIns="0" rIns="0" bIns="0">
+            <a:normAutofit/>
+          </a:bodyPr>
+          <a:lstStyle/>
+          <a:p>
+            <a:pPr marL="432000" indent="-324000">
+              <a:spcBef>
+                <a:spcPts val="1417"/>
+              </a:spcBef>
+              <a:buClr>
+                <a:srgbClr val="000000"/>
+              </a:buClr>
+              <a:buSzPct val="45000"/>
+              <a:buFont typeface="Wingdings" charset="2"/>
+              <a:buChar char=""/>
+            </a:pPr>
+            <a:r>
+              <a:rPr lang="en-US" sz="6000" b="0" strike="noStrike" spc="-1">
+                <a:solidFill>
+                  <a:srgbClr val="000000"/>
+                </a:solidFill>
+                <a:latin typeface="Calibri"/>
+              </a:rPr>
+              <a:t>Define an interface for creating an Object, and let subclasses decide which type (of this object) to instantiate. </a:t>
+            </a:r>
+          </a:p>
+        </p:txBody>
+      </p:sp>
     </p:spTree>
   </p:cSld>
+  <p:clrMapOvr>
+    <a:masterClrMapping/>
+  </p:clrMapOvr>
   <p:timing>
     <p:tnLst>
       <p:par>
-        <p:cTn id="17" dur="indefinite" restart="never" nodeType="tmRoot">
+        <p:cTn id="1" dur="indefinite" restart="never" nodeType="tmRoot">
           <p:childTnLst>
             <p:seq>
-              <p:cTn id="18" dur="indefinite" nodeType="mainSeq"/>
+              <p:cTn id="2" dur="indefinite" nodeType="mainSeq"/>
               <p:prevCondLst>
-                <p:cond delay="0" evt="onPrev">
+                <p:cond evt="onPrev" delay="0">
                   <p:tgtEl>
                     <p:sldTgt/>
                   </p:tgtEl>
                 </p:cond>
               </p:prevCondLst>
               <p:nextCondLst>
-                <p:cond delay="0" evt="onNext">
+                <p:cond evt="onNext" delay="0">
                   <p:tgtEl>
                     <p:sldTgt/>
                   </p:tgtEl>
@@ -6501,34 +8620,34 @@
         <a:sysClr val="window" lastClr="FFFFFF"/>
       </a:lt1>
       <a:dk2>
-        <a:srgbClr val="44546a"/>
+        <a:srgbClr val="44546A"/>
       </a:dk2>
       <a:lt2>
-        <a:srgbClr val="e7e6e6"/>
+        <a:srgbClr val="E7E6E6"/>
       </a:lt2>
       <a:accent1>
-        <a:srgbClr val="4472c4"/>
+        <a:srgbClr val="4472C4"/>
       </a:accent1>
       <a:accent2>
-        <a:srgbClr val="ed7d31"/>
+        <a:srgbClr val="ED7D31"/>
       </a:accent2>
       <a:accent3>
-        <a:srgbClr val="a5a5a5"/>
+        <a:srgbClr val="A5A5A5"/>
       </a:accent3>
       <a:accent4>
-        <a:srgbClr val="ffc000"/>
+        <a:srgbClr val="FFC000"/>
       </a:accent4>
       <a:accent5>
-        <a:srgbClr val="5b9bd5"/>
+        <a:srgbClr val="5B9BD5"/>
       </a:accent5>
       <a:accent6>
-        <a:srgbClr val="70ad47"/>
+        <a:srgbClr val="70AD47"/>
       </a:accent6>
       <a:hlink>
-        <a:srgbClr val="0563c1"/>
+        <a:srgbClr val="0563C1"/>
       </a:hlink>
       <a:folHlink>
-        <a:srgbClr val="954f72"/>
+        <a:srgbClr val="954F72"/>
       </a:folHlink>
     </a:clrScheme>
     <a:fontScheme name="Office">
@@ -6710,6 +8829,8 @@
       </a:bgFillStyleLst>
     </a:fmtScheme>
   </a:themeElements>
+  <a:objectDefaults/>
+  <a:extraClrSchemeLst/>
 </a:theme>
 </file>
 
@@ -6724,34 +8845,34 @@
         <a:sysClr val="window" lastClr="FFFFFF"/>
       </a:lt1>
       <a:dk2>
-        <a:srgbClr val="44546a"/>
+        <a:srgbClr val="44546A"/>
       </a:dk2>
       <a:lt2>
-        <a:srgbClr val="e7e6e6"/>
+        <a:srgbClr val="E7E6E6"/>
       </a:lt2>
       <a:accent1>
-        <a:srgbClr val="4472c4"/>
+        <a:srgbClr val="4472C4"/>
       </a:accent1>
       <a:accent2>
-        <a:srgbClr val="ed7d31"/>
+        <a:srgbClr val="ED7D31"/>
       </a:accent2>
       <a:accent3>
-        <a:srgbClr val="a5a5a5"/>
+        <a:srgbClr val="A5A5A5"/>
       </a:accent3>
       <a:accent4>
-        <a:srgbClr val="ffc000"/>
+        <a:srgbClr val="FFC000"/>
       </a:accent4>
       <a:accent5>
-        <a:srgbClr val="5b9bd5"/>
+        <a:srgbClr val="5B9BD5"/>
       </a:accent5>
       <a:accent6>
-        <a:srgbClr val="70ad47"/>
+        <a:srgbClr val="70AD47"/>
       </a:accent6>
       <a:hlink>
-        <a:srgbClr val="0563c1"/>
+        <a:srgbClr val="0563C1"/>
       </a:hlink>
       <a:folHlink>
-        <a:srgbClr val="954f72"/>
+        <a:srgbClr val="954F72"/>
       </a:folHlink>
     </a:clrScheme>
     <a:fontScheme name="Office">
@@ -6933,6 +9054,8 @@
       </a:bgFillStyleLst>
     </a:fmtScheme>
   </a:themeElements>
+  <a:objectDefaults/>
+  <a:extraClrSchemeLst/>
 </a:theme>
 </file>
 
@@ -6947,34 +9070,34 @@
         <a:sysClr val="window" lastClr="FFFFFF"/>
       </a:lt1>
       <a:dk2>
-        <a:srgbClr val="44546a"/>
+        <a:srgbClr val="44546A"/>
       </a:dk2>
       <a:lt2>
-        <a:srgbClr val="e7e6e6"/>
+        <a:srgbClr val="E7E6E6"/>
       </a:lt2>
       <a:accent1>
-        <a:srgbClr val="4472c4"/>
+        <a:srgbClr val="4472C4"/>
       </a:accent1>
       <a:accent2>
-        <a:srgbClr val="ed7d31"/>
+        <a:srgbClr val="ED7D31"/>
       </a:accent2>
       <a:accent3>
-        <a:srgbClr val="a5a5a5"/>
+        <a:srgbClr val="A5A5A5"/>
       </a:accent3>
       <a:accent4>
-        <a:srgbClr val="ffc000"/>
+        <a:srgbClr val="FFC000"/>
       </a:accent4>
       <a:accent5>
-        <a:srgbClr val="5b9bd5"/>
+        <a:srgbClr val="5B9BD5"/>
       </a:accent5>
       <a:accent6>
-        <a:srgbClr val="70ad47"/>
+        <a:srgbClr val="70AD47"/>
       </a:accent6>
       <a:hlink>
-        <a:srgbClr val="0563c1"/>
+        <a:srgbClr val="0563C1"/>
       </a:hlink>
       <a:folHlink>
-        <a:srgbClr val="954f72"/>
+        <a:srgbClr val="954F72"/>
       </a:folHlink>
     </a:clrScheme>
     <a:fontScheme name="Office">
@@ -7156,5 +9279,7 @@
       </a:bgFillStyleLst>
     </a:fmtScheme>
   </a:themeElements>
+  <a:objectDefaults/>
+  <a:extraClrSchemeLst/>
 </a:theme>
 </file>
--- a/design-patterns/introduction.pptx
+++ b/design-patterns/introduction.pptx
@@ -123,6 +123,11 @@
       </a:defRPr>
     </a:lvl9pPr>
   </p:defaultTextStyle>
+  <p:extLst>
+    <p:ext uri="{EFAFB233-063F-42B5-8137-9DF3F51BA10A}">
+      <p15:sldGuideLst xmlns:p15="http://schemas.microsoft.com/office/powerpoint/2012/main"/>
+    </p:ext>
+  </p:extLst>
 </p:presentation>
 </file>
 
@@ -340,7 +345,7 @@
               <a:rPr lang="en-US" sz="1400" b="0" strike="noStrike" spc="-1">
                 <a:latin typeface="Times New Roman"/>
               </a:rPr>
-              <a:t>‹N°›</a:t>
+              <a:t>‹#›</a:t>
             </a:fld>
             <a:endParaRPr lang="en-US" sz="1400" b="0" strike="noStrike" spc="-1">
               <a:latin typeface="Times New Roman"/>
@@ -4699,7 +4704,7 @@
                 </a:solidFill>
                 <a:latin typeface="Calibri"/>
               </a:rPr>
-              <a:t>2/11/2020</a:t>
+              <a:t>3/23/2022</a:t>
             </a:fld>
             <a:endParaRPr lang="en-US" sz="1200" b="0" strike="noStrike" spc="-1">
               <a:latin typeface="Times New Roman"/>
@@ -4771,7 +4776,7 @@
                 </a:solidFill>
                 <a:latin typeface="Calibri"/>
               </a:rPr>
-              <a:t>‹N°›</a:t>
+              <a:t>‹#›</a:t>
             </a:fld>
             <a:endParaRPr lang="en-US" sz="1200" b="0" strike="noStrike" spc="-1">
               <a:latin typeface="Times New Roman"/>
@@ -5509,7 +5514,7 @@
                 </a:solidFill>
                 <a:latin typeface="Calibri"/>
               </a:rPr>
-              <a:t>2/11/2020</a:t>
+              <a:t>3/23/2022</a:t>
             </a:fld>
             <a:endParaRPr lang="en-US" sz="1200" b="0" strike="noStrike" spc="-1">
               <a:latin typeface="Times New Roman"/>
@@ -5581,7 +5586,7 @@
                 </a:solidFill>
                 <a:latin typeface="Calibri"/>
               </a:rPr>
-              <a:t>‹N°›</a:t>
+              <a:t>‹#›</a:t>
             </a:fld>
             <a:endParaRPr lang="en-US" sz="1200" b="0" strike="noStrike" spc="-1">
               <a:latin typeface="Times New Roman"/>
@@ -7324,7 +7329,7 @@
               <a:buChar char="•"/>
             </a:pPr>
             <a:r>
-              <a:rPr lang="fr-FR" sz="2800" b="0" strike="noStrike" spc="-1">
+              <a:rPr lang="en-US" sz="2800" b="0" strike="noStrike" spc="-1" dirty="0">
                 <a:solidFill>
                   <a:srgbClr val="000000"/>
                 </a:solidFill>
@@ -7348,7 +7353,7 @@
               <a:buChar char="•"/>
             </a:pPr>
             <a:r>
-              <a:rPr lang="fr-FR" sz="2800" b="0" strike="noStrike" spc="-1">
+              <a:rPr lang="en-US" sz="2800" b="0" strike="noStrike" spc="-1" dirty="0">
                 <a:solidFill>
                   <a:srgbClr val="000000"/>
                 </a:solidFill>
@@ -7372,7 +7377,7 @@
               <a:buChar char="•"/>
             </a:pPr>
             <a:r>
-              <a:rPr lang="fr-FR" sz="2800" b="0" strike="noStrike" spc="-1">
+              <a:rPr lang="en-US" sz="2800" b="0" strike="noStrike" spc="-1" dirty="0">
                 <a:solidFill>
                   <a:srgbClr val="000000"/>
                 </a:solidFill>
@@ -7380,6 +7385,36 @@
               </a:rPr>
               <a:t>Template Method</a:t>
             </a:r>
+          </a:p>
+          <a:p>
+            <a:pPr marL="228600" indent="-228240">
+              <a:lnSpc>
+                <a:spcPct val="90000"/>
+              </a:lnSpc>
+              <a:spcBef>
+                <a:spcPts val="1001"/>
+              </a:spcBef>
+              <a:buClr>
+                <a:srgbClr val="000000"/>
+              </a:buClr>
+              <a:buFont typeface="Arial"/>
+              <a:buChar char="•"/>
+            </a:pPr>
+            <a:r>
+              <a:rPr lang="en-US" sz="2800" spc="-1" dirty="0">
+                <a:solidFill>
+                  <a:srgbClr val="000000"/>
+                </a:solidFill>
+                <a:latin typeface="Calibri"/>
+              </a:rPr>
+              <a:t>Visitor</a:t>
+            </a:r>
+            <a:endParaRPr lang="en-US" sz="2800" b="0" strike="noStrike" spc="-1" dirty="0">
+              <a:solidFill>
+                <a:srgbClr val="000000"/>
+              </a:solidFill>
+              <a:latin typeface="Calibri"/>
+            </a:endParaRPr>
           </a:p>
         </p:txBody>
       </p:sp>

--- a/design-patterns/introduction.pptx
+++ b/design-patterns/introduction.pptx
@@ -6,25 +6,33 @@
     <p:sldMasterId id="2147483661" r:id="rId2"/>
   </p:sldMasterIdLst>
   <p:notesMasterIdLst>
-    <p:notesMasterId r:id="rId19"/>
+    <p:notesMasterId r:id="rId27"/>
   </p:notesMasterIdLst>
   <p:sldIdLst>
     <p:sldId id="256" r:id="rId3"/>
-    <p:sldId id="257" r:id="rId4"/>
-    <p:sldId id="258" r:id="rId5"/>
-    <p:sldId id="259" r:id="rId6"/>
-    <p:sldId id="260" r:id="rId7"/>
-    <p:sldId id="261" r:id="rId8"/>
-    <p:sldId id="262" r:id="rId9"/>
-    <p:sldId id="263" r:id="rId10"/>
-    <p:sldId id="265" r:id="rId11"/>
-    <p:sldId id="268" r:id="rId12"/>
-    <p:sldId id="266" r:id="rId13"/>
-    <p:sldId id="269" r:id="rId14"/>
-    <p:sldId id="270" r:id="rId15"/>
-    <p:sldId id="271" r:id="rId16"/>
-    <p:sldId id="272" r:id="rId17"/>
-    <p:sldId id="267" r:id="rId18"/>
+    <p:sldId id="273" r:id="rId4"/>
+    <p:sldId id="280" r:id="rId5"/>
+    <p:sldId id="279" r:id="rId6"/>
+    <p:sldId id="278" r:id="rId7"/>
+    <p:sldId id="274" r:id="rId8"/>
+    <p:sldId id="275" r:id="rId9"/>
+    <p:sldId id="276" r:id="rId10"/>
+    <p:sldId id="277" r:id="rId11"/>
+    <p:sldId id="257" r:id="rId12"/>
+    <p:sldId id="258" r:id="rId13"/>
+    <p:sldId id="259" r:id="rId14"/>
+    <p:sldId id="260" r:id="rId15"/>
+    <p:sldId id="261" r:id="rId16"/>
+    <p:sldId id="262" r:id="rId17"/>
+    <p:sldId id="263" r:id="rId18"/>
+    <p:sldId id="265" r:id="rId19"/>
+    <p:sldId id="268" r:id="rId20"/>
+    <p:sldId id="266" r:id="rId21"/>
+    <p:sldId id="269" r:id="rId22"/>
+    <p:sldId id="270" r:id="rId23"/>
+    <p:sldId id="271" r:id="rId24"/>
+    <p:sldId id="272" r:id="rId25"/>
+    <p:sldId id="267" r:id="rId26"/>
   </p:sldIdLst>
   <p:sldSz cx="12192000" cy="6858000"/>
   <p:notesSz cx="6858000" cy="9144000"/>
@@ -549,7 +557,7 @@
               <a:rPr lang="en-US" sz="1200" b="0" strike="noStrike" spc="-1">
                 <a:latin typeface="Times New Roman"/>
               </a:rPr>
-              <a:t>3</a:t>
+              <a:t>11</a:t>
             </a:fld>
             <a:endParaRPr lang="en-US" sz="1200" b="0" strike="noStrike" spc="-1">
               <a:latin typeface="Times New Roman"/>
@@ -663,7 +671,7 @@
               <a:rPr lang="en-US" sz="1200" b="0" strike="noStrike" spc="-1">
                 <a:latin typeface="Times New Roman"/>
               </a:rPr>
-              <a:t>15</a:t>
+              <a:t>23</a:t>
             </a:fld>
             <a:endParaRPr lang="en-US" sz="1200" b="0" strike="noStrike" spc="-1">
               <a:latin typeface="Times New Roman"/>
@@ -782,7 +790,7 @@
               <a:rPr lang="en-US" sz="1200" b="0" strike="noStrike" spc="-1">
                 <a:latin typeface="Times New Roman"/>
               </a:rPr>
-              <a:t>4</a:t>
+              <a:t>12</a:t>
             </a:fld>
             <a:endParaRPr lang="en-US" sz="1200" b="0" strike="noStrike" spc="-1">
               <a:latin typeface="Times New Roman"/>
@@ -896,7 +904,7 @@
               <a:rPr lang="en-US" sz="1200" b="0" strike="noStrike" spc="-1">
                 <a:latin typeface="Times New Roman"/>
               </a:rPr>
-              <a:t>5</a:t>
+              <a:t>13</a:t>
             </a:fld>
             <a:endParaRPr lang="en-US" sz="1200" b="0" strike="noStrike" spc="-1">
               <a:latin typeface="Times New Roman"/>
@@ -1010,7 +1018,7 @@
               <a:rPr lang="en-US" sz="1200" b="0" strike="noStrike" spc="-1">
                 <a:latin typeface="Times New Roman"/>
               </a:rPr>
-              <a:t>6</a:t>
+              <a:t>14</a:t>
             </a:fld>
             <a:endParaRPr lang="en-US" sz="1200" b="0" strike="noStrike" spc="-1">
               <a:latin typeface="Times New Roman"/>
@@ -1124,7 +1132,7 @@
               <a:rPr lang="en-US" sz="1200" b="0" strike="noStrike" spc="-1">
                 <a:latin typeface="Times New Roman"/>
               </a:rPr>
-              <a:t>7</a:t>
+              <a:t>15</a:t>
             </a:fld>
             <a:endParaRPr lang="en-US" sz="1200" b="0" strike="noStrike" spc="-1">
               <a:latin typeface="Times New Roman"/>
@@ -1238,7 +1246,7 @@
               <a:rPr lang="en-US" sz="1200" b="0" strike="noStrike" spc="-1">
                 <a:latin typeface="Times New Roman"/>
               </a:rPr>
-              <a:t>8</a:t>
+              <a:t>16</a:t>
             </a:fld>
             <a:endParaRPr lang="en-US" sz="1200" b="0" strike="noStrike" spc="-1">
               <a:latin typeface="Times New Roman"/>
@@ -1352,7 +1360,7 @@
               <a:rPr lang="en-US" sz="1200" b="0" strike="noStrike" spc="-1">
                 <a:latin typeface="Times New Roman"/>
               </a:rPr>
-              <a:t>9</a:t>
+              <a:t>17</a:t>
             </a:fld>
             <a:endParaRPr lang="en-US" sz="1200" b="0" strike="noStrike" spc="-1">
               <a:latin typeface="Times New Roman"/>
@@ -1466,7 +1474,7 @@
               <a:rPr lang="en-US" sz="1200" b="0" strike="noStrike" spc="-1">
                 <a:latin typeface="Times New Roman"/>
               </a:rPr>
-              <a:t>10</a:t>
+              <a:t>18</a:t>
             </a:fld>
             <a:endParaRPr lang="en-US" sz="1200" b="0" strike="noStrike" spc="-1">
               <a:latin typeface="Times New Roman"/>
@@ -1585,7 +1593,7 @@
               <a:rPr lang="en-US" sz="1200" b="0" strike="noStrike" spc="-1">
                 <a:latin typeface="Times New Roman"/>
               </a:rPr>
-              <a:t>14</a:t>
+              <a:t>22</a:t>
             </a:fld>
             <a:endParaRPr lang="en-US" sz="1200" b="0" strike="noStrike" spc="-1">
               <a:latin typeface="Times New Roman"/>
@@ -4704,7 +4712,7 @@
                 </a:solidFill>
                 <a:latin typeface="Calibri"/>
               </a:rPr>
-              <a:t>3/23/2022</a:t>
+              <a:t>7/16/2022</a:t>
             </a:fld>
             <a:endParaRPr lang="en-US" sz="1200" b="0" strike="noStrike" spc="-1">
               <a:latin typeface="Times New Roman"/>
@@ -5514,7 +5522,7 @@
                 </a:solidFill>
                 <a:latin typeface="Calibri"/>
               </a:rPr>
-              <a:t>3/23/2022</a:t>
+              <a:t>7/16/2022</a:t>
             </a:fld>
             <a:endParaRPr lang="en-US" sz="1200" b="0" strike="noStrike" spc="-1">
               <a:latin typeface="Times New Roman"/>
@@ -5995,6 +6003,1221 @@
 <file path=ppt/slides/slide10.xml><?xml version="1.0" encoding="utf-8"?>
 <p:sld xmlns:a="http://schemas.openxmlformats.org/drawingml/2006/main" xmlns:r="http://schemas.openxmlformats.org/officeDocument/2006/relationships" xmlns:p="http://schemas.openxmlformats.org/presentationml/2006/main">
   <p:cSld>
+    <p:spTree>
+      <p:nvGrpSpPr>
+        <p:cNvPr id="1" name=""/>
+        <p:cNvGrpSpPr/>
+        <p:nvPr/>
+      </p:nvGrpSpPr>
+      <p:grpSpPr>
+        <a:xfrm>
+          <a:off x="0" y="0"/>
+          <a:ext cx="0" cy="0"/>
+          <a:chOff x="0" y="0"/>
+          <a:chExt cx="0" cy="0"/>
+        </a:xfrm>
+      </p:grpSpPr>
+      <p:sp>
+        <p:nvSpPr>
+          <p:cNvPr id="89" name="TextShape 1"/>
+          <p:cNvSpPr txBox="1"/>
+          <p:nvPr/>
+        </p:nvSpPr>
+        <p:spPr>
+          <a:xfrm>
+            <a:off x="838080" y="365040"/>
+            <a:ext cx="10515240" cy="1325160"/>
+          </a:xfrm>
+          <a:prstGeom prst="rect">
+            <a:avLst/>
+          </a:prstGeom>
+          <a:noFill/>
+          <a:ln>
+            <a:noFill/>
+          </a:ln>
+        </p:spPr>
+        <p:txBody>
+          <a:bodyPr anchor="ctr"/>
+          <a:lstStyle/>
+          <a:p>
+            <a:pPr>
+              <a:lnSpc>
+                <a:spcPct val="90000"/>
+              </a:lnSpc>
+            </a:pPr>
+            <a:r>
+              <a:rPr lang="fr-FR" sz="4400" b="0" strike="noStrike" spc="-1" dirty="0" err="1">
+                <a:solidFill>
+                  <a:srgbClr val="000000"/>
+                </a:solidFill>
+                <a:latin typeface="Calibri Light"/>
+              </a:rPr>
+              <a:t>Creational</a:t>
+            </a:r>
+            <a:r>
+              <a:rPr lang="fr-FR" sz="4400" b="0" strike="noStrike" spc="-1" dirty="0">
+                <a:solidFill>
+                  <a:srgbClr val="000000"/>
+                </a:solidFill>
+                <a:latin typeface="Calibri Light"/>
+              </a:rPr>
+              <a:t> Patterns</a:t>
+            </a:r>
+            <a:endParaRPr lang="fr-FR" sz="4400" b="0" strike="noStrike" spc="-1" dirty="0">
+              <a:solidFill>
+                <a:srgbClr val="000000"/>
+              </a:solidFill>
+              <a:latin typeface="Calibri"/>
+            </a:endParaRPr>
+          </a:p>
+        </p:txBody>
+      </p:sp>
+      <p:sp>
+        <p:nvSpPr>
+          <p:cNvPr id="90" name="TextShape 2"/>
+          <p:cNvSpPr txBox="1"/>
+          <p:nvPr/>
+        </p:nvSpPr>
+        <p:spPr>
+          <a:xfrm>
+            <a:off x="838080" y="1825560"/>
+            <a:ext cx="10515240" cy="4350960"/>
+          </a:xfrm>
+          <a:prstGeom prst="rect">
+            <a:avLst/>
+          </a:prstGeom>
+          <a:noFill/>
+          <a:ln>
+            <a:noFill/>
+          </a:ln>
+        </p:spPr>
+        <p:txBody>
+          <a:bodyPr/>
+          <a:lstStyle/>
+          <a:p>
+            <a:pPr marL="228600" indent="-228240">
+              <a:lnSpc>
+                <a:spcPct val="90000"/>
+              </a:lnSpc>
+              <a:spcBef>
+                <a:spcPts val="1001"/>
+              </a:spcBef>
+              <a:buClr>
+                <a:srgbClr val="000000"/>
+              </a:buClr>
+              <a:buFont typeface="Arial"/>
+              <a:buChar char="•"/>
+            </a:pPr>
+            <a:r>
+              <a:rPr lang="fr-FR" sz="2800" b="0" strike="noStrike" spc="-1" dirty="0">
+                <a:solidFill>
+                  <a:srgbClr val="000000"/>
+                </a:solidFill>
+                <a:latin typeface="Calibri"/>
+              </a:rPr>
+              <a:t>Abstract </a:t>
+            </a:r>
+            <a:r>
+              <a:rPr lang="fr-FR" sz="2800" b="0" strike="noStrike" spc="-1" dirty="0" err="1">
+                <a:solidFill>
+                  <a:srgbClr val="000000"/>
+                </a:solidFill>
+                <a:latin typeface="Calibri"/>
+              </a:rPr>
+              <a:t>Factory</a:t>
+            </a:r>
+            <a:endParaRPr lang="fr-FR" sz="2800" b="0" strike="noStrike" spc="-1" dirty="0">
+              <a:solidFill>
+                <a:srgbClr val="000000"/>
+              </a:solidFill>
+              <a:latin typeface="Calibri"/>
+            </a:endParaRPr>
+          </a:p>
+          <a:p>
+            <a:pPr marL="228600" indent="-228240">
+              <a:lnSpc>
+                <a:spcPct val="90000"/>
+              </a:lnSpc>
+              <a:spcBef>
+                <a:spcPts val="1001"/>
+              </a:spcBef>
+              <a:buClr>
+                <a:srgbClr val="000000"/>
+              </a:buClr>
+              <a:buFont typeface="Arial"/>
+              <a:buChar char="•"/>
+            </a:pPr>
+            <a:r>
+              <a:rPr lang="fr-FR" sz="2800" b="0" strike="noStrike" spc="-1" dirty="0" err="1">
+                <a:solidFill>
+                  <a:srgbClr val="000000"/>
+                </a:solidFill>
+                <a:latin typeface="Calibri"/>
+              </a:rPr>
+              <a:t>Factory</a:t>
+            </a:r>
+            <a:r>
+              <a:rPr lang="fr-FR" sz="2800" b="0" strike="noStrike" spc="-1" dirty="0">
+                <a:solidFill>
+                  <a:srgbClr val="000000"/>
+                </a:solidFill>
+                <a:latin typeface="Calibri"/>
+              </a:rPr>
+              <a:t> Method</a:t>
+            </a:r>
+          </a:p>
+        </p:txBody>
+      </p:sp>
+    </p:spTree>
+  </p:cSld>
+  <p:clrMapOvr>
+    <a:masterClrMapping/>
+  </p:clrMapOvr>
+  <p:timing>
+    <p:tnLst>
+      <p:par>
+        <p:cTn id="1" dur="indefinite" restart="never" nodeType="tmRoot">
+          <p:childTnLst>
+            <p:seq>
+              <p:cTn id="2" dur="indefinite" nodeType="mainSeq"/>
+              <p:prevCondLst>
+                <p:cond evt="onPrev" delay="0">
+                  <p:tgtEl>
+                    <p:sldTgt/>
+                  </p:tgtEl>
+                </p:cond>
+              </p:prevCondLst>
+              <p:nextCondLst>
+                <p:cond evt="onNext" delay="0">
+                  <p:tgtEl>
+                    <p:sldTgt/>
+                  </p:tgtEl>
+                </p:cond>
+              </p:nextCondLst>
+            </p:seq>
+          </p:childTnLst>
+        </p:cTn>
+      </p:par>
+    </p:tnLst>
+  </p:timing>
+</p:sld>
+</file>
+
+<file path=ppt/slides/slide11.xml><?xml version="1.0" encoding="utf-8"?>
+<p:sld xmlns:a="http://schemas.openxmlformats.org/drawingml/2006/main" xmlns:r="http://schemas.openxmlformats.org/officeDocument/2006/relationships" xmlns:p="http://schemas.openxmlformats.org/presentationml/2006/main">
+  <p:cSld>
+    <p:bg>
+      <p:bgPr>
+        <a:solidFill>
+          <a:srgbClr val="FFFFFF"/>
+        </a:solidFill>
+        <a:effectLst/>
+      </p:bgPr>
+    </p:bg>
+    <p:spTree>
+      <p:nvGrpSpPr>
+        <p:cNvPr id="1" name=""/>
+        <p:cNvGrpSpPr/>
+        <p:nvPr/>
+      </p:nvGrpSpPr>
+      <p:grpSpPr>
+        <a:xfrm>
+          <a:off x="0" y="0"/>
+          <a:ext cx="0" cy="0"/>
+          <a:chOff x="0" y="0"/>
+          <a:chExt cx="0" cy="0"/>
+        </a:xfrm>
+      </p:grpSpPr>
+      <p:sp>
+        <p:nvSpPr>
+          <p:cNvPr id="91" name="TextShape 1"/>
+          <p:cNvSpPr txBox="1"/>
+          <p:nvPr/>
+        </p:nvSpPr>
+        <p:spPr>
+          <a:xfrm>
+            <a:off x="838080" y="365040"/>
+            <a:ext cx="10515240" cy="1325160"/>
+          </a:xfrm>
+          <a:prstGeom prst="rect">
+            <a:avLst/>
+          </a:prstGeom>
+          <a:noFill/>
+          <a:ln>
+            <a:noFill/>
+          </a:ln>
+        </p:spPr>
+        <p:txBody>
+          <a:bodyPr anchor="ctr">
+            <a:normAutofit/>
+          </a:bodyPr>
+          <a:lstStyle/>
+          <a:p>
+            <a:pPr>
+              <a:lnSpc>
+                <a:spcPct val="90000"/>
+              </a:lnSpc>
+            </a:pPr>
+            <a:r>
+              <a:rPr lang="fr-FR" sz="4400" b="0" strike="noStrike" spc="-1">
+                <a:solidFill>
+                  <a:srgbClr val="000000"/>
+                </a:solidFill>
+                <a:latin typeface="Calibri Light"/>
+              </a:rPr>
+              <a:t>Abstract Factory - Problem</a:t>
+            </a:r>
+            <a:endParaRPr lang="fr-FR" sz="4400" b="0" strike="noStrike" spc="-1">
+              <a:solidFill>
+                <a:srgbClr val="000000"/>
+              </a:solidFill>
+              <a:latin typeface="Calibri"/>
+            </a:endParaRPr>
+          </a:p>
+        </p:txBody>
+      </p:sp>
+      <p:pic>
+        <p:nvPicPr>
+          <p:cNvPr id="2" name="Image 1">
+            <a:extLst>
+              <a:ext uri="{FF2B5EF4-FFF2-40B4-BE49-F238E27FC236}">
+                <a16:creationId xmlns:a16="http://schemas.microsoft.com/office/drawing/2014/main" id="{3DF15DA1-FE50-403C-A66B-D0463809EC5D}"/>
+              </a:ext>
+            </a:extLst>
+          </p:cNvPr>
+          <p:cNvPicPr>
+            <a:picLocks noChangeAspect="1"/>
+          </p:cNvPicPr>
+          <p:nvPr/>
+        </p:nvPicPr>
+        <p:blipFill>
+          <a:blip r:embed="rId3"/>
+          <a:stretch>
+            <a:fillRect/>
+          </a:stretch>
+        </p:blipFill>
+        <p:spPr>
+          <a:xfrm>
+            <a:off x="2809875" y="1985962"/>
+            <a:ext cx="6572250" cy="2886075"/>
+          </a:xfrm>
+          <a:prstGeom prst="rect">
+            <a:avLst/>
+          </a:prstGeom>
+        </p:spPr>
+      </p:pic>
+    </p:spTree>
+  </p:cSld>
+  <p:clrMapOvr>
+    <a:masterClrMapping/>
+  </p:clrMapOvr>
+  <p:timing>
+    <p:tnLst>
+      <p:par>
+        <p:cTn id="1" dur="indefinite" restart="never" nodeType="tmRoot">
+          <p:childTnLst>
+            <p:seq>
+              <p:cTn id="2" dur="indefinite" nodeType="mainSeq"/>
+              <p:prevCondLst>
+                <p:cond evt="onPrev" delay="0">
+                  <p:tgtEl>
+                    <p:sldTgt/>
+                  </p:tgtEl>
+                </p:cond>
+              </p:prevCondLst>
+              <p:nextCondLst>
+                <p:cond evt="onNext" delay="0">
+                  <p:tgtEl>
+                    <p:sldTgt/>
+                  </p:tgtEl>
+                </p:cond>
+              </p:nextCondLst>
+            </p:seq>
+          </p:childTnLst>
+        </p:cTn>
+      </p:par>
+    </p:tnLst>
+  </p:timing>
+</p:sld>
+</file>
+
+<file path=ppt/slides/slide12.xml><?xml version="1.0" encoding="utf-8"?>
+<p:sld xmlns:a="http://schemas.openxmlformats.org/drawingml/2006/main" xmlns:r="http://schemas.openxmlformats.org/officeDocument/2006/relationships" xmlns:p="http://schemas.openxmlformats.org/presentationml/2006/main">
+  <p:cSld>
+    <p:bg>
+      <p:bgPr>
+        <a:solidFill>
+          <a:srgbClr val="FFFFFF"/>
+        </a:solidFill>
+        <a:effectLst/>
+      </p:bgPr>
+    </p:bg>
+    <p:spTree>
+      <p:nvGrpSpPr>
+        <p:cNvPr id="1" name=""/>
+        <p:cNvGrpSpPr/>
+        <p:nvPr/>
+      </p:nvGrpSpPr>
+      <p:grpSpPr>
+        <a:xfrm>
+          <a:off x="0" y="0"/>
+          <a:ext cx="0" cy="0"/>
+          <a:chOff x="0" y="0"/>
+          <a:chExt cx="0" cy="0"/>
+        </a:xfrm>
+      </p:grpSpPr>
+      <p:sp>
+        <p:nvSpPr>
+          <p:cNvPr id="93" name="TextShape 1"/>
+          <p:cNvSpPr txBox="1"/>
+          <p:nvPr/>
+        </p:nvSpPr>
+        <p:spPr>
+          <a:xfrm>
+            <a:off x="838080" y="365040"/>
+            <a:ext cx="10515240" cy="1325160"/>
+          </a:xfrm>
+          <a:prstGeom prst="rect">
+            <a:avLst/>
+          </a:prstGeom>
+          <a:noFill/>
+          <a:ln>
+            <a:noFill/>
+          </a:ln>
+        </p:spPr>
+        <p:txBody>
+          <a:bodyPr anchor="ctr">
+            <a:normAutofit/>
+          </a:bodyPr>
+          <a:lstStyle/>
+          <a:p>
+            <a:pPr>
+              <a:lnSpc>
+                <a:spcPct val="90000"/>
+              </a:lnSpc>
+            </a:pPr>
+            <a:r>
+              <a:rPr lang="fr-FR" sz="4400" b="0" strike="noStrike" spc="-1">
+                <a:solidFill>
+                  <a:srgbClr val="000000"/>
+                </a:solidFill>
+                <a:latin typeface="Calibri Light"/>
+              </a:rPr>
+              <a:t>Abstract Factory - Solution</a:t>
+            </a:r>
+            <a:endParaRPr lang="fr-FR" sz="4400" b="0" strike="noStrike" spc="-1">
+              <a:solidFill>
+                <a:srgbClr val="000000"/>
+              </a:solidFill>
+              <a:latin typeface="Calibri"/>
+            </a:endParaRPr>
+          </a:p>
+        </p:txBody>
+      </p:sp>
+      <p:pic>
+        <p:nvPicPr>
+          <p:cNvPr id="94" name="Image 93"/>
+          <p:cNvPicPr/>
+          <p:nvPr/>
+        </p:nvPicPr>
+        <p:blipFill>
+          <a:blip r:embed="rId3"/>
+          <a:stretch/>
+        </p:blipFill>
+        <p:spPr>
+          <a:xfrm>
+            <a:off x="3030480" y="2485440"/>
+            <a:ext cx="6162480" cy="1914120"/>
+          </a:xfrm>
+          <a:prstGeom prst="rect">
+            <a:avLst/>
+          </a:prstGeom>
+          <a:ln>
+            <a:noFill/>
+          </a:ln>
+        </p:spPr>
+      </p:pic>
+    </p:spTree>
+  </p:cSld>
+  <p:clrMapOvr>
+    <a:masterClrMapping/>
+  </p:clrMapOvr>
+  <p:timing>
+    <p:tnLst>
+      <p:par>
+        <p:cTn id="1" dur="indefinite" restart="never" nodeType="tmRoot">
+          <p:childTnLst>
+            <p:seq>
+              <p:cTn id="2" dur="indefinite" nodeType="mainSeq"/>
+              <p:prevCondLst>
+                <p:cond evt="onPrev" delay="0">
+                  <p:tgtEl>
+                    <p:sldTgt/>
+                  </p:tgtEl>
+                </p:cond>
+              </p:prevCondLst>
+              <p:nextCondLst>
+                <p:cond evt="onNext" delay="0">
+                  <p:tgtEl>
+                    <p:sldTgt/>
+                  </p:tgtEl>
+                </p:cond>
+              </p:nextCondLst>
+            </p:seq>
+          </p:childTnLst>
+        </p:cTn>
+      </p:par>
+    </p:tnLst>
+  </p:timing>
+</p:sld>
+</file>
+
+<file path=ppt/slides/slide13.xml><?xml version="1.0" encoding="utf-8"?>
+<p:sld xmlns:a="http://schemas.openxmlformats.org/drawingml/2006/main" xmlns:r="http://schemas.openxmlformats.org/officeDocument/2006/relationships" xmlns:p="http://schemas.openxmlformats.org/presentationml/2006/main">
+  <p:cSld>
+    <p:bg>
+      <p:bgPr>
+        <a:solidFill>
+          <a:srgbClr val="FFFFFF"/>
+        </a:solidFill>
+        <a:effectLst/>
+      </p:bgPr>
+    </p:bg>
+    <p:spTree>
+      <p:nvGrpSpPr>
+        <p:cNvPr id="1" name=""/>
+        <p:cNvGrpSpPr/>
+        <p:nvPr/>
+      </p:nvGrpSpPr>
+      <p:grpSpPr>
+        <a:xfrm>
+          <a:off x="0" y="0"/>
+          <a:ext cx="0" cy="0"/>
+          <a:chOff x="0" y="0"/>
+          <a:chExt cx="0" cy="0"/>
+        </a:xfrm>
+      </p:grpSpPr>
+      <p:sp>
+        <p:nvSpPr>
+          <p:cNvPr id="95" name="TextShape 1"/>
+          <p:cNvSpPr txBox="1"/>
+          <p:nvPr/>
+        </p:nvSpPr>
+        <p:spPr>
+          <a:xfrm>
+            <a:off x="838080" y="365040"/>
+            <a:ext cx="10515240" cy="1325160"/>
+          </a:xfrm>
+          <a:prstGeom prst="rect">
+            <a:avLst/>
+          </a:prstGeom>
+          <a:noFill/>
+          <a:ln>
+            <a:noFill/>
+          </a:ln>
+        </p:spPr>
+        <p:txBody>
+          <a:bodyPr anchor="ctr">
+            <a:normAutofit/>
+          </a:bodyPr>
+          <a:lstStyle/>
+          <a:p>
+            <a:pPr>
+              <a:lnSpc>
+                <a:spcPct val="90000"/>
+              </a:lnSpc>
+            </a:pPr>
+            <a:r>
+              <a:rPr lang="fr-FR" sz="4400" b="0" strike="noStrike" spc="-1">
+                <a:solidFill>
+                  <a:srgbClr val="000000"/>
+                </a:solidFill>
+                <a:latin typeface="Calibri Light"/>
+              </a:rPr>
+              <a:t>Abstract Factory - Solution</a:t>
+            </a:r>
+            <a:endParaRPr lang="fr-FR" sz="4400" b="0" strike="noStrike" spc="-1">
+              <a:solidFill>
+                <a:srgbClr val="000000"/>
+              </a:solidFill>
+              <a:latin typeface="Calibri"/>
+            </a:endParaRPr>
+          </a:p>
+        </p:txBody>
+      </p:sp>
+      <p:pic>
+        <p:nvPicPr>
+          <p:cNvPr id="96" name="Image 95"/>
+          <p:cNvPicPr/>
+          <p:nvPr/>
+        </p:nvPicPr>
+        <p:blipFill>
+          <a:blip r:embed="rId3"/>
+          <a:stretch/>
+        </p:blipFill>
+        <p:spPr>
+          <a:xfrm>
+            <a:off x="2392200" y="1794960"/>
+            <a:ext cx="7438680" cy="3295440"/>
+          </a:xfrm>
+          <a:prstGeom prst="rect">
+            <a:avLst/>
+          </a:prstGeom>
+          <a:ln>
+            <a:noFill/>
+          </a:ln>
+        </p:spPr>
+      </p:pic>
+    </p:spTree>
+  </p:cSld>
+  <p:clrMapOvr>
+    <a:masterClrMapping/>
+  </p:clrMapOvr>
+  <p:timing>
+    <p:tnLst>
+      <p:par>
+        <p:cTn id="1" dur="indefinite" restart="never" nodeType="tmRoot">
+          <p:childTnLst>
+            <p:seq>
+              <p:cTn id="2" dur="indefinite" nodeType="mainSeq"/>
+              <p:prevCondLst>
+                <p:cond evt="onPrev" delay="0">
+                  <p:tgtEl>
+                    <p:sldTgt/>
+                  </p:tgtEl>
+                </p:cond>
+              </p:prevCondLst>
+              <p:nextCondLst>
+                <p:cond evt="onNext" delay="0">
+                  <p:tgtEl>
+                    <p:sldTgt/>
+                  </p:tgtEl>
+                </p:cond>
+              </p:nextCondLst>
+            </p:seq>
+          </p:childTnLst>
+        </p:cTn>
+      </p:par>
+    </p:tnLst>
+  </p:timing>
+</p:sld>
+</file>
+
+<file path=ppt/slides/slide14.xml><?xml version="1.0" encoding="utf-8"?>
+<p:sld xmlns:a="http://schemas.openxmlformats.org/drawingml/2006/main" xmlns:r="http://schemas.openxmlformats.org/officeDocument/2006/relationships" xmlns:p="http://schemas.openxmlformats.org/presentationml/2006/main">
+  <p:cSld>
+    <p:bg>
+      <p:bgPr>
+        <a:solidFill>
+          <a:srgbClr val="FFFFFF"/>
+        </a:solidFill>
+        <a:effectLst/>
+      </p:bgPr>
+    </p:bg>
+    <p:spTree>
+      <p:nvGrpSpPr>
+        <p:cNvPr id="1" name=""/>
+        <p:cNvGrpSpPr/>
+        <p:nvPr/>
+      </p:nvGrpSpPr>
+      <p:grpSpPr>
+        <a:xfrm>
+          <a:off x="0" y="0"/>
+          <a:ext cx="0" cy="0"/>
+          <a:chOff x="0" y="0"/>
+          <a:chExt cx="0" cy="0"/>
+        </a:xfrm>
+      </p:grpSpPr>
+      <p:sp>
+        <p:nvSpPr>
+          <p:cNvPr id="97" name="TextShape 1"/>
+          <p:cNvSpPr txBox="1"/>
+          <p:nvPr/>
+        </p:nvSpPr>
+        <p:spPr>
+          <a:xfrm>
+            <a:off x="838080" y="365040"/>
+            <a:ext cx="10515240" cy="1325160"/>
+          </a:xfrm>
+          <a:prstGeom prst="rect">
+            <a:avLst/>
+          </a:prstGeom>
+          <a:noFill/>
+          <a:ln>
+            <a:noFill/>
+          </a:ln>
+        </p:spPr>
+        <p:txBody>
+          <a:bodyPr anchor="ctr">
+            <a:normAutofit/>
+          </a:bodyPr>
+          <a:lstStyle/>
+          <a:p>
+            <a:pPr>
+              <a:lnSpc>
+                <a:spcPct val="90000"/>
+              </a:lnSpc>
+            </a:pPr>
+            <a:r>
+              <a:rPr lang="fr-FR" sz="4400" b="0" strike="noStrike" spc="-1">
+                <a:solidFill>
+                  <a:srgbClr val="000000"/>
+                </a:solidFill>
+                <a:latin typeface="Calibri Light"/>
+                <a:ea typeface="Noto Sans CJK SC"/>
+              </a:rPr>
+              <a:t>Abstract Factory - </a:t>
+            </a:r>
+            <a:r>
+              <a:rPr lang="fr-FR" sz="4400" b="0" strike="noStrike" spc="-1">
+                <a:solidFill>
+                  <a:srgbClr val="000000"/>
+                </a:solidFill>
+                <a:latin typeface="Calibri Light"/>
+              </a:rPr>
+              <a:t>Takeaway</a:t>
+            </a:r>
+            <a:endParaRPr lang="fr-FR" sz="4400" b="0" strike="noStrike" spc="-1">
+              <a:solidFill>
+                <a:srgbClr val="000000"/>
+              </a:solidFill>
+              <a:latin typeface="Calibri"/>
+            </a:endParaRPr>
+          </a:p>
+        </p:txBody>
+      </p:sp>
+      <p:sp>
+        <p:nvSpPr>
+          <p:cNvPr id="98" name="TextShape 2"/>
+          <p:cNvSpPr txBox="1"/>
+          <p:nvPr/>
+        </p:nvSpPr>
+        <p:spPr>
+          <a:xfrm>
+            <a:off x="838080" y="1825560"/>
+            <a:ext cx="10515240" cy="4350960"/>
+          </a:xfrm>
+          <a:prstGeom prst="rect">
+            <a:avLst/>
+          </a:prstGeom>
+          <a:noFill/>
+          <a:ln>
+            <a:noFill/>
+          </a:ln>
+        </p:spPr>
+        <p:txBody>
+          <a:bodyPr lIns="0" tIns="0" rIns="0" bIns="0">
+            <a:normAutofit/>
+          </a:bodyPr>
+          <a:lstStyle/>
+          <a:p>
+            <a:pPr marL="432000" indent="-324000">
+              <a:spcBef>
+                <a:spcPts val="1417"/>
+              </a:spcBef>
+              <a:buClr>
+                <a:srgbClr val="000000"/>
+              </a:buClr>
+              <a:buSzPct val="45000"/>
+              <a:buFont typeface="Wingdings" charset="2"/>
+              <a:buChar char=""/>
+            </a:pPr>
+            <a:r>
+              <a:rPr lang="fr-FR" sz="6000" b="0" strike="noStrike" spc="-1">
+                <a:solidFill>
+                  <a:srgbClr val="000000"/>
+                </a:solidFill>
+                <a:latin typeface="Calibri"/>
+              </a:rPr>
+              <a:t>Provide a way for creating </a:t>
+            </a:r>
+            <a:r>
+              <a:rPr lang="fr-FR" sz="6000" b="1" strike="noStrike" spc="-1">
+                <a:solidFill>
+                  <a:srgbClr val="000000"/>
+                </a:solidFill>
+                <a:latin typeface="Calibri"/>
+              </a:rPr>
+              <a:t>families</a:t>
+            </a:r>
+            <a:r>
+              <a:rPr lang="fr-FR" sz="6000" b="0" strike="noStrike" spc="-1">
+                <a:solidFill>
+                  <a:srgbClr val="000000"/>
+                </a:solidFill>
+                <a:latin typeface="Calibri"/>
+              </a:rPr>
+              <a:t> (of related) objects without specifying their concrete classes. </a:t>
+            </a:r>
+          </a:p>
+        </p:txBody>
+      </p:sp>
+    </p:spTree>
+  </p:cSld>
+  <p:clrMapOvr>
+    <a:masterClrMapping/>
+  </p:clrMapOvr>
+  <p:timing>
+    <p:tnLst>
+      <p:par>
+        <p:cTn id="1" dur="indefinite" restart="never" nodeType="tmRoot">
+          <p:childTnLst>
+            <p:seq>
+              <p:cTn id="2" dur="indefinite" nodeType="mainSeq"/>
+              <p:prevCondLst>
+                <p:cond evt="onPrev" delay="0">
+                  <p:tgtEl>
+                    <p:sldTgt/>
+                  </p:tgtEl>
+                </p:cond>
+              </p:prevCondLst>
+              <p:nextCondLst>
+                <p:cond evt="onNext" delay="0">
+                  <p:tgtEl>
+                    <p:sldTgt/>
+                  </p:tgtEl>
+                </p:cond>
+              </p:nextCondLst>
+            </p:seq>
+          </p:childTnLst>
+        </p:cTn>
+      </p:par>
+    </p:tnLst>
+  </p:timing>
+</p:sld>
+</file>
+
+<file path=ppt/slides/slide15.xml><?xml version="1.0" encoding="utf-8"?>
+<p:sld xmlns:a="http://schemas.openxmlformats.org/drawingml/2006/main" xmlns:r="http://schemas.openxmlformats.org/officeDocument/2006/relationships" xmlns:p="http://schemas.openxmlformats.org/presentationml/2006/main">
+  <p:cSld>
+    <p:bg>
+      <p:bgPr>
+        <a:solidFill>
+          <a:schemeClr val="bg1"/>
+        </a:solidFill>
+        <a:effectLst/>
+      </p:bgPr>
+    </p:bg>
+    <p:spTree>
+      <p:nvGrpSpPr>
+        <p:cNvPr id="1" name=""/>
+        <p:cNvGrpSpPr/>
+        <p:nvPr/>
+      </p:nvGrpSpPr>
+      <p:grpSpPr>
+        <a:xfrm>
+          <a:off x="0" y="0"/>
+          <a:ext cx="0" cy="0"/>
+          <a:chOff x="0" y="0"/>
+          <a:chExt cx="0" cy="0"/>
+        </a:xfrm>
+      </p:grpSpPr>
+      <p:sp>
+        <p:nvSpPr>
+          <p:cNvPr id="99" name="TextShape 1"/>
+          <p:cNvSpPr txBox="1"/>
+          <p:nvPr/>
+        </p:nvSpPr>
+        <p:spPr>
+          <a:xfrm>
+            <a:off x="838199" y="291090"/>
+            <a:ext cx="10515599" cy="932688"/>
+          </a:xfrm>
+          <a:prstGeom prst="rect">
+            <a:avLst/>
+          </a:prstGeom>
+        </p:spPr>
+        <p:txBody>
+          <a:bodyPr vert="horz" lIns="91440" tIns="45720" rIns="91440" bIns="45720" rtlCol="0" anchor="b">
+            <a:normAutofit/>
+          </a:bodyPr>
+          <a:lstStyle/>
+          <a:p>
+            <a:pPr>
+              <a:lnSpc>
+                <a:spcPct val="90000"/>
+              </a:lnSpc>
+              <a:spcBef>
+                <a:spcPct val="0"/>
+              </a:spcBef>
+              <a:spcAft>
+                <a:spcPts val="600"/>
+              </a:spcAft>
+            </a:pPr>
+            <a:r>
+              <a:rPr lang="en-US" sz="4800" b="0" strike="noStrike" kern="1200" spc="-1" dirty="0">
+                <a:solidFill>
+                  <a:schemeClr val="tx1"/>
+                </a:solidFill>
+                <a:latin typeface="+mj-lt"/>
+                <a:ea typeface="+mj-ea"/>
+                <a:cs typeface="+mj-cs"/>
+              </a:rPr>
+              <a:t>Factory Method - Problem</a:t>
+            </a:r>
+          </a:p>
+        </p:txBody>
+      </p:sp>
+      <p:pic>
+        <p:nvPicPr>
+          <p:cNvPr id="2" name="Image 1">
+            <a:extLst>
+              <a:ext uri="{FF2B5EF4-FFF2-40B4-BE49-F238E27FC236}">
+                <a16:creationId xmlns:a16="http://schemas.microsoft.com/office/drawing/2014/main" id="{52CE666F-5BA0-4B96-A3FD-6164D895ECEA}"/>
+              </a:ext>
+            </a:extLst>
+          </p:cNvPr>
+          <p:cNvPicPr>
+            <a:picLocks noChangeAspect="1"/>
+          </p:cNvPicPr>
+          <p:nvPr/>
+        </p:nvPicPr>
+        <p:blipFill>
+          <a:blip r:embed="rId3"/>
+          <a:stretch>
+            <a:fillRect/>
+          </a:stretch>
+        </p:blipFill>
+        <p:spPr>
+          <a:xfrm>
+            <a:off x="838200" y="2782868"/>
+            <a:ext cx="10515599" cy="2602611"/>
+          </a:xfrm>
+          <a:prstGeom prst="rect">
+            <a:avLst/>
+          </a:prstGeom>
+        </p:spPr>
+      </p:pic>
+    </p:spTree>
+  </p:cSld>
+  <p:clrMapOvr>
+    <a:masterClrMapping/>
+  </p:clrMapOvr>
+  <p:timing>
+    <p:tnLst>
+      <p:par>
+        <p:cTn id="1" dur="indefinite" restart="never" nodeType="tmRoot">
+          <p:childTnLst>
+            <p:seq>
+              <p:cTn id="2" dur="indefinite" nodeType="mainSeq"/>
+              <p:prevCondLst>
+                <p:cond evt="onPrev" delay="0">
+                  <p:tgtEl>
+                    <p:sldTgt/>
+                  </p:tgtEl>
+                </p:cond>
+              </p:prevCondLst>
+              <p:nextCondLst>
+                <p:cond evt="onNext" delay="0">
+                  <p:tgtEl>
+                    <p:sldTgt/>
+                  </p:tgtEl>
+                </p:cond>
+              </p:nextCondLst>
+            </p:seq>
+          </p:childTnLst>
+        </p:cTn>
+      </p:par>
+    </p:tnLst>
+  </p:timing>
+</p:sld>
+</file>
+
+<file path=ppt/slides/slide16.xml><?xml version="1.0" encoding="utf-8"?>
+<p:sld xmlns:a="http://schemas.openxmlformats.org/drawingml/2006/main" xmlns:r="http://schemas.openxmlformats.org/officeDocument/2006/relationships" xmlns:p="http://schemas.openxmlformats.org/presentationml/2006/main">
+  <p:cSld>
+    <p:bg>
+      <p:bgPr>
+        <a:solidFill>
+          <a:schemeClr val="bg1"/>
+        </a:solidFill>
+        <a:effectLst/>
+      </p:bgPr>
+    </p:bg>
+    <p:spTree>
+      <p:nvGrpSpPr>
+        <p:cNvPr id="1" name=""/>
+        <p:cNvGrpSpPr/>
+        <p:nvPr/>
+      </p:nvGrpSpPr>
+      <p:grpSpPr>
+        <a:xfrm>
+          <a:off x="0" y="0"/>
+          <a:ext cx="0" cy="0"/>
+          <a:chOff x="0" y="0"/>
+          <a:chExt cx="0" cy="0"/>
+        </a:xfrm>
+      </p:grpSpPr>
+      <p:sp>
+        <p:nvSpPr>
+          <p:cNvPr id="100" name="TextShape 1"/>
+          <p:cNvSpPr txBox="1"/>
+          <p:nvPr/>
+        </p:nvSpPr>
+        <p:spPr>
+          <a:xfrm>
+            <a:off x="838199" y="291090"/>
+            <a:ext cx="10515599" cy="932688"/>
+          </a:xfrm>
+          <a:prstGeom prst="rect">
+            <a:avLst/>
+          </a:prstGeom>
+        </p:spPr>
+        <p:txBody>
+          <a:bodyPr vert="horz" lIns="91440" tIns="45720" rIns="91440" bIns="45720" rtlCol="0" anchor="b">
+            <a:normAutofit/>
+          </a:bodyPr>
+          <a:lstStyle/>
+          <a:p>
+            <a:pPr>
+              <a:lnSpc>
+                <a:spcPct val="90000"/>
+              </a:lnSpc>
+              <a:spcBef>
+                <a:spcPct val="0"/>
+              </a:spcBef>
+              <a:spcAft>
+                <a:spcPts val="600"/>
+              </a:spcAft>
+            </a:pPr>
+            <a:r>
+              <a:rPr lang="en-US" sz="4800" b="0" strike="noStrike" kern="1200" spc="-1" dirty="0">
+                <a:solidFill>
+                  <a:schemeClr val="tx1"/>
+                </a:solidFill>
+                <a:latin typeface="+mj-lt"/>
+                <a:ea typeface="+mj-ea"/>
+                <a:cs typeface="+mj-cs"/>
+              </a:rPr>
+              <a:t>Factory Method - Solution</a:t>
+            </a:r>
+          </a:p>
+        </p:txBody>
+      </p:sp>
+      <p:pic>
+        <p:nvPicPr>
+          <p:cNvPr id="2" name="Image 1">
+            <a:extLst>
+              <a:ext uri="{FF2B5EF4-FFF2-40B4-BE49-F238E27FC236}">
+                <a16:creationId xmlns:a16="http://schemas.microsoft.com/office/drawing/2014/main" id="{D4E5157F-F88F-4F6C-95F3-3739EF811ACB}"/>
+              </a:ext>
+            </a:extLst>
+          </p:cNvPr>
+          <p:cNvPicPr>
+            <a:picLocks noChangeAspect="1"/>
+          </p:cNvPicPr>
+          <p:nvPr/>
+        </p:nvPicPr>
+        <p:blipFill>
+          <a:blip r:embed="rId3"/>
+          <a:stretch>
+            <a:fillRect/>
+          </a:stretch>
+        </p:blipFill>
+        <p:spPr>
+          <a:xfrm>
+            <a:off x="2449345" y="1863801"/>
+            <a:ext cx="7293308" cy="4440746"/>
+          </a:xfrm>
+          <a:prstGeom prst="rect">
+            <a:avLst/>
+          </a:prstGeom>
+        </p:spPr>
+      </p:pic>
+    </p:spTree>
+  </p:cSld>
+  <p:clrMapOvr>
+    <a:masterClrMapping/>
+  </p:clrMapOvr>
+  <p:timing>
+    <p:tnLst>
+      <p:par>
+        <p:cTn id="1" dur="indefinite" restart="never" nodeType="tmRoot">
+          <p:childTnLst>
+            <p:seq>
+              <p:cTn id="2" dur="indefinite" nodeType="mainSeq"/>
+              <p:prevCondLst>
+                <p:cond evt="onPrev" delay="0">
+                  <p:tgtEl>
+                    <p:sldTgt/>
+                  </p:tgtEl>
+                </p:cond>
+              </p:prevCondLst>
+              <p:nextCondLst>
+                <p:cond evt="onNext" delay="0">
+                  <p:tgtEl>
+                    <p:sldTgt/>
+                  </p:tgtEl>
+                </p:cond>
+              </p:nextCondLst>
+            </p:seq>
+          </p:childTnLst>
+        </p:cTn>
+      </p:par>
+    </p:tnLst>
+  </p:timing>
+</p:sld>
+</file>
+
+<file path=ppt/slides/slide17.xml><?xml version="1.0" encoding="utf-8"?>
+<p:sld xmlns:a="http://schemas.openxmlformats.org/drawingml/2006/main" xmlns:r="http://schemas.openxmlformats.org/officeDocument/2006/relationships" xmlns:p="http://schemas.openxmlformats.org/presentationml/2006/main">
+  <p:cSld>
+    <p:bg>
+      <p:bgPr>
+        <a:solidFill>
+          <a:srgbClr val="FFFFFF"/>
+        </a:solidFill>
+        <a:effectLst/>
+      </p:bgPr>
+    </p:bg>
+    <p:spTree>
+      <p:nvGrpSpPr>
+        <p:cNvPr id="1" name=""/>
+        <p:cNvGrpSpPr/>
+        <p:nvPr/>
+      </p:nvGrpSpPr>
+      <p:grpSpPr>
+        <a:xfrm>
+          <a:off x="0" y="0"/>
+          <a:ext cx="0" cy="0"/>
+          <a:chOff x="0" y="0"/>
+          <a:chExt cx="0" cy="0"/>
+        </a:xfrm>
+      </p:grpSpPr>
+      <p:sp>
+        <p:nvSpPr>
+          <p:cNvPr id="102" name="TextShape 1"/>
+          <p:cNvSpPr txBox="1"/>
+          <p:nvPr/>
+        </p:nvSpPr>
+        <p:spPr>
+          <a:xfrm>
+            <a:off x="838080" y="365040"/>
+            <a:ext cx="10515240" cy="1325160"/>
+          </a:xfrm>
+          <a:prstGeom prst="rect">
+            <a:avLst/>
+          </a:prstGeom>
+          <a:noFill/>
+          <a:ln>
+            <a:noFill/>
+          </a:ln>
+        </p:spPr>
+        <p:txBody>
+          <a:bodyPr anchor="ctr">
+            <a:normAutofit/>
+          </a:bodyPr>
+          <a:lstStyle/>
+          <a:p>
+            <a:pPr>
+              <a:lnSpc>
+                <a:spcPct val="90000"/>
+              </a:lnSpc>
+            </a:pPr>
+            <a:r>
+              <a:rPr lang="en-US" sz="4400" b="0" strike="noStrike" spc="-1">
+                <a:solidFill>
+                  <a:srgbClr val="000000"/>
+                </a:solidFill>
+                <a:latin typeface="Calibri Light"/>
+              </a:rPr>
+              <a:t>Factory Method - Takeaway</a:t>
+            </a:r>
+            <a:endParaRPr lang="en-US" sz="4400" b="0" strike="noStrike" spc="-1">
+              <a:solidFill>
+                <a:srgbClr val="000000"/>
+              </a:solidFill>
+              <a:latin typeface="Calibri"/>
+            </a:endParaRPr>
+          </a:p>
+        </p:txBody>
+      </p:sp>
+      <p:sp>
+        <p:nvSpPr>
+          <p:cNvPr id="103" name="TextShape 2"/>
+          <p:cNvSpPr txBox="1"/>
+          <p:nvPr/>
+        </p:nvSpPr>
+        <p:spPr>
+          <a:xfrm>
+            <a:off x="838080" y="1825560"/>
+            <a:ext cx="10515240" cy="4350960"/>
+          </a:xfrm>
+          <a:prstGeom prst="rect">
+            <a:avLst/>
+          </a:prstGeom>
+          <a:noFill/>
+          <a:ln>
+            <a:noFill/>
+          </a:ln>
+        </p:spPr>
+        <p:txBody>
+          <a:bodyPr lIns="0" tIns="0" rIns="0" bIns="0">
+            <a:normAutofit/>
+          </a:bodyPr>
+          <a:lstStyle/>
+          <a:p>
+            <a:pPr marL="432000" indent="-324000">
+              <a:spcBef>
+                <a:spcPts val="1417"/>
+              </a:spcBef>
+              <a:buClr>
+                <a:srgbClr val="000000"/>
+              </a:buClr>
+              <a:buSzPct val="45000"/>
+              <a:buFont typeface="Wingdings" charset="2"/>
+              <a:buChar char=""/>
+            </a:pPr>
+            <a:r>
+              <a:rPr lang="en-US" sz="6000" b="0" strike="noStrike" spc="-1">
+                <a:solidFill>
+                  <a:srgbClr val="000000"/>
+                </a:solidFill>
+                <a:latin typeface="Calibri"/>
+              </a:rPr>
+              <a:t>Define an interface for creating an Object, and let subclasses decide which type (of this object) to instantiate. </a:t>
+            </a:r>
+          </a:p>
+        </p:txBody>
+      </p:sp>
+    </p:spTree>
+  </p:cSld>
+  <p:clrMapOvr>
+    <a:masterClrMapping/>
+  </p:clrMapOvr>
+  <p:timing>
+    <p:tnLst>
+      <p:par>
+        <p:cTn id="1" dur="indefinite" restart="never" nodeType="tmRoot">
+          <p:childTnLst>
+            <p:seq>
+              <p:cTn id="2" dur="indefinite" nodeType="mainSeq"/>
+              <p:prevCondLst>
+                <p:cond evt="onPrev" delay="0">
+                  <p:tgtEl>
+                    <p:sldTgt/>
+                  </p:tgtEl>
+                </p:cond>
+              </p:prevCondLst>
+              <p:nextCondLst>
+                <p:cond evt="onNext" delay="0">
+                  <p:tgtEl>
+                    <p:sldTgt/>
+                  </p:tgtEl>
+                </p:cond>
+              </p:nextCondLst>
+            </p:seq>
+          </p:childTnLst>
+        </p:cTn>
+      </p:par>
+    </p:tnLst>
+  </p:timing>
+</p:sld>
+</file>
+
+<file path=ppt/slides/slide18.xml><?xml version="1.0" encoding="utf-8"?>
+<p:sld xmlns:a="http://schemas.openxmlformats.org/drawingml/2006/main" xmlns:r="http://schemas.openxmlformats.org/officeDocument/2006/relationships" xmlns:p="http://schemas.openxmlformats.org/presentationml/2006/main">
+  <p:cSld>
     <p:bg>
       <p:bgPr>
         <a:solidFill>
@@ -6337,7 +7560,7 @@
 </p:sld>
 </file>
 
-<file path=ppt/slides/slide11.xml><?xml version="1.0" encoding="utf-8"?>
+<file path=ppt/slides/slide19.xml><?xml version="1.0" encoding="utf-8"?>
 <p:sld xmlns:a="http://schemas.openxmlformats.org/drawingml/2006/main" xmlns:r="http://schemas.openxmlformats.org/officeDocument/2006/relationships" xmlns:p="http://schemas.openxmlformats.org/presentationml/2006/main">
   <p:cSld>
     <p:spTree>
@@ -6531,7 +7754,186 @@
 </p:sld>
 </file>
 
-<file path=ppt/slides/slide12.xml><?xml version="1.0" encoding="utf-8"?>
+<file path=ppt/slides/slide2.xml><?xml version="1.0" encoding="utf-8"?>
+<p:sld xmlns:a="http://schemas.openxmlformats.org/drawingml/2006/main" xmlns:r="http://schemas.openxmlformats.org/officeDocument/2006/relationships" xmlns:p="http://schemas.openxmlformats.org/presentationml/2006/main">
+  <p:cSld>
+    <p:spTree>
+      <p:nvGrpSpPr>
+        <p:cNvPr id="1" name=""/>
+        <p:cNvGrpSpPr/>
+        <p:nvPr/>
+      </p:nvGrpSpPr>
+      <p:grpSpPr>
+        <a:xfrm>
+          <a:off x="0" y="0"/>
+          <a:ext cx="0" cy="0"/>
+          <a:chOff x="0" y="0"/>
+          <a:chExt cx="0" cy="0"/>
+        </a:xfrm>
+      </p:grpSpPr>
+      <p:sp>
+        <p:nvSpPr>
+          <p:cNvPr id="2" name="Title 1">
+            <a:extLst>
+              <a:ext uri="{FF2B5EF4-FFF2-40B4-BE49-F238E27FC236}">
+                <a16:creationId xmlns:a16="http://schemas.microsoft.com/office/drawing/2014/main" id="{25A8E415-6695-4777-AB61-4335DF247ED3}"/>
+              </a:ext>
+            </a:extLst>
+          </p:cNvPr>
+          <p:cNvSpPr>
+            <a:spLocks noGrp="1"/>
+          </p:cNvSpPr>
+          <p:nvPr>
+            <p:ph type="title"/>
+          </p:nvPr>
+        </p:nvSpPr>
+        <p:spPr/>
+        <p:txBody>
+          <a:bodyPr/>
+          <a:lstStyle/>
+          <a:p>
+            <a:r>
+              <a:rPr lang="en-US" dirty="0"/>
+              <a:t>OOP Background</a:t>
+            </a:r>
+          </a:p>
+        </p:txBody>
+      </p:sp>
+      <p:sp>
+        <p:nvSpPr>
+          <p:cNvPr id="3" name="TextBox 2">
+            <a:extLst>
+              <a:ext uri="{FF2B5EF4-FFF2-40B4-BE49-F238E27FC236}">
+                <a16:creationId xmlns:a16="http://schemas.microsoft.com/office/drawing/2014/main" id="{EEC3C95A-59AD-4E17-B3C0-CE58BDCEAB48}"/>
+              </a:ext>
+            </a:extLst>
+          </p:cNvPr>
+          <p:cNvSpPr txBox="1"/>
+          <p:nvPr/>
+        </p:nvSpPr>
+        <p:spPr>
+          <a:xfrm>
+            <a:off x="1028700" y="1825464"/>
+            <a:ext cx="8420100" cy="646331"/>
+          </a:xfrm>
+          <a:prstGeom prst="rect">
+            <a:avLst/>
+          </a:prstGeom>
+          <a:noFill/>
+        </p:spPr>
+        <p:txBody>
+          <a:bodyPr wrap="square" rtlCol="0">
+            <a:spAutoFit/>
+          </a:bodyPr>
+          <a:lstStyle/>
+          <a:p>
+            <a:r>
+              <a:rPr lang="en-US" dirty="0"/>
+              <a:t>Historical notes (by Alan kay):</a:t>
+            </a:r>
+          </a:p>
+          <a:p>
+            <a:r>
+              <a:rPr lang="en-US" dirty="0"/>
+              <a:t>https://www.purl.org/stefan_ram/pub/doc_kay_oop_en</a:t>
+            </a:r>
+          </a:p>
+        </p:txBody>
+      </p:sp>
+      <p:pic>
+        <p:nvPicPr>
+          <p:cNvPr id="7" name="Picture 6">
+            <a:extLst>
+              <a:ext uri="{FF2B5EF4-FFF2-40B4-BE49-F238E27FC236}">
+                <a16:creationId xmlns:a16="http://schemas.microsoft.com/office/drawing/2014/main" id="{20A6D553-4010-4EBF-B233-D6F2B377ED77}"/>
+              </a:ext>
+            </a:extLst>
+          </p:cNvPr>
+          <p:cNvPicPr>
+            <a:picLocks noChangeAspect="1"/>
+          </p:cNvPicPr>
+          <p:nvPr/>
+        </p:nvPicPr>
+        <p:blipFill>
+          <a:blip r:embed="rId2"/>
+          <a:stretch>
+            <a:fillRect/>
+          </a:stretch>
+        </p:blipFill>
+        <p:spPr>
+          <a:xfrm>
+            <a:off x="0" y="2692437"/>
+            <a:ext cx="8020050" cy="1840341"/>
+          </a:xfrm>
+          <a:prstGeom prst="rect">
+            <a:avLst/>
+          </a:prstGeom>
+          <a:ln>
+            <a:noFill/>
+          </a:ln>
+          <a:effectLst>
+            <a:outerShdw blurRad="292100" dist="139700" dir="2700000" algn="tl" rotWithShape="0">
+              <a:srgbClr val="333333">
+                <a:alpha val="65000"/>
+              </a:srgbClr>
+            </a:outerShdw>
+          </a:effectLst>
+        </p:spPr>
+      </p:pic>
+      <p:pic>
+        <p:nvPicPr>
+          <p:cNvPr id="9" name="Picture 8">
+            <a:extLst>
+              <a:ext uri="{FF2B5EF4-FFF2-40B4-BE49-F238E27FC236}">
+                <a16:creationId xmlns:a16="http://schemas.microsoft.com/office/drawing/2014/main" id="{6BEED006-F622-4485-865F-A1289F094B27}"/>
+              </a:ext>
+            </a:extLst>
+          </p:cNvPr>
+          <p:cNvPicPr>
+            <a:picLocks noChangeAspect="1"/>
+          </p:cNvPicPr>
+          <p:nvPr/>
+        </p:nvPicPr>
+        <p:blipFill>
+          <a:blip r:embed="rId3"/>
+          <a:stretch>
+            <a:fillRect/>
+          </a:stretch>
+        </p:blipFill>
+        <p:spPr>
+          <a:xfrm>
+            <a:off x="3629024" y="4774604"/>
+            <a:ext cx="8020049" cy="1520822"/>
+          </a:xfrm>
+          <a:prstGeom prst="rect">
+            <a:avLst/>
+          </a:prstGeom>
+          <a:ln>
+            <a:noFill/>
+          </a:ln>
+          <a:effectLst>
+            <a:outerShdw blurRad="292100" dist="139700" dir="2700000" algn="tl" rotWithShape="0">
+              <a:srgbClr val="333333">
+                <a:alpha val="65000"/>
+              </a:srgbClr>
+            </a:outerShdw>
+          </a:effectLst>
+        </p:spPr>
+      </p:pic>
+    </p:spTree>
+    <p:extLst>
+      <p:ext uri="{BB962C8B-B14F-4D97-AF65-F5344CB8AC3E}">
+        <p14:creationId xmlns:p14="http://schemas.microsoft.com/office/powerpoint/2010/main" val="1787850626"/>
+      </p:ext>
+    </p:extLst>
+  </p:cSld>
+  <p:clrMapOvr>
+    <a:masterClrMapping/>
+  </p:clrMapOvr>
+</p:sld>
+</file>
+
+<file path=ppt/slides/slide20.xml><?xml version="1.0" encoding="utf-8"?>
 <p:sld xmlns:a="http://schemas.openxmlformats.org/drawingml/2006/main" xmlns:r="http://schemas.openxmlformats.org/officeDocument/2006/relationships" xmlns:p="http://schemas.openxmlformats.org/presentationml/2006/main">
   <p:cSld>
     <p:spTree>
@@ -6634,7 +8036,7 @@
 </p:sld>
 </file>
 
-<file path=ppt/slides/slide13.xml><?xml version="1.0" encoding="utf-8"?>
+<file path=ppt/slides/slide21.xml><?xml version="1.0" encoding="utf-8"?>
 <p:sld xmlns:a="http://schemas.openxmlformats.org/drawingml/2006/main" xmlns:r="http://schemas.openxmlformats.org/officeDocument/2006/relationships" xmlns:p="http://schemas.openxmlformats.org/presentationml/2006/main">
   <p:cSld>
     <p:spTree>
@@ -6737,7 +8139,7 @@
 </p:sld>
 </file>
 
-<file path=ppt/slides/slide14.xml><?xml version="1.0" encoding="utf-8"?>
+<file path=ppt/slides/slide22.xml><?xml version="1.0" encoding="utf-8"?>
 <p:sld xmlns:a="http://schemas.openxmlformats.org/drawingml/2006/main" xmlns:r="http://schemas.openxmlformats.org/officeDocument/2006/relationships" xmlns:p="http://schemas.openxmlformats.org/presentationml/2006/main">
   <p:cSld>
     <p:spTree>
@@ -6899,7 +8301,7 @@
 </p:sld>
 </file>
 
-<file path=ppt/slides/slide15.xml><?xml version="1.0" encoding="utf-8"?>
+<file path=ppt/slides/slide23.xml><?xml version="1.0" encoding="utf-8"?>
 <p:sld xmlns:a="http://schemas.openxmlformats.org/drawingml/2006/main" xmlns:r="http://schemas.openxmlformats.org/officeDocument/2006/relationships" xmlns:p="http://schemas.openxmlformats.org/presentationml/2006/main">
   <p:cSld>
     <p:spTree>
@@ -7229,7 +8631,7 @@
 </p:sld>
 </file>
 
-<file path=ppt/slides/slide16.xml><?xml version="1.0" encoding="utf-8"?>
+<file path=ppt/slides/slide24.xml><?xml version="1.0" encoding="utf-8"?>
 <p:sld xmlns:a="http://schemas.openxmlformats.org/drawingml/2006/main" xmlns:r="http://schemas.openxmlformats.org/officeDocument/2006/relationships" xmlns:p="http://schemas.openxmlformats.org/presentationml/2006/main">
   <p:cSld>
     <p:spTree>
@@ -7415,185 +8817,6 @@
               </a:solidFill>
               <a:latin typeface="Calibri"/>
             </a:endParaRPr>
-          </a:p>
-        </p:txBody>
-      </p:sp>
-    </p:spTree>
-  </p:cSld>
-  <p:clrMapOvr>
-    <a:masterClrMapping/>
-  </p:clrMapOvr>
-  <p:timing>
-    <p:tnLst>
-      <p:par>
-        <p:cTn id="1" dur="indefinite" restart="never" nodeType="tmRoot">
-          <p:childTnLst>
-            <p:seq>
-              <p:cTn id="2" dur="indefinite" nodeType="mainSeq"/>
-              <p:prevCondLst>
-                <p:cond evt="onPrev" delay="0">
-                  <p:tgtEl>
-                    <p:sldTgt/>
-                  </p:tgtEl>
-                </p:cond>
-              </p:prevCondLst>
-              <p:nextCondLst>
-                <p:cond evt="onNext" delay="0">
-                  <p:tgtEl>
-                    <p:sldTgt/>
-                  </p:tgtEl>
-                </p:cond>
-              </p:nextCondLst>
-            </p:seq>
-          </p:childTnLst>
-        </p:cTn>
-      </p:par>
-    </p:tnLst>
-  </p:timing>
-</p:sld>
-</file>
-
-<file path=ppt/slides/slide2.xml><?xml version="1.0" encoding="utf-8"?>
-<p:sld xmlns:a="http://schemas.openxmlformats.org/drawingml/2006/main" xmlns:r="http://schemas.openxmlformats.org/officeDocument/2006/relationships" xmlns:p="http://schemas.openxmlformats.org/presentationml/2006/main">
-  <p:cSld>
-    <p:spTree>
-      <p:nvGrpSpPr>
-        <p:cNvPr id="1" name=""/>
-        <p:cNvGrpSpPr/>
-        <p:nvPr/>
-      </p:nvGrpSpPr>
-      <p:grpSpPr>
-        <a:xfrm>
-          <a:off x="0" y="0"/>
-          <a:ext cx="0" cy="0"/>
-          <a:chOff x="0" y="0"/>
-          <a:chExt cx="0" cy="0"/>
-        </a:xfrm>
-      </p:grpSpPr>
-      <p:sp>
-        <p:nvSpPr>
-          <p:cNvPr id="89" name="TextShape 1"/>
-          <p:cNvSpPr txBox="1"/>
-          <p:nvPr/>
-        </p:nvSpPr>
-        <p:spPr>
-          <a:xfrm>
-            <a:off x="838080" y="365040"/>
-            <a:ext cx="10515240" cy="1325160"/>
-          </a:xfrm>
-          <a:prstGeom prst="rect">
-            <a:avLst/>
-          </a:prstGeom>
-          <a:noFill/>
-          <a:ln>
-            <a:noFill/>
-          </a:ln>
-        </p:spPr>
-        <p:txBody>
-          <a:bodyPr anchor="ctr"/>
-          <a:lstStyle/>
-          <a:p>
-            <a:pPr>
-              <a:lnSpc>
-                <a:spcPct val="90000"/>
-              </a:lnSpc>
-            </a:pPr>
-            <a:r>
-              <a:rPr lang="fr-FR" sz="4400" b="0" strike="noStrike" spc="-1" dirty="0" err="1">
-                <a:solidFill>
-                  <a:srgbClr val="000000"/>
-                </a:solidFill>
-                <a:latin typeface="Calibri Light"/>
-              </a:rPr>
-              <a:t>Creational</a:t>
-            </a:r>
-            <a:r>
-              <a:rPr lang="fr-FR" sz="4400" b="0" strike="noStrike" spc="-1" dirty="0">
-                <a:solidFill>
-                  <a:srgbClr val="000000"/>
-                </a:solidFill>
-                <a:latin typeface="Calibri Light"/>
-              </a:rPr>
-              <a:t> Patterns</a:t>
-            </a:r>
-            <a:endParaRPr lang="fr-FR" sz="4400" b="0" strike="noStrike" spc="-1" dirty="0">
-              <a:solidFill>
-                <a:srgbClr val="000000"/>
-              </a:solidFill>
-              <a:latin typeface="Calibri"/>
-            </a:endParaRPr>
-          </a:p>
-        </p:txBody>
-      </p:sp>
-      <p:sp>
-        <p:nvSpPr>
-          <p:cNvPr id="90" name="TextShape 2"/>
-          <p:cNvSpPr txBox="1"/>
-          <p:nvPr/>
-        </p:nvSpPr>
-        <p:spPr>
-          <a:xfrm>
-            <a:off x="838080" y="1825560"/>
-            <a:ext cx="10515240" cy="4350960"/>
-          </a:xfrm>
-          <a:prstGeom prst="rect">
-            <a:avLst/>
-          </a:prstGeom>
-          <a:noFill/>
-          <a:ln>
-            <a:noFill/>
-          </a:ln>
-        </p:spPr>
-        <p:txBody>
-          <a:bodyPr/>
-          <a:lstStyle/>
-          <a:p>
-            <a:pPr marL="228600" indent="-228240">
-              <a:lnSpc>
-                <a:spcPct val="90000"/>
-              </a:lnSpc>
-              <a:spcBef>
-                <a:spcPts val="1001"/>
-              </a:spcBef>
-              <a:buClr>
-                <a:srgbClr val="000000"/>
-              </a:buClr>
-              <a:buFont typeface="Arial"/>
-              <a:buChar char="•"/>
-            </a:pPr>
-            <a:r>
-              <a:rPr lang="fr-FR" sz="2800" b="0" strike="noStrike" spc="-1">
-                <a:solidFill>
-                  <a:srgbClr val="000000"/>
-                </a:solidFill>
-                <a:latin typeface="Calibri"/>
-              </a:rPr>
-              <a:t>Abstract Factory</a:t>
-            </a:r>
-          </a:p>
-          <a:p>
-            <a:pPr marL="228600" indent="-228240">
-              <a:lnSpc>
-                <a:spcPct val="90000"/>
-              </a:lnSpc>
-              <a:spcBef>
-                <a:spcPts val="1001"/>
-              </a:spcBef>
-              <a:buClr>
-                <a:srgbClr val="000000"/>
-              </a:buClr>
-              <a:buFont typeface="Arial"/>
-              <a:buChar char="•"/>
-            </a:pPr>
-            <a:r>
-              <a:rPr lang="fr-FR" sz="2800" b="0" strike="noStrike" spc="-1">
-                <a:solidFill>
-                  <a:srgbClr val="000000"/>
-                </a:solidFill>
-                <a:latin typeface="Calibri"/>
-              </a:rPr>
-              <a:t>Factory Method</a:t>
-            </a:r>
           </a:p>
         </p:txBody>
       </p:sp>
@@ -7635,14 +8858,6 @@
 <file path=ppt/slides/slide3.xml><?xml version="1.0" encoding="utf-8"?>
 <p:sld xmlns:a="http://schemas.openxmlformats.org/drawingml/2006/main" xmlns:r="http://schemas.openxmlformats.org/officeDocument/2006/relationships" xmlns:p="http://schemas.openxmlformats.org/presentationml/2006/main">
   <p:cSld>
-    <p:bg>
-      <p:bgPr>
-        <a:solidFill>
-          <a:srgbClr val="FFFFFF"/>
-        </a:solidFill>
-        <a:effectLst/>
-      </p:bgPr>
-    </p:bg>
     <p:spTree>
       <p:nvGrpSpPr>
         <p:cNvPr id="1" name=""/>
@@ -7659,58 +8874,103 @@
       </p:grpSpPr>
       <p:sp>
         <p:nvSpPr>
-          <p:cNvPr id="91" name="TextShape 1"/>
+          <p:cNvPr id="2" name="Title 1">
+            <a:extLst>
+              <a:ext uri="{FF2B5EF4-FFF2-40B4-BE49-F238E27FC236}">
+                <a16:creationId xmlns:a16="http://schemas.microsoft.com/office/drawing/2014/main" id="{25A8E415-6695-4777-AB61-4335DF247ED3}"/>
+              </a:ext>
+            </a:extLst>
+          </p:cNvPr>
+          <p:cNvSpPr>
+            <a:spLocks noGrp="1"/>
+          </p:cNvSpPr>
+          <p:nvPr>
+            <p:ph type="title"/>
+          </p:nvPr>
+        </p:nvSpPr>
+        <p:spPr/>
+        <p:txBody>
+          <a:bodyPr/>
+          <a:lstStyle/>
+          <a:p>
+            <a:r>
+              <a:rPr lang="en-US" dirty="0"/>
+              <a:t>DP as language limitations</a:t>
+            </a:r>
+          </a:p>
+        </p:txBody>
+      </p:sp>
+      <p:sp>
+        <p:nvSpPr>
+          <p:cNvPr id="3" name="TextBox 2">
+            <a:extLst>
+              <a:ext uri="{FF2B5EF4-FFF2-40B4-BE49-F238E27FC236}">
+                <a16:creationId xmlns:a16="http://schemas.microsoft.com/office/drawing/2014/main" id="{EEC3C95A-59AD-4E17-B3C0-CE58BDCEAB48}"/>
+              </a:ext>
+            </a:extLst>
+          </p:cNvPr>
           <p:cNvSpPr txBox="1"/>
           <p:nvPr/>
         </p:nvSpPr>
         <p:spPr>
           <a:xfrm>
-            <a:off x="838080" y="365040"/>
-            <a:ext cx="10515240" cy="1325160"/>
+            <a:off x="1028700" y="1825464"/>
+            <a:ext cx="8420100" cy="1477328"/>
           </a:xfrm>
           <a:prstGeom prst="rect">
             <a:avLst/>
           </a:prstGeom>
           <a:noFill/>
-          <a:ln>
-            <a:noFill/>
-          </a:ln>
-        </p:spPr>
-        <p:txBody>
-          <a:bodyPr anchor="ctr">
-            <a:normAutofit/>
+        </p:spPr>
+        <p:txBody>
+          <a:bodyPr wrap="square" rtlCol="0">
+            <a:spAutoFit/>
           </a:bodyPr>
           <a:lstStyle/>
           <a:p>
-            <a:pPr>
-              <a:lnSpc>
-                <a:spcPct val="90000"/>
-              </a:lnSpc>
+            <a:r>
+              <a:rPr lang="en-US" dirty="0"/>
+              <a:t>Peter </a:t>
+            </a:r>
+            <a:r>
+              <a:rPr lang="en-US" dirty="0" err="1"/>
+              <a:t>Norvig</a:t>
+            </a:r>
+            <a:r>
+              <a:rPr lang="en-US" dirty="0"/>
+              <a:t> (1996):</a:t>
+            </a:r>
+          </a:p>
+          <a:p>
+            <a:endParaRPr lang="en-US" dirty="0"/>
+          </a:p>
+          <a:p>
+            <a:pPr marL="285750" indent="-285750">
+              <a:buFont typeface="Wingdings" panose="05000000000000000000" pitchFamily="2" charset="2"/>
+              <a:buChar char="q"/>
             </a:pPr>
             <a:r>
-              <a:rPr lang="fr-FR" sz="4400" b="0" strike="noStrike" spc="-1">
-                <a:solidFill>
-                  <a:srgbClr val="000000"/>
-                </a:solidFill>
-                <a:latin typeface="Calibri Light"/>
-              </a:rPr>
-              <a:t>Abstract Factory - Problem</a:t>
-            </a:r>
-            <a:endParaRPr lang="fr-FR" sz="4400" b="0" strike="noStrike" spc="-1">
-              <a:solidFill>
-                <a:srgbClr val="000000"/>
-              </a:solidFill>
-              <a:latin typeface="Calibri"/>
-            </a:endParaRPr>
+              <a:rPr lang="en-US" b="1" i="1" dirty="0"/>
+              <a:t>Design Patterns in Dynamic Languages</a:t>
+            </a:r>
+          </a:p>
+          <a:p>
+            <a:r>
+              <a:rPr lang="en-US" dirty="0"/>
+              <a:t>http://www.norvig.com/design-patterns/</a:t>
+            </a:r>
+          </a:p>
+          <a:p>
+            <a:endParaRPr lang="en-US" dirty="0"/>
           </a:p>
         </p:txBody>
       </p:sp>
       <p:pic>
         <p:nvPicPr>
-          <p:cNvPr id="2" name="Image 1">
+          <p:cNvPr id="5" name="Picture 4">
             <a:extLst>
               <a:ext uri="{FF2B5EF4-FFF2-40B4-BE49-F238E27FC236}">
-                <a16:creationId xmlns:a16="http://schemas.microsoft.com/office/drawing/2014/main" id="{3DF15DA1-FE50-403C-A66B-D0463809EC5D}"/>
+                <a16:creationId xmlns:a16="http://schemas.microsoft.com/office/drawing/2014/main" id="{6C80C18C-7173-4BF0-B1B6-4742BCFD4EA5}"/>
               </a:ext>
             </a:extLst>
           </p:cNvPr>
@@ -7720,67 +8980,47 @@
           <p:nvPr/>
         </p:nvPicPr>
         <p:blipFill>
-          <a:blip r:embed="rId3"/>
+          <a:blip r:embed="rId2"/>
           <a:stretch>
             <a:fillRect/>
           </a:stretch>
         </p:blipFill>
         <p:spPr>
           <a:xfrm>
-            <a:off x="2809875" y="1985962"/>
-            <a:ext cx="6572250" cy="2886075"/>
-          </a:xfrm>
-          <a:prstGeom prst="rect">
-            <a:avLst/>
-          </a:prstGeom>
+            <a:off x="5958087" y="2716107"/>
+            <a:ext cx="5462388" cy="3809122"/>
+          </a:xfrm>
+          <a:prstGeom prst="rect">
+            <a:avLst/>
+          </a:prstGeom>
+          <a:ln>
+            <a:noFill/>
+          </a:ln>
+          <a:effectLst>
+            <a:outerShdw blurRad="292100" dist="139700" dir="2700000" algn="tl" rotWithShape="0">
+              <a:srgbClr val="333333">
+                <a:alpha val="65000"/>
+              </a:srgbClr>
+            </a:outerShdw>
+          </a:effectLst>
         </p:spPr>
       </p:pic>
     </p:spTree>
+    <p:extLst>
+      <p:ext uri="{BB962C8B-B14F-4D97-AF65-F5344CB8AC3E}">
+        <p14:creationId xmlns:p14="http://schemas.microsoft.com/office/powerpoint/2010/main" val="1999975942"/>
+      </p:ext>
+    </p:extLst>
   </p:cSld>
   <p:clrMapOvr>
     <a:masterClrMapping/>
   </p:clrMapOvr>
-  <p:timing>
-    <p:tnLst>
-      <p:par>
-        <p:cTn id="1" dur="indefinite" restart="never" nodeType="tmRoot">
-          <p:childTnLst>
-            <p:seq>
-              <p:cTn id="2" dur="indefinite" nodeType="mainSeq"/>
-              <p:prevCondLst>
-                <p:cond evt="onPrev" delay="0">
-                  <p:tgtEl>
-                    <p:sldTgt/>
-                  </p:tgtEl>
-                </p:cond>
-              </p:prevCondLst>
-              <p:nextCondLst>
-                <p:cond evt="onNext" delay="0">
-                  <p:tgtEl>
-                    <p:sldTgt/>
-                  </p:tgtEl>
-                </p:cond>
-              </p:nextCondLst>
-            </p:seq>
-          </p:childTnLst>
-        </p:cTn>
-      </p:par>
-    </p:tnLst>
-  </p:timing>
 </p:sld>
 </file>
 
 <file path=ppt/slides/slide4.xml><?xml version="1.0" encoding="utf-8"?>
 <p:sld xmlns:a="http://schemas.openxmlformats.org/drawingml/2006/main" xmlns:r="http://schemas.openxmlformats.org/officeDocument/2006/relationships" xmlns:p="http://schemas.openxmlformats.org/presentationml/2006/main">
   <p:cSld>
-    <p:bg>
-      <p:bgPr>
-        <a:solidFill>
-          <a:srgbClr val="FFFFFF"/>
-        </a:solidFill>
-        <a:effectLst/>
-      </p:bgPr>
-    </p:bg>
     <p:spTree>
       <p:nvGrpSpPr>
         <p:cNvPr id="1" name=""/>
@@ -7797,121 +9037,131 @@
       </p:grpSpPr>
       <p:sp>
         <p:nvSpPr>
-          <p:cNvPr id="93" name="TextShape 1"/>
+          <p:cNvPr id="2" name="Title 1">
+            <a:extLst>
+              <a:ext uri="{FF2B5EF4-FFF2-40B4-BE49-F238E27FC236}">
+                <a16:creationId xmlns:a16="http://schemas.microsoft.com/office/drawing/2014/main" id="{25A8E415-6695-4777-AB61-4335DF247ED3}"/>
+              </a:ext>
+            </a:extLst>
+          </p:cNvPr>
+          <p:cNvSpPr>
+            <a:spLocks noGrp="1"/>
+          </p:cNvSpPr>
+          <p:nvPr>
+            <p:ph type="title"/>
+          </p:nvPr>
+        </p:nvSpPr>
+        <p:spPr/>
+        <p:txBody>
+          <a:bodyPr/>
+          <a:lstStyle/>
+          <a:p>
+            <a:r>
+              <a:rPr lang="en-US" dirty="0"/>
+              <a:t>OOP DP Background</a:t>
+            </a:r>
+          </a:p>
+        </p:txBody>
+      </p:sp>
+      <p:sp>
+        <p:nvSpPr>
+          <p:cNvPr id="3" name="TextBox 2">
+            <a:extLst>
+              <a:ext uri="{FF2B5EF4-FFF2-40B4-BE49-F238E27FC236}">
+                <a16:creationId xmlns:a16="http://schemas.microsoft.com/office/drawing/2014/main" id="{EEC3C95A-59AD-4E17-B3C0-CE58BDCEAB48}"/>
+              </a:ext>
+            </a:extLst>
+          </p:cNvPr>
           <p:cNvSpPr txBox="1"/>
           <p:nvPr/>
         </p:nvSpPr>
         <p:spPr>
           <a:xfrm>
-            <a:off x="838080" y="365040"/>
-            <a:ext cx="10515240" cy="1325160"/>
+            <a:off x="1028700" y="1825464"/>
+            <a:ext cx="8420100" cy="2862322"/>
           </a:xfrm>
           <a:prstGeom prst="rect">
             <a:avLst/>
           </a:prstGeom>
           <a:noFill/>
-          <a:ln>
-            <a:noFill/>
-          </a:ln>
-        </p:spPr>
-        <p:txBody>
-          <a:bodyPr anchor="ctr">
-            <a:normAutofit/>
+        </p:spPr>
+        <p:txBody>
+          <a:bodyPr wrap="square" rtlCol="0">
+            <a:spAutoFit/>
           </a:bodyPr>
           <a:lstStyle/>
           <a:p>
-            <a:pPr>
-              <a:lnSpc>
-                <a:spcPct val="90000"/>
-              </a:lnSpc>
+            <a:r>
+              <a:rPr lang="en-US" dirty="0"/>
+              <a:t>Kent Beck &amp; Ward Cunningham papers (1987):</a:t>
+            </a:r>
+          </a:p>
+          <a:p>
+            <a:endParaRPr lang="en-US" dirty="0"/>
+          </a:p>
+          <a:p>
+            <a:endParaRPr lang="en-US" dirty="0"/>
+          </a:p>
+          <a:p>
+            <a:pPr marL="285750" indent="-285750">
+              <a:buFont typeface="Wingdings" panose="05000000000000000000" pitchFamily="2" charset="2"/>
+              <a:buChar char="q"/>
             </a:pPr>
             <a:r>
-              <a:rPr lang="fr-FR" sz="4400" b="0" strike="noStrike" spc="-1">
-                <a:solidFill>
-                  <a:srgbClr val="000000"/>
-                </a:solidFill>
-                <a:latin typeface="Calibri Light"/>
-              </a:rPr>
-              <a:t>Abstract Factory - Solution</a:t>
-            </a:r>
-            <a:endParaRPr lang="fr-FR" sz="4400" b="0" strike="noStrike" spc="-1">
-              <a:solidFill>
-                <a:srgbClr val="000000"/>
-              </a:solidFill>
-              <a:latin typeface="Calibri"/>
-            </a:endParaRPr>
-          </a:p>
-        </p:txBody>
-      </p:sp>
-      <p:pic>
-        <p:nvPicPr>
-          <p:cNvPr id="94" name="Image 93"/>
-          <p:cNvPicPr/>
-          <p:nvPr/>
-        </p:nvPicPr>
-        <p:blipFill>
-          <a:blip r:embed="rId3"/>
-          <a:stretch/>
-        </p:blipFill>
-        <p:spPr>
-          <a:xfrm>
-            <a:off x="3030480" y="2485440"/>
-            <a:ext cx="6162480" cy="1914120"/>
-          </a:xfrm>
-          <a:prstGeom prst="rect">
-            <a:avLst/>
-          </a:prstGeom>
-          <a:ln>
-            <a:noFill/>
-          </a:ln>
-        </p:spPr>
-      </p:pic>
+              <a:rPr lang="en-US" b="1" i="1" dirty="0"/>
+              <a:t>A Laboratory For Teaching Object-Oriented Thinking</a:t>
+            </a:r>
+          </a:p>
+          <a:p>
+            <a:r>
+              <a:rPr lang="en-US" dirty="0"/>
+              <a:t>http://c2.com/doc/oopsla89/paper.html</a:t>
+            </a:r>
+          </a:p>
+          <a:p>
+            <a:endParaRPr lang="en-US" dirty="0"/>
+          </a:p>
+          <a:p>
+            <a:endParaRPr lang="en-US" dirty="0"/>
+          </a:p>
+          <a:p>
+            <a:endParaRPr lang="en-US" dirty="0"/>
+          </a:p>
+          <a:p>
+            <a:pPr marL="285750" indent="-285750">
+              <a:buFont typeface="Wingdings" panose="05000000000000000000" pitchFamily="2" charset="2"/>
+              <a:buChar char="q"/>
+            </a:pPr>
+            <a:r>
+              <a:rPr lang="en-US" b="1" i="1" dirty="0"/>
+              <a:t>Using Pattern Languages for Object-Oriented Programs</a:t>
+            </a:r>
+            <a:br>
+              <a:rPr lang="en-US" dirty="0"/>
+            </a:br>
+            <a:r>
+              <a:rPr lang="en-US" dirty="0"/>
+              <a:t>http://c2.com/doc/oopsla87.html</a:t>
+            </a:r>
+          </a:p>
+        </p:txBody>
+      </p:sp>
     </p:spTree>
+    <p:extLst>
+      <p:ext uri="{BB962C8B-B14F-4D97-AF65-F5344CB8AC3E}">
+        <p14:creationId xmlns:p14="http://schemas.microsoft.com/office/powerpoint/2010/main" val="3659658259"/>
+      </p:ext>
+    </p:extLst>
   </p:cSld>
   <p:clrMapOvr>
     <a:masterClrMapping/>
   </p:clrMapOvr>
-  <p:timing>
-    <p:tnLst>
-      <p:par>
-        <p:cTn id="1" dur="indefinite" restart="never" nodeType="tmRoot">
-          <p:childTnLst>
-            <p:seq>
-              <p:cTn id="2" dur="indefinite" nodeType="mainSeq"/>
-              <p:prevCondLst>
-                <p:cond evt="onPrev" delay="0">
-                  <p:tgtEl>
-                    <p:sldTgt/>
-                  </p:tgtEl>
-                </p:cond>
-              </p:prevCondLst>
-              <p:nextCondLst>
-                <p:cond evt="onNext" delay="0">
-                  <p:tgtEl>
-                    <p:sldTgt/>
-                  </p:tgtEl>
-                </p:cond>
-              </p:nextCondLst>
-            </p:seq>
-          </p:childTnLst>
-        </p:cTn>
-      </p:par>
-    </p:tnLst>
-  </p:timing>
 </p:sld>
 </file>
 
 <file path=ppt/slides/slide5.xml><?xml version="1.0" encoding="utf-8"?>
 <p:sld xmlns:a="http://schemas.openxmlformats.org/drawingml/2006/main" xmlns:r="http://schemas.openxmlformats.org/officeDocument/2006/relationships" xmlns:p="http://schemas.openxmlformats.org/presentationml/2006/main">
   <p:cSld>
-    <p:bg>
-      <p:bgPr>
-        <a:solidFill>
-          <a:srgbClr val="FFFFFF"/>
-        </a:solidFill>
-        <a:effectLst/>
-      </p:bgPr>
-    </p:bg>
     <p:spTree>
       <p:nvGrpSpPr>
         <p:cNvPr id="1" name=""/>
@@ -7928,121 +9178,92 @@
       </p:grpSpPr>
       <p:sp>
         <p:nvSpPr>
-          <p:cNvPr id="95" name="TextShape 1"/>
-          <p:cNvSpPr txBox="1"/>
+          <p:cNvPr id="2" name="Title 1">
+            <a:extLst>
+              <a:ext uri="{FF2B5EF4-FFF2-40B4-BE49-F238E27FC236}">
+                <a16:creationId xmlns:a16="http://schemas.microsoft.com/office/drawing/2014/main" id="{25A8E415-6695-4777-AB61-4335DF247ED3}"/>
+              </a:ext>
+            </a:extLst>
+          </p:cNvPr>
+          <p:cNvSpPr>
+            <a:spLocks noGrp="1"/>
+          </p:cNvSpPr>
+          <p:nvPr>
+            <p:ph type="title"/>
+          </p:nvPr>
+        </p:nvSpPr>
+        <p:spPr/>
+        <p:txBody>
+          <a:bodyPr/>
+          <a:lstStyle/>
+          <a:p>
+            <a:r>
+              <a:rPr lang="en-US" dirty="0" err="1"/>
+              <a:t>GoF</a:t>
+            </a:r>
+            <a:r>
+              <a:rPr lang="en-US" dirty="0"/>
+              <a:t> book (1994) Preface</a:t>
+            </a:r>
+          </a:p>
+        </p:txBody>
+      </p:sp>
+      <p:pic>
+        <p:nvPicPr>
+          <p:cNvPr id="5" name="Picture 4">
+            <a:extLst>
+              <a:ext uri="{FF2B5EF4-FFF2-40B4-BE49-F238E27FC236}">
+                <a16:creationId xmlns:a16="http://schemas.microsoft.com/office/drawing/2014/main" id="{7D36D261-F6F9-4329-9113-A681EE6048D3}"/>
+              </a:ext>
+            </a:extLst>
+          </p:cNvPr>
+          <p:cNvPicPr>
+            <a:picLocks noChangeAspect="1"/>
+          </p:cNvPicPr>
           <p:nvPr/>
-        </p:nvSpPr>
-        <p:spPr>
-          <a:xfrm>
-            <a:off x="838080" y="365040"/>
-            <a:ext cx="10515240" cy="1325160"/>
-          </a:xfrm>
-          <a:prstGeom prst="rect">
-            <a:avLst/>
-          </a:prstGeom>
-          <a:noFill/>
+        </p:nvPicPr>
+        <p:blipFill>
+          <a:blip r:embed="rId2"/>
+          <a:stretch>
+            <a:fillRect/>
+          </a:stretch>
+        </p:blipFill>
+        <p:spPr>
+          <a:xfrm>
+            <a:off x="1314450" y="2009776"/>
+            <a:ext cx="9686925" cy="3609974"/>
+          </a:xfrm>
+          <a:prstGeom prst="rect">
+            <a:avLst/>
+          </a:prstGeom>
           <a:ln>
             <a:noFill/>
           </a:ln>
-        </p:spPr>
-        <p:txBody>
-          <a:bodyPr anchor="ctr">
-            <a:normAutofit/>
-          </a:bodyPr>
-          <a:lstStyle/>
-          <a:p>
-            <a:pPr>
-              <a:lnSpc>
-                <a:spcPct val="90000"/>
-              </a:lnSpc>
-            </a:pPr>
-            <a:r>
-              <a:rPr lang="fr-FR" sz="4400" b="0" strike="noStrike" spc="-1">
-                <a:solidFill>
-                  <a:srgbClr val="000000"/>
-                </a:solidFill>
-                <a:latin typeface="Calibri Light"/>
-              </a:rPr>
-              <a:t>Abstract Factory - Solution</a:t>
-            </a:r>
-            <a:endParaRPr lang="fr-FR" sz="4400" b="0" strike="noStrike" spc="-1">
-              <a:solidFill>
-                <a:srgbClr val="000000"/>
-              </a:solidFill>
-              <a:latin typeface="Calibri"/>
-            </a:endParaRPr>
-          </a:p>
-        </p:txBody>
-      </p:sp>
-      <p:pic>
-        <p:nvPicPr>
-          <p:cNvPr id="96" name="Image 95"/>
-          <p:cNvPicPr/>
-          <p:nvPr/>
-        </p:nvPicPr>
-        <p:blipFill>
-          <a:blip r:embed="rId3"/>
-          <a:stretch/>
-        </p:blipFill>
-        <p:spPr>
-          <a:xfrm>
-            <a:off x="2392200" y="1794960"/>
-            <a:ext cx="7438680" cy="3295440"/>
-          </a:xfrm>
-          <a:prstGeom prst="rect">
-            <a:avLst/>
-          </a:prstGeom>
-          <a:ln>
-            <a:noFill/>
-          </a:ln>
+          <a:effectLst>
+            <a:outerShdw blurRad="292100" dist="139700" dir="2700000" algn="tl" rotWithShape="0">
+              <a:srgbClr val="333333">
+                <a:alpha val="65000"/>
+              </a:srgbClr>
+            </a:outerShdw>
+          </a:effectLst>
         </p:spPr>
       </p:pic>
     </p:spTree>
+    <p:extLst>
+      <p:ext uri="{BB962C8B-B14F-4D97-AF65-F5344CB8AC3E}">
+        <p14:creationId xmlns:p14="http://schemas.microsoft.com/office/powerpoint/2010/main" val="3956827297"/>
+      </p:ext>
+    </p:extLst>
   </p:cSld>
   <p:clrMapOvr>
     <a:masterClrMapping/>
   </p:clrMapOvr>
-  <p:timing>
-    <p:tnLst>
-      <p:par>
-        <p:cTn id="1" dur="indefinite" restart="never" nodeType="tmRoot">
-          <p:childTnLst>
-            <p:seq>
-              <p:cTn id="2" dur="indefinite" nodeType="mainSeq"/>
-              <p:prevCondLst>
-                <p:cond evt="onPrev" delay="0">
-                  <p:tgtEl>
-                    <p:sldTgt/>
-                  </p:tgtEl>
-                </p:cond>
-              </p:prevCondLst>
-              <p:nextCondLst>
-                <p:cond evt="onNext" delay="0">
-                  <p:tgtEl>
-                    <p:sldTgt/>
-                  </p:tgtEl>
-                </p:cond>
-              </p:nextCondLst>
-            </p:seq>
-          </p:childTnLst>
-        </p:cTn>
-      </p:par>
-    </p:tnLst>
-  </p:timing>
 </p:sld>
 </file>
 
 <file path=ppt/slides/slide6.xml><?xml version="1.0" encoding="utf-8"?>
 <p:sld xmlns:a="http://schemas.openxmlformats.org/drawingml/2006/main" xmlns:r="http://schemas.openxmlformats.org/officeDocument/2006/relationships" xmlns:p="http://schemas.openxmlformats.org/presentationml/2006/main">
   <p:cSld>
-    <p:bg>
-      <p:bgPr>
-        <a:solidFill>
-          <a:srgbClr val="FFFFFF"/>
-        </a:solidFill>
-        <a:effectLst/>
-      </p:bgPr>
-    </p:bg>
     <p:spTree>
       <p:nvGrpSpPr>
         <p:cNvPr id="1" name=""/>
@@ -8059,174 +9280,92 @@
       </p:grpSpPr>
       <p:sp>
         <p:nvSpPr>
-          <p:cNvPr id="97" name="TextShape 1"/>
-          <p:cNvSpPr txBox="1"/>
+          <p:cNvPr id="2" name="Title 1">
+            <a:extLst>
+              <a:ext uri="{FF2B5EF4-FFF2-40B4-BE49-F238E27FC236}">
+                <a16:creationId xmlns:a16="http://schemas.microsoft.com/office/drawing/2014/main" id="{25A8E415-6695-4777-AB61-4335DF247ED3}"/>
+              </a:ext>
+            </a:extLst>
+          </p:cNvPr>
+          <p:cNvSpPr>
+            <a:spLocks noGrp="1"/>
+          </p:cNvSpPr>
+          <p:nvPr>
+            <p:ph type="title"/>
+          </p:nvPr>
+        </p:nvSpPr>
+        <p:spPr/>
+        <p:txBody>
+          <a:bodyPr/>
+          <a:lstStyle/>
+          <a:p>
+            <a:r>
+              <a:rPr lang="en-US" dirty="0" err="1"/>
+              <a:t>GoF</a:t>
+            </a:r>
+            <a:r>
+              <a:rPr lang="en-US" dirty="0"/>
+              <a:t> Classification</a:t>
+            </a:r>
+          </a:p>
+        </p:txBody>
+      </p:sp>
+      <p:pic>
+        <p:nvPicPr>
+          <p:cNvPr id="4" name="Picture 3">
+            <a:extLst>
+              <a:ext uri="{FF2B5EF4-FFF2-40B4-BE49-F238E27FC236}">
+                <a16:creationId xmlns:a16="http://schemas.microsoft.com/office/drawing/2014/main" id="{A7F1C4D5-CE56-496F-9C61-401A1BE264A0}"/>
+              </a:ext>
+            </a:extLst>
+          </p:cNvPr>
+          <p:cNvPicPr>
+            <a:picLocks noChangeAspect="1"/>
+          </p:cNvPicPr>
           <p:nvPr/>
-        </p:nvSpPr>
-        <p:spPr>
-          <a:xfrm>
-            <a:off x="838080" y="365040"/>
-            <a:ext cx="10515240" cy="1325160"/>
-          </a:xfrm>
-          <a:prstGeom prst="rect">
-            <a:avLst/>
-          </a:prstGeom>
-          <a:noFill/>
+        </p:nvPicPr>
+        <p:blipFill>
+          <a:blip r:embed="rId2"/>
+          <a:stretch>
+            <a:fillRect/>
+          </a:stretch>
+        </p:blipFill>
+        <p:spPr>
+          <a:xfrm>
+            <a:off x="989222" y="1690200"/>
+            <a:ext cx="10364098" cy="4740051"/>
+          </a:xfrm>
+          <a:prstGeom prst="rect">
+            <a:avLst/>
+          </a:prstGeom>
           <a:ln>
             <a:noFill/>
           </a:ln>
-        </p:spPr>
-        <p:txBody>
-          <a:bodyPr anchor="ctr">
-            <a:normAutofit/>
-          </a:bodyPr>
-          <a:lstStyle/>
-          <a:p>
-            <a:pPr>
-              <a:lnSpc>
-                <a:spcPct val="90000"/>
-              </a:lnSpc>
-            </a:pPr>
-            <a:r>
-              <a:rPr lang="fr-FR" sz="4400" b="0" strike="noStrike" spc="-1">
-                <a:solidFill>
-                  <a:srgbClr val="000000"/>
-                </a:solidFill>
-                <a:latin typeface="Calibri Light"/>
-                <a:ea typeface="Noto Sans CJK SC"/>
-              </a:rPr>
-              <a:t>Abstract Factory - </a:t>
-            </a:r>
-            <a:r>
-              <a:rPr lang="fr-FR" sz="4400" b="0" strike="noStrike" spc="-1">
-                <a:solidFill>
-                  <a:srgbClr val="000000"/>
-                </a:solidFill>
-                <a:latin typeface="Calibri Light"/>
-              </a:rPr>
-              <a:t>Takeaway</a:t>
-            </a:r>
-            <a:endParaRPr lang="fr-FR" sz="4400" b="0" strike="noStrike" spc="-1">
-              <a:solidFill>
-                <a:srgbClr val="000000"/>
-              </a:solidFill>
-              <a:latin typeface="Calibri"/>
-            </a:endParaRPr>
-          </a:p>
-        </p:txBody>
-      </p:sp>
-      <p:sp>
-        <p:nvSpPr>
-          <p:cNvPr id="98" name="TextShape 2"/>
-          <p:cNvSpPr txBox="1"/>
-          <p:nvPr/>
-        </p:nvSpPr>
-        <p:spPr>
-          <a:xfrm>
-            <a:off x="838080" y="1825560"/>
-            <a:ext cx="10515240" cy="4350960"/>
-          </a:xfrm>
-          <a:prstGeom prst="rect">
-            <a:avLst/>
-          </a:prstGeom>
-          <a:noFill/>
-          <a:ln>
-            <a:noFill/>
-          </a:ln>
-        </p:spPr>
-        <p:txBody>
-          <a:bodyPr lIns="0" tIns="0" rIns="0" bIns="0">
-            <a:normAutofit/>
-          </a:bodyPr>
-          <a:lstStyle/>
-          <a:p>
-            <a:pPr marL="432000" indent="-324000">
-              <a:spcBef>
-                <a:spcPts val="1417"/>
-              </a:spcBef>
-              <a:buClr>
-                <a:srgbClr val="000000"/>
-              </a:buClr>
-              <a:buSzPct val="45000"/>
-              <a:buFont typeface="Wingdings" charset="2"/>
-              <a:buChar char=""/>
-            </a:pPr>
-            <a:r>
-              <a:rPr lang="fr-FR" sz="6000" b="0" strike="noStrike" spc="-1">
-                <a:solidFill>
-                  <a:srgbClr val="000000"/>
-                </a:solidFill>
-                <a:latin typeface="Calibri"/>
-              </a:rPr>
-              <a:t>Provide a way for creating </a:t>
-            </a:r>
-            <a:r>
-              <a:rPr lang="fr-FR" sz="6000" b="1" strike="noStrike" spc="-1">
-                <a:solidFill>
-                  <a:srgbClr val="000000"/>
-                </a:solidFill>
-                <a:latin typeface="Calibri"/>
-              </a:rPr>
-              <a:t>families</a:t>
-            </a:r>
-            <a:r>
-              <a:rPr lang="fr-FR" sz="6000" b="0" strike="noStrike" spc="-1">
-                <a:solidFill>
-                  <a:srgbClr val="000000"/>
-                </a:solidFill>
-                <a:latin typeface="Calibri"/>
-              </a:rPr>
-              <a:t> (of related) objects without specifying their concrete classes. </a:t>
-            </a:r>
-          </a:p>
-        </p:txBody>
-      </p:sp>
+          <a:effectLst>
+            <a:outerShdw blurRad="292100" dist="139700" dir="2700000" algn="tl" rotWithShape="0">
+              <a:srgbClr val="333333">
+                <a:alpha val="65000"/>
+              </a:srgbClr>
+            </a:outerShdw>
+          </a:effectLst>
+        </p:spPr>
+      </p:pic>
     </p:spTree>
+    <p:extLst>
+      <p:ext uri="{BB962C8B-B14F-4D97-AF65-F5344CB8AC3E}">
+        <p14:creationId xmlns:p14="http://schemas.microsoft.com/office/powerpoint/2010/main" val="2268586579"/>
+      </p:ext>
+    </p:extLst>
   </p:cSld>
   <p:clrMapOvr>
     <a:masterClrMapping/>
   </p:clrMapOvr>
-  <p:timing>
-    <p:tnLst>
-      <p:par>
-        <p:cTn id="1" dur="indefinite" restart="never" nodeType="tmRoot">
-          <p:childTnLst>
-            <p:seq>
-              <p:cTn id="2" dur="indefinite" nodeType="mainSeq"/>
-              <p:prevCondLst>
-                <p:cond evt="onPrev" delay="0">
-                  <p:tgtEl>
-                    <p:sldTgt/>
-                  </p:tgtEl>
-                </p:cond>
-              </p:prevCondLst>
-              <p:nextCondLst>
-                <p:cond evt="onNext" delay="0">
-                  <p:tgtEl>
-                    <p:sldTgt/>
-                  </p:tgtEl>
-                </p:cond>
-              </p:nextCondLst>
-            </p:seq>
-          </p:childTnLst>
-        </p:cTn>
-      </p:par>
-    </p:tnLst>
-  </p:timing>
 </p:sld>
 </file>
 
 <file path=ppt/slides/slide7.xml><?xml version="1.0" encoding="utf-8"?>
 <p:sld xmlns:a="http://schemas.openxmlformats.org/drawingml/2006/main" xmlns:r="http://schemas.openxmlformats.org/officeDocument/2006/relationships" xmlns:p="http://schemas.openxmlformats.org/presentationml/2006/main">
   <p:cSld>
-    <p:bg>
-      <p:bgPr>
-        <a:solidFill>
-          <a:schemeClr val="bg1"/>
-        </a:solidFill>
-        <a:effectLst/>
-      </p:bgPr>
-    </p:bg>
     <p:spTree>
       <p:nvGrpSpPr>
         <p:cNvPr id="1" name=""/>
@@ -8243,126 +9382,246 @@
       </p:grpSpPr>
       <p:sp>
         <p:nvSpPr>
-          <p:cNvPr id="99" name="TextShape 1"/>
-          <p:cNvSpPr txBox="1"/>
-          <p:nvPr/>
-        </p:nvSpPr>
-        <p:spPr>
-          <a:xfrm>
-            <a:off x="838199" y="291090"/>
-            <a:ext cx="10515599" cy="932688"/>
-          </a:xfrm>
-          <a:prstGeom prst="rect">
-            <a:avLst/>
-          </a:prstGeom>
-        </p:spPr>
-        <p:txBody>
-          <a:bodyPr vert="horz" lIns="91440" tIns="45720" rIns="91440" bIns="45720" rtlCol="0" anchor="b">
-            <a:normAutofit/>
-          </a:bodyPr>
-          <a:lstStyle/>
-          <a:p>
-            <a:pPr>
-              <a:lnSpc>
-                <a:spcPct val="90000"/>
-              </a:lnSpc>
-              <a:spcBef>
-                <a:spcPct val="0"/>
-              </a:spcBef>
-              <a:spcAft>
-                <a:spcPts val="600"/>
-              </a:spcAft>
-            </a:pPr>
-            <a:r>
-              <a:rPr lang="en-US" sz="4800" b="0" strike="noStrike" kern="1200" spc="-1" dirty="0">
-                <a:solidFill>
-                  <a:schemeClr val="tx1"/>
-                </a:solidFill>
-                <a:latin typeface="+mj-lt"/>
-                <a:ea typeface="+mj-ea"/>
-                <a:cs typeface="+mj-cs"/>
-              </a:rPr>
-              <a:t>Factory Method - Problem</a:t>
-            </a:r>
-          </a:p>
-        </p:txBody>
-      </p:sp>
-      <p:pic>
-        <p:nvPicPr>
-          <p:cNvPr id="2" name="Image 1">
+          <p:cNvPr id="2" name="Title 1">
             <a:extLst>
               <a:ext uri="{FF2B5EF4-FFF2-40B4-BE49-F238E27FC236}">
-                <a16:creationId xmlns:a16="http://schemas.microsoft.com/office/drawing/2014/main" id="{52CE666F-5BA0-4B96-A3FD-6164D895ECEA}"/>
+                <a16:creationId xmlns:a16="http://schemas.microsoft.com/office/drawing/2014/main" id="{25A8E415-6695-4777-AB61-4335DF247ED3}"/>
               </a:ext>
             </a:extLst>
           </p:cNvPr>
-          <p:cNvPicPr>
-            <a:picLocks noChangeAspect="1"/>
-          </p:cNvPicPr>
+          <p:cNvSpPr>
+            <a:spLocks noGrp="1"/>
+          </p:cNvSpPr>
+          <p:nvPr>
+            <p:ph type="title"/>
+          </p:nvPr>
+        </p:nvSpPr>
+        <p:spPr/>
+        <p:txBody>
+          <a:bodyPr/>
+          <a:lstStyle/>
+          <a:p>
+            <a:r>
+              <a:rPr lang="en-US" dirty="0" err="1"/>
+              <a:t>GoF</a:t>
+            </a:r>
+            <a:r>
+              <a:rPr lang="en-US" dirty="0"/>
+              <a:t> Classification : Purpose criterion</a:t>
+            </a:r>
+          </a:p>
+        </p:txBody>
+      </p:sp>
+      <p:sp>
+        <p:nvSpPr>
+          <p:cNvPr id="5" name="TextBox 4">
+            <a:extLst>
+              <a:ext uri="{FF2B5EF4-FFF2-40B4-BE49-F238E27FC236}">
+                <a16:creationId xmlns:a16="http://schemas.microsoft.com/office/drawing/2014/main" id="{17484F83-A028-4FC9-A698-5548FCAC20E7}"/>
+              </a:ext>
+            </a:extLst>
+          </p:cNvPr>
+          <p:cNvSpPr txBox="1"/>
           <p:nvPr/>
-        </p:nvPicPr>
-        <p:blipFill>
-          <a:blip r:embed="rId3"/>
-          <a:stretch>
-            <a:fillRect/>
-          </a:stretch>
-        </p:blipFill>
-        <p:spPr>
-          <a:xfrm>
-            <a:off x="838200" y="2782868"/>
-            <a:ext cx="10515599" cy="2602611"/>
-          </a:xfrm>
-          <a:prstGeom prst="rect">
-            <a:avLst/>
-          </a:prstGeom>
-        </p:spPr>
-      </p:pic>
+        </p:nvSpPr>
+        <p:spPr>
+          <a:xfrm>
+            <a:off x="533401" y="2274838"/>
+            <a:ext cx="10353674" cy="3477875"/>
+          </a:xfrm>
+          <a:prstGeom prst="rect">
+            <a:avLst/>
+          </a:prstGeom>
+          <a:noFill/>
+        </p:spPr>
+        <p:txBody>
+          <a:bodyPr wrap="square">
+            <a:spAutoFit/>
+          </a:bodyPr>
+          <a:lstStyle/>
+          <a:p>
+            <a:pPr marL="285750" indent="-285750">
+              <a:buFont typeface="Wingdings" panose="05000000000000000000" pitchFamily="2" charset="2"/>
+              <a:buChar char="q"/>
+            </a:pPr>
+            <a:r>
+              <a:rPr lang="en-US" sz="2000" b="0" i="0" dirty="0">
+                <a:solidFill>
+                  <a:srgbClr val="000000"/>
+                </a:solidFill>
+                <a:effectLst/>
+                <a:latin typeface="Calibri" panose="020F0502020204030204" pitchFamily="34" charset="0"/>
+                <a:ea typeface="Calibri" panose="020F0502020204030204" pitchFamily="34" charset="0"/>
+                <a:cs typeface="Calibri" panose="020F0502020204030204" pitchFamily="34" charset="0"/>
+              </a:rPr>
+              <a:t>Creational patterns concern the process of object creation. </a:t>
+            </a:r>
+            <a:endParaRPr lang="en-US" sz="2000" dirty="0">
+              <a:solidFill>
+                <a:srgbClr val="000000"/>
+              </a:solidFill>
+              <a:latin typeface="Calibri" panose="020F0502020204030204" pitchFamily="34" charset="0"/>
+              <a:ea typeface="Calibri" panose="020F0502020204030204" pitchFamily="34" charset="0"/>
+              <a:cs typeface="Calibri" panose="020F0502020204030204" pitchFamily="34" charset="0"/>
+            </a:endParaRPr>
+          </a:p>
+          <a:p>
+            <a:endParaRPr lang="en-US" sz="2000" b="0" i="0" dirty="0">
+              <a:solidFill>
+                <a:srgbClr val="000000"/>
+              </a:solidFill>
+              <a:effectLst/>
+              <a:latin typeface="Calibri" panose="020F0502020204030204" pitchFamily="34" charset="0"/>
+              <a:ea typeface="Calibri" panose="020F0502020204030204" pitchFamily="34" charset="0"/>
+              <a:cs typeface="Calibri" panose="020F0502020204030204" pitchFamily="34" charset="0"/>
+            </a:endParaRPr>
+          </a:p>
+          <a:p>
+            <a:endParaRPr lang="en-US" sz="2000" b="0" i="0" dirty="0">
+              <a:solidFill>
+                <a:srgbClr val="000000"/>
+              </a:solidFill>
+              <a:effectLst/>
+              <a:latin typeface="Calibri" panose="020F0502020204030204" pitchFamily="34" charset="0"/>
+              <a:ea typeface="Calibri" panose="020F0502020204030204" pitchFamily="34" charset="0"/>
+              <a:cs typeface="Calibri" panose="020F0502020204030204" pitchFamily="34" charset="0"/>
+            </a:endParaRPr>
+          </a:p>
+          <a:p>
+            <a:pPr marL="285750" indent="-285750">
+              <a:buFont typeface="Wingdings" panose="05000000000000000000" pitchFamily="2" charset="2"/>
+              <a:buChar char="q"/>
+            </a:pPr>
+            <a:endParaRPr lang="en-US" sz="2000" dirty="0">
+              <a:solidFill>
+                <a:srgbClr val="000000"/>
+              </a:solidFill>
+              <a:latin typeface="Calibri" panose="020F0502020204030204" pitchFamily="34" charset="0"/>
+              <a:ea typeface="Calibri" panose="020F0502020204030204" pitchFamily="34" charset="0"/>
+              <a:cs typeface="Calibri" panose="020F0502020204030204" pitchFamily="34" charset="0"/>
+            </a:endParaRPr>
+          </a:p>
+          <a:p>
+            <a:pPr marL="285750" indent="-285750">
+              <a:buFont typeface="Wingdings" panose="05000000000000000000" pitchFamily="2" charset="2"/>
+              <a:buChar char="q"/>
+            </a:pPr>
+            <a:r>
+              <a:rPr lang="en-US" sz="2000" b="0" i="0" dirty="0">
+                <a:solidFill>
+                  <a:srgbClr val="000000"/>
+                </a:solidFill>
+                <a:effectLst/>
+                <a:latin typeface="Calibri" panose="020F0502020204030204" pitchFamily="34" charset="0"/>
+                <a:ea typeface="Calibri" panose="020F0502020204030204" pitchFamily="34" charset="0"/>
+                <a:cs typeface="Calibri" panose="020F0502020204030204" pitchFamily="34" charset="0"/>
+              </a:rPr>
+              <a:t>Structural patterns deal with the composition of classes or objects.</a:t>
+            </a:r>
+            <a:endParaRPr lang="en-US" sz="2000" dirty="0">
+              <a:solidFill>
+                <a:srgbClr val="000000"/>
+              </a:solidFill>
+              <a:latin typeface="Calibri" panose="020F0502020204030204" pitchFamily="34" charset="0"/>
+              <a:ea typeface="Calibri" panose="020F0502020204030204" pitchFamily="34" charset="0"/>
+              <a:cs typeface="Calibri" panose="020F0502020204030204" pitchFamily="34" charset="0"/>
+            </a:endParaRPr>
+          </a:p>
+          <a:p>
+            <a:pPr marL="285750" indent="-285750">
+              <a:buFont typeface="Wingdings" panose="05000000000000000000" pitchFamily="2" charset="2"/>
+              <a:buChar char="q"/>
+            </a:pPr>
+            <a:endParaRPr lang="en-US" sz="2000" b="0" i="0" dirty="0">
+              <a:solidFill>
+                <a:srgbClr val="000000"/>
+              </a:solidFill>
+              <a:effectLst/>
+              <a:latin typeface="Calibri" panose="020F0502020204030204" pitchFamily="34" charset="0"/>
+              <a:ea typeface="Calibri" panose="020F0502020204030204" pitchFamily="34" charset="0"/>
+              <a:cs typeface="Calibri" panose="020F0502020204030204" pitchFamily="34" charset="0"/>
+            </a:endParaRPr>
+          </a:p>
+          <a:p>
+            <a:pPr marL="285750" indent="-285750">
+              <a:buFont typeface="Wingdings" panose="05000000000000000000" pitchFamily="2" charset="2"/>
+              <a:buChar char="q"/>
+            </a:pPr>
+            <a:endParaRPr lang="en-US" sz="2000" dirty="0">
+              <a:solidFill>
+                <a:srgbClr val="000000"/>
+              </a:solidFill>
+              <a:latin typeface="Calibri" panose="020F0502020204030204" pitchFamily="34" charset="0"/>
+              <a:ea typeface="Calibri" panose="020F0502020204030204" pitchFamily="34" charset="0"/>
+              <a:cs typeface="Calibri" panose="020F0502020204030204" pitchFamily="34" charset="0"/>
+            </a:endParaRPr>
+          </a:p>
+          <a:p>
+            <a:endParaRPr lang="en-US" sz="2000" dirty="0">
+              <a:solidFill>
+                <a:srgbClr val="000000"/>
+              </a:solidFill>
+              <a:latin typeface="Calibri" panose="020F0502020204030204" pitchFamily="34" charset="0"/>
+              <a:ea typeface="Calibri" panose="020F0502020204030204" pitchFamily="34" charset="0"/>
+              <a:cs typeface="Calibri" panose="020F0502020204030204" pitchFamily="34" charset="0"/>
+            </a:endParaRPr>
+          </a:p>
+          <a:p>
+            <a:pPr marL="285750" indent="-285750">
+              <a:buFont typeface="Wingdings" panose="05000000000000000000" pitchFamily="2" charset="2"/>
+              <a:buChar char="q"/>
+            </a:pPr>
+            <a:r>
+              <a:rPr lang="en-US" sz="2000" b="0" i="0" dirty="0">
+                <a:solidFill>
+                  <a:srgbClr val="000000"/>
+                </a:solidFill>
+                <a:effectLst/>
+                <a:latin typeface="Calibri" panose="020F0502020204030204" pitchFamily="34" charset="0"/>
+                <a:ea typeface="Calibri" panose="020F0502020204030204" pitchFamily="34" charset="0"/>
+                <a:cs typeface="Calibri" panose="020F0502020204030204" pitchFamily="34" charset="0"/>
+              </a:rPr>
+              <a:t>Behavioral patterns characterize the ways in which classes or objects interact and distribute responsibility.</a:t>
+            </a:r>
+            <a:r>
+              <a:rPr lang="en-US" sz="2000" dirty="0">
+                <a:latin typeface="Calibri" panose="020F0502020204030204" pitchFamily="34" charset="0"/>
+                <a:ea typeface="Calibri" panose="020F0502020204030204" pitchFamily="34" charset="0"/>
+                <a:cs typeface="Calibri" panose="020F0502020204030204" pitchFamily="34" charset="0"/>
+              </a:rPr>
+              <a:t> </a:t>
+            </a:r>
+            <a:br>
+              <a:rPr lang="en-US" sz="2000" dirty="0">
+                <a:latin typeface="Calibri" panose="020F0502020204030204" pitchFamily="34" charset="0"/>
+                <a:ea typeface="Calibri" panose="020F0502020204030204" pitchFamily="34" charset="0"/>
+                <a:cs typeface="Calibri" panose="020F0502020204030204" pitchFamily="34" charset="0"/>
+              </a:rPr>
+            </a:br>
+            <a:endParaRPr lang="en-US" sz="2000" dirty="0">
+              <a:latin typeface="Calibri" panose="020F0502020204030204" pitchFamily="34" charset="0"/>
+              <a:ea typeface="Calibri" panose="020F0502020204030204" pitchFamily="34" charset="0"/>
+              <a:cs typeface="Calibri" panose="020F0502020204030204" pitchFamily="34" charset="0"/>
+            </a:endParaRPr>
+          </a:p>
+        </p:txBody>
+      </p:sp>
     </p:spTree>
+    <p:extLst>
+      <p:ext uri="{BB962C8B-B14F-4D97-AF65-F5344CB8AC3E}">
+        <p14:creationId xmlns:p14="http://schemas.microsoft.com/office/powerpoint/2010/main" val="2410313212"/>
+      </p:ext>
+    </p:extLst>
   </p:cSld>
   <p:clrMapOvr>
     <a:masterClrMapping/>
   </p:clrMapOvr>
-  <p:timing>
-    <p:tnLst>
-      <p:par>
-        <p:cTn id="1" dur="indefinite" restart="never" nodeType="tmRoot">
-          <p:childTnLst>
-            <p:seq>
-              <p:cTn id="2" dur="indefinite" nodeType="mainSeq"/>
-              <p:prevCondLst>
-                <p:cond evt="onPrev" delay="0">
-                  <p:tgtEl>
-                    <p:sldTgt/>
-                  </p:tgtEl>
-                </p:cond>
-              </p:prevCondLst>
-              <p:nextCondLst>
-                <p:cond evt="onNext" delay="0">
-                  <p:tgtEl>
-                    <p:sldTgt/>
-                  </p:tgtEl>
-                </p:cond>
-              </p:nextCondLst>
-            </p:seq>
-          </p:childTnLst>
-        </p:cTn>
-      </p:par>
-    </p:tnLst>
-  </p:timing>
 </p:sld>
 </file>
 
 <file path=ppt/slides/slide8.xml><?xml version="1.0" encoding="utf-8"?>
 <p:sld xmlns:a="http://schemas.openxmlformats.org/drawingml/2006/main" xmlns:r="http://schemas.openxmlformats.org/officeDocument/2006/relationships" xmlns:p="http://schemas.openxmlformats.org/presentationml/2006/main">
   <p:cSld>
-    <p:bg>
-      <p:bgPr>
-        <a:solidFill>
-          <a:schemeClr val="bg1"/>
-        </a:solidFill>
-        <a:effectLst/>
-      </p:bgPr>
-    </p:bg>
     <p:spTree>
       <p:nvGrpSpPr>
         <p:cNvPr id="1" name=""/>
@@ -8379,126 +9638,337 @@
       </p:grpSpPr>
       <p:sp>
         <p:nvSpPr>
-          <p:cNvPr id="100" name="TextShape 1"/>
-          <p:cNvSpPr txBox="1"/>
-          <p:nvPr/>
-        </p:nvSpPr>
-        <p:spPr>
-          <a:xfrm>
-            <a:off x="838199" y="291090"/>
-            <a:ext cx="10515599" cy="932688"/>
-          </a:xfrm>
-          <a:prstGeom prst="rect">
-            <a:avLst/>
-          </a:prstGeom>
-        </p:spPr>
-        <p:txBody>
-          <a:bodyPr vert="horz" lIns="91440" tIns="45720" rIns="91440" bIns="45720" rtlCol="0" anchor="b">
-            <a:normAutofit/>
-          </a:bodyPr>
-          <a:lstStyle/>
-          <a:p>
-            <a:pPr>
-              <a:lnSpc>
-                <a:spcPct val="90000"/>
-              </a:lnSpc>
-              <a:spcBef>
-                <a:spcPct val="0"/>
-              </a:spcBef>
-              <a:spcAft>
-                <a:spcPts val="600"/>
-              </a:spcAft>
-            </a:pPr>
-            <a:r>
-              <a:rPr lang="en-US" sz="4800" b="0" strike="noStrike" kern="1200" spc="-1" dirty="0">
-                <a:solidFill>
-                  <a:schemeClr val="tx1"/>
-                </a:solidFill>
-                <a:latin typeface="+mj-lt"/>
-                <a:ea typeface="+mj-ea"/>
-                <a:cs typeface="+mj-cs"/>
-              </a:rPr>
-              <a:t>Factory Method - Solution</a:t>
-            </a:r>
-          </a:p>
-        </p:txBody>
-      </p:sp>
-      <p:pic>
-        <p:nvPicPr>
-          <p:cNvPr id="2" name="Image 1">
+          <p:cNvPr id="2" name="Title 1">
             <a:extLst>
               <a:ext uri="{FF2B5EF4-FFF2-40B4-BE49-F238E27FC236}">
-                <a16:creationId xmlns:a16="http://schemas.microsoft.com/office/drawing/2014/main" id="{D4E5157F-F88F-4F6C-95F3-3739EF811ACB}"/>
+                <a16:creationId xmlns:a16="http://schemas.microsoft.com/office/drawing/2014/main" id="{25A8E415-6695-4777-AB61-4335DF247ED3}"/>
               </a:ext>
             </a:extLst>
           </p:cNvPr>
-          <p:cNvPicPr>
-            <a:picLocks noChangeAspect="1"/>
-          </p:cNvPicPr>
+          <p:cNvSpPr>
+            <a:spLocks noGrp="1"/>
+          </p:cNvSpPr>
+          <p:nvPr>
+            <p:ph type="title"/>
+          </p:nvPr>
+        </p:nvSpPr>
+        <p:spPr/>
+        <p:txBody>
+          <a:bodyPr/>
+          <a:lstStyle/>
+          <a:p>
+            <a:r>
+              <a:rPr lang="en-US" dirty="0" err="1"/>
+              <a:t>GoF</a:t>
+            </a:r>
+            <a:r>
+              <a:rPr lang="en-US" dirty="0"/>
+              <a:t> Classification : Scope criterion</a:t>
+            </a:r>
+          </a:p>
+        </p:txBody>
+      </p:sp>
+      <p:sp>
+        <p:nvSpPr>
+          <p:cNvPr id="5" name="TextBox 4">
+            <a:extLst>
+              <a:ext uri="{FF2B5EF4-FFF2-40B4-BE49-F238E27FC236}">
+                <a16:creationId xmlns:a16="http://schemas.microsoft.com/office/drawing/2014/main" id="{17484F83-A028-4FC9-A698-5548FCAC20E7}"/>
+              </a:ext>
+            </a:extLst>
+          </p:cNvPr>
+          <p:cNvSpPr txBox="1"/>
           <p:nvPr/>
-        </p:nvPicPr>
-        <p:blipFill>
-          <a:blip r:embed="rId3"/>
-          <a:stretch>
-            <a:fillRect/>
-          </a:stretch>
-        </p:blipFill>
-        <p:spPr>
-          <a:xfrm>
-            <a:off x="2449345" y="1863801"/>
-            <a:ext cx="7293308" cy="4440746"/>
-          </a:xfrm>
-          <a:prstGeom prst="rect">
-            <a:avLst/>
-          </a:prstGeom>
-        </p:spPr>
-      </p:pic>
+        </p:nvSpPr>
+        <p:spPr>
+          <a:xfrm>
+            <a:off x="533401" y="2274838"/>
+            <a:ext cx="10353674" cy="3477875"/>
+          </a:xfrm>
+          <a:prstGeom prst="rect">
+            <a:avLst/>
+          </a:prstGeom>
+          <a:noFill/>
+        </p:spPr>
+        <p:txBody>
+          <a:bodyPr wrap="square">
+            <a:spAutoFit/>
+          </a:bodyPr>
+          <a:lstStyle/>
+          <a:p>
+            <a:pPr marL="285750" indent="-285750">
+              <a:buFont typeface="Wingdings" panose="05000000000000000000" pitchFamily="2" charset="2"/>
+              <a:buChar char="q"/>
+            </a:pPr>
+            <a:r>
+              <a:rPr lang="en-US" sz="2000" dirty="0">
+                <a:solidFill>
+                  <a:srgbClr val="000000"/>
+                </a:solidFill>
+                <a:latin typeface="Calibri" panose="020F0502020204030204" pitchFamily="34" charset="0"/>
+                <a:ea typeface="Calibri" panose="020F0502020204030204" pitchFamily="34" charset="0"/>
+                <a:cs typeface="Calibri" panose="020F0502020204030204" pitchFamily="34" charset="0"/>
+              </a:rPr>
+              <a:t>Class patterns deal with </a:t>
+            </a:r>
+            <a:r>
+              <a:rPr lang="en-US" sz="2000" b="1" dirty="0">
+                <a:solidFill>
+                  <a:srgbClr val="000000"/>
+                </a:solidFill>
+                <a:latin typeface="Calibri" panose="020F0502020204030204" pitchFamily="34" charset="0"/>
+                <a:ea typeface="Calibri" panose="020F0502020204030204" pitchFamily="34" charset="0"/>
+                <a:cs typeface="Calibri" panose="020F0502020204030204" pitchFamily="34" charset="0"/>
+              </a:rPr>
+              <a:t>relationships between classes </a:t>
+            </a:r>
+            <a:r>
+              <a:rPr lang="en-US" sz="2000" dirty="0">
+                <a:solidFill>
+                  <a:srgbClr val="000000"/>
+                </a:solidFill>
+                <a:latin typeface="Calibri" panose="020F0502020204030204" pitchFamily="34" charset="0"/>
+                <a:ea typeface="Calibri" panose="020F0502020204030204" pitchFamily="34" charset="0"/>
+                <a:cs typeface="Calibri" panose="020F0502020204030204" pitchFamily="34" charset="0"/>
+              </a:rPr>
+              <a:t>and their subclasses. These relationships are established through inheritance, so they are static—fixed at compile-time. </a:t>
+            </a:r>
+          </a:p>
+          <a:p>
+            <a:pPr marL="285750" indent="-285750">
+              <a:buFont typeface="Wingdings" panose="05000000000000000000" pitchFamily="2" charset="2"/>
+              <a:buChar char="q"/>
+            </a:pPr>
+            <a:endParaRPr lang="en-US" sz="2000" dirty="0">
+              <a:solidFill>
+                <a:srgbClr val="000000"/>
+              </a:solidFill>
+              <a:latin typeface="Calibri" panose="020F0502020204030204" pitchFamily="34" charset="0"/>
+              <a:ea typeface="Calibri" panose="020F0502020204030204" pitchFamily="34" charset="0"/>
+              <a:cs typeface="Calibri" panose="020F0502020204030204" pitchFamily="34" charset="0"/>
+            </a:endParaRPr>
+          </a:p>
+          <a:p>
+            <a:endParaRPr lang="en-US" sz="2000" dirty="0">
+              <a:solidFill>
+                <a:srgbClr val="000000"/>
+              </a:solidFill>
+              <a:latin typeface="Calibri" panose="020F0502020204030204" pitchFamily="34" charset="0"/>
+              <a:ea typeface="Calibri" panose="020F0502020204030204" pitchFamily="34" charset="0"/>
+              <a:cs typeface="Calibri" panose="020F0502020204030204" pitchFamily="34" charset="0"/>
+            </a:endParaRPr>
+          </a:p>
+          <a:p>
+            <a:pPr marL="285750" indent="-285750">
+              <a:buFont typeface="Wingdings" panose="05000000000000000000" pitchFamily="2" charset="2"/>
+              <a:buChar char="q"/>
+            </a:pPr>
+            <a:endParaRPr lang="en-US" sz="2000" dirty="0">
+              <a:solidFill>
+                <a:srgbClr val="000000"/>
+              </a:solidFill>
+              <a:latin typeface="Calibri" panose="020F0502020204030204" pitchFamily="34" charset="0"/>
+              <a:ea typeface="Calibri" panose="020F0502020204030204" pitchFamily="34" charset="0"/>
+              <a:cs typeface="Calibri" panose="020F0502020204030204" pitchFamily="34" charset="0"/>
+            </a:endParaRPr>
+          </a:p>
+          <a:p>
+            <a:pPr marL="285750" indent="-285750">
+              <a:buFont typeface="Wingdings" panose="05000000000000000000" pitchFamily="2" charset="2"/>
+              <a:buChar char="q"/>
+            </a:pPr>
+            <a:r>
+              <a:rPr lang="en-US" sz="2000" dirty="0">
+                <a:solidFill>
+                  <a:srgbClr val="000000"/>
+                </a:solidFill>
+                <a:latin typeface="Calibri" panose="020F0502020204030204" pitchFamily="34" charset="0"/>
+                <a:ea typeface="Calibri" panose="020F0502020204030204" pitchFamily="34" charset="0"/>
+                <a:cs typeface="Calibri" panose="020F0502020204030204" pitchFamily="34" charset="0"/>
+              </a:rPr>
+              <a:t>Object patterns deal with </a:t>
+            </a:r>
+            <a:r>
+              <a:rPr lang="en-US" sz="2000" b="1" dirty="0">
+                <a:solidFill>
+                  <a:srgbClr val="000000"/>
+                </a:solidFill>
+                <a:latin typeface="Calibri" panose="020F0502020204030204" pitchFamily="34" charset="0"/>
+                <a:ea typeface="Calibri" panose="020F0502020204030204" pitchFamily="34" charset="0"/>
+                <a:cs typeface="Calibri" panose="020F0502020204030204" pitchFamily="34" charset="0"/>
+              </a:rPr>
+              <a:t>object relationships</a:t>
+            </a:r>
+            <a:r>
+              <a:rPr lang="en-US" sz="2000" dirty="0">
+                <a:solidFill>
+                  <a:srgbClr val="000000"/>
+                </a:solidFill>
+                <a:latin typeface="Calibri" panose="020F0502020204030204" pitchFamily="34" charset="0"/>
+                <a:ea typeface="Calibri" panose="020F0502020204030204" pitchFamily="34" charset="0"/>
+                <a:cs typeface="Calibri" panose="020F0502020204030204" pitchFamily="34" charset="0"/>
+              </a:rPr>
+              <a:t>, which can be changed at run-time and are more dynamic.</a:t>
+            </a:r>
+          </a:p>
+          <a:p>
+            <a:endParaRPr lang="en-US" sz="2000" b="0" i="0" dirty="0">
+              <a:solidFill>
+                <a:srgbClr val="000000"/>
+              </a:solidFill>
+              <a:effectLst/>
+              <a:latin typeface="Calibri" panose="020F0502020204030204" pitchFamily="34" charset="0"/>
+              <a:ea typeface="Calibri" panose="020F0502020204030204" pitchFamily="34" charset="0"/>
+              <a:cs typeface="Calibri" panose="020F0502020204030204" pitchFamily="34" charset="0"/>
+            </a:endParaRPr>
+          </a:p>
+          <a:p>
+            <a:r>
+              <a:rPr lang="en-US" sz="2000" dirty="0">
+                <a:solidFill>
+                  <a:srgbClr val="000000"/>
+                </a:solidFill>
+                <a:latin typeface="Calibri" panose="020F0502020204030204" pitchFamily="34" charset="0"/>
+                <a:ea typeface="Calibri" panose="020F0502020204030204" pitchFamily="34" charset="0"/>
+                <a:cs typeface="Calibri" panose="020F0502020204030204" pitchFamily="34" charset="0"/>
+              </a:rPr>
+              <a:t>e.g. </a:t>
+            </a:r>
+          </a:p>
+          <a:p>
+            <a:pPr marL="457200" indent="-457200">
+              <a:buFont typeface="Arial" panose="020B0604020202020204" pitchFamily="34" charset="0"/>
+              <a:buChar char="•"/>
+            </a:pPr>
+            <a:r>
+              <a:rPr lang="en-US" sz="2000" dirty="0">
+                <a:solidFill>
+                  <a:srgbClr val="000000"/>
+                </a:solidFill>
+                <a:latin typeface="Calibri" panose="020F0502020204030204" pitchFamily="34" charset="0"/>
+                <a:ea typeface="Calibri" panose="020F0502020204030204" pitchFamily="34" charset="0"/>
+                <a:cs typeface="Calibri" panose="020F0502020204030204" pitchFamily="34" charset="0"/>
+              </a:rPr>
+              <a:t>Class pattern: Use </a:t>
+            </a:r>
+            <a:r>
+              <a:rPr lang="en-US" sz="2000" b="1" dirty="0">
+                <a:solidFill>
+                  <a:srgbClr val="000000"/>
+                </a:solidFill>
+                <a:latin typeface="Calibri" panose="020F0502020204030204" pitchFamily="34" charset="0"/>
+                <a:ea typeface="Calibri" panose="020F0502020204030204" pitchFamily="34" charset="0"/>
+                <a:cs typeface="Calibri" panose="020F0502020204030204" pitchFamily="34" charset="0"/>
+              </a:rPr>
+              <a:t>Factory method pattern </a:t>
+            </a:r>
+            <a:r>
+              <a:rPr lang="en-US" sz="2000" dirty="0">
+                <a:solidFill>
+                  <a:srgbClr val="000000"/>
+                </a:solidFill>
+                <a:latin typeface="Calibri" panose="020F0502020204030204" pitchFamily="34" charset="0"/>
+                <a:ea typeface="Calibri" panose="020F0502020204030204" pitchFamily="34" charset="0"/>
+                <a:cs typeface="Calibri" panose="020F0502020204030204" pitchFamily="34" charset="0"/>
+              </a:rPr>
+              <a:t>to support  both HTTP &amp; FTP connection pooling</a:t>
+            </a:r>
+          </a:p>
+          <a:p>
+            <a:pPr marL="457200" indent="-457200">
+              <a:buFont typeface="Arial" panose="020B0604020202020204" pitchFamily="34" charset="0"/>
+              <a:buChar char="•"/>
+            </a:pPr>
+            <a:r>
+              <a:rPr lang="en-US" sz="2000" b="0" i="0" dirty="0">
+                <a:solidFill>
+                  <a:srgbClr val="000000"/>
+                </a:solidFill>
+                <a:effectLst/>
+                <a:latin typeface="Calibri" panose="020F0502020204030204" pitchFamily="34" charset="0"/>
+                <a:ea typeface="Calibri" panose="020F0502020204030204" pitchFamily="34" charset="0"/>
+                <a:cs typeface="Calibri" panose="020F0502020204030204" pitchFamily="34" charset="0"/>
+              </a:rPr>
+              <a:t>Object pattern: Use </a:t>
+            </a:r>
+            <a:r>
+              <a:rPr lang="en-US" sz="2000" b="1" i="0" dirty="0">
+                <a:solidFill>
+                  <a:srgbClr val="000000"/>
+                </a:solidFill>
+                <a:effectLst/>
+                <a:latin typeface="Calibri" panose="020F0502020204030204" pitchFamily="34" charset="0"/>
+                <a:ea typeface="Calibri" panose="020F0502020204030204" pitchFamily="34" charset="0"/>
+                <a:cs typeface="Calibri" panose="020F0502020204030204" pitchFamily="34" charset="0"/>
+              </a:rPr>
+              <a:t>Strategy pattern </a:t>
+            </a:r>
+            <a:r>
+              <a:rPr lang="en-US" sz="2000" i="0" dirty="0">
+                <a:solidFill>
+                  <a:srgbClr val="000000"/>
+                </a:solidFill>
+                <a:effectLst/>
+                <a:latin typeface="Calibri" panose="020F0502020204030204" pitchFamily="34" charset="0"/>
+                <a:ea typeface="Calibri" panose="020F0502020204030204" pitchFamily="34" charset="0"/>
+                <a:cs typeface="Calibri" panose="020F0502020204030204" pitchFamily="34" charset="0"/>
+              </a:rPr>
+              <a:t>to select right/needed </a:t>
+            </a:r>
+            <a:r>
+              <a:rPr lang="en-US" sz="2000" b="0" i="0" dirty="0">
+                <a:solidFill>
+                  <a:srgbClr val="000000"/>
+                </a:solidFill>
+                <a:effectLst/>
+                <a:latin typeface="Calibri" panose="020F0502020204030204" pitchFamily="34" charset="0"/>
+                <a:ea typeface="Calibri" panose="020F0502020204030204" pitchFamily="34" charset="0"/>
+                <a:cs typeface="Calibri" panose="020F0502020204030204" pitchFamily="34" charset="0"/>
+              </a:rPr>
+              <a:t>connection  pool </a:t>
+            </a:r>
+            <a:r>
+              <a:rPr lang="en-US" sz="2000" dirty="0">
+                <a:solidFill>
+                  <a:srgbClr val="000000"/>
+                </a:solidFill>
+                <a:latin typeface="Calibri" panose="020F0502020204030204" pitchFamily="34" charset="0"/>
+                <a:ea typeface="Calibri" panose="020F0502020204030204" pitchFamily="34" charset="0"/>
+                <a:cs typeface="Calibri" panose="020F0502020204030204" pitchFamily="34" charset="0"/>
+              </a:rPr>
+              <a:t>at runtime</a:t>
+            </a:r>
+            <a:r>
+              <a:rPr lang="en-US" sz="2000" b="0" i="0" dirty="0">
+                <a:solidFill>
+                  <a:srgbClr val="000000"/>
+                </a:solidFill>
+                <a:effectLst/>
+                <a:latin typeface="Calibri" panose="020F0502020204030204" pitchFamily="34" charset="0"/>
+                <a:ea typeface="Calibri" panose="020F0502020204030204" pitchFamily="34" charset="0"/>
+                <a:cs typeface="Calibri" panose="020F0502020204030204" pitchFamily="34" charset="0"/>
+              </a:rPr>
+              <a:t>.</a:t>
+            </a:r>
+          </a:p>
+        </p:txBody>
+      </p:sp>
     </p:spTree>
+    <p:extLst>
+      <p:ext uri="{BB962C8B-B14F-4D97-AF65-F5344CB8AC3E}">
+        <p14:creationId xmlns:p14="http://schemas.microsoft.com/office/powerpoint/2010/main" val="3689911173"/>
+      </p:ext>
+    </p:extLst>
   </p:cSld>
   <p:clrMapOvr>
     <a:masterClrMapping/>
   </p:clrMapOvr>
-  <p:timing>
-    <p:tnLst>
-      <p:par>
-        <p:cTn id="1" dur="indefinite" restart="never" nodeType="tmRoot">
-          <p:childTnLst>
-            <p:seq>
-              <p:cTn id="2" dur="indefinite" nodeType="mainSeq"/>
-              <p:prevCondLst>
-                <p:cond evt="onPrev" delay="0">
-                  <p:tgtEl>
-                    <p:sldTgt/>
-                  </p:tgtEl>
-                </p:cond>
-              </p:prevCondLst>
-              <p:nextCondLst>
-                <p:cond evt="onNext" delay="0">
-                  <p:tgtEl>
-                    <p:sldTgt/>
-                  </p:tgtEl>
-                </p:cond>
-              </p:nextCondLst>
-            </p:seq>
-          </p:childTnLst>
-        </p:cTn>
-      </p:par>
-    </p:tnLst>
-  </p:timing>
 </p:sld>
 </file>
 
 <file path=ppt/slides/slide9.xml><?xml version="1.0" encoding="utf-8"?>
 <p:sld xmlns:a="http://schemas.openxmlformats.org/drawingml/2006/main" xmlns:r="http://schemas.openxmlformats.org/officeDocument/2006/relationships" xmlns:p="http://schemas.openxmlformats.org/presentationml/2006/main">
   <p:cSld>
-    <p:bg>
-      <p:bgPr>
-        <a:solidFill>
-          <a:srgbClr val="FFFFFF"/>
-        </a:solidFill>
-        <a:effectLst/>
-      </p:bgPr>
-    </p:bg>
     <p:spTree>
       <p:nvGrpSpPr>
         <p:cNvPr id="1" name=""/>
@@ -8515,132 +9985,617 @@
       </p:grpSpPr>
       <p:sp>
         <p:nvSpPr>
-          <p:cNvPr id="102" name="TextShape 1"/>
+          <p:cNvPr id="2" name="Title 1">
+            <a:extLst>
+              <a:ext uri="{FF2B5EF4-FFF2-40B4-BE49-F238E27FC236}">
+                <a16:creationId xmlns:a16="http://schemas.microsoft.com/office/drawing/2014/main" id="{25A8E415-6695-4777-AB61-4335DF247ED3}"/>
+              </a:ext>
+            </a:extLst>
+          </p:cNvPr>
+          <p:cNvSpPr>
+            <a:spLocks noGrp="1"/>
+          </p:cNvSpPr>
+          <p:nvPr>
+            <p:ph type="title"/>
+          </p:nvPr>
+        </p:nvSpPr>
+        <p:spPr/>
+        <p:txBody>
+          <a:bodyPr/>
+          <a:lstStyle/>
+          <a:p>
+            <a:r>
+              <a:rPr lang="en-US" dirty="0" err="1"/>
+              <a:t>GoF</a:t>
+            </a:r>
+            <a:r>
+              <a:rPr lang="en-US" dirty="0"/>
+              <a:t> Classification : </a:t>
+            </a:r>
+            <a:r>
+              <a:rPr lang="en-US" dirty="0">
+                <a:solidFill>
+                  <a:srgbClr val="0070C0"/>
+                </a:solidFill>
+              </a:rPr>
+              <a:t>Scope</a:t>
+            </a:r>
+            <a:r>
+              <a:rPr lang="en-US" dirty="0"/>
+              <a:t> vs </a:t>
+            </a:r>
+            <a:r>
+              <a:rPr lang="en-US" dirty="0">
+                <a:solidFill>
+                  <a:schemeClr val="accent6">
+                    <a:lumMod val="75000"/>
+                  </a:schemeClr>
+                </a:solidFill>
+              </a:rPr>
+              <a:t>Purpose</a:t>
+            </a:r>
+          </a:p>
+        </p:txBody>
+      </p:sp>
+      <p:sp>
+        <p:nvSpPr>
+          <p:cNvPr id="5" name="TextBox 4">
+            <a:extLst>
+              <a:ext uri="{FF2B5EF4-FFF2-40B4-BE49-F238E27FC236}">
+                <a16:creationId xmlns:a16="http://schemas.microsoft.com/office/drawing/2014/main" id="{17484F83-A028-4FC9-A698-5548FCAC20E7}"/>
+              </a:ext>
+            </a:extLst>
+          </p:cNvPr>
           <p:cNvSpPr txBox="1"/>
           <p:nvPr/>
         </p:nvSpPr>
         <p:spPr>
           <a:xfrm>
-            <a:off x="838080" y="365040"/>
-            <a:ext cx="10515240" cy="1325160"/>
+            <a:off x="533401" y="2274838"/>
+            <a:ext cx="10353674" cy="3170099"/>
           </a:xfrm>
           <a:prstGeom prst="rect">
             <a:avLst/>
           </a:prstGeom>
           <a:noFill/>
-          <a:ln>
-            <a:noFill/>
-          </a:ln>
-        </p:spPr>
-        <p:txBody>
-          <a:bodyPr anchor="ctr">
-            <a:normAutofit/>
+        </p:spPr>
+        <p:txBody>
+          <a:bodyPr wrap="square">
+            <a:spAutoFit/>
           </a:bodyPr>
           <a:lstStyle/>
           <a:p>
-            <a:pPr>
-              <a:lnSpc>
-                <a:spcPct val="90000"/>
-              </a:lnSpc>
+            <a:pPr marL="285750" indent="-285750">
+              <a:buFont typeface="Wingdings" panose="05000000000000000000" pitchFamily="2" charset="2"/>
+              <a:buChar char="q"/>
             </a:pPr>
             <a:r>
-              <a:rPr lang="en-US" sz="4400" b="0" strike="noStrike" spc="-1">
+              <a:rPr lang="en-US" sz="2000" b="1" dirty="0">
+                <a:solidFill>
+                  <a:schemeClr val="accent6">
+                    <a:lumMod val="75000"/>
+                  </a:schemeClr>
+                </a:solidFill>
+                <a:latin typeface="Calibri" panose="020F0502020204030204" pitchFamily="34" charset="0"/>
+                <a:ea typeface="Calibri" panose="020F0502020204030204" pitchFamily="34" charset="0"/>
+                <a:cs typeface="Calibri" panose="020F0502020204030204" pitchFamily="34" charset="0"/>
+              </a:rPr>
+              <a:t>Creational</a:t>
+            </a:r>
+            <a:r>
+              <a:rPr lang="en-US" sz="2000" b="1" dirty="0">
                 <a:solidFill>
                   <a:srgbClr val="000000"/>
                 </a:solidFill>
-                <a:latin typeface="Calibri Light"/>
-              </a:rPr>
-              <a:t>Factory Method - Takeaway</a:t>
-            </a:r>
-            <a:endParaRPr lang="en-US" sz="4400" b="0" strike="noStrike" spc="-1">
-              <a:solidFill>
-                <a:srgbClr val="000000"/>
-              </a:solidFill>
-              <a:latin typeface="Calibri"/>
-            </a:endParaRPr>
-          </a:p>
-        </p:txBody>
-      </p:sp>
-      <p:sp>
-        <p:nvSpPr>
-          <p:cNvPr id="103" name="TextShape 2"/>
-          <p:cNvSpPr txBox="1"/>
-          <p:nvPr/>
-        </p:nvSpPr>
-        <p:spPr>
-          <a:xfrm>
-            <a:off x="838080" y="1825560"/>
-            <a:ext cx="10515240" cy="4350960"/>
-          </a:xfrm>
-          <a:prstGeom prst="rect">
-            <a:avLst/>
-          </a:prstGeom>
-          <a:noFill/>
-          <a:ln>
-            <a:noFill/>
-          </a:ln>
-        </p:spPr>
-        <p:txBody>
-          <a:bodyPr lIns="0" tIns="0" rIns="0" bIns="0">
-            <a:normAutofit/>
-          </a:bodyPr>
-          <a:lstStyle/>
-          <a:p>
-            <a:pPr marL="432000" indent="-324000">
-              <a:spcBef>
-                <a:spcPts val="1417"/>
-              </a:spcBef>
-              <a:buClr>
-                <a:srgbClr val="000000"/>
-              </a:buClr>
-              <a:buSzPct val="45000"/>
-              <a:buFont typeface="Wingdings" charset="2"/>
-              <a:buChar char=""/>
-            </a:pPr>
-            <a:r>
-              <a:rPr lang="en-US" sz="6000" b="0" strike="noStrike" spc="-1">
+                <a:latin typeface="Calibri" panose="020F0502020204030204" pitchFamily="34" charset="0"/>
+                <a:ea typeface="Calibri" panose="020F0502020204030204" pitchFamily="34" charset="0"/>
+                <a:cs typeface="Calibri" panose="020F0502020204030204" pitchFamily="34" charset="0"/>
+              </a:rPr>
+              <a:t> </a:t>
+            </a:r>
+            <a:r>
+              <a:rPr lang="en-US" sz="2000" b="1" dirty="0">
+                <a:solidFill>
+                  <a:srgbClr val="0070C0"/>
+                </a:solidFill>
+                <a:latin typeface="Calibri" panose="020F0502020204030204" pitchFamily="34" charset="0"/>
+                <a:ea typeface="Calibri" panose="020F0502020204030204" pitchFamily="34" charset="0"/>
+                <a:cs typeface="Calibri" panose="020F0502020204030204" pitchFamily="34" charset="0"/>
+              </a:rPr>
+              <a:t>class</a:t>
+            </a:r>
+            <a:r>
+              <a:rPr lang="en-US" sz="2000" b="1" dirty="0">
                 <a:solidFill>
                   <a:srgbClr val="000000"/>
                 </a:solidFill>
-                <a:latin typeface="Calibri"/>
-              </a:rPr>
-              <a:t>Define an interface for creating an Object, and let subclasses decide which type (of this object) to instantiate. </a:t>
-            </a:r>
+                <a:latin typeface="Calibri" panose="020F0502020204030204" pitchFamily="34" charset="0"/>
+                <a:ea typeface="Calibri" panose="020F0502020204030204" pitchFamily="34" charset="0"/>
+                <a:cs typeface="Calibri" panose="020F0502020204030204" pitchFamily="34" charset="0"/>
+              </a:rPr>
+              <a:t> </a:t>
+            </a:r>
+            <a:r>
+              <a:rPr lang="en-US" sz="2000" b="1" dirty="0">
+                <a:latin typeface="Calibri" panose="020F0502020204030204" pitchFamily="34" charset="0"/>
+                <a:ea typeface="Calibri" panose="020F0502020204030204" pitchFamily="34" charset="0"/>
+                <a:cs typeface="Calibri" panose="020F0502020204030204" pitchFamily="34" charset="0"/>
+              </a:rPr>
+              <a:t>patterns</a:t>
+            </a:r>
+            <a:r>
+              <a:rPr lang="en-US" sz="2000" b="1" dirty="0">
+                <a:solidFill>
+                  <a:srgbClr val="000000"/>
+                </a:solidFill>
+                <a:latin typeface="Calibri" panose="020F0502020204030204" pitchFamily="34" charset="0"/>
+                <a:ea typeface="Calibri" panose="020F0502020204030204" pitchFamily="34" charset="0"/>
+                <a:cs typeface="Calibri" panose="020F0502020204030204" pitchFamily="34" charset="0"/>
+              </a:rPr>
+              <a:t> </a:t>
+            </a:r>
+            <a:r>
+              <a:rPr lang="en-US" sz="2000" dirty="0">
+                <a:solidFill>
+                  <a:srgbClr val="000000"/>
+                </a:solidFill>
+                <a:latin typeface="Calibri" panose="020F0502020204030204" pitchFamily="34" charset="0"/>
+                <a:ea typeface="Calibri" panose="020F0502020204030204" pitchFamily="34" charset="0"/>
+                <a:cs typeface="Calibri" panose="020F0502020204030204" pitchFamily="34" charset="0"/>
+              </a:rPr>
+              <a:t>defer some part of object creation to subclasses, while </a:t>
+            </a:r>
+            <a:r>
+              <a:rPr lang="en-US" sz="2000" b="1" dirty="0">
+                <a:solidFill>
+                  <a:schemeClr val="accent6">
+                    <a:lumMod val="75000"/>
+                  </a:schemeClr>
+                </a:solidFill>
+                <a:latin typeface="Calibri" panose="020F0502020204030204" pitchFamily="34" charset="0"/>
+                <a:ea typeface="Calibri" panose="020F0502020204030204" pitchFamily="34" charset="0"/>
+                <a:cs typeface="Calibri" panose="020F0502020204030204" pitchFamily="34" charset="0"/>
+              </a:rPr>
+              <a:t>Creational</a:t>
+            </a:r>
+            <a:r>
+              <a:rPr lang="en-US" sz="2000" b="1" dirty="0">
+                <a:solidFill>
+                  <a:srgbClr val="000000"/>
+                </a:solidFill>
+                <a:latin typeface="Calibri" panose="020F0502020204030204" pitchFamily="34" charset="0"/>
+                <a:ea typeface="Calibri" panose="020F0502020204030204" pitchFamily="34" charset="0"/>
+                <a:cs typeface="Calibri" panose="020F0502020204030204" pitchFamily="34" charset="0"/>
+              </a:rPr>
+              <a:t> </a:t>
+            </a:r>
+            <a:r>
+              <a:rPr lang="en-US" sz="2000" b="1" dirty="0">
+                <a:solidFill>
+                  <a:srgbClr val="0070C0"/>
+                </a:solidFill>
+                <a:latin typeface="Calibri" panose="020F0502020204030204" pitchFamily="34" charset="0"/>
+                <a:ea typeface="Calibri" panose="020F0502020204030204" pitchFamily="34" charset="0"/>
+                <a:cs typeface="Calibri" panose="020F0502020204030204" pitchFamily="34" charset="0"/>
+              </a:rPr>
+              <a:t>object </a:t>
+            </a:r>
+            <a:r>
+              <a:rPr lang="en-US" sz="2000" b="1" dirty="0">
+                <a:latin typeface="Calibri" panose="020F0502020204030204" pitchFamily="34" charset="0"/>
+                <a:ea typeface="Calibri" panose="020F0502020204030204" pitchFamily="34" charset="0"/>
+                <a:cs typeface="Calibri" panose="020F0502020204030204" pitchFamily="34" charset="0"/>
+              </a:rPr>
+              <a:t>patterns</a:t>
+            </a:r>
+            <a:r>
+              <a:rPr lang="en-US" sz="2000" dirty="0">
+                <a:solidFill>
+                  <a:srgbClr val="0070C0"/>
+                </a:solidFill>
+                <a:latin typeface="Calibri" panose="020F0502020204030204" pitchFamily="34" charset="0"/>
+                <a:ea typeface="Calibri" panose="020F0502020204030204" pitchFamily="34" charset="0"/>
+                <a:cs typeface="Calibri" panose="020F0502020204030204" pitchFamily="34" charset="0"/>
+              </a:rPr>
+              <a:t> </a:t>
+            </a:r>
+            <a:r>
+              <a:rPr lang="en-US" sz="2000" dirty="0">
+                <a:solidFill>
+                  <a:srgbClr val="000000"/>
+                </a:solidFill>
+                <a:latin typeface="Calibri" panose="020F0502020204030204" pitchFamily="34" charset="0"/>
+                <a:ea typeface="Calibri" panose="020F0502020204030204" pitchFamily="34" charset="0"/>
+                <a:cs typeface="Calibri" panose="020F0502020204030204" pitchFamily="34" charset="0"/>
+              </a:rPr>
+              <a:t>defer it to another object. </a:t>
+            </a:r>
+          </a:p>
+          <a:p>
+            <a:pPr marL="285750" indent="-285750">
+              <a:buFont typeface="Wingdings" panose="05000000000000000000" pitchFamily="2" charset="2"/>
+              <a:buChar char="q"/>
+            </a:pPr>
+            <a:endParaRPr lang="en-US" sz="2000" dirty="0">
+              <a:solidFill>
+                <a:srgbClr val="000000"/>
+              </a:solidFill>
+              <a:latin typeface="Calibri" panose="020F0502020204030204" pitchFamily="34" charset="0"/>
+              <a:ea typeface="Calibri" panose="020F0502020204030204" pitchFamily="34" charset="0"/>
+              <a:cs typeface="Calibri" panose="020F0502020204030204" pitchFamily="34" charset="0"/>
+            </a:endParaRPr>
+          </a:p>
+          <a:p>
+            <a:pPr marL="285750" indent="-285750">
+              <a:buFont typeface="Wingdings" panose="05000000000000000000" pitchFamily="2" charset="2"/>
+              <a:buChar char="q"/>
+            </a:pPr>
+            <a:r>
+              <a:rPr lang="en-US" sz="2000" dirty="0">
+                <a:solidFill>
+                  <a:srgbClr val="000000"/>
+                </a:solidFill>
+                <a:latin typeface="Calibri" panose="020F0502020204030204" pitchFamily="34" charset="0"/>
+                <a:ea typeface="Calibri" panose="020F0502020204030204" pitchFamily="34" charset="0"/>
+                <a:cs typeface="Calibri" panose="020F0502020204030204" pitchFamily="34" charset="0"/>
+              </a:rPr>
+              <a:t>The </a:t>
+            </a:r>
+            <a:r>
+              <a:rPr lang="en-US" sz="2000" b="1" dirty="0">
+                <a:solidFill>
+                  <a:schemeClr val="accent6">
+                    <a:lumMod val="75000"/>
+                  </a:schemeClr>
+                </a:solidFill>
+                <a:latin typeface="Calibri" panose="020F0502020204030204" pitchFamily="34" charset="0"/>
+                <a:ea typeface="Calibri" panose="020F0502020204030204" pitchFamily="34" charset="0"/>
+                <a:cs typeface="Calibri" panose="020F0502020204030204" pitchFamily="34" charset="0"/>
+              </a:rPr>
+              <a:t>Structural</a:t>
+            </a:r>
+            <a:r>
+              <a:rPr lang="en-US" sz="2000" b="1" dirty="0">
+                <a:solidFill>
+                  <a:srgbClr val="000000"/>
+                </a:solidFill>
+                <a:latin typeface="Calibri" panose="020F0502020204030204" pitchFamily="34" charset="0"/>
+                <a:ea typeface="Calibri" panose="020F0502020204030204" pitchFamily="34" charset="0"/>
+                <a:cs typeface="Calibri" panose="020F0502020204030204" pitchFamily="34" charset="0"/>
+              </a:rPr>
+              <a:t> </a:t>
+            </a:r>
+            <a:r>
+              <a:rPr lang="en-US" sz="2000" b="1" dirty="0">
+                <a:solidFill>
+                  <a:srgbClr val="0070C0"/>
+                </a:solidFill>
+                <a:latin typeface="Calibri" panose="020F0502020204030204" pitchFamily="34" charset="0"/>
+                <a:ea typeface="Calibri" panose="020F0502020204030204" pitchFamily="34" charset="0"/>
+                <a:cs typeface="Calibri" panose="020F0502020204030204" pitchFamily="34" charset="0"/>
+              </a:rPr>
+              <a:t>class</a:t>
+            </a:r>
+            <a:r>
+              <a:rPr lang="en-US" sz="2000" b="1" dirty="0">
+                <a:solidFill>
+                  <a:srgbClr val="000000"/>
+                </a:solidFill>
+                <a:latin typeface="Calibri" panose="020F0502020204030204" pitchFamily="34" charset="0"/>
+                <a:ea typeface="Calibri" panose="020F0502020204030204" pitchFamily="34" charset="0"/>
+                <a:cs typeface="Calibri" panose="020F0502020204030204" pitchFamily="34" charset="0"/>
+              </a:rPr>
+              <a:t> </a:t>
+            </a:r>
+            <a:r>
+              <a:rPr lang="en-US" sz="2000" b="1" dirty="0">
+                <a:latin typeface="Calibri" panose="020F0502020204030204" pitchFamily="34" charset="0"/>
+                <a:ea typeface="Calibri" panose="020F0502020204030204" pitchFamily="34" charset="0"/>
+                <a:cs typeface="Calibri" panose="020F0502020204030204" pitchFamily="34" charset="0"/>
+              </a:rPr>
+              <a:t>patterns</a:t>
+            </a:r>
+            <a:r>
+              <a:rPr lang="en-US" sz="2000" b="1" dirty="0">
+                <a:solidFill>
+                  <a:srgbClr val="000000"/>
+                </a:solidFill>
+                <a:latin typeface="Calibri" panose="020F0502020204030204" pitchFamily="34" charset="0"/>
+                <a:ea typeface="Calibri" panose="020F0502020204030204" pitchFamily="34" charset="0"/>
+                <a:cs typeface="Calibri" panose="020F0502020204030204" pitchFamily="34" charset="0"/>
+              </a:rPr>
+              <a:t> </a:t>
+            </a:r>
+            <a:r>
+              <a:rPr lang="en-US" sz="2000" dirty="0">
+                <a:solidFill>
+                  <a:srgbClr val="000000"/>
+                </a:solidFill>
+                <a:latin typeface="Calibri" panose="020F0502020204030204" pitchFamily="34" charset="0"/>
+                <a:ea typeface="Calibri" panose="020F0502020204030204" pitchFamily="34" charset="0"/>
+                <a:cs typeface="Calibri" panose="020F0502020204030204" pitchFamily="34" charset="0"/>
+              </a:rPr>
+              <a:t>use inheritance to compose classes, while the</a:t>
+            </a:r>
+            <a:r>
+              <a:rPr lang="en-US" sz="2000" b="1" dirty="0">
+                <a:solidFill>
+                  <a:srgbClr val="000000"/>
+                </a:solidFill>
+                <a:latin typeface="Calibri" panose="020F0502020204030204" pitchFamily="34" charset="0"/>
+                <a:ea typeface="Calibri" panose="020F0502020204030204" pitchFamily="34" charset="0"/>
+                <a:cs typeface="Calibri" panose="020F0502020204030204" pitchFamily="34" charset="0"/>
+              </a:rPr>
+              <a:t> </a:t>
+            </a:r>
+            <a:r>
+              <a:rPr lang="en-US" sz="2000" b="1" dirty="0">
+                <a:solidFill>
+                  <a:schemeClr val="accent6">
+                    <a:lumMod val="75000"/>
+                  </a:schemeClr>
+                </a:solidFill>
+                <a:latin typeface="Calibri" panose="020F0502020204030204" pitchFamily="34" charset="0"/>
+                <a:ea typeface="Calibri" panose="020F0502020204030204" pitchFamily="34" charset="0"/>
+                <a:cs typeface="Calibri" panose="020F0502020204030204" pitchFamily="34" charset="0"/>
+              </a:rPr>
+              <a:t>Structural</a:t>
+            </a:r>
+            <a:r>
+              <a:rPr lang="en-US" sz="2000" b="1" dirty="0">
+                <a:solidFill>
+                  <a:srgbClr val="000000"/>
+                </a:solidFill>
+                <a:latin typeface="Calibri" panose="020F0502020204030204" pitchFamily="34" charset="0"/>
+                <a:ea typeface="Calibri" panose="020F0502020204030204" pitchFamily="34" charset="0"/>
+                <a:cs typeface="Calibri" panose="020F0502020204030204" pitchFamily="34" charset="0"/>
+              </a:rPr>
+              <a:t> </a:t>
+            </a:r>
+            <a:r>
+              <a:rPr lang="en-US" sz="2000" b="1" dirty="0">
+                <a:solidFill>
+                  <a:srgbClr val="0070C0"/>
+                </a:solidFill>
+                <a:latin typeface="Calibri" panose="020F0502020204030204" pitchFamily="34" charset="0"/>
+                <a:ea typeface="Calibri" panose="020F0502020204030204" pitchFamily="34" charset="0"/>
+                <a:cs typeface="Calibri" panose="020F0502020204030204" pitchFamily="34" charset="0"/>
+              </a:rPr>
+              <a:t>object</a:t>
+            </a:r>
+            <a:r>
+              <a:rPr lang="en-US" sz="2000" b="1" dirty="0">
+                <a:solidFill>
+                  <a:srgbClr val="000000"/>
+                </a:solidFill>
+                <a:latin typeface="Calibri" panose="020F0502020204030204" pitchFamily="34" charset="0"/>
+                <a:ea typeface="Calibri" panose="020F0502020204030204" pitchFamily="34" charset="0"/>
+                <a:cs typeface="Calibri" panose="020F0502020204030204" pitchFamily="34" charset="0"/>
+              </a:rPr>
+              <a:t> patterns</a:t>
+            </a:r>
+            <a:r>
+              <a:rPr lang="en-US" sz="2000" dirty="0">
+                <a:solidFill>
+                  <a:srgbClr val="000000"/>
+                </a:solidFill>
+                <a:latin typeface="Calibri" panose="020F0502020204030204" pitchFamily="34" charset="0"/>
+                <a:ea typeface="Calibri" panose="020F0502020204030204" pitchFamily="34" charset="0"/>
+                <a:cs typeface="Calibri" panose="020F0502020204030204" pitchFamily="34" charset="0"/>
+              </a:rPr>
+              <a:t> describe ways to assemble objects.</a:t>
+            </a:r>
+          </a:p>
+          <a:p>
+            <a:pPr marL="285750" indent="-285750">
+              <a:buFont typeface="Wingdings" panose="05000000000000000000" pitchFamily="2" charset="2"/>
+              <a:buChar char="q"/>
+            </a:pPr>
+            <a:endParaRPr lang="en-US" sz="2000" dirty="0">
+              <a:solidFill>
+                <a:srgbClr val="000000"/>
+              </a:solidFill>
+              <a:latin typeface="Calibri" panose="020F0502020204030204" pitchFamily="34" charset="0"/>
+              <a:ea typeface="Calibri" panose="020F0502020204030204" pitchFamily="34" charset="0"/>
+              <a:cs typeface="Calibri" panose="020F0502020204030204" pitchFamily="34" charset="0"/>
+            </a:endParaRPr>
+          </a:p>
+          <a:p>
+            <a:pPr marL="285750" indent="-285750">
+              <a:buFont typeface="Wingdings" panose="05000000000000000000" pitchFamily="2" charset="2"/>
+              <a:buChar char="q"/>
+            </a:pPr>
+            <a:endParaRPr lang="en-US" sz="2000" dirty="0">
+              <a:solidFill>
+                <a:srgbClr val="000000"/>
+              </a:solidFill>
+              <a:latin typeface="Calibri" panose="020F0502020204030204" pitchFamily="34" charset="0"/>
+              <a:ea typeface="Calibri" panose="020F0502020204030204" pitchFamily="34" charset="0"/>
+              <a:cs typeface="Calibri" panose="020F0502020204030204" pitchFamily="34" charset="0"/>
+            </a:endParaRPr>
+          </a:p>
+          <a:p>
+            <a:pPr marL="285750" indent="-285750">
+              <a:buFont typeface="Wingdings" panose="05000000000000000000" pitchFamily="2" charset="2"/>
+              <a:buChar char="q"/>
+            </a:pPr>
+            <a:r>
+              <a:rPr lang="en-US" sz="2000" dirty="0">
+                <a:solidFill>
+                  <a:srgbClr val="000000"/>
+                </a:solidFill>
+                <a:latin typeface="Calibri" panose="020F0502020204030204" pitchFamily="34" charset="0"/>
+                <a:ea typeface="Calibri" panose="020F0502020204030204" pitchFamily="34" charset="0"/>
+                <a:cs typeface="Calibri" panose="020F0502020204030204" pitchFamily="34" charset="0"/>
+              </a:rPr>
+              <a:t>The </a:t>
+            </a:r>
+            <a:r>
+              <a:rPr lang="en-US" sz="2000" b="1" dirty="0">
+                <a:solidFill>
+                  <a:schemeClr val="accent6">
+                    <a:lumMod val="75000"/>
+                  </a:schemeClr>
+                </a:solidFill>
+                <a:latin typeface="Calibri" panose="020F0502020204030204" pitchFamily="34" charset="0"/>
+                <a:ea typeface="Calibri" panose="020F0502020204030204" pitchFamily="34" charset="0"/>
+                <a:cs typeface="Calibri" panose="020F0502020204030204" pitchFamily="34" charset="0"/>
+              </a:rPr>
+              <a:t>Behavioral</a:t>
+            </a:r>
+            <a:r>
+              <a:rPr lang="en-US" sz="2000" b="1" dirty="0">
+                <a:solidFill>
+                  <a:srgbClr val="000000"/>
+                </a:solidFill>
+                <a:latin typeface="Calibri" panose="020F0502020204030204" pitchFamily="34" charset="0"/>
+                <a:ea typeface="Calibri" panose="020F0502020204030204" pitchFamily="34" charset="0"/>
+                <a:cs typeface="Calibri" panose="020F0502020204030204" pitchFamily="34" charset="0"/>
+              </a:rPr>
+              <a:t> </a:t>
+            </a:r>
+            <a:r>
+              <a:rPr lang="en-US" sz="2000" b="1" dirty="0">
+                <a:solidFill>
+                  <a:srgbClr val="0070C0"/>
+                </a:solidFill>
+                <a:latin typeface="Calibri" panose="020F0502020204030204" pitchFamily="34" charset="0"/>
+                <a:ea typeface="Calibri" panose="020F0502020204030204" pitchFamily="34" charset="0"/>
+                <a:cs typeface="Calibri" panose="020F0502020204030204" pitchFamily="34" charset="0"/>
+              </a:rPr>
+              <a:t>class</a:t>
+            </a:r>
+            <a:r>
+              <a:rPr lang="en-US" sz="2000" b="1" dirty="0">
+                <a:solidFill>
+                  <a:srgbClr val="000000"/>
+                </a:solidFill>
+                <a:latin typeface="Calibri" panose="020F0502020204030204" pitchFamily="34" charset="0"/>
+                <a:ea typeface="Calibri" panose="020F0502020204030204" pitchFamily="34" charset="0"/>
+                <a:cs typeface="Calibri" panose="020F0502020204030204" pitchFamily="34" charset="0"/>
+              </a:rPr>
+              <a:t> </a:t>
+            </a:r>
+            <a:r>
+              <a:rPr lang="en-US" sz="2000" b="1" dirty="0">
+                <a:solidFill>
+                  <a:srgbClr val="0070C0"/>
+                </a:solidFill>
+                <a:latin typeface="Calibri" panose="020F0502020204030204" pitchFamily="34" charset="0"/>
+                <a:ea typeface="Calibri" panose="020F0502020204030204" pitchFamily="34" charset="0"/>
+                <a:cs typeface="Calibri" panose="020F0502020204030204" pitchFamily="34" charset="0"/>
+              </a:rPr>
+              <a:t>patterns</a:t>
+            </a:r>
+            <a:r>
+              <a:rPr lang="en-US" sz="2000" b="1" dirty="0">
+                <a:solidFill>
+                  <a:srgbClr val="000000"/>
+                </a:solidFill>
+                <a:latin typeface="Calibri" panose="020F0502020204030204" pitchFamily="34" charset="0"/>
+                <a:ea typeface="Calibri" panose="020F0502020204030204" pitchFamily="34" charset="0"/>
+                <a:cs typeface="Calibri" panose="020F0502020204030204" pitchFamily="34" charset="0"/>
+              </a:rPr>
+              <a:t> </a:t>
+            </a:r>
+            <a:r>
+              <a:rPr lang="en-US" sz="2000" dirty="0">
+                <a:solidFill>
+                  <a:srgbClr val="000000"/>
+                </a:solidFill>
+                <a:latin typeface="Calibri" panose="020F0502020204030204" pitchFamily="34" charset="0"/>
+                <a:ea typeface="Calibri" panose="020F0502020204030204" pitchFamily="34" charset="0"/>
+                <a:cs typeface="Calibri" panose="020F0502020204030204" pitchFamily="34" charset="0"/>
+              </a:rPr>
+              <a:t>use inheritance to describe algorithms and flow of control, whereas the </a:t>
+            </a:r>
+            <a:r>
+              <a:rPr lang="en-US" sz="2000" b="1" dirty="0">
+                <a:solidFill>
+                  <a:schemeClr val="accent6">
+                    <a:lumMod val="75000"/>
+                  </a:schemeClr>
+                </a:solidFill>
+                <a:latin typeface="Calibri" panose="020F0502020204030204" pitchFamily="34" charset="0"/>
+                <a:ea typeface="Calibri" panose="020F0502020204030204" pitchFamily="34" charset="0"/>
+                <a:cs typeface="Calibri" panose="020F0502020204030204" pitchFamily="34" charset="0"/>
+              </a:rPr>
+              <a:t>Behavioral</a:t>
+            </a:r>
+            <a:r>
+              <a:rPr lang="en-US" sz="2000" b="1" dirty="0">
+                <a:solidFill>
+                  <a:srgbClr val="000000"/>
+                </a:solidFill>
+                <a:latin typeface="Calibri" panose="020F0502020204030204" pitchFamily="34" charset="0"/>
+                <a:ea typeface="Calibri" panose="020F0502020204030204" pitchFamily="34" charset="0"/>
+                <a:cs typeface="Calibri" panose="020F0502020204030204" pitchFamily="34" charset="0"/>
+              </a:rPr>
+              <a:t> </a:t>
+            </a:r>
+            <a:r>
+              <a:rPr lang="en-US" sz="2000" b="1" dirty="0">
+                <a:solidFill>
+                  <a:srgbClr val="0070C0"/>
+                </a:solidFill>
+                <a:latin typeface="Calibri" panose="020F0502020204030204" pitchFamily="34" charset="0"/>
+                <a:ea typeface="Calibri" panose="020F0502020204030204" pitchFamily="34" charset="0"/>
+                <a:cs typeface="Calibri" panose="020F0502020204030204" pitchFamily="34" charset="0"/>
+              </a:rPr>
+              <a:t>object </a:t>
+            </a:r>
+            <a:r>
+              <a:rPr lang="en-US" sz="2000" b="1" dirty="0">
+                <a:latin typeface="Calibri" panose="020F0502020204030204" pitchFamily="34" charset="0"/>
+                <a:ea typeface="Calibri" panose="020F0502020204030204" pitchFamily="34" charset="0"/>
+                <a:cs typeface="Calibri" panose="020F0502020204030204" pitchFamily="34" charset="0"/>
+              </a:rPr>
+              <a:t>patterns</a:t>
+            </a:r>
+            <a:r>
+              <a:rPr lang="en-US" sz="2000" b="1" dirty="0">
+                <a:solidFill>
+                  <a:srgbClr val="0070C0"/>
+                </a:solidFill>
+                <a:latin typeface="Calibri" panose="020F0502020204030204" pitchFamily="34" charset="0"/>
+                <a:ea typeface="Calibri" panose="020F0502020204030204" pitchFamily="34" charset="0"/>
+                <a:cs typeface="Calibri" panose="020F0502020204030204" pitchFamily="34" charset="0"/>
+              </a:rPr>
+              <a:t> </a:t>
+            </a:r>
+            <a:r>
+              <a:rPr lang="en-US" sz="2000" dirty="0">
+                <a:solidFill>
+                  <a:srgbClr val="000000"/>
+                </a:solidFill>
+                <a:latin typeface="Calibri" panose="020F0502020204030204" pitchFamily="34" charset="0"/>
+                <a:ea typeface="Calibri" panose="020F0502020204030204" pitchFamily="34" charset="0"/>
+                <a:cs typeface="Calibri" panose="020F0502020204030204" pitchFamily="34" charset="0"/>
+              </a:rPr>
+              <a:t>describe how a group of objects cooperate to perform a task that no single object can carry out alone.</a:t>
+            </a:r>
+            <a:endParaRPr lang="en-US" sz="2000" b="0" i="0" dirty="0">
+              <a:solidFill>
+                <a:srgbClr val="000000"/>
+              </a:solidFill>
+              <a:effectLst/>
+              <a:latin typeface="Calibri" panose="020F0502020204030204" pitchFamily="34" charset="0"/>
+              <a:ea typeface="Calibri" panose="020F0502020204030204" pitchFamily="34" charset="0"/>
+              <a:cs typeface="Calibri" panose="020F0502020204030204" pitchFamily="34" charset="0"/>
+            </a:endParaRPr>
           </a:p>
         </p:txBody>
       </p:sp>
     </p:spTree>
+    <p:extLst>
+      <p:ext uri="{BB962C8B-B14F-4D97-AF65-F5344CB8AC3E}">
+        <p14:creationId xmlns:p14="http://schemas.microsoft.com/office/powerpoint/2010/main" val="3451579543"/>
+      </p:ext>
+    </p:extLst>
   </p:cSld>
   <p:clrMapOvr>
     <a:masterClrMapping/>
   </p:clrMapOvr>
-  <p:timing>
-    <p:tnLst>
-      <p:par>
-        <p:cTn id="1" dur="indefinite" restart="never" nodeType="tmRoot">
-          <p:childTnLst>
-            <p:seq>
-              <p:cTn id="2" dur="indefinite" nodeType="mainSeq"/>
-              <p:prevCondLst>
-                <p:cond evt="onPrev" delay="0">
-                  <p:tgtEl>
-                    <p:sldTgt/>
-                  </p:tgtEl>
-                </p:cond>
-              </p:prevCondLst>
-              <p:nextCondLst>
-                <p:cond evt="onNext" delay="0">
-                  <p:tgtEl>
-                    <p:sldTgt/>
-                  </p:tgtEl>
-                </p:cond>
-              </p:nextCondLst>
-            </p:seq>
-          </p:childTnLst>
-        </p:cTn>
-      </p:par>
-    </p:tnLst>
-  </p:timing>
 </p:sld>
 </file>
 

--- a/design-patterns/introduction.pptx
+++ b/design-patterns/introduction.pptx
@@ -4712,7 +4712,7 @@
                 </a:solidFill>
                 <a:latin typeface="Calibri"/>
               </a:rPr>
-              <a:t>7/16/2022</a:t>
+              <a:t>1/28/2024</a:t>
             </a:fld>
             <a:endParaRPr lang="en-US" sz="1200" b="0" strike="noStrike" spc="-1">
               <a:latin typeface="Times New Roman"/>
@@ -5522,7 +5522,7 @@
                 </a:solidFill>
                 <a:latin typeface="Calibri"/>
               </a:rPr>
-              <a:t>7/16/2022</a:t>
+              <a:t>1/28/2024</a:t>
             </a:fld>
             <a:endParaRPr lang="en-US" sz="1200" b="0" strike="noStrike" spc="-1">
               <a:latin typeface="Times New Roman"/>
@@ -9332,8 +9332,8 @@
         </p:blipFill>
         <p:spPr>
           <a:xfrm>
-            <a:off x="989222" y="1690200"/>
-            <a:ext cx="10364098" cy="4740051"/>
+            <a:off x="979697" y="1585425"/>
+            <a:ext cx="7278478" cy="3328833"/>
           </a:xfrm>
           <a:prstGeom prst="rect">
             <a:avLst/>
@@ -9348,6 +9348,62 @@
               </a:srgbClr>
             </a:outerShdw>
           </a:effectLst>
+        </p:spPr>
+      </p:pic>
+      <p:pic>
+        <p:nvPicPr>
+          <p:cNvPr id="5" name="Picture 4">
+            <a:extLst>
+              <a:ext uri="{FF2B5EF4-FFF2-40B4-BE49-F238E27FC236}">
+                <a16:creationId xmlns:a16="http://schemas.microsoft.com/office/drawing/2014/main" id="{8910CFA4-4CB1-4B4E-9AF3-B14E9A746E07}"/>
+              </a:ext>
+            </a:extLst>
+          </p:cNvPr>
+          <p:cNvPicPr>
+            <a:picLocks noChangeAspect="1"/>
+          </p:cNvPicPr>
+          <p:nvPr/>
+        </p:nvPicPr>
+        <p:blipFill>
+          <a:blip r:embed="rId3"/>
+          <a:stretch>
+            <a:fillRect/>
+          </a:stretch>
+        </p:blipFill>
+        <p:spPr>
+          <a:xfrm>
+            <a:off x="5409916" y="5154210"/>
+            <a:ext cx="6553768" cy="1463167"/>
+          </a:xfrm>
+          <a:prstGeom prst="roundRect">
+            <a:avLst>
+              <a:gd name="adj" fmla="val 4167"/>
+            </a:avLst>
+          </a:prstGeom>
+          <a:solidFill>
+            <a:srgbClr val="FFFFFF"/>
+          </a:solidFill>
+          <a:ln w="76200" cap="sq">
+            <a:solidFill>
+              <a:srgbClr val="EAEAEA"/>
+            </a:solidFill>
+            <a:miter lim="800000"/>
+          </a:ln>
+          <a:effectLst>
+            <a:reflection blurRad="12700" stA="33000" endPos="28000" dist="5000" dir="5400000" sy="-100000" algn="bl" rotWithShape="0"/>
+          </a:effectLst>
+          <a:scene3d>
+            <a:camera prst="orthographicFront"/>
+            <a:lightRig rig="threePt" dir="t">
+              <a:rot lat="0" lon="0" rev="2700000"/>
+            </a:lightRig>
+          </a:scene3d>
+          <a:sp3d contourW="6350">
+            <a:bevelT h="38100"/>
+            <a:contourClr>
+              <a:srgbClr val="C0C0C0"/>
+            </a:contourClr>
+          </a:sp3d>
         </p:spPr>
       </p:pic>
     </p:spTree>
